--- a/Курсовая Машинный перевод.pptx
+++ b/Курсовая Машинный перевод.pptx
@@ -2,7 +2,7 @@
 <file path=ppt/presentation.xml><?xml version="1.0" encoding="utf-8"?>
 <p:presentation xmlns:a="http://schemas.openxmlformats.org/drawingml/2006/main" xmlns:r="http://schemas.openxmlformats.org/officeDocument/2006/relationships" xmlns:p="http://schemas.openxmlformats.org/presentationml/2006/main" saveSubsetFonts="1">
   <p:sldMasterIdLst>
-    <p:sldMasterId id="2147483816" r:id="rId1"/>
+    <p:sldMasterId id="2147483864" r:id="rId1"/>
   </p:sldMasterIdLst>
   <p:sldIdLst>
     <p:sldId id="256" r:id="rId2"/>
@@ -14,7 +14,7 @@
     <p:sldId id="262" r:id="rId8"/>
     <p:sldId id="263" r:id="rId9"/>
     <p:sldId id="264" r:id="rId10"/>
-    <p:sldId id="265" r:id="rId11"/>
+    <p:sldId id="269" r:id="rId11"/>
     <p:sldId id="266" r:id="rId12"/>
     <p:sldId id="267" r:id="rId13"/>
     <p:sldId id="268" r:id="rId14"/>
@@ -138,7 +138,7 @@
       </p:grpSpPr>
       <p:sp>
         <p:nvSpPr>
-          <p:cNvPr id="8" name="Заголовок 7"/>
+          <p:cNvPr id="14" name="Заголовок 13"/>
           <p:cNvSpPr>
             <a:spLocks noGrp="1"/>
           </p:cNvSpPr>
@@ -148,61 +148,17 @@
         </p:nvSpPr>
         <p:spPr>
           <a:xfrm>
-            <a:off x="422030" y="1371600"/>
-            <a:ext cx="8229600" cy="1828800"/>
+            <a:off x="1432560" y="359898"/>
+            <a:ext cx="7406640" cy="1472184"/>
           </a:xfrm>
         </p:spPr>
         <p:txBody>
-          <a:bodyPr vert="horz" lIns="45720" tIns="0" rIns="45720" bIns="0" anchor="b">
-            <a:normAutofit/>
-            <a:scene3d>
-              <a:camera prst="orthographicFront"/>
-              <a:lightRig rig="soft" dir="t">
-                <a:rot lat="0" lon="0" rev="17220000"/>
-              </a:lightRig>
-            </a:scene3d>
-            <a:sp3d prstMaterial="softEdge">
-              <a:bevelT w="38100" h="38100"/>
-            </a:sp3d>
-          </a:bodyPr>
-          <a:lstStyle>
-            <a:lvl1pPr>
-              <a:defRPr sz="4800" b="1" cap="all" baseline="0">
-                <a:ln w="6350">
-                  <a:noFill/>
-                </a:ln>
-                <a:gradFill>
-                  <a:gsLst>
-                    <a:gs pos="0">
-                      <a:schemeClr val="accent1">
-                        <a:tint val="73000"/>
-                        <a:satMod val="145000"/>
-                      </a:schemeClr>
-                    </a:gs>
-                    <a:gs pos="73000">
-                      <a:schemeClr val="accent1">
-                        <a:tint val="73000"/>
-                        <a:satMod val="145000"/>
-                      </a:schemeClr>
-                    </a:gs>
-                    <a:gs pos="100000">
-                      <a:schemeClr val="accent1">
-                        <a:tint val="83000"/>
-                        <a:satMod val="143000"/>
-                      </a:schemeClr>
-                    </a:gs>
-                  </a:gsLst>
-                  <a:lin ang="4800000" scaled="1"/>
-                </a:gradFill>
-                <a:effectLst>
-                  <a:outerShdw blurRad="127000" dist="200000" dir="2700000" algn="tl" rotWithShape="0">
-                    <a:srgbClr val="000000">
-                      <a:alpha val="30000"/>
-                    </a:srgbClr>
-                  </a:outerShdw>
-                </a:effectLst>
-              </a:defRPr>
+          <a:bodyPr anchor="b"/>
+          <a:lstStyle>
+            <a:lvl1pPr algn="l">
+              <a:defRPr/>
             </a:lvl1pPr>
+            <a:extLst/>
           </a:lstStyle>
           <a:p>
             <a:r>
@@ -215,74 +171,7 @@
       </p:sp>
       <p:sp>
         <p:nvSpPr>
-          <p:cNvPr id="28" name="Дата 27"/>
-          <p:cNvSpPr>
-            <a:spLocks noGrp="1"/>
-          </p:cNvSpPr>
-          <p:nvPr>
-            <p:ph type="dt" sz="half" idx="10"/>
-          </p:nvPr>
-        </p:nvSpPr>
-        <p:spPr/>
-        <p:txBody>
-          <a:bodyPr/>
-          <a:lstStyle/>
-          <a:p>
-            <a:fld id="{7EAF463A-BC7C-46EE-9F1E-7F377CCA4891}" type="datetimeFigureOut">
-              <a:rPr lang="en-US" smtClean="0"/>
-              <a:pPr/>
-              <a:t>1/13/2019</a:t>
-            </a:fld>
-            <a:endParaRPr lang="en-US"/>
-          </a:p>
-        </p:txBody>
-      </p:sp>
-      <p:sp>
-        <p:nvSpPr>
-          <p:cNvPr id="17" name="Нижний колонтитул 16"/>
-          <p:cNvSpPr>
-            <a:spLocks noGrp="1"/>
-          </p:cNvSpPr>
-          <p:nvPr>
-            <p:ph type="ftr" sz="quarter" idx="11"/>
-          </p:nvPr>
-        </p:nvSpPr>
-        <p:spPr/>
-        <p:txBody>
-          <a:bodyPr/>
-          <a:lstStyle/>
-          <a:p>
-            <a:endParaRPr lang="en-US"/>
-          </a:p>
-        </p:txBody>
-      </p:sp>
-      <p:sp>
-        <p:nvSpPr>
-          <p:cNvPr id="29" name="Номер слайда 28"/>
-          <p:cNvSpPr>
-            <a:spLocks noGrp="1"/>
-          </p:cNvSpPr>
-          <p:nvPr>
-            <p:ph type="sldNum" sz="quarter" idx="12"/>
-          </p:nvPr>
-        </p:nvSpPr>
-        <p:spPr/>
-        <p:txBody>
-          <a:bodyPr/>
-          <a:lstStyle/>
-          <a:p>
-            <a:fld id="{A483448D-3A78-4528-A469-B745A65DA480}" type="slidenum">
-              <a:rPr lang="en-US" smtClean="0"/>
-              <a:pPr/>
-              <a:t>‹#›</a:t>
-            </a:fld>
-            <a:endParaRPr lang="en-US"/>
-          </a:p>
-        </p:txBody>
-      </p:sp>
-      <p:sp>
-        <p:nvSpPr>
-          <p:cNvPr id="9" name="Подзаголовок 8"/>
+          <p:cNvPr id="22" name="Подзаголовок 21"/>
           <p:cNvSpPr>
             <a:spLocks noGrp="1"/>
           </p:cNvSpPr>
@@ -292,18 +181,21 @@
         </p:nvSpPr>
         <p:spPr>
           <a:xfrm>
-            <a:off x="1371600" y="3331698"/>
-            <a:ext cx="6400800" cy="1752600"/>
+            <a:off x="1432560" y="1850064"/>
+            <a:ext cx="7406640" cy="1752600"/>
           </a:xfrm>
         </p:spPr>
         <p:txBody>
-          <a:bodyPr/>
-          <a:lstStyle>
-            <a:lvl1pPr marL="0" indent="0" algn="ctr">
+          <a:bodyPr tIns="0"/>
+          <a:lstStyle>
+            <a:lvl1pPr marL="27432" indent="0" algn="l">
               <a:buNone/>
-              <a:defRPr>
+              <a:defRPr sz="2600">
                 <a:solidFill>
-                  <a:schemeClr val="tx1"/>
+                  <a:schemeClr val="tx2">
+                    <a:shade val="30000"/>
+                    <a:satMod val="150000"/>
+                  </a:schemeClr>
                 </a:solidFill>
               </a:defRPr>
             </a:lvl1pPr>
@@ -331,12 +223,224 @@
             <a:lvl9pPr marL="3657600" indent="0" algn="ctr">
               <a:buNone/>
             </a:lvl9pPr>
+            <a:extLst/>
           </a:lstStyle>
           <a:p>
             <a:r>
               <a:rPr kumimoji="0" lang="ru-RU" smtClean="0"/>
               <a:t>Образец подзаголовка</a:t>
             </a:r>
+            <a:endParaRPr kumimoji="0" lang="en-US"/>
+          </a:p>
+        </p:txBody>
+      </p:sp>
+      <p:sp>
+        <p:nvSpPr>
+          <p:cNvPr id="7" name="Дата 6"/>
+          <p:cNvSpPr>
+            <a:spLocks noGrp="1"/>
+          </p:cNvSpPr>
+          <p:nvPr>
+            <p:ph type="dt" sz="half" idx="10"/>
+          </p:nvPr>
+        </p:nvSpPr>
+        <p:spPr/>
+        <p:txBody>
+          <a:bodyPr/>
+          <a:lstStyle>
+            <a:extLst/>
+          </a:lstStyle>
+          <a:p>
+            <a:fld id="{7EAF463A-BC7C-46EE-9F1E-7F377CCA4891}" type="datetimeFigureOut">
+              <a:rPr lang="en-US" smtClean="0"/>
+              <a:pPr/>
+              <a:t>1/30/2019</a:t>
+            </a:fld>
+            <a:endParaRPr lang="en-US"/>
+          </a:p>
+        </p:txBody>
+      </p:sp>
+      <p:sp>
+        <p:nvSpPr>
+          <p:cNvPr id="20" name="Нижний колонтитул 19"/>
+          <p:cNvSpPr>
+            <a:spLocks noGrp="1"/>
+          </p:cNvSpPr>
+          <p:nvPr>
+            <p:ph type="ftr" sz="quarter" idx="11"/>
+          </p:nvPr>
+        </p:nvSpPr>
+        <p:spPr/>
+        <p:txBody>
+          <a:bodyPr/>
+          <a:lstStyle>
+            <a:extLst/>
+          </a:lstStyle>
+          <a:p>
+            <a:endParaRPr lang="en-US"/>
+          </a:p>
+        </p:txBody>
+      </p:sp>
+      <p:sp>
+        <p:nvSpPr>
+          <p:cNvPr id="10" name="Номер слайда 9"/>
+          <p:cNvSpPr>
+            <a:spLocks noGrp="1"/>
+          </p:cNvSpPr>
+          <p:nvPr>
+            <p:ph type="sldNum" sz="quarter" idx="12"/>
+          </p:nvPr>
+        </p:nvSpPr>
+        <p:spPr/>
+        <p:txBody>
+          <a:bodyPr/>
+          <a:lstStyle>
+            <a:extLst/>
+          </a:lstStyle>
+          <a:p>
+            <a:fld id="{A483448D-3A78-4528-A469-B745A65DA480}" type="slidenum">
+              <a:rPr lang="en-US" smtClean="0"/>
+              <a:pPr/>
+              <a:t>‹#›</a:t>
+            </a:fld>
+            <a:endParaRPr lang="en-US"/>
+          </a:p>
+        </p:txBody>
+      </p:sp>
+      <p:sp>
+        <p:nvSpPr>
+          <p:cNvPr id="8" name="Овал 7"/>
+          <p:cNvSpPr/>
+          <p:nvPr/>
+        </p:nvSpPr>
+        <p:spPr>
+          <a:xfrm>
+            <a:off x="921433" y="1413802"/>
+            <a:ext cx="210312" cy="210312"/>
+          </a:xfrm>
+          <a:prstGeom prst="ellipse">
+            <a:avLst/>
+          </a:prstGeom>
+          <a:gradFill rotWithShape="1">
+            <a:gsLst>
+              <a:gs pos="0">
+                <a:schemeClr val="accent1">
+                  <a:tint val="20000"/>
+                  <a:satMod val="450000"/>
+                  <a:alpha val="95000"/>
+                </a:schemeClr>
+              </a:gs>
+              <a:gs pos="50000">
+                <a:schemeClr val="accent1">
+                  <a:tint val="38000"/>
+                  <a:satMod val="250000"/>
+                  <a:alpha val="90000"/>
+                </a:schemeClr>
+              </a:gs>
+              <a:gs pos="95000">
+                <a:schemeClr val="accent1">
+                  <a:tint val="75000"/>
+                  <a:satMod val="255000"/>
+                  <a:alpha val="88000"/>
+                </a:schemeClr>
+              </a:gs>
+              <a:gs pos="100000">
+                <a:schemeClr val="accent1">
+                  <a:tint val="100000"/>
+                  <a:shade val="90000"/>
+                  <a:satMod val="255000"/>
+                  <a:alpha val="85000"/>
+                </a:schemeClr>
+              </a:gs>
+            </a:gsLst>
+            <a:path path="circle">
+              <a:fillToRect l="25000" t="12500" r="75000" b="87500"/>
+            </a:path>
+          </a:gradFill>
+          <a:ln w="2000" cap="rnd" cmpd="sng" algn="ctr">
+            <a:solidFill>
+              <a:schemeClr val="accent1">
+                <a:shade val="90000"/>
+                <a:satMod val="110000"/>
+                <a:alpha val="60000"/>
+              </a:schemeClr>
+            </a:solidFill>
+            <a:prstDash val="solid"/>
+          </a:ln>
+          <a:effectLst/>
+        </p:spPr>
+        <p:style>
+          <a:lnRef idx="1">
+            <a:schemeClr val="accent1"/>
+          </a:lnRef>
+          <a:fillRef idx="2">
+            <a:schemeClr val="accent1"/>
+          </a:fillRef>
+          <a:effectRef idx="1">
+            <a:schemeClr val="accent1"/>
+          </a:effectRef>
+          <a:fontRef idx="minor">
+            <a:schemeClr val="dk1"/>
+          </a:fontRef>
+        </p:style>
+        <p:txBody>
+          <a:bodyPr anchor="ctr"/>
+          <a:lstStyle>
+            <a:extLst/>
+          </a:lstStyle>
+          <a:p>
+            <a:pPr algn="ctr" eaLnBrk="1" latinLnBrk="0" hangingPunct="1"/>
+            <a:endParaRPr kumimoji="0" lang="en-US"/>
+          </a:p>
+        </p:txBody>
+      </p:sp>
+      <p:sp>
+        <p:nvSpPr>
+          <p:cNvPr id="9" name="Овал 8"/>
+          <p:cNvSpPr/>
+          <p:nvPr/>
+        </p:nvSpPr>
+        <p:spPr>
+          <a:xfrm>
+            <a:off x="1157176" y="1345016"/>
+            <a:ext cx="64008" cy="64008"/>
+          </a:xfrm>
+          <a:prstGeom prst="ellipse">
+            <a:avLst/>
+          </a:prstGeom>
+          <a:noFill/>
+          <a:ln w="12700" cap="rnd" cmpd="sng" algn="ctr">
+            <a:solidFill>
+              <a:schemeClr val="accent1">
+                <a:shade val="75000"/>
+                <a:alpha val="60000"/>
+              </a:schemeClr>
+            </a:solidFill>
+            <a:prstDash val="solid"/>
+          </a:ln>
+          <a:effectLst/>
+        </p:spPr>
+        <p:style>
+          <a:lnRef idx="1">
+            <a:schemeClr val="accent1"/>
+          </a:lnRef>
+          <a:fillRef idx="2">
+            <a:schemeClr val="accent1"/>
+          </a:fillRef>
+          <a:effectRef idx="1">
+            <a:schemeClr val="accent1"/>
+          </a:effectRef>
+          <a:fontRef idx="minor">
+            <a:schemeClr val="dk1"/>
+          </a:fontRef>
+        </p:style>
+        <p:txBody>
+          <a:bodyPr anchor="ctr"/>
+          <a:lstStyle>
+            <a:extLst/>
+          </a:lstStyle>
+          <a:p>
+            <a:pPr algn="ctr" eaLnBrk="1" latinLnBrk="0" hangingPunct="1"/>
             <a:endParaRPr kumimoji="0" lang="en-US"/>
           </a:p>
         </p:txBody>
@@ -379,7 +483,9 @@
         <p:spPr/>
         <p:txBody>
           <a:bodyPr/>
-          <a:lstStyle/>
+          <a:lstStyle>
+            <a:extLst/>
+          </a:lstStyle>
           <a:p>
             <a:r>
               <a:rPr kumimoji="0" lang="ru-RU" smtClean="0"/>
@@ -402,7 +508,9 @@
         <p:spPr/>
         <p:txBody>
           <a:bodyPr vert="eaVert"/>
-          <a:lstStyle/>
+          <a:lstStyle>
+            <a:extLst/>
+          </a:lstStyle>
           <a:p>
             <a:pPr lvl="0" eaLnBrk="1" latinLnBrk="0" hangingPunct="1"/>
             <a:r>
@@ -454,12 +562,14 @@
         <p:spPr/>
         <p:txBody>
           <a:bodyPr/>
-          <a:lstStyle/>
+          <a:lstStyle>
+            <a:extLst/>
+          </a:lstStyle>
           <a:p>
             <a:fld id="{7EAF463A-BC7C-46EE-9F1E-7F377CCA4891}" type="datetimeFigureOut">
               <a:rPr lang="en-US" smtClean="0"/>
               <a:pPr/>
-              <a:t>1/13/2019</a:t>
+              <a:t>1/30/2019</a:t>
             </a:fld>
             <a:endParaRPr lang="en-US"/>
           </a:p>
@@ -478,7 +588,9 @@
         <p:spPr/>
         <p:txBody>
           <a:bodyPr/>
-          <a:lstStyle/>
+          <a:lstStyle>
+            <a:extLst/>
+          </a:lstStyle>
           <a:p>
             <a:endParaRPr lang="en-US"/>
           </a:p>
@@ -497,7 +609,9 @@
         <p:spPr/>
         <p:txBody>
           <a:bodyPr/>
-          <a:lstStyle/>
+          <a:lstStyle>
+            <a:extLst/>
+          </a:lstStyle>
           <a:p>
             <a:fld id="{A483448D-3A78-4528-A469-B745A65DA480}" type="slidenum">
               <a:rPr lang="en-US" smtClean="0"/>
@@ -545,13 +659,15 @@
         </p:nvSpPr>
         <p:spPr>
           <a:xfrm>
-            <a:off x="6629400" y="274638"/>
-            <a:ext cx="2057400" cy="5851525"/>
+            <a:off x="6858000" y="274639"/>
+            <a:ext cx="1828800" cy="5851525"/>
           </a:xfrm>
         </p:spPr>
         <p:txBody>
           <a:bodyPr vert="eaVert"/>
-          <a:lstStyle/>
+          <a:lstStyle>
+            <a:extLst/>
+          </a:lstStyle>
           <a:p>
             <a:r>
               <a:rPr kumimoji="0" lang="ru-RU" smtClean="0"/>
@@ -573,13 +689,15 @@
         </p:nvSpPr>
         <p:spPr>
           <a:xfrm>
-            <a:off x="457200" y="274638"/>
-            <a:ext cx="6019800" cy="5851525"/>
+            <a:off x="1143000" y="274640"/>
+            <a:ext cx="5562600" cy="5851525"/>
           </a:xfrm>
         </p:spPr>
         <p:txBody>
           <a:bodyPr vert="eaVert"/>
-          <a:lstStyle/>
+          <a:lstStyle>
+            <a:extLst/>
+          </a:lstStyle>
           <a:p>
             <a:pPr lvl="0" eaLnBrk="1" latinLnBrk="0" hangingPunct="1"/>
             <a:r>
@@ -631,12 +749,14 @@
         <p:spPr/>
         <p:txBody>
           <a:bodyPr/>
-          <a:lstStyle/>
+          <a:lstStyle>
+            <a:extLst/>
+          </a:lstStyle>
           <a:p>
             <a:fld id="{7EAF463A-BC7C-46EE-9F1E-7F377CCA4891}" type="datetimeFigureOut">
               <a:rPr lang="en-US" smtClean="0"/>
               <a:pPr/>
-              <a:t>1/13/2019</a:t>
+              <a:t>1/30/2019</a:t>
             </a:fld>
             <a:endParaRPr lang="en-US"/>
           </a:p>
@@ -655,7 +775,9 @@
         <p:spPr/>
         <p:txBody>
           <a:bodyPr/>
-          <a:lstStyle/>
+          <a:lstStyle>
+            <a:extLst/>
+          </a:lstStyle>
           <a:p>
             <a:endParaRPr lang="en-US"/>
           </a:p>
@@ -674,7 +796,9 @@
         <p:spPr/>
         <p:txBody>
           <a:bodyPr/>
-          <a:lstStyle/>
+          <a:lstStyle>
+            <a:extLst/>
+          </a:lstStyle>
           <a:p>
             <a:fld id="{A483448D-3A78-4528-A469-B745A65DA480}" type="slidenum">
               <a:rPr lang="en-US" smtClean="0"/>
@@ -723,7 +847,9 @@
         <p:spPr/>
         <p:txBody>
           <a:bodyPr/>
-          <a:lstStyle/>
+          <a:lstStyle>
+            <a:extLst/>
+          </a:lstStyle>
           <a:p>
             <a:r>
               <a:rPr kumimoji="0" lang="ru-RU" smtClean="0"/>
@@ -746,7 +872,9 @@
         <p:spPr/>
         <p:txBody>
           <a:bodyPr/>
-          <a:lstStyle/>
+          <a:lstStyle>
+            <a:extLst/>
+          </a:lstStyle>
           <a:p>
             <a:pPr lvl="0" eaLnBrk="1" latinLnBrk="0" hangingPunct="1"/>
             <a:r>
@@ -798,12 +926,14 @@
         <p:spPr/>
         <p:txBody>
           <a:bodyPr/>
-          <a:lstStyle/>
+          <a:lstStyle>
+            <a:extLst/>
+          </a:lstStyle>
           <a:p>
             <a:fld id="{7EAF463A-BC7C-46EE-9F1E-7F377CCA4891}" type="datetimeFigureOut">
               <a:rPr lang="en-US" smtClean="0"/>
               <a:pPr/>
-              <a:t>1/13/2019</a:t>
+              <a:t>1/30/2019</a:t>
             </a:fld>
             <a:endParaRPr lang="en-US"/>
           </a:p>
@@ -822,7 +952,9 @@
         <p:spPr/>
         <p:txBody>
           <a:bodyPr/>
-          <a:lstStyle/>
+          <a:lstStyle>
+            <a:extLst/>
+          </a:lstStyle>
           <a:p>
             <a:endParaRPr lang="en-US"/>
           </a:p>
@@ -841,7 +973,9 @@
         <p:spPr/>
         <p:txBody>
           <a:bodyPr/>
-          <a:lstStyle/>
+          <a:lstStyle>
+            <a:extLst/>
+          </a:lstStyle>
           <a:p>
             <a:fld id="{A483448D-3A78-4528-A469-B745A65DA480}" type="slidenum">
               <a:rPr lang="en-US" smtClean="0"/>
@@ -861,13 +995,8 @@
 </file>
 
 <file path=ppt/slideLayouts/slideLayout3.xml><?xml version="1.0" encoding="utf-8"?>
-<p:sldLayout xmlns:a="http://schemas.openxmlformats.org/drawingml/2006/main" xmlns:r="http://schemas.openxmlformats.org/officeDocument/2006/relationships" xmlns:p="http://schemas.openxmlformats.org/presentationml/2006/main" type="secHead" preserve="1">
+<p:sldLayout xmlns:a="http://schemas.openxmlformats.org/drawingml/2006/main" xmlns:r="http://schemas.openxmlformats.org/officeDocument/2006/relationships" xmlns:p="http://schemas.openxmlformats.org/presentationml/2006/main" showMasterSp="0" type="secHead" preserve="1">
   <p:cSld name="Заголовок раздела">
-    <p:bg>
-      <p:bgRef idx="1003">
-        <a:schemeClr val="bg2"/>
-      </p:bgRef>
-    </p:bg>
     <p:spTree>
       <p:nvGrpSpPr>
         <p:cNvPr id="1" name=""/>
@@ -884,66 +1013,79 @@
       </p:grpSpPr>
       <p:sp>
         <p:nvSpPr>
-          <p:cNvPr id="2" name="Заголовок 1"/>
-          <p:cNvSpPr>
-            <a:spLocks noGrp="1"/>
-          </p:cNvSpPr>
-          <p:nvPr>
-            <p:ph type="title"/>
-          </p:nvPr>
+          <p:cNvPr id="7" name="Прямоугольник 6"/>
+          <p:cNvSpPr/>
+          <p:nvPr/>
         </p:nvSpPr>
         <p:spPr>
           <a:xfrm>
-            <a:off x="1600200" y="609600"/>
-            <a:ext cx="7086600" cy="1828800"/>
+            <a:off x="2282890" y="-54"/>
+            <a:ext cx="6858000" cy="6858054"/>
+          </a:xfrm>
+          <a:prstGeom prst="rect">
+            <a:avLst/>
+          </a:prstGeom>
+          <a:solidFill>
+            <a:schemeClr val="bg1"/>
+          </a:solidFill>
+          <a:ln w="25400" cap="rnd" cmpd="sng" algn="ctr">
+            <a:noFill/>
+            <a:prstDash val="solid"/>
+          </a:ln>
+          <a:effectLst/>
+        </p:spPr>
+        <p:style>
+          <a:lnRef idx="3">
+            <a:schemeClr val="lt1"/>
+          </a:lnRef>
+          <a:fillRef idx="1">
+            <a:schemeClr val="accent1"/>
+          </a:fillRef>
+          <a:effectRef idx="1">
+            <a:schemeClr val="accent1"/>
+          </a:effectRef>
+          <a:fontRef idx="minor">
+            <a:schemeClr val="lt1"/>
+          </a:fontRef>
+        </p:style>
+        <p:txBody>
+          <a:bodyPr anchor="ctr"/>
+          <a:lstStyle>
+            <a:extLst/>
+          </a:lstStyle>
+          <a:p>
+            <a:pPr algn="ctr" eaLnBrk="1" latinLnBrk="0" hangingPunct="1"/>
+            <a:endParaRPr kumimoji="0" lang="en-US"/>
+          </a:p>
+        </p:txBody>
+      </p:sp>
+      <p:sp>
+        <p:nvSpPr>
+          <p:cNvPr id="2" name="Заголовок 1"/>
+          <p:cNvSpPr>
+            <a:spLocks noGrp="1"/>
+          </p:cNvSpPr>
+          <p:nvPr>
+            <p:ph type="title"/>
+          </p:nvPr>
+        </p:nvSpPr>
+        <p:spPr>
+          <a:xfrm>
+            <a:off x="2578392" y="2600325"/>
+            <a:ext cx="6400800" cy="2286000"/>
           </a:xfrm>
         </p:spPr>
         <p:txBody>
-          <a:bodyPr vert="horz" bIns="0" anchor="b">
-            <a:noAutofit/>
-            <a:scene3d>
-              <a:camera prst="orthographicFront"/>
-              <a:lightRig rig="soft" dir="t">
-                <a:rot lat="0" lon="0" rev="17220000"/>
-              </a:lightRig>
-            </a:scene3d>
-            <a:sp3d prstMaterial="softEdge">
-              <a:bevelT w="38100" h="38100"/>
-              <a:contourClr>
-                <a:schemeClr val="tx2">
-                  <a:shade val="50000"/>
-                </a:schemeClr>
-              </a:contourClr>
-            </a:sp3d>
-          </a:bodyPr>
-          <a:lstStyle>
-            <a:lvl1pPr algn="l" rtl="0">
-              <a:spcBef>
-                <a:spcPct val="0"/>
-              </a:spcBef>
+          <a:bodyPr anchor="t"/>
+          <a:lstStyle>
+            <a:lvl1pPr algn="l">
+              <a:lnSpc>
+                <a:spcPts val="4500"/>
+              </a:lnSpc>
               <a:buNone/>
-              <a:defRPr sz="4800" b="1" cap="none" baseline="0">
-                <a:ln w="6350">
-                  <a:noFill/>
-                </a:ln>
-                <a:solidFill>
-                  <a:schemeClr val="accent1">
-                    <a:tint val="90000"/>
-                    <a:satMod val="120000"/>
-                  </a:schemeClr>
-                </a:solidFill>
-                <a:effectLst>
-                  <a:outerShdw blurRad="114300" dist="101600" dir="2700000" algn="tl" rotWithShape="0">
-                    <a:srgbClr val="000000">
-                      <a:alpha val="40000"/>
-                    </a:srgbClr>
-                  </a:outerShdw>
-                </a:effectLst>
-                <a:latin typeface="+mj-lt"/>
-                <a:ea typeface="+mj-ea"/>
-                <a:cs typeface="+mj-cs"/>
-              </a:defRPr>
+              <a:defRPr sz="4000" b="1" cap="all"/>
             </a:lvl1pPr>
+            <a:extLst/>
           </a:lstStyle>
           <a:p>
             <a:r>
@@ -966,18 +1108,27 @@
         </p:nvSpPr>
         <p:spPr>
           <a:xfrm>
-            <a:off x="1600200" y="2507786"/>
-            <a:ext cx="7086600" cy="1509712"/>
+            <a:off x="2578392" y="1066800"/>
+            <a:ext cx="6400800" cy="1509712"/>
           </a:xfrm>
         </p:spPr>
         <p:txBody>
-          <a:bodyPr anchor="t"/>
-          <a:lstStyle>
-            <a:lvl1pPr marL="73152" indent="0" algn="l">
+          <a:bodyPr anchor="b"/>
+          <a:lstStyle>
+            <a:lvl1pPr marL="18288" indent="0">
+              <a:lnSpc>
+                <a:spcPts val="2300"/>
+              </a:lnSpc>
+              <a:spcBef>
+                <a:spcPts val="0"/>
+              </a:spcBef>
               <a:buNone/>
               <a:defRPr sz="2000">
                 <a:solidFill>
-                  <a:schemeClr val="tx1"/>
+                  <a:schemeClr val="tx2">
+                    <a:shade val="30000"/>
+                    <a:satMod val="150000"/>
+                  </a:schemeClr>
                 </a:solidFill>
               </a:defRPr>
             </a:lvl1pPr>
@@ -1021,6 +1172,7 @@
                 </a:solidFill>
               </a:defRPr>
             </a:lvl5pPr>
+            <a:extLst/>
           </a:lstStyle>
           <a:p>
             <a:pPr lvl="0" eaLnBrk="1" latinLnBrk="0" hangingPunct="1"/>
@@ -1044,12 +1196,14 @@
         <p:spPr/>
         <p:txBody>
           <a:bodyPr/>
-          <a:lstStyle/>
+          <a:lstStyle>
+            <a:extLst/>
+          </a:lstStyle>
           <a:p>
             <a:fld id="{7EAF463A-BC7C-46EE-9F1E-7F377CCA4891}" type="datetimeFigureOut">
               <a:rPr lang="en-US" smtClean="0"/>
               <a:pPr/>
-              <a:t>1/13/2019</a:t>
+              <a:t>1/30/2019</a:t>
             </a:fld>
             <a:endParaRPr lang="en-US"/>
           </a:p>
@@ -1068,7 +1222,9 @@
         <p:spPr/>
         <p:txBody>
           <a:bodyPr/>
-          <a:lstStyle/>
+          <a:lstStyle>
+            <a:extLst/>
+          </a:lstStyle>
           <a:p>
             <a:endParaRPr lang="en-US"/>
           </a:p>
@@ -1084,15 +1240,12 @@
             <p:ph type="sldNum" sz="quarter" idx="12"/>
           </p:nvPr>
         </p:nvSpPr>
-        <p:spPr>
-          <a:xfrm>
-            <a:off x="7924800" y="6416675"/>
-            <a:ext cx="762000" cy="365125"/>
-          </a:xfrm>
-        </p:spPr>
+        <p:spPr/>
         <p:txBody>
           <a:bodyPr/>
-          <a:lstStyle/>
+          <a:lstStyle>
+            <a:extLst/>
+          </a:lstStyle>
           <a:p>
             <a:fld id="{A483448D-3A78-4528-A469-B745A65DA480}" type="slidenum">
               <a:rPr lang="en-US" smtClean="0"/>
@@ -1103,10 +1256,204 @@
           </a:p>
         </p:txBody>
       </p:sp>
+      <p:sp>
+        <p:nvSpPr>
+          <p:cNvPr id="10" name="Прямоугольник 9"/>
+          <p:cNvSpPr/>
+          <p:nvPr/>
+        </p:nvSpPr>
+        <p:spPr bwMode="invGray">
+          <a:xfrm>
+            <a:off x="2286000" y="0"/>
+            <a:ext cx="76200" cy="6858054"/>
+          </a:xfrm>
+          <a:prstGeom prst="rect">
+            <a:avLst/>
+          </a:prstGeom>
+          <a:solidFill>
+            <a:schemeClr val="bg1"/>
+          </a:solidFill>
+          <a:ln w="25400" cap="rnd" cmpd="sng" algn="ctr">
+            <a:noFill/>
+            <a:prstDash val="solid"/>
+          </a:ln>
+          <a:effectLst>
+            <a:outerShdw blurRad="38550" dist="38000" dir="10800000" algn="tl" rotWithShape="0">
+              <a:schemeClr val="bg2">
+                <a:shade val="20000"/>
+                <a:satMod val="110000"/>
+                <a:alpha val="25000"/>
+              </a:schemeClr>
+            </a:outerShdw>
+          </a:effectLst>
+        </p:spPr>
+        <p:style>
+          <a:lnRef idx="3">
+            <a:schemeClr val="lt1"/>
+          </a:lnRef>
+          <a:fillRef idx="1">
+            <a:schemeClr val="accent1"/>
+          </a:fillRef>
+          <a:effectRef idx="1">
+            <a:schemeClr val="accent1"/>
+          </a:effectRef>
+          <a:fontRef idx="minor">
+            <a:schemeClr val="lt1"/>
+          </a:fontRef>
+        </p:style>
+        <p:txBody>
+          <a:bodyPr anchor="ctr"/>
+          <a:lstStyle>
+            <a:extLst/>
+          </a:lstStyle>
+          <a:p>
+            <a:pPr algn="ctr" eaLnBrk="1" latinLnBrk="0" hangingPunct="1"/>
+            <a:endParaRPr kumimoji="0" lang="en-US"/>
+          </a:p>
+        </p:txBody>
+      </p:sp>
+      <p:sp>
+        <p:nvSpPr>
+          <p:cNvPr id="8" name="Овал 7"/>
+          <p:cNvSpPr/>
+          <p:nvPr/>
+        </p:nvSpPr>
+        <p:spPr>
+          <a:xfrm>
+            <a:off x="2172321" y="2814656"/>
+            <a:ext cx="210312" cy="210312"/>
+          </a:xfrm>
+          <a:prstGeom prst="ellipse">
+            <a:avLst/>
+          </a:prstGeom>
+          <a:gradFill rotWithShape="1">
+            <a:gsLst>
+              <a:gs pos="0">
+                <a:schemeClr val="accent1">
+                  <a:tint val="20000"/>
+                  <a:satMod val="450000"/>
+                  <a:alpha val="95000"/>
+                </a:schemeClr>
+              </a:gs>
+              <a:gs pos="50000">
+                <a:schemeClr val="accent1">
+                  <a:tint val="38000"/>
+                  <a:satMod val="250000"/>
+                  <a:alpha val="90000"/>
+                </a:schemeClr>
+              </a:gs>
+              <a:gs pos="95000">
+                <a:schemeClr val="accent1">
+                  <a:tint val="75000"/>
+                  <a:satMod val="255000"/>
+                  <a:alpha val="88000"/>
+                </a:schemeClr>
+              </a:gs>
+              <a:gs pos="100000">
+                <a:schemeClr val="accent1">
+                  <a:tint val="100000"/>
+                  <a:shade val="90000"/>
+                  <a:satMod val="255000"/>
+                  <a:alpha val="85000"/>
+                </a:schemeClr>
+              </a:gs>
+            </a:gsLst>
+            <a:path path="circle">
+              <a:fillToRect l="25000" t="12500" r="75000" b="87500"/>
+            </a:path>
+          </a:gradFill>
+          <a:ln w="2000" cap="rnd" cmpd="sng" algn="ctr">
+            <a:solidFill>
+              <a:schemeClr val="accent1">
+                <a:shade val="90000"/>
+                <a:satMod val="110000"/>
+                <a:alpha val="60000"/>
+              </a:schemeClr>
+            </a:solidFill>
+            <a:prstDash val="solid"/>
+          </a:ln>
+          <a:effectLst/>
+        </p:spPr>
+        <p:style>
+          <a:lnRef idx="1">
+            <a:schemeClr val="accent1"/>
+          </a:lnRef>
+          <a:fillRef idx="2">
+            <a:schemeClr val="accent1"/>
+          </a:fillRef>
+          <a:effectRef idx="1">
+            <a:schemeClr val="accent1"/>
+          </a:effectRef>
+          <a:fontRef idx="minor">
+            <a:schemeClr val="dk1"/>
+          </a:fontRef>
+        </p:style>
+        <p:txBody>
+          <a:bodyPr anchor="ctr"/>
+          <a:lstStyle>
+            <a:extLst/>
+          </a:lstStyle>
+          <a:p>
+            <a:pPr algn="ctr" eaLnBrk="1" latinLnBrk="0" hangingPunct="1"/>
+            <a:endParaRPr kumimoji="0" lang="en-US"/>
+          </a:p>
+        </p:txBody>
+      </p:sp>
+      <p:sp>
+        <p:nvSpPr>
+          <p:cNvPr id="9" name="Овал 8"/>
+          <p:cNvSpPr/>
+          <p:nvPr/>
+        </p:nvSpPr>
+        <p:spPr>
+          <a:xfrm>
+            <a:off x="2408064" y="2745870"/>
+            <a:ext cx="64008" cy="64008"/>
+          </a:xfrm>
+          <a:prstGeom prst="ellipse">
+            <a:avLst/>
+          </a:prstGeom>
+          <a:noFill/>
+          <a:ln w="12700" cap="rnd" cmpd="sng" algn="ctr">
+            <a:solidFill>
+              <a:schemeClr val="accent1">
+                <a:shade val="75000"/>
+                <a:alpha val="60000"/>
+              </a:schemeClr>
+            </a:solidFill>
+            <a:prstDash val="solid"/>
+          </a:ln>
+          <a:effectLst/>
+        </p:spPr>
+        <p:style>
+          <a:lnRef idx="1">
+            <a:schemeClr val="accent1"/>
+          </a:lnRef>
+          <a:fillRef idx="2">
+            <a:schemeClr val="accent1"/>
+          </a:fillRef>
+          <a:effectRef idx="1">
+            <a:schemeClr val="accent1"/>
+          </a:effectRef>
+          <a:fontRef idx="minor">
+            <a:schemeClr val="dk1"/>
+          </a:fontRef>
+        </p:style>
+        <p:txBody>
+          <a:bodyPr anchor="ctr"/>
+          <a:lstStyle>
+            <a:extLst/>
+          </a:lstStyle>
+          <a:p>
+            <a:pPr algn="ctr" eaLnBrk="1" latinLnBrk="0" hangingPunct="1"/>
+            <a:endParaRPr kumimoji="0" lang="en-US"/>
+          </a:p>
+        </p:txBody>
+      </p:sp>
     </p:spTree>
   </p:cSld>
   <p:clrMapOvr>
-    <a:overrideClrMapping bg1="dk1" tx1="lt1" bg2="dk2" tx2="lt2" accent1="accent1" accent2="accent2" accent3="accent3" accent4="accent4" accent5="accent5" accent6="accent6" hlink="hlink" folHlink="folHlink"/>
+    <a:masterClrMapping/>
   </p:clrMapOvr>
 </p:sldLayout>
 </file>
@@ -1138,10 +1485,17 @@
             <p:ph type="title"/>
           </p:nvPr>
         </p:nvSpPr>
-        <p:spPr/>
+        <p:spPr>
+          <a:xfrm>
+            <a:off x="1435608" y="274320"/>
+            <a:ext cx="7498080" cy="1143000"/>
+          </a:xfrm>
+        </p:spPr>
         <p:txBody>
           <a:bodyPr/>
-          <a:lstStyle/>
+          <a:lstStyle>
+            <a:extLst/>
+          </a:lstStyle>
           <a:p>
             <a:r>
               <a:rPr kumimoji="0" lang="ru-RU" smtClean="0"/>
@@ -1163,15 +1517,15 @@
         </p:nvSpPr>
         <p:spPr>
           <a:xfrm>
-            <a:off x="457200" y="1600200"/>
-            <a:ext cx="4038600" cy="4525963"/>
+            <a:off x="1435608" y="1524000"/>
+            <a:ext cx="3657600" cy="4663440"/>
           </a:xfrm>
         </p:spPr>
         <p:txBody>
           <a:bodyPr/>
           <a:lstStyle>
             <a:lvl1pPr>
-              <a:defRPr sz="2600"/>
+              <a:defRPr sz="2800"/>
             </a:lvl1pPr>
             <a:lvl2pPr>
               <a:defRPr sz="2400"/>
@@ -1185,6 +1539,7 @@
             <a:lvl5pPr>
               <a:defRPr sz="1800"/>
             </a:lvl5pPr>
+            <a:extLst/>
           </a:lstStyle>
           <a:p>
             <a:pPr lvl="0" eaLnBrk="1" latinLnBrk="0" hangingPunct="1"/>
@@ -1236,15 +1591,15 @@
         </p:nvSpPr>
         <p:spPr>
           <a:xfrm>
-            <a:off x="4648200" y="1600200"/>
-            <a:ext cx="4038600" cy="4525963"/>
+            <a:off x="5276088" y="1524000"/>
+            <a:ext cx="3657600" cy="4663440"/>
           </a:xfrm>
         </p:spPr>
         <p:txBody>
           <a:bodyPr/>
           <a:lstStyle>
             <a:lvl1pPr>
-              <a:defRPr sz="2600"/>
+              <a:defRPr sz="2800"/>
             </a:lvl1pPr>
             <a:lvl2pPr>
               <a:defRPr sz="2400"/>
@@ -1258,6 +1613,7 @@
             <a:lvl5pPr>
               <a:defRPr sz="1800"/>
             </a:lvl5pPr>
+            <a:extLst/>
           </a:lstStyle>
           <a:p>
             <a:pPr lvl="0" eaLnBrk="1" latinLnBrk="0" hangingPunct="1"/>
@@ -1310,12 +1666,14 @@
         <p:spPr/>
         <p:txBody>
           <a:bodyPr/>
-          <a:lstStyle/>
+          <a:lstStyle>
+            <a:extLst/>
+          </a:lstStyle>
           <a:p>
             <a:fld id="{7EAF463A-BC7C-46EE-9F1E-7F377CCA4891}" type="datetimeFigureOut">
               <a:rPr lang="en-US" smtClean="0"/>
               <a:pPr/>
-              <a:t>1/13/2019</a:t>
+              <a:t>1/30/2019</a:t>
             </a:fld>
             <a:endParaRPr lang="en-US"/>
           </a:p>
@@ -1334,7 +1692,9 @@
         <p:spPr/>
         <p:txBody>
           <a:bodyPr/>
-          <a:lstStyle/>
+          <a:lstStyle>
+            <a:extLst/>
+          </a:lstStyle>
           <a:p>
             <a:endParaRPr lang="en-US"/>
           </a:p>
@@ -1353,7 +1713,9 @@
         <p:spPr/>
         <p:txBody>
           <a:bodyPr/>
-          <a:lstStyle/>
+          <a:lstStyle>
+            <a:extLst/>
+          </a:lstStyle>
           <a:p>
             <a:fld id="{A483448D-3A78-4528-A469-B745A65DA480}" type="slidenum">
               <a:rPr lang="en-US" smtClean="0"/>
@@ -1373,7 +1735,7 @@
 </file>
 
 <file path=ppt/slideLayouts/slideLayout5.xml><?xml version="1.0" encoding="utf-8"?>
-<p:sldLayout xmlns:a="http://schemas.openxmlformats.org/drawingml/2006/main" xmlns:r="http://schemas.openxmlformats.org/officeDocument/2006/relationships" xmlns:p="http://schemas.openxmlformats.org/presentationml/2006/main" type="twoTxTwoObj" preserve="1">
+<p:sldLayout xmlns:a="http://schemas.openxmlformats.org/drawingml/2006/main" xmlns:r="http://schemas.openxmlformats.org/officeDocument/2006/relationships" xmlns:p="http://schemas.openxmlformats.org/presentationml/2006/main" showMasterSp="0" type="twoTxTwoObj" preserve="1">
   <p:cSld name="Сравнение">
     <p:spTree>
       <p:nvGrpSpPr>
@@ -1401,16 +1763,17 @@
         </p:nvSpPr>
         <p:spPr>
           <a:xfrm>
-            <a:off x="457200" y="273050"/>
+            <a:off x="457200" y="5160336"/>
             <a:ext cx="8229600" cy="1143000"/>
           </a:xfrm>
         </p:spPr>
         <p:txBody>
           <a:bodyPr anchor="ctr"/>
           <a:lstStyle>
-            <a:lvl1pPr>
-              <a:defRPr/>
+            <a:lvl1pPr algn="ctr">
+              <a:defRPr sz="4500" b="1" cap="none" baseline="0"/>
             </a:lvl1pPr>
+            <a:extLst/>
           </a:lstStyle>
           <a:p>
             <a:r>
@@ -1433,16 +1796,31 @@
         </p:nvSpPr>
         <p:spPr>
           <a:xfrm>
-            <a:off x="457200" y="1535112"/>
-            <a:ext cx="4040188" cy="750887"/>
+            <a:off x="457200" y="328278"/>
+            <a:ext cx="4023360" cy="640080"/>
           </a:xfrm>
+          <a:solidFill>
+            <a:schemeClr val="bg1"/>
+          </a:solidFill>
+          <a:ln w="10795">
+            <a:solidFill>
+              <a:schemeClr val="bg1"/>
+            </a:solidFill>
+            <a:miter lim="800000"/>
+          </a:ln>
         </p:spPr>
         <p:txBody>
           <a:bodyPr anchor="ctr"/>
           <a:lstStyle>
-            <a:lvl1pPr marL="0" indent="0">
+            <a:lvl1pPr marL="64008" indent="0" algn="l">
+              <a:lnSpc>
+                <a:spcPct val="100000"/>
+              </a:lnSpc>
+              <a:spcBef>
+                <a:spcPts val="100"/>
+              </a:spcBef>
               <a:buNone/>
-              <a:defRPr sz="2400" b="0" cap="all" baseline="0">
+              <a:defRPr sz="1900" b="0">
                 <a:solidFill>
                   <a:schemeClr val="tx1"/>
                 </a:solidFill>
@@ -1464,6 +1842,7 @@
               <a:buNone/>
               <a:defRPr sz="1600" b="1"/>
             </a:lvl5pPr>
+            <a:extLst/>
           </a:lstStyle>
           <a:p>
             <a:pPr lvl="0" eaLnBrk="1" latinLnBrk="0" hangingPunct="1"/>
@@ -1486,16 +1865,31 @@
         </p:nvSpPr>
         <p:spPr>
           <a:xfrm>
-            <a:off x="4645025" y="1535112"/>
-            <a:ext cx="4041775" cy="750887"/>
+            <a:off x="4663440" y="328278"/>
+            <a:ext cx="4023360" cy="640080"/>
           </a:xfrm>
+          <a:solidFill>
+            <a:schemeClr val="bg1"/>
+          </a:solidFill>
+          <a:ln w="10795">
+            <a:solidFill>
+              <a:schemeClr val="bg1"/>
+            </a:solidFill>
+            <a:miter lim="800000"/>
+          </a:ln>
         </p:spPr>
         <p:txBody>
           <a:bodyPr anchor="ctr"/>
           <a:lstStyle>
-            <a:lvl1pPr marL="0" indent="0">
+            <a:lvl1pPr marL="64008" indent="0" algn="l">
+              <a:lnSpc>
+                <a:spcPct val="100000"/>
+              </a:lnSpc>
+              <a:spcBef>
+                <a:spcPts val="100"/>
+              </a:spcBef>
               <a:buNone/>
-              <a:defRPr sz="2400" b="0" cap="all" baseline="0">
+              <a:defRPr sz="1900" b="0">
                 <a:solidFill>
                   <a:schemeClr val="tx1"/>
                 </a:solidFill>
@@ -1517,6 +1911,7 @@
               <a:buNone/>
               <a:defRPr sz="1600" b="1"/>
             </a:lvl5pPr>
+            <a:extLst/>
           </a:lstStyle>
           <a:p>
             <a:pPr lvl="0" eaLnBrk="1" latinLnBrk="0" hangingPunct="1"/>
@@ -1539,28 +1934,66 @@
         </p:nvSpPr>
         <p:spPr>
           <a:xfrm>
-            <a:off x="457200" y="2362200"/>
-            <a:ext cx="4040188" cy="3763963"/>
+            <a:off x="457200" y="969336"/>
+            <a:ext cx="4023360" cy="4114800"/>
           </a:xfrm>
+          <a:ln w="10795">
+            <a:solidFill>
+              <a:schemeClr val="bg1"/>
+            </a:solidFill>
+            <a:prstDash val="dash"/>
+            <a:miter lim="800000"/>
+          </a:ln>
         </p:spPr>
         <p:txBody>
           <a:bodyPr/>
           <a:lstStyle>
-            <a:lvl1pPr>
+            <a:lvl1pPr marL="393192" indent="-274320">
+              <a:lnSpc>
+                <a:spcPct val="100000"/>
+              </a:lnSpc>
+              <a:spcBef>
+                <a:spcPts val="700"/>
+              </a:spcBef>
               <a:defRPr sz="2400"/>
             </a:lvl1pPr>
             <a:lvl2pPr>
+              <a:lnSpc>
+                <a:spcPct val="100000"/>
+              </a:lnSpc>
+              <a:spcBef>
+                <a:spcPts val="700"/>
+              </a:spcBef>
               <a:defRPr sz="2000"/>
             </a:lvl2pPr>
             <a:lvl3pPr>
+              <a:lnSpc>
+                <a:spcPct val="100000"/>
+              </a:lnSpc>
+              <a:spcBef>
+                <a:spcPts val="700"/>
+              </a:spcBef>
               <a:defRPr sz="1800"/>
             </a:lvl3pPr>
             <a:lvl4pPr>
+              <a:lnSpc>
+                <a:spcPct val="100000"/>
+              </a:lnSpc>
+              <a:spcBef>
+                <a:spcPts val="700"/>
+              </a:spcBef>
               <a:defRPr sz="1600"/>
             </a:lvl4pPr>
             <a:lvl5pPr>
+              <a:lnSpc>
+                <a:spcPct val="100000"/>
+              </a:lnSpc>
+              <a:spcBef>
+                <a:spcPts val="700"/>
+              </a:spcBef>
               <a:defRPr sz="1600"/>
             </a:lvl5pPr>
+            <a:extLst/>
           </a:lstStyle>
           <a:p>
             <a:pPr lvl="0" eaLnBrk="1" latinLnBrk="0" hangingPunct="1"/>
@@ -1612,28 +2045,66 @@
         </p:nvSpPr>
         <p:spPr>
           <a:xfrm>
-            <a:off x="4645025" y="2362200"/>
-            <a:ext cx="4041775" cy="3763963"/>
+            <a:off x="4663440" y="969336"/>
+            <a:ext cx="4023360" cy="4114800"/>
           </a:xfrm>
+          <a:ln w="10795">
+            <a:solidFill>
+              <a:schemeClr val="bg1"/>
+            </a:solidFill>
+            <a:prstDash val="dash"/>
+            <a:miter lim="800000"/>
+          </a:ln>
         </p:spPr>
         <p:txBody>
           <a:bodyPr/>
           <a:lstStyle>
-            <a:lvl1pPr>
+            <a:lvl1pPr marL="393192" indent="-274320">
+              <a:lnSpc>
+                <a:spcPct val="100000"/>
+              </a:lnSpc>
+              <a:spcBef>
+                <a:spcPts val="700"/>
+              </a:spcBef>
               <a:defRPr sz="2400"/>
             </a:lvl1pPr>
             <a:lvl2pPr>
+              <a:lnSpc>
+                <a:spcPct val="100000"/>
+              </a:lnSpc>
+              <a:spcBef>
+                <a:spcPts val="700"/>
+              </a:spcBef>
               <a:defRPr sz="2000"/>
             </a:lvl2pPr>
             <a:lvl3pPr>
+              <a:lnSpc>
+                <a:spcPct val="100000"/>
+              </a:lnSpc>
+              <a:spcBef>
+                <a:spcPts val="700"/>
+              </a:spcBef>
               <a:defRPr sz="1800"/>
             </a:lvl3pPr>
             <a:lvl4pPr>
+              <a:lnSpc>
+                <a:spcPct val="100000"/>
+              </a:lnSpc>
+              <a:spcBef>
+                <a:spcPts val="700"/>
+              </a:spcBef>
               <a:defRPr sz="1600"/>
             </a:lvl4pPr>
             <a:lvl5pPr>
+              <a:lnSpc>
+                <a:spcPct val="100000"/>
+              </a:lnSpc>
+              <a:spcBef>
+                <a:spcPts val="700"/>
+              </a:spcBef>
               <a:defRPr sz="1600"/>
             </a:lvl5pPr>
+            <a:extLst/>
           </a:lstStyle>
           <a:p>
             <a:pPr lvl="0" eaLnBrk="1" latinLnBrk="0" hangingPunct="1"/>
@@ -1686,12 +2157,14 @@
         <p:spPr/>
         <p:txBody>
           <a:bodyPr/>
-          <a:lstStyle/>
+          <a:lstStyle>
+            <a:extLst/>
+          </a:lstStyle>
           <a:p>
             <a:fld id="{7EAF463A-BC7C-46EE-9F1E-7F377CCA4891}" type="datetimeFigureOut">
               <a:rPr lang="en-US" smtClean="0"/>
               <a:pPr/>
-              <a:t>1/13/2019</a:t>
+              <a:t>1/30/2019</a:t>
             </a:fld>
             <a:endParaRPr lang="en-US"/>
           </a:p>
@@ -1710,7 +2183,9 @@
         <p:spPr/>
         <p:txBody>
           <a:bodyPr/>
-          <a:lstStyle/>
+          <a:lstStyle>
+            <a:extLst/>
+          </a:lstStyle>
           <a:p>
             <a:endParaRPr lang="en-US"/>
           </a:p>
@@ -1729,7 +2204,9 @@
         <p:spPr/>
         <p:txBody>
           <a:bodyPr/>
-          <a:lstStyle/>
+          <a:lstStyle>
+            <a:extLst/>
+          </a:lstStyle>
           <a:p>
             <a:fld id="{A483448D-3A78-4528-A469-B745A65DA480}" type="slidenum">
               <a:rPr lang="en-US" smtClean="0"/>
@@ -1775,10 +2252,17 @@
             <p:ph type="title"/>
           </p:nvPr>
         </p:nvSpPr>
-        <p:spPr/>
-        <p:txBody>
-          <a:bodyPr/>
-          <a:lstStyle/>
+        <p:spPr>
+          <a:xfrm>
+            <a:off x="1435608" y="274320"/>
+            <a:ext cx="7498080" cy="1143000"/>
+          </a:xfrm>
+        </p:spPr>
+        <p:txBody>
+          <a:bodyPr anchor="ctr"/>
+          <a:lstStyle>
+            <a:extLst/>
+          </a:lstStyle>
           <a:p>
             <a:r>
               <a:rPr kumimoji="0" lang="ru-RU" smtClean="0"/>
@@ -1801,12 +2285,14 @@
         <p:spPr/>
         <p:txBody>
           <a:bodyPr/>
-          <a:lstStyle/>
+          <a:lstStyle>
+            <a:extLst/>
+          </a:lstStyle>
           <a:p>
             <a:fld id="{7EAF463A-BC7C-46EE-9F1E-7F377CCA4891}" type="datetimeFigureOut">
               <a:rPr lang="en-US" smtClean="0"/>
               <a:pPr/>
-              <a:t>1/13/2019</a:t>
+              <a:t>1/30/2019</a:t>
             </a:fld>
             <a:endParaRPr lang="en-US"/>
           </a:p>
@@ -1825,7 +2311,9 @@
         <p:spPr/>
         <p:txBody>
           <a:bodyPr/>
-          <a:lstStyle/>
+          <a:lstStyle>
+            <a:extLst/>
+          </a:lstStyle>
           <a:p>
             <a:endParaRPr lang="en-US"/>
           </a:p>
@@ -1844,7 +2332,9 @@
         <p:spPr/>
         <p:txBody>
           <a:bodyPr/>
-          <a:lstStyle/>
+          <a:lstStyle>
+            <a:extLst/>
+          </a:lstStyle>
           <a:p>
             <a:fld id="{A483448D-3A78-4528-A469-B745A65DA480}" type="slidenum">
               <a:rPr lang="en-US" smtClean="0"/>
@@ -1864,7 +2354,7 @@
 </file>
 
 <file path=ppt/slideLayouts/slideLayout7.xml><?xml version="1.0" encoding="utf-8"?>
-<p:sldLayout xmlns:a="http://schemas.openxmlformats.org/drawingml/2006/main" xmlns:r="http://schemas.openxmlformats.org/officeDocument/2006/relationships" xmlns:p="http://schemas.openxmlformats.org/presentationml/2006/main" type="blank" preserve="1">
+<p:sldLayout xmlns:a="http://schemas.openxmlformats.org/drawingml/2006/main" xmlns:r="http://schemas.openxmlformats.org/officeDocument/2006/relationships" xmlns:p="http://schemas.openxmlformats.org/presentationml/2006/main" showMasterSp="0" type="blank" preserve="1">
   <p:cSld name="Пустой слайд">
     <p:spTree>
       <p:nvGrpSpPr>
@@ -1882,6 +2372,54 @@
       </p:grpSpPr>
       <p:sp>
         <p:nvSpPr>
+          <p:cNvPr id="5" name="Прямоугольник 4"/>
+          <p:cNvSpPr/>
+          <p:nvPr/>
+        </p:nvSpPr>
+        <p:spPr>
+          <a:xfrm>
+            <a:off x="1014984" y="0"/>
+            <a:ext cx="8129016" cy="6858000"/>
+          </a:xfrm>
+          <a:prstGeom prst="rect">
+            <a:avLst/>
+          </a:prstGeom>
+          <a:solidFill>
+            <a:schemeClr val="bg1"/>
+          </a:solidFill>
+          <a:ln w="25400" cap="rnd" cmpd="sng" algn="ctr">
+            <a:noFill/>
+            <a:prstDash val="solid"/>
+          </a:ln>
+          <a:effectLst/>
+        </p:spPr>
+        <p:style>
+          <a:lnRef idx="3">
+            <a:schemeClr val="lt1"/>
+          </a:lnRef>
+          <a:fillRef idx="1">
+            <a:schemeClr val="accent1"/>
+          </a:fillRef>
+          <a:effectRef idx="1">
+            <a:schemeClr val="accent1"/>
+          </a:effectRef>
+          <a:fontRef idx="minor">
+            <a:schemeClr val="lt1"/>
+          </a:fontRef>
+        </p:style>
+        <p:txBody>
+          <a:bodyPr anchor="ctr"/>
+          <a:lstStyle>
+            <a:extLst/>
+          </a:lstStyle>
+          <a:p>
+            <a:pPr algn="ctr" eaLnBrk="1" latinLnBrk="0" hangingPunct="1"/>
+            <a:endParaRPr kumimoji="0" lang="en-US"/>
+          </a:p>
+        </p:txBody>
+      </p:sp>
+      <p:sp>
+        <p:nvSpPr>
           <p:cNvPr id="2" name="Дата 1"/>
           <p:cNvSpPr>
             <a:spLocks noGrp="1"/>
@@ -1893,12 +2431,14 @@
         <p:spPr/>
         <p:txBody>
           <a:bodyPr/>
-          <a:lstStyle/>
+          <a:lstStyle>
+            <a:extLst/>
+          </a:lstStyle>
           <a:p>
             <a:fld id="{7EAF463A-BC7C-46EE-9F1E-7F377CCA4891}" type="datetimeFigureOut">
               <a:rPr lang="en-US" smtClean="0"/>
               <a:pPr/>
-              <a:t>1/13/2019</a:t>
+              <a:t>1/30/2019</a:t>
             </a:fld>
             <a:endParaRPr lang="en-US"/>
           </a:p>
@@ -1917,7 +2457,9 @@
         <p:spPr/>
         <p:txBody>
           <a:bodyPr/>
-          <a:lstStyle/>
+          <a:lstStyle>
+            <a:extLst/>
+          </a:lstStyle>
           <a:p>
             <a:endParaRPr lang="en-US"/>
           </a:p>
@@ -1936,7 +2478,9 @@
         <p:spPr/>
         <p:txBody>
           <a:bodyPr/>
-          <a:lstStyle/>
+          <a:lstStyle>
+            <a:extLst/>
+          </a:lstStyle>
           <a:p>
             <a:fld id="{A483448D-3A78-4528-A469-B745A65DA480}" type="slidenum">
               <a:rPr lang="en-US" smtClean="0"/>
@@ -1944,6 +2488,62 @@
               <a:t>‹#›</a:t>
             </a:fld>
             <a:endParaRPr lang="en-US"/>
+          </a:p>
+        </p:txBody>
+      </p:sp>
+      <p:sp>
+        <p:nvSpPr>
+          <p:cNvPr id="6" name="Прямоугольник 5"/>
+          <p:cNvSpPr/>
+          <p:nvPr/>
+        </p:nvSpPr>
+        <p:spPr bwMode="invGray">
+          <a:xfrm>
+            <a:off x="1014984" y="-54"/>
+            <a:ext cx="73152" cy="6858054"/>
+          </a:xfrm>
+          <a:prstGeom prst="rect">
+            <a:avLst/>
+          </a:prstGeom>
+          <a:solidFill>
+            <a:schemeClr val="bg1"/>
+          </a:solidFill>
+          <a:ln w="25400" cap="rnd" cmpd="sng" algn="ctr">
+            <a:noFill/>
+            <a:prstDash val="solid"/>
+          </a:ln>
+          <a:effectLst>
+            <a:outerShdw blurRad="38550" dist="38000" dir="10800000" algn="tl" rotWithShape="0">
+              <a:schemeClr val="bg2">
+                <a:shade val="20000"/>
+                <a:satMod val="110000"/>
+                <a:alpha val="25000"/>
+              </a:schemeClr>
+            </a:outerShdw>
+          </a:effectLst>
+        </p:spPr>
+        <p:style>
+          <a:lnRef idx="3">
+            <a:schemeClr val="lt1"/>
+          </a:lnRef>
+          <a:fillRef idx="1">
+            <a:schemeClr val="accent1"/>
+          </a:fillRef>
+          <a:effectRef idx="1">
+            <a:schemeClr val="accent1"/>
+          </a:effectRef>
+          <a:fontRef idx="minor">
+            <a:schemeClr val="lt1"/>
+          </a:fontRef>
+        </p:style>
+        <p:txBody>
+          <a:bodyPr anchor="ctr"/>
+          <a:lstStyle>
+            <a:extLst/>
+          </a:lstStyle>
+          <a:p>
+            <a:pPr algn="ctr" eaLnBrk="1" latinLnBrk="0" hangingPunct="1"/>
+            <a:endParaRPr kumimoji="0" lang="en-US"/>
           </a:p>
         </p:txBody>
       </p:sp>
@@ -1956,7 +2556,7 @@
 </file>
 
 <file path=ppt/slideLayouts/slideLayout8.xml><?xml version="1.0" encoding="utf-8"?>
-<p:sldLayout xmlns:a="http://schemas.openxmlformats.org/drawingml/2006/main" xmlns:r="http://schemas.openxmlformats.org/officeDocument/2006/relationships" xmlns:p="http://schemas.openxmlformats.org/presentationml/2006/main" type="objTx" preserve="1">
+<p:sldLayout xmlns:a="http://schemas.openxmlformats.org/drawingml/2006/main" xmlns:r="http://schemas.openxmlformats.org/officeDocument/2006/relationships" xmlns:p="http://schemas.openxmlformats.org/presentationml/2006/main" showMasterSp="0" type="objTx" preserve="1">
   <p:cSld name="Объект с подписью">
     <p:spTree>
       <p:nvGrpSpPr>
@@ -1984,60 +2584,60 @@
         </p:nvSpPr>
         <p:spPr>
           <a:xfrm>
-            <a:off x="457200" y="273050"/>
-            <a:ext cx="3008313" cy="1162050"/>
+            <a:off x="457200" y="216778"/>
+            <a:ext cx="3810000" cy="1162050"/>
+          </a:xfrm>
+          <a:ln>
+            <a:noFill/>
+          </a:ln>
+        </p:spPr>
+        <p:txBody>
+          <a:bodyPr anchor="b"/>
+          <a:lstStyle>
+            <a:lvl1pPr algn="l">
+              <a:lnSpc>
+                <a:spcPts val="2000"/>
+              </a:lnSpc>
+              <a:buNone/>
+              <a:defRPr sz="2200" b="1" cap="all" baseline="0"/>
+            </a:lvl1pPr>
+            <a:extLst/>
+          </a:lstStyle>
+          <a:p>
+            <a:r>
+              <a:rPr kumimoji="0" lang="ru-RU" smtClean="0"/>
+              <a:t>Образец заголовка</a:t>
+            </a:r>
+            <a:endParaRPr kumimoji="0" lang="en-US"/>
+          </a:p>
+        </p:txBody>
+      </p:sp>
+      <p:sp>
+        <p:nvSpPr>
+          <p:cNvPr id="3" name="Текст 2"/>
+          <p:cNvSpPr>
+            <a:spLocks noGrp="1"/>
+          </p:cNvSpPr>
+          <p:nvPr>
+            <p:ph type="body" idx="2"/>
+          </p:nvPr>
+        </p:nvSpPr>
+        <p:spPr>
+          <a:xfrm>
+            <a:off x="457200" y="1406964"/>
+            <a:ext cx="3810000" cy="698500"/>
           </a:xfrm>
         </p:spPr>
         <p:txBody>
-          <a:bodyPr vert="horz" anchor="b">
-            <a:normAutofit/>
-            <a:sp3d prstMaterial="softEdge"/>
-          </a:bodyPr>
-          <a:lstStyle>
-            <a:lvl1pPr algn="l">
-              <a:buNone/>
-              <a:defRPr sz="2200" b="0">
-                <a:ln w="6350">
-                  <a:noFill/>
-                </a:ln>
-                <a:solidFill>
-                  <a:schemeClr val="accent1">
-                    <a:tint val="73000"/>
-                    <a:satMod val="180000"/>
-                  </a:schemeClr>
-                </a:solidFill>
-              </a:defRPr>
-            </a:lvl1pPr>
-          </a:lstStyle>
-          <a:p>
-            <a:r>
-              <a:rPr kumimoji="0" lang="ru-RU" smtClean="0"/>
-              <a:t>Образец заголовка</a:t>
-            </a:r>
-            <a:endParaRPr kumimoji="0" lang="en-US"/>
-          </a:p>
-        </p:txBody>
-      </p:sp>
-      <p:sp>
-        <p:nvSpPr>
-          <p:cNvPr id="3" name="Текст 2"/>
-          <p:cNvSpPr>
-            <a:spLocks noGrp="1"/>
-          </p:cNvSpPr>
-          <p:nvPr>
-            <p:ph type="body" idx="2"/>
-          </p:nvPr>
-        </p:nvSpPr>
-        <p:spPr>
-          <a:xfrm>
-            <a:off x="457200" y="1524000"/>
-            <a:ext cx="3008313" cy="4602163"/>
-          </a:xfrm>
-        </p:spPr>
-        <p:txBody>
           <a:bodyPr/>
           <a:lstStyle>
-            <a:lvl1pPr marL="0" indent="0">
+            <a:lvl1pPr marL="45720" indent="0">
+              <a:lnSpc>
+                <a:spcPct val="100000"/>
+              </a:lnSpc>
+              <a:spcBef>
+                <a:spcPts val="0"/>
+              </a:spcBef>
               <a:buNone/>
               <a:defRPr sz="1400"/>
             </a:lvl1pPr>
@@ -2057,6 +2657,7 @@
               <a:buNone/>
               <a:defRPr sz="900"/>
             </a:lvl5pPr>
+            <a:extLst/>
           </a:lstStyle>
           <a:p>
             <a:pPr lvl="0" eaLnBrk="1" latinLnBrk="0" hangingPunct="1"/>
@@ -2079,28 +2680,29 @@
         </p:nvSpPr>
         <p:spPr>
           <a:xfrm>
-            <a:off x="3575050" y="273050"/>
-            <a:ext cx="5111750" cy="5853113"/>
+            <a:off x="457200" y="2133600"/>
+            <a:ext cx="8153400" cy="3992563"/>
           </a:xfrm>
         </p:spPr>
         <p:txBody>
           <a:bodyPr/>
           <a:lstStyle>
             <a:lvl1pPr>
-              <a:defRPr sz="2600"/>
+              <a:defRPr sz="3200"/>
             </a:lvl1pPr>
             <a:lvl2pPr>
-              <a:defRPr sz="2400"/>
+              <a:defRPr sz="2800"/>
             </a:lvl2pPr>
             <a:lvl3pPr>
-              <a:defRPr sz="2200"/>
+              <a:defRPr sz="2400"/>
             </a:lvl3pPr>
             <a:lvl4pPr>
               <a:defRPr sz="2000"/>
             </a:lvl4pPr>
             <a:lvl5pPr>
-              <a:defRPr sz="1800"/>
+              <a:defRPr sz="2000"/>
             </a:lvl5pPr>
+            <a:extLst/>
           </a:lstStyle>
           <a:p>
             <a:pPr lvl="0" eaLnBrk="1" latinLnBrk="0" hangingPunct="1"/>
@@ -2153,12 +2755,14 @@
         <p:spPr/>
         <p:txBody>
           <a:bodyPr/>
-          <a:lstStyle/>
+          <a:lstStyle>
+            <a:extLst/>
+          </a:lstStyle>
           <a:p>
             <a:fld id="{7EAF463A-BC7C-46EE-9F1E-7F377CCA4891}" type="datetimeFigureOut">
               <a:rPr lang="en-US" smtClean="0"/>
               <a:pPr/>
-              <a:t>1/13/2019</a:t>
+              <a:t>1/30/2019</a:t>
             </a:fld>
             <a:endParaRPr lang="en-US"/>
           </a:p>
@@ -2177,7 +2781,9 @@
         <p:spPr/>
         <p:txBody>
           <a:bodyPr/>
-          <a:lstStyle/>
+          <a:lstStyle>
+            <a:extLst/>
+          </a:lstStyle>
           <a:p>
             <a:endParaRPr lang="en-US"/>
           </a:p>
@@ -2196,7 +2802,9 @@
         <p:spPr/>
         <p:txBody>
           <a:bodyPr/>
-          <a:lstStyle/>
+          <a:lstStyle>
+            <a:extLst/>
+          </a:lstStyle>
           <a:p>
             <a:fld id="{A483448D-3A78-4528-A469-B745A65DA480}" type="slidenum">
               <a:rPr lang="en-US" smtClean="0"/>
@@ -2216,7 +2824,7 @@
 </file>
 
 <file path=ppt/slideLayouts/slideLayout9.xml><?xml version="1.0" encoding="utf-8"?>
-<p:sldLayout xmlns:a="http://schemas.openxmlformats.org/drawingml/2006/main" xmlns:r="http://schemas.openxmlformats.org/officeDocument/2006/relationships" xmlns:p="http://schemas.openxmlformats.org/presentationml/2006/main" type="picTx" preserve="1">
+<p:sldLayout xmlns:a="http://schemas.openxmlformats.org/drawingml/2006/main" xmlns:r="http://schemas.openxmlformats.org/officeDocument/2006/relationships" xmlns:p="http://schemas.openxmlformats.org/presentationml/2006/main" showMasterSp="0" type="picTx" preserve="1">
   <p:cSld name="Рисунок с подписью">
     <p:spTree>
       <p:nvGrpSpPr>
@@ -2244,19 +2852,22 @@
         </p:nvSpPr>
         <p:spPr>
           <a:xfrm>
-            <a:off x="1828800" y="609600"/>
-            <a:ext cx="5486400" cy="522288"/>
+            <a:off x="5886896" y="1066800"/>
+            <a:ext cx="2743200" cy="1981200"/>
           </a:xfrm>
         </p:spPr>
         <p:txBody>
-          <a:bodyPr lIns="45720" rIns="45720" bIns="0" anchor="b">
-            <a:sp3d prstMaterial="softEdge"/>
+          <a:bodyPr anchor="b">
+            <a:noAutofit/>
           </a:bodyPr>
           <a:lstStyle>
-            <a:lvl1pPr algn="ctr">
+            <a:lvl1pPr algn="l">
               <a:buNone/>
-              <a:defRPr sz="2000" b="1"/>
+              <a:defRPr sz="2100" b="1">
+                <a:effectLst/>
+              </a:defRPr>
             </a:lvl1pPr>
+            <a:extLst/>
           </a:lstStyle>
           <a:p>
             <a:r>
@@ -2269,51 +2880,237 @@
       </p:sp>
       <p:sp>
         <p:nvSpPr>
-          <p:cNvPr id="3" name="Рисунок 2"/>
-          <p:cNvSpPr>
-            <a:spLocks noGrp="1"/>
-          </p:cNvSpPr>
-          <p:nvPr>
-            <p:ph type="pic" idx="1"/>
-          </p:nvPr>
+          <p:cNvPr id="5" name="Дата 4"/>
+          <p:cNvSpPr>
+            <a:spLocks noGrp="1"/>
+          </p:cNvSpPr>
+          <p:nvPr>
+            <p:ph type="dt" sz="half" idx="10"/>
+          </p:nvPr>
+        </p:nvSpPr>
+        <p:spPr/>
+        <p:txBody>
+          <a:bodyPr/>
+          <a:lstStyle>
+            <a:extLst/>
+          </a:lstStyle>
+          <a:p>
+            <a:fld id="{7EAF463A-BC7C-46EE-9F1E-7F377CCA4891}" type="datetimeFigureOut">
+              <a:rPr lang="en-US" smtClean="0"/>
+              <a:pPr/>
+              <a:t>1/30/2019</a:t>
+            </a:fld>
+            <a:endParaRPr lang="en-US"/>
+          </a:p>
+        </p:txBody>
+      </p:sp>
+      <p:sp>
+        <p:nvSpPr>
+          <p:cNvPr id="6" name="Нижний колонтитул 5"/>
+          <p:cNvSpPr>
+            <a:spLocks noGrp="1"/>
+          </p:cNvSpPr>
+          <p:nvPr>
+            <p:ph type="ftr" sz="quarter" idx="11"/>
+          </p:nvPr>
+        </p:nvSpPr>
+        <p:spPr/>
+        <p:txBody>
+          <a:bodyPr/>
+          <a:lstStyle>
+            <a:extLst/>
+          </a:lstStyle>
+          <a:p>
+            <a:endParaRPr lang="en-US"/>
+          </a:p>
+        </p:txBody>
+      </p:sp>
+      <p:sp>
+        <p:nvSpPr>
+          <p:cNvPr id="7" name="Номер слайда 6"/>
+          <p:cNvSpPr>
+            <a:spLocks noGrp="1"/>
+          </p:cNvSpPr>
+          <p:nvPr>
+            <p:ph type="sldNum" sz="quarter" idx="12"/>
+          </p:nvPr>
+        </p:nvSpPr>
+        <p:spPr/>
+        <p:txBody>
+          <a:bodyPr/>
+          <a:lstStyle>
+            <a:extLst/>
+          </a:lstStyle>
+          <a:p>
+            <a:fld id="{A483448D-3A78-4528-A469-B745A65DA480}" type="slidenum">
+              <a:rPr lang="en-US" smtClean="0"/>
+              <a:pPr/>
+              <a:t>‹#›</a:t>
+            </a:fld>
+            <a:endParaRPr lang="en-US"/>
+          </a:p>
+        </p:txBody>
+      </p:sp>
+      <p:sp>
+        <p:nvSpPr>
+          <p:cNvPr id="8" name="Прямоугольник 7"/>
+          <p:cNvSpPr/>
+          <p:nvPr/>
         </p:nvSpPr>
         <p:spPr>
           <a:xfrm>
-            <a:off x="1828800" y="1831975"/>
-            <a:ext cx="5486400" cy="3962400"/>
+            <a:off x="762000" y="1066800"/>
+            <a:ext cx="4572000" cy="4572000"/>
           </a:xfrm>
+          <a:prstGeom prst="rect">
+            <a:avLst/>
+          </a:prstGeom>
           <a:solidFill>
-            <a:schemeClr val="bg2"/>
+            <a:srgbClr val="FFFFFF"/>
           </a:solidFill>
-          <a:ln w="44450" cap="sq" cmpd="sng" algn="ctr">
+          <a:ln w="88900" cap="sq">
             <a:solidFill>
               <a:srgbClr val="FFFFFF"/>
             </a:solidFill>
-            <a:prstDash val="solid"/>
             <a:miter lim="800000"/>
           </a:ln>
           <a:effectLst>
-            <a:outerShdw blurRad="190500" dist="228600" dir="2700000" sy="90000">
+            <a:outerShdw blurRad="55500" dist="18500" dir="5400000" algn="tl" rotWithShape="0">
               <a:srgbClr val="000000">
-                <a:alpha val="25000"/>
+                <a:alpha val="35000"/>
               </a:srgbClr>
             </a:outerShdw>
           </a:effectLst>
           <a:scene3d>
-            <a:camera prst="orthographicFront">
-              <a:rot lat="0" lon="0" rev="0"/>
-            </a:camera>
-            <a:lightRig rig="balanced" dir="tr">
-              <a:rot lat="0" lon="0" rev="2700000"/>
+            <a:camera prst="orthographicFront"/>
+            <a:lightRig rig="twoPt" dir="t">
+              <a:rot lat="0" lon="0" rev="7200000"/>
             </a:lightRig>
           </a:scene3d>
-          <a:sp3d prstMaterial="matte">
+          <a:sp3d contourW="635">
+            <a:bevelT w="25400" h="19050"/>
             <a:contourClr>
-              <a:schemeClr val="tx2">
-                <a:shade val="50000"/>
-              </a:schemeClr>
+              <a:srgbClr val="969696"/>
             </a:contourClr>
           </a:sp3d>
+        </p:spPr>
+        <p:txBody>
+          <a:bodyPr lIns="91440" tIns="274320" rtlCol="0" anchor="t">
+            <a:normAutofit/>
+          </a:bodyPr>
+          <a:lstStyle>
+            <a:extLst/>
+          </a:lstStyle>
+          <a:p>
+            <a:pPr marL="0" indent="-283464" algn="l" rtl="0" eaLnBrk="1" latinLnBrk="0" hangingPunct="1">
+              <a:lnSpc>
+                <a:spcPts val="3000"/>
+              </a:lnSpc>
+              <a:spcBef>
+                <a:spcPts val="600"/>
+              </a:spcBef>
+              <a:buClr>
+                <a:schemeClr val="accent1"/>
+              </a:buClr>
+              <a:buSzPct val="80000"/>
+              <a:buFont typeface="Wingdings 2"/>
+              <a:buNone/>
+            </a:pPr>
+            <a:endParaRPr kumimoji="0" lang="en-US" sz="3200" kern="1200">
+              <a:solidFill>
+                <a:schemeClr val="tx1"/>
+              </a:solidFill>
+              <a:latin typeface="+mn-lt"/>
+              <a:ea typeface="+mn-ea"/>
+              <a:cs typeface="+mn-cs"/>
+            </a:endParaRPr>
+          </a:p>
+        </p:txBody>
+      </p:sp>
+      <p:sp>
+        <p:nvSpPr>
+          <p:cNvPr id="3" name="Рисунок 2"/>
+          <p:cNvSpPr>
+            <a:spLocks noGrp="1"/>
+          </p:cNvSpPr>
+          <p:nvPr>
+            <p:ph type="pic" idx="1"/>
+          </p:nvPr>
+        </p:nvSpPr>
+        <p:spPr>
+          <a:xfrm>
+            <a:off x="838200" y="1143003"/>
+            <a:ext cx="4419600" cy="3514531"/>
+          </a:xfrm>
+          <a:prstGeom prst="roundRect">
+            <a:avLst>
+              <a:gd name="adj" fmla="val 783"/>
+            </a:avLst>
+          </a:prstGeom>
+          <a:solidFill>
+            <a:schemeClr val="bg2"/>
+          </a:solidFill>
+          <a:ln w="127000">
+            <a:noFill/>
+            <a:miter lim="800000"/>
+          </a:ln>
+          <a:effectLst/>
+        </p:spPr>
+        <p:txBody>
+          <a:bodyPr lIns="91440" tIns="274320" anchor="t"/>
+          <a:lstStyle>
+            <a:lvl1pPr indent="0">
+              <a:buNone/>
+              <a:defRPr sz="3200"/>
+            </a:lvl1pPr>
+            <a:extLst/>
+          </a:lstStyle>
+          <a:p>
+            <a:pPr marL="0" algn="l" eaLnBrk="1" latinLnBrk="0" hangingPunct="1"/>
+            <a:r>
+              <a:rPr kumimoji="0" lang="ru-RU" smtClean="0"/>
+              <a:t>Вставка рисунка</a:t>
+            </a:r>
+            <a:endParaRPr kumimoji="0" lang="en-US" dirty="0"/>
+          </a:p>
+        </p:txBody>
+      </p:sp>
+      <p:sp>
+        <p:nvSpPr>
+          <p:cNvPr id="9" name="Блок-схема: процесс 8"/>
+          <p:cNvSpPr/>
+          <p:nvPr/>
+        </p:nvSpPr>
+        <p:spPr>
+          <a:xfrm rot="19468671">
+            <a:off x="396725" y="954341"/>
+            <a:ext cx="685800" cy="204310"/>
+          </a:xfrm>
+          <a:prstGeom prst="flowChartProcess">
+            <a:avLst/>
+          </a:prstGeom>
+          <a:solidFill>
+            <a:srgbClr val="FBFBFB">
+              <a:alpha val="45098"/>
+            </a:srgbClr>
+          </a:solidFill>
+          <a:ln w="6350" cap="rnd" cmpd="sng" algn="ctr">
+            <a:solidFill>
+              <a:srgbClr val="FFFFFF">
+                <a:alpha val="100000"/>
+              </a:srgbClr>
+            </a:solidFill>
+            <a:prstDash val="solid"/>
+          </a:ln>
+          <a:effectLst>
+            <a:outerShdw blurRad="25400" dist="25400" dir="3300000" sx="96000" sy="96000" algn="tl" rotWithShape="0">
+              <a:schemeClr val="bg2">
+                <a:shade val="90000"/>
+                <a:satMod val="200000"/>
+                <a:alpha val="40000"/>
+              </a:schemeClr>
+            </a:outerShdw>
+          </a:effectLst>
         </p:spPr>
         <p:style>
           <a:lnRef idx="3">
@@ -2330,34 +3127,73 @@
           </a:fontRef>
         </p:style>
         <p:txBody>
-          <a:bodyPr anchor="t"/>
-          <a:lstStyle>
-            <a:lvl1pPr indent="0">
-              <a:buNone/>
-              <a:defRPr sz="3200"/>
-            </a:lvl1pPr>
-          </a:lstStyle>
-          <a:p>
-            <a:pPr marL="0" algn="l" rtl="0" eaLnBrk="1" latinLnBrk="0" hangingPunct="1"/>
-            <a:r>
-              <a:rPr kumimoji="0" lang="ru-RU" smtClean="0">
-                <a:solidFill>
-                  <a:schemeClr val="lt1"/>
-                </a:solidFill>
-                <a:latin typeface="+mn-lt"/>
-                <a:ea typeface="+mn-ea"/>
-                <a:cs typeface="+mn-cs"/>
-              </a:rPr>
-              <a:t>Вставка рисунка</a:t>
-            </a:r>
-            <a:endParaRPr kumimoji="0" lang="en-US" dirty="0">
-              <a:solidFill>
-                <a:schemeClr val="lt1"/>
-              </a:solidFill>
-              <a:latin typeface="+mn-lt"/>
-              <a:ea typeface="+mn-ea"/>
-              <a:cs typeface="+mn-cs"/>
-            </a:endParaRPr>
+          <a:bodyPr anchor="ctr"/>
+          <a:lstStyle>
+            <a:extLst/>
+          </a:lstStyle>
+          <a:p>
+            <a:pPr algn="ctr" eaLnBrk="1" latinLnBrk="0" hangingPunct="1"/>
+            <a:endParaRPr kumimoji="0" lang="en-US"/>
+          </a:p>
+        </p:txBody>
+      </p:sp>
+      <p:sp>
+        <p:nvSpPr>
+          <p:cNvPr id="10" name="Блок-схема: процесс 9"/>
+          <p:cNvSpPr/>
+          <p:nvPr/>
+        </p:nvSpPr>
+        <p:spPr>
+          <a:xfrm rot="2103354" flipH="1">
+            <a:off x="5003667" y="936786"/>
+            <a:ext cx="649224" cy="204310"/>
+          </a:xfrm>
+          <a:prstGeom prst="flowChartProcess">
+            <a:avLst/>
+          </a:prstGeom>
+          <a:solidFill>
+            <a:srgbClr val="FBFBFB">
+              <a:alpha val="45098"/>
+            </a:srgbClr>
+          </a:solidFill>
+          <a:ln w="6350" cap="rnd" cmpd="sng" algn="ctr">
+            <a:solidFill>
+              <a:srgbClr val="FFFFFF">
+                <a:alpha val="100000"/>
+              </a:srgbClr>
+            </a:solidFill>
+            <a:prstDash val="solid"/>
+          </a:ln>
+          <a:effectLst>
+            <a:outerShdw blurRad="25400" dist="25400" dir="3300000" sx="96000" sy="96000" algn="tl" rotWithShape="0">
+              <a:schemeClr val="bg2">
+                <a:alpha val="20000"/>
+              </a:schemeClr>
+            </a:outerShdw>
+          </a:effectLst>
+        </p:spPr>
+        <p:style>
+          <a:lnRef idx="3">
+            <a:schemeClr val="lt1"/>
+          </a:lnRef>
+          <a:fillRef idx="1">
+            <a:schemeClr val="accent1"/>
+          </a:fillRef>
+          <a:effectRef idx="1">
+            <a:schemeClr val="accent1"/>
+          </a:effectRef>
+          <a:fontRef idx="minor">
+            <a:schemeClr val="lt1"/>
+          </a:fontRef>
+        </p:style>
+        <p:txBody>
+          <a:bodyPr anchor="ctr"/>
+          <a:lstStyle>
+            <a:extLst/>
+          </a:lstStyle>
+          <a:p>
+            <a:pPr algn="ctr" eaLnBrk="1" latinLnBrk="0" hangingPunct="1"/>
+            <a:endParaRPr kumimoji="0" lang="en-US" dirty="0"/>
           </a:p>
         </p:txBody>
       </p:sp>
@@ -2373,16 +3209,26 @@
         </p:nvSpPr>
         <p:spPr>
           <a:xfrm>
-            <a:off x="1828800" y="1166787"/>
-            <a:ext cx="5486400" cy="530352"/>
+            <a:off x="838200" y="4800600"/>
+            <a:ext cx="4419600" cy="762000"/>
           </a:xfrm>
         </p:spPr>
         <p:txBody>
-          <a:bodyPr lIns="45720" tIns="45720" rIns="45720" anchor="t"/>
-          <a:lstStyle>
-            <a:lvl1pPr marL="0" indent="0" algn="ctr">
+          <a:bodyPr anchor="ctr"/>
+          <a:lstStyle>
+            <a:lvl1pPr marL="0" indent="0" algn="l">
+              <a:lnSpc>
+                <a:spcPts val="1600"/>
+              </a:lnSpc>
+              <a:spcBef>
+                <a:spcPts val="0"/>
+              </a:spcBef>
               <a:buNone/>
-              <a:defRPr sz="1400"/>
+              <a:defRPr sz="1400">
+                <a:solidFill>
+                  <a:srgbClr val="777777"/>
+                </a:solidFill>
+              </a:defRPr>
             </a:lvl1pPr>
             <a:lvl2pPr>
               <a:defRPr sz="1200"/>
@@ -2396,6 +3242,7 @@
             <a:lvl5pPr>
               <a:defRPr sz="900"/>
             </a:lvl5pPr>
+            <a:extLst/>
           </a:lstStyle>
           <a:p>
             <a:pPr lvl="0" eaLnBrk="1" latinLnBrk="0" hangingPunct="1"/>
@@ -2403,73 +3250,6 @@
               <a:rPr kumimoji="0" lang="ru-RU" smtClean="0"/>
               <a:t>Образец текста</a:t>
             </a:r>
-          </a:p>
-        </p:txBody>
-      </p:sp>
-      <p:sp>
-        <p:nvSpPr>
-          <p:cNvPr id="5" name="Дата 4"/>
-          <p:cNvSpPr>
-            <a:spLocks noGrp="1"/>
-          </p:cNvSpPr>
-          <p:nvPr>
-            <p:ph type="dt" sz="half" idx="10"/>
-          </p:nvPr>
-        </p:nvSpPr>
-        <p:spPr/>
-        <p:txBody>
-          <a:bodyPr/>
-          <a:lstStyle/>
-          <a:p>
-            <a:fld id="{7EAF463A-BC7C-46EE-9F1E-7F377CCA4891}" type="datetimeFigureOut">
-              <a:rPr lang="en-US" smtClean="0"/>
-              <a:pPr/>
-              <a:t>1/13/2019</a:t>
-            </a:fld>
-            <a:endParaRPr lang="en-US"/>
-          </a:p>
-        </p:txBody>
-      </p:sp>
-      <p:sp>
-        <p:nvSpPr>
-          <p:cNvPr id="6" name="Нижний колонтитул 5"/>
-          <p:cNvSpPr>
-            <a:spLocks noGrp="1"/>
-          </p:cNvSpPr>
-          <p:nvPr>
-            <p:ph type="ftr" sz="quarter" idx="11"/>
-          </p:nvPr>
-        </p:nvSpPr>
-        <p:spPr/>
-        <p:txBody>
-          <a:bodyPr/>
-          <a:lstStyle/>
-          <a:p>
-            <a:endParaRPr lang="en-US"/>
-          </a:p>
-        </p:txBody>
-      </p:sp>
-      <p:sp>
-        <p:nvSpPr>
-          <p:cNvPr id="7" name="Номер слайда 6"/>
-          <p:cNvSpPr>
-            <a:spLocks noGrp="1"/>
-          </p:cNvSpPr>
-          <p:nvPr>
-            <p:ph type="sldNum" sz="quarter" idx="12"/>
-          </p:nvPr>
-        </p:nvSpPr>
-        <p:spPr/>
-        <p:txBody>
-          <a:bodyPr/>
-          <a:lstStyle/>
-          <a:p>
-            <a:fld id="{A483448D-3A78-4528-A469-B745A65DA480}" type="slidenum">
-              <a:rPr lang="en-US" smtClean="0"/>
-              <a:pPr/>
-              <a:t>‹#›</a:t>
-            </a:fld>
-            <a:endParaRPr lang="en-US"/>
           </a:p>
         </p:txBody>
       </p:sp>
@@ -2505,37 +3285,291 @@
       </p:grpSpPr>
       <p:sp>
         <p:nvSpPr>
-          <p:cNvPr id="22" name="Заголовок 21"/>
-          <p:cNvSpPr>
-            <a:spLocks noGrp="1"/>
-          </p:cNvSpPr>
-          <p:nvPr>
-            <p:ph type="title"/>
-          </p:nvPr>
+          <p:cNvPr id="7" name="Пирог 6"/>
+          <p:cNvSpPr/>
+          <p:nvPr/>
         </p:nvSpPr>
         <p:spPr>
           <a:xfrm>
-            <a:off x="457200" y="274638"/>
-            <a:ext cx="8229600" cy="1143000"/>
+            <a:off x="-815927" y="-815922"/>
+            <a:ext cx="1638887" cy="1638887"/>
+          </a:xfrm>
+          <a:prstGeom prst="pie">
+            <a:avLst>
+              <a:gd name="adj1" fmla="val 0"/>
+              <a:gd name="adj2" fmla="val 5402120"/>
+            </a:avLst>
+          </a:prstGeom>
+          <a:solidFill>
+            <a:schemeClr val="bg2">
+              <a:tint val="18000"/>
+              <a:satMod val="220000"/>
+              <a:alpha val="33000"/>
+            </a:schemeClr>
+          </a:solidFill>
+          <a:ln w="3175" cap="rnd" cmpd="sng" algn="ctr">
+            <a:solidFill>
+              <a:schemeClr val="bg2">
+                <a:shade val="70000"/>
+                <a:satMod val="200000"/>
+                <a:alpha val="100000"/>
+              </a:schemeClr>
+            </a:solidFill>
+            <a:prstDash val="solid"/>
+          </a:ln>
+          <a:effectLst/>
+        </p:spPr>
+        <p:style>
+          <a:lnRef idx="3">
+            <a:schemeClr val="lt1"/>
+          </a:lnRef>
+          <a:fillRef idx="1">
+            <a:schemeClr val="accent1"/>
+          </a:fillRef>
+          <a:effectRef idx="1">
+            <a:schemeClr val="accent1"/>
+          </a:effectRef>
+          <a:fontRef idx="minor">
+            <a:schemeClr val="lt1"/>
+          </a:fontRef>
+        </p:style>
+        <p:txBody>
+          <a:bodyPr anchor="ctr"/>
+          <a:lstStyle>
+            <a:extLst/>
+          </a:lstStyle>
+          <a:p>
+            <a:pPr algn="ctr" eaLnBrk="1" latinLnBrk="0" hangingPunct="1"/>
+            <a:endParaRPr kumimoji="0" lang="en-US"/>
+          </a:p>
+        </p:txBody>
+      </p:sp>
+      <p:sp>
+        <p:nvSpPr>
+          <p:cNvPr id="8" name="Овал 7"/>
+          <p:cNvSpPr/>
+          <p:nvPr/>
+        </p:nvSpPr>
+        <p:spPr>
+          <a:xfrm>
+            <a:off x="168816" y="21102"/>
+            <a:ext cx="1702191" cy="1702191"/>
+          </a:xfrm>
+          <a:prstGeom prst="ellipse">
+            <a:avLst/>
+          </a:prstGeom>
+          <a:noFill/>
+          <a:ln w="27305" cap="rnd" cmpd="sng" algn="ctr">
+            <a:solidFill>
+              <a:schemeClr val="bg2">
+                <a:tint val="45000"/>
+                <a:satMod val="325000"/>
+                <a:alpha val="100000"/>
+              </a:schemeClr>
+            </a:solidFill>
+            <a:prstDash val="solid"/>
+          </a:ln>
+          <a:effectLst>
+            <a:outerShdw blurRad="25400" dist="25400" dir="5400000" algn="tl" rotWithShape="0">
+              <a:schemeClr val="bg2">
+                <a:shade val="50000"/>
+                <a:satMod val="150000"/>
+                <a:alpha val="85000"/>
+              </a:schemeClr>
+            </a:outerShdw>
+          </a:effectLst>
+        </p:spPr>
+        <p:style>
+          <a:lnRef idx="3">
+            <a:schemeClr val="lt1"/>
+          </a:lnRef>
+          <a:fillRef idx="1">
+            <a:schemeClr val="accent1"/>
+          </a:fillRef>
+          <a:effectRef idx="1">
+            <a:schemeClr val="accent1"/>
+          </a:effectRef>
+          <a:fontRef idx="minor">
+            <a:schemeClr val="lt1"/>
+          </a:fontRef>
+        </p:style>
+        <p:txBody>
+          <a:bodyPr anchor="ctr"/>
+          <a:lstStyle>
+            <a:extLst/>
+          </a:lstStyle>
+          <a:p>
+            <a:pPr algn="ctr" eaLnBrk="1" latinLnBrk="0" hangingPunct="1"/>
+            <a:endParaRPr kumimoji="0" lang="en-US"/>
+          </a:p>
+        </p:txBody>
+      </p:sp>
+      <p:sp>
+        <p:nvSpPr>
+          <p:cNvPr id="11" name="Кольцо 10"/>
+          <p:cNvSpPr/>
+          <p:nvPr/>
+        </p:nvSpPr>
+        <p:spPr>
+          <a:xfrm rot="2315675">
+            <a:off x="182881" y="1055077"/>
+            <a:ext cx="1125717" cy="1102624"/>
+          </a:xfrm>
+          <a:prstGeom prst="donut">
+            <a:avLst>
+              <a:gd name="adj" fmla="val 11833"/>
+            </a:avLst>
+          </a:prstGeom>
+          <a:gradFill rotWithShape="1">
+            <a:gsLst>
+              <a:gs pos="0">
+                <a:schemeClr val="bg2">
+                  <a:tint val="10000"/>
+                  <a:shade val="99000"/>
+                  <a:satMod val="355000"/>
+                  <a:alpha val="70000"/>
+                </a:schemeClr>
+              </a:gs>
+              <a:gs pos="70000">
+                <a:schemeClr val="bg2">
+                  <a:tint val="6000"/>
+                  <a:shade val="100000"/>
+                  <a:satMod val="400000"/>
+                  <a:alpha val="55000"/>
+                </a:schemeClr>
+              </a:gs>
+              <a:gs pos="100000">
+                <a:schemeClr val="bg2">
+                  <a:tint val="100000"/>
+                  <a:shade val="75000"/>
+                  <a:satMod val="370000"/>
+                  <a:alpha val="60000"/>
+                </a:schemeClr>
+              </a:gs>
+            </a:gsLst>
+            <a:path path="circle">
+              <a:fillToRect l="-407500" t="-50000" r="507500" b="150000"/>
+            </a:path>
+          </a:gradFill>
+          <a:ln w="7350" cap="rnd" cmpd="sng" algn="ctr">
+            <a:solidFill>
+              <a:schemeClr val="bg2">
+                <a:shade val="60000"/>
+                <a:satMod val="220000"/>
+                <a:alpha val="100000"/>
+              </a:schemeClr>
+            </a:solidFill>
+            <a:prstDash val="solid"/>
+          </a:ln>
+          <a:effectLst>
+            <a:outerShdw blurRad="12700" dist="15000" dir="4500000" algn="tl" rotWithShape="0">
+              <a:schemeClr val="bg2">
+                <a:shade val="10000"/>
+                <a:satMod val="200000"/>
+                <a:alpha val="35000"/>
+              </a:schemeClr>
+            </a:outerShdw>
+          </a:effectLst>
+        </p:spPr>
+        <p:style>
+          <a:lnRef idx="3">
+            <a:schemeClr val="lt1"/>
+          </a:lnRef>
+          <a:fillRef idx="1">
+            <a:schemeClr val="accent1"/>
+          </a:fillRef>
+          <a:effectRef idx="1">
+            <a:schemeClr val="accent1"/>
+          </a:effectRef>
+          <a:fontRef idx="minor">
+            <a:schemeClr val="lt1"/>
+          </a:fontRef>
+        </p:style>
+        <p:txBody>
+          <a:bodyPr anchor="ctr"/>
+          <a:lstStyle>
+            <a:extLst/>
+          </a:lstStyle>
+          <a:p>
+            <a:pPr algn="ctr" eaLnBrk="1" latinLnBrk="0" hangingPunct="1"/>
+            <a:endParaRPr kumimoji="0" lang="en-US"/>
+          </a:p>
+        </p:txBody>
+      </p:sp>
+      <p:sp>
+        <p:nvSpPr>
+          <p:cNvPr id="12" name="Прямоугольник 11"/>
+          <p:cNvSpPr/>
+          <p:nvPr/>
+        </p:nvSpPr>
+        <p:spPr>
+          <a:xfrm>
+            <a:off x="1012873" y="-54"/>
+            <a:ext cx="8131127" cy="6858054"/>
+          </a:xfrm>
+          <a:prstGeom prst="rect">
+            <a:avLst/>
+          </a:prstGeom>
+          <a:solidFill>
+            <a:schemeClr val="bg1"/>
+          </a:solidFill>
+          <a:ln w="25400" cap="rnd" cmpd="sng" algn="ctr">
+            <a:noFill/>
+            <a:prstDash val="solid"/>
+          </a:ln>
+          <a:effectLst/>
+        </p:spPr>
+        <p:style>
+          <a:lnRef idx="3">
+            <a:schemeClr val="lt1"/>
+          </a:lnRef>
+          <a:fillRef idx="1">
+            <a:schemeClr val="accent1"/>
+          </a:fillRef>
+          <a:effectRef idx="1">
+            <a:schemeClr val="accent1"/>
+          </a:effectRef>
+          <a:fontRef idx="minor">
+            <a:schemeClr val="lt1"/>
+          </a:fontRef>
+        </p:style>
+        <p:txBody>
+          <a:bodyPr anchor="ctr"/>
+          <a:lstStyle>
+            <a:extLst/>
+          </a:lstStyle>
+          <a:p>
+            <a:pPr algn="ctr" eaLnBrk="1" latinLnBrk="0" hangingPunct="1"/>
+            <a:endParaRPr kumimoji="0" lang="en-US"/>
+          </a:p>
+        </p:txBody>
+      </p:sp>
+      <p:sp>
+        <p:nvSpPr>
+          <p:cNvPr id="5" name="Заголовок 4"/>
+          <p:cNvSpPr>
+            <a:spLocks noGrp="1"/>
+          </p:cNvSpPr>
+          <p:nvPr>
+            <p:ph type="title"/>
+          </p:nvPr>
+        </p:nvSpPr>
+        <p:spPr>
+          <a:xfrm>
+            <a:off x="1435608" y="274638"/>
+            <a:ext cx="7498080" cy="1143000"/>
           </a:xfrm>
           <a:prstGeom prst="rect">
             <a:avLst/>
           </a:prstGeom>
         </p:spPr>
         <p:txBody>
-          <a:bodyPr vert="horz" anchor="ctr">
+          <a:bodyPr anchor="ctr">
             <a:normAutofit/>
-            <a:scene3d>
-              <a:camera prst="orthographicFront"/>
-              <a:lightRig rig="soft" dir="t">
-                <a:rot lat="0" lon="0" rev="16800000"/>
-              </a:lightRig>
-            </a:scene3d>
-            <a:sp3d prstMaterial="softEdge">
-              <a:bevelT w="38100" h="38100"/>
-            </a:sp3d>
           </a:bodyPr>
-          <a:lstStyle/>
+          <a:lstStyle>
+            <a:extLst/>
+          </a:lstStyle>
           <a:p>
             <a:r>
               <a:rPr kumimoji="0" lang="ru-RU" smtClean="0"/>
@@ -2547,7 +3581,7 @@
       </p:sp>
       <p:sp>
         <p:nvSpPr>
-          <p:cNvPr id="13" name="Текст 12"/>
+          <p:cNvPr id="9" name="Текст 8"/>
           <p:cNvSpPr>
             <a:spLocks noGrp="1"/>
           </p:cNvSpPr>
@@ -2557,18 +3591,20 @@
         </p:nvSpPr>
         <p:spPr>
           <a:xfrm>
-            <a:off x="457200" y="1600200"/>
-            <a:ext cx="8229600" cy="4709160"/>
+            <a:off x="1435608" y="1447800"/>
+            <a:ext cx="7498080" cy="4800600"/>
           </a:xfrm>
           <a:prstGeom prst="rect">
             <a:avLst/>
           </a:prstGeom>
         </p:spPr>
         <p:txBody>
-          <a:bodyPr vert="horz">
+          <a:bodyPr>
             <a:normAutofit/>
           </a:bodyPr>
-          <a:lstStyle/>
+          <a:lstStyle>
+            <a:extLst/>
+          </a:lstStyle>
           <a:p>
             <a:pPr lvl="0" eaLnBrk="1" latinLnBrk="0" hangingPunct="1"/>
             <a:r>
@@ -2609,7 +3645,7 @@
       </p:sp>
       <p:sp>
         <p:nvSpPr>
-          <p:cNvPr id="14" name="Дата 13"/>
+          <p:cNvPr id="24" name="Дата 23"/>
           <p:cNvSpPr>
             <a:spLocks noGrp="1"/>
           </p:cNvSpPr>
@@ -2619,31 +3655,33 @@
         </p:nvSpPr>
         <p:spPr>
           <a:xfrm>
-            <a:off x="457200" y="6416675"/>
-            <a:ext cx="2133600" cy="365125"/>
+            <a:off x="3581400" y="6305550"/>
+            <a:ext cx="2133600" cy="476250"/>
           </a:xfrm>
           <a:prstGeom prst="rect">
             <a:avLst/>
           </a:prstGeom>
         </p:spPr>
         <p:txBody>
-          <a:bodyPr vert="horz" anchor="b"/>
-          <a:lstStyle>
-            <a:lvl1pPr algn="l" eaLnBrk="1" latinLnBrk="0" hangingPunct="1">
+          <a:bodyPr anchor="b"/>
+          <a:lstStyle>
+            <a:lvl1pPr algn="r" eaLnBrk="1" latinLnBrk="0" hangingPunct="1">
               <a:defRPr kumimoji="0" sz="1200">
                 <a:solidFill>
-                  <a:schemeClr val="tx1">
+                  <a:schemeClr val="bg2">
                     <a:shade val="50000"/>
+                    <a:satMod val="200000"/>
                   </a:schemeClr>
                 </a:solidFill>
               </a:defRPr>
             </a:lvl1pPr>
+            <a:extLst/>
           </a:lstStyle>
           <a:p>
             <a:fld id="{7EAF463A-BC7C-46EE-9F1E-7F377CCA4891}" type="datetimeFigureOut">
               <a:rPr lang="en-US" smtClean="0"/>
               <a:pPr/>
-              <a:t>1/13/2019</a:t>
+              <a:t>1/30/2019</a:t>
             </a:fld>
             <a:endParaRPr lang="en-US"/>
           </a:p>
@@ -2651,7 +3689,7 @@
       </p:sp>
       <p:sp>
         <p:nvSpPr>
-          <p:cNvPr id="3" name="Нижний колонтитул 2"/>
+          <p:cNvPr id="10" name="Нижний колонтитул 9"/>
           <p:cNvSpPr>
             <a:spLocks noGrp="1"/>
           </p:cNvSpPr>
@@ -2661,25 +3699,28 @@
         </p:nvSpPr>
         <p:spPr>
           <a:xfrm>
-            <a:off x="3124200" y="6416675"/>
-            <a:ext cx="2895600" cy="365125"/>
+            <a:off x="5715000" y="6305550"/>
+            <a:ext cx="2895600" cy="476250"/>
           </a:xfrm>
           <a:prstGeom prst="rect">
             <a:avLst/>
           </a:prstGeom>
         </p:spPr>
         <p:txBody>
-          <a:bodyPr vert="horz" anchor="b"/>
-          <a:lstStyle>
-            <a:lvl1pPr algn="ctr" eaLnBrk="1" latinLnBrk="0" hangingPunct="1">
+          <a:bodyPr anchor="b"/>
+          <a:lstStyle>
+            <a:lvl1pPr eaLnBrk="1" latinLnBrk="0" hangingPunct="1">
               <a:defRPr kumimoji="0" sz="1200">
                 <a:solidFill>
-                  <a:schemeClr val="tx1">
+                  <a:schemeClr val="bg2">
                     <a:shade val="50000"/>
+                    <a:satMod val="200000"/>
                   </a:schemeClr>
                 </a:solidFill>
+                <a:effectLst/>
               </a:defRPr>
             </a:lvl1pPr>
+            <a:extLst/>
           </a:lstStyle>
           <a:p>
             <a:endParaRPr lang="en-US"/>
@@ -2688,7 +3729,7 @@
       </p:sp>
       <p:sp>
         <p:nvSpPr>
-          <p:cNvPr id="23" name="Номер слайда 22"/>
+          <p:cNvPr id="22" name="Номер слайда 21"/>
           <p:cNvSpPr>
             <a:spLocks noGrp="1"/>
           </p:cNvSpPr>
@@ -2698,25 +3739,28 @@
         </p:nvSpPr>
         <p:spPr>
           <a:xfrm>
-            <a:off x="7924800" y="6416675"/>
-            <a:ext cx="762000" cy="365125"/>
+            <a:off x="8613648" y="6305550"/>
+            <a:ext cx="457200" cy="476250"/>
           </a:xfrm>
           <a:prstGeom prst="rect">
             <a:avLst/>
           </a:prstGeom>
         </p:spPr>
         <p:txBody>
-          <a:bodyPr vert="horz" lIns="0" rIns="0" anchor="b"/>
-          <a:lstStyle>
-            <a:lvl1pPr algn="r" eaLnBrk="1" latinLnBrk="0" hangingPunct="1">
+          <a:bodyPr anchor="b"/>
+          <a:lstStyle>
+            <a:lvl1pPr algn="ctr" eaLnBrk="1" latinLnBrk="0" hangingPunct="1">
               <a:defRPr kumimoji="0" sz="1200">
                 <a:solidFill>
-                  <a:schemeClr val="tx1">
+                  <a:schemeClr val="bg2">
                     <a:shade val="50000"/>
+                    <a:satMod val="200000"/>
                   </a:schemeClr>
                 </a:solidFill>
+                <a:effectLst/>
               </a:defRPr>
             </a:lvl1pPr>
+            <a:extLst/>
           </a:lstStyle>
           <a:p>
             <a:fld id="{A483448D-3A78-4528-A469-B745A65DA480}" type="slidenum">
@@ -2728,60 +3772,95 @@
           </a:p>
         </p:txBody>
       </p:sp>
+      <p:sp>
+        <p:nvSpPr>
+          <p:cNvPr id="15" name="Прямоугольник 14"/>
+          <p:cNvSpPr/>
+          <p:nvPr/>
+        </p:nvSpPr>
+        <p:spPr bwMode="invGray">
+          <a:xfrm>
+            <a:off x="1014984" y="-54"/>
+            <a:ext cx="73152" cy="6858054"/>
+          </a:xfrm>
+          <a:prstGeom prst="rect">
+            <a:avLst/>
+          </a:prstGeom>
+          <a:solidFill>
+            <a:schemeClr val="bg1"/>
+          </a:solidFill>
+          <a:ln w="25400" cap="rnd" cmpd="sng" algn="ctr">
+            <a:noFill/>
+            <a:prstDash val="solid"/>
+          </a:ln>
+          <a:effectLst>
+            <a:outerShdw blurRad="38550" dist="38000" dir="10800000" algn="tl" rotWithShape="0">
+              <a:schemeClr val="bg2">
+                <a:shade val="20000"/>
+                <a:satMod val="110000"/>
+                <a:alpha val="25000"/>
+              </a:schemeClr>
+            </a:outerShdw>
+          </a:effectLst>
+        </p:spPr>
+        <p:style>
+          <a:lnRef idx="3">
+            <a:schemeClr val="lt1"/>
+          </a:lnRef>
+          <a:fillRef idx="1">
+            <a:schemeClr val="accent1"/>
+          </a:fillRef>
+          <a:effectRef idx="1">
+            <a:schemeClr val="accent1"/>
+          </a:effectRef>
+          <a:fontRef idx="minor">
+            <a:schemeClr val="lt1"/>
+          </a:fontRef>
+        </p:style>
+        <p:txBody>
+          <a:bodyPr anchor="ctr"/>
+          <a:lstStyle>
+            <a:extLst/>
+          </a:lstStyle>
+          <a:p>
+            <a:pPr algn="ctr" eaLnBrk="1" latinLnBrk="0" hangingPunct="1"/>
+            <a:endParaRPr kumimoji="0" lang="en-US"/>
+          </a:p>
+        </p:txBody>
+      </p:sp>
     </p:spTree>
   </p:cSld>
-  <p:clrMap bg1="dk1" tx1="lt1" bg2="dk2" tx2="lt2" accent1="accent1" accent2="accent2" accent3="accent3" accent4="accent4" accent5="accent5" accent6="accent6" hlink="hlink" folHlink="folHlink"/>
+  <p:clrMap bg1="lt1" tx1="dk1" bg2="lt2" tx2="dk2" accent1="accent1" accent2="accent2" accent3="accent3" accent4="accent4" accent5="accent5" accent6="accent6" hlink="hlink" folHlink="folHlink"/>
   <p:sldLayoutIdLst>
-    <p:sldLayoutId id="2147483817" r:id="rId1"/>
-    <p:sldLayoutId id="2147483818" r:id="rId2"/>
-    <p:sldLayoutId id="2147483819" r:id="rId3"/>
-    <p:sldLayoutId id="2147483820" r:id="rId4"/>
-    <p:sldLayoutId id="2147483821" r:id="rId5"/>
-    <p:sldLayoutId id="2147483822" r:id="rId6"/>
-    <p:sldLayoutId id="2147483823" r:id="rId7"/>
-    <p:sldLayoutId id="2147483824" r:id="rId8"/>
-    <p:sldLayoutId id="2147483825" r:id="rId9"/>
-    <p:sldLayoutId id="2147483826" r:id="rId10"/>
-    <p:sldLayoutId id="2147483827" r:id="rId11"/>
+    <p:sldLayoutId id="2147483865" r:id="rId1"/>
+    <p:sldLayoutId id="2147483866" r:id="rId2"/>
+    <p:sldLayoutId id="2147483867" r:id="rId3"/>
+    <p:sldLayoutId id="2147483868" r:id="rId4"/>
+    <p:sldLayoutId id="2147483869" r:id="rId5"/>
+    <p:sldLayoutId id="2147483870" r:id="rId6"/>
+    <p:sldLayoutId id="2147483871" r:id="rId7"/>
+    <p:sldLayoutId id="2147483872" r:id="rId8"/>
+    <p:sldLayoutId id="2147483873" r:id="rId9"/>
+    <p:sldLayoutId id="2147483874" r:id="rId10"/>
+    <p:sldLayoutId id="2147483875" r:id="rId11"/>
   </p:sldLayoutIdLst>
   <p:txStyles>
     <p:titleStyle>
-      <a:lvl1pPr algn="ctr" rtl="0" eaLnBrk="1" latinLnBrk="0" hangingPunct="1">
+      <a:lvl1pPr algn="l" rtl="0" eaLnBrk="1" latinLnBrk="0" hangingPunct="1">
         <a:spcBef>
           <a:spcPct val="0"/>
         </a:spcBef>
         <a:buNone/>
-        <a:defRPr kumimoji="0" sz="4100" b="1" kern="1200" cap="none" baseline="0">
-          <a:ln w="6350">
-            <a:noFill/>
-          </a:ln>
-          <a:gradFill>
-            <a:gsLst>
-              <a:gs pos="0">
-                <a:schemeClr val="accent1">
-                  <a:tint val="73000"/>
-                  <a:satMod val="145000"/>
-                </a:schemeClr>
-              </a:gs>
-              <a:gs pos="73000">
-                <a:schemeClr val="accent1">
-                  <a:tint val="73000"/>
-                  <a:satMod val="145000"/>
-                </a:schemeClr>
-              </a:gs>
-              <a:gs pos="100000">
-                <a:schemeClr val="accent1">
-                  <a:tint val="83000"/>
-                  <a:satMod val="143000"/>
-                </a:schemeClr>
-              </a:gs>
-            </a:gsLst>
-            <a:lin ang="4800000" scaled="1"/>
-          </a:gradFill>
+        <a:defRPr kumimoji="0" sz="4300" kern="1200">
+          <a:solidFill>
+            <a:schemeClr val="tx2">
+              <a:satMod val="130000"/>
+            </a:schemeClr>
+          </a:solidFill>
           <a:effectLst>
-            <a:outerShdw blurRad="114300" dist="101600" dir="2700000" algn="tl" rotWithShape="0">
+            <a:outerShdw blurRad="50000" dist="30000" dir="5400000" algn="tl" rotWithShape="0">
               <a:srgbClr val="000000">
-                <a:alpha val="40000"/>
+                <a:alpha val="30000"/>
               </a:srgbClr>
             </a:outerShdw>
           </a:effectLst>
@@ -2790,20 +3869,43 @@
           <a:cs typeface="+mj-cs"/>
         </a:defRPr>
       </a:lvl1pPr>
+      <a:extLst/>
     </p:titleStyle>
     <p:bodyStyle>
-      <a:lvl1pPr marL="548640" indent="-411480" algn="l" rtl="0" eaLnBrk="1" latinLnBrk="0" hangingPunct="1">
+      <a:lvl1pPr marL="365760" indent="-283464" algn="l" rtl="0" eaLnBrk="1" latinLnBrk="0" hangingPunct="1">
+        <a:lnSpc>
+          <a:spcPct val="100000"/>
+        </a:lnSpc>
         <a:spcBef>
-          <a:spcPct val="20000"/>
+          <a:spcPts val="600"/>
         </a:spcBef>
         <a:buClr>
-          <a:schemeClr val="tx1">
-            <a:shade val="95000"/>
-          </a:schemeClr>
+          <a:schemeClr val="accent1"/>
         </a:buClr>
-        <a:buSzPct val="65000"/>
+        <a:buSzPct val="80000"/>
         <a:buFont typeface="Wingdings 2"/>
-        <a:buChar char=""/>
+        <a:buChar char=""/>
+        <a:defRPr kumimoji="0" sz="3200" kern="1200">
+          <a:solidFill>
+            <a:schemeClr val="tx1"/>
+          </a:solidFill>
+          <a:latin typeface="+mn-lt"/>
+          <a:ea typeface="+mn-ea"/>
+          <a:cs typeface="+mn-cs"/>
+        </a:defRPr>
+      </a:lvl1pPr>
+      <a:lvl2pPr marL="640080" indent="-237744" algn="l" rtl="0" eaLnBrk="1" latinLnBrk="0" hangingPunct="1">
+        <a:lnSpc>
+          <a:spcPct val="100000"/>
+        </a:lnSpc>
+        <a:spcBef>
+          <a:spcPts val="550"/>
+        </a:spcBef>
+        <a:buClr>
+          <a:schemeClr val="accent1"/>
+        </a:buClr>
+        <a:buFont typeface="Verdana"/>
+        <a:buChar char="◦"/>
         <a:defRPr kumimoji="0" sz="2800" kern="1200">
           <a:solidFill>
             <a:schemeClr val="tx1"/>
@@ -2812,17 +3914,19 @@
           <a:ea typeface="+mn-ea"/>
           <a:cs typeface="+mn-cs"/>
         </a:defRPr>
-      </a:lvl1pPr>
-      <a:lvl2pPr marL="868680" indent="-283464" algn="l" rtl="0" eaLnBrk="1" latinLnBrk="0" hangingPunct="1">
+      </a:lvl2pPr>
+      <a:lvl3pPr marL="886968" indent="-228600" algn="l" rtl="0" eaLnBrk="1" latinLnBrk="0" hangingPunct="1">
+        <a:lnSpc>
+          <a:spcPct val="100000"/>
+        </a:lnSpc>
         <a:spcBef>
           <a:spcPct val="20000"/>
         </a:spcBef>
         <a:buClr>
-          <a:schemeClr val="tx1"/>
+          <a:schemeClr val="accent2"/>
         </a:buClr>
-        <a:buSzPct val="80000"/>
         <a:buFont typeface="Wingdings 2"/>
-        <a:buChar char=""/>
+        <a:buChar char=""/>
         <a:defRPr kumimoji="0" sz="2400" kern="1200">
           <a:solidFill>
             <a:schemeClr val="tx1"/>
@@ -2831,36 +3935,19 @@
           <a:ea typeface="+mn-ea"/>
           <a:cs typeface="+mn-cs"/>
         </a:defRPr>
-      </a:lvl2pPr>
-      <a:lvl3pPr marL="1133856" indent="-228600" algn="l" rtl="0" eaLnBrk="1" latinLnBrk="0" hangingPunct="1">
+      </a:lvl3pPr>
+      <a:lvl4pPr marL="1097280" indent="-173736" algn="l" rtl="0" eaLnBrk="1" latinLnBrk="0" hangingPunct="1">
+        <a:lnSpc>
+          <a:spcPct val="100000"/>
+        </a:lnSpc>
         <a:spcBef>
           <a:spcPct val="20000"/>
         </a:spcBef>
         <a:buClr>
-          <a:schemeClr val="tx1"/>
+          <a:schemeClr val="accent3"/>
         </a:buClr>
-        <a:buSzPct val="95000"/>
-        <a:buFont typeface="Wingdings"/>
-        <a:buChar char=""/>
-        <a:defRPr kumimoji="0" sz="2200" kern="1200">
-          <a:solidFill>
-            <a:schemeClr val="tx1"/>
-          </a:solidFill>
-          <a:latin typeface="+mn-lt"/>
-          <a:ea typeface="+mn-ea"/>
-          <a:cs typeface="+mn-cs"/>
-        </a:defRPr>
-      </a:lvl3pPr>
-      <a:lvl4pPr marL="1353312" indent="-182880" algn="l" rtl="0" eaLnBrk="1" latinLnBrk="0" hangingPunct="1">
-        <a:spcBef>
-          <a:spcPct val="20000"/>
-        </a:spcBef>
-        <a:buClr>
-          <a:schemeClr val="tx1"/>
-        </a:buClr>
-        <a:buSzPct val="100000"/>
-        <a:buFont typeface="Wingdings 3"/>
-        <a:buChar char=""/>
+        <a:buFont typeface="Wingdings 2"/>
+        <a:buChar char=""/>
         <a:defRPr kumimoji="0" sz="2000" kern="1200">
           <a:solidFill>
             <a:schemeClr val="tx1"/>
@@ -2870,15 +3957,18 @@
           <a:cs typeface="+mn-cs"/>
         </a:defRPr>
       </a:lvl4pPr>
-      <a:lvl5pPr marL="1545336" indent="-182880" algn="l" rtl="0" eaLnBrk="1" latinLnBrk="0" hangingPunct="1">
+      <a:lvl5pPr marL="1298448" indent="-182880" algn="l" rtl="0" eaLnBrk="1" latinLnBrk="0" hangingPunct="1">
+        <a:lnSpc>
+          <a:spcPct val="100000"/>
+        </a:lnSpc>
         <a:spcBef>
           <a:spcPct val="20000"/>
         </a:spcBef>
         <a:buClr>
-          <a:schemeClr val="tx1"/>
+          <a:schemeClr val="accent4"/>
         </a:buClr>
         <a:buFont typeface="Wingdings 2"/>
-        <a:buChar char=""/>
+        <a:buChar char=""/>
         <a:defRPr kumimoji="0" sz="2000" kern="1200">
           <a:solidFill>
             <a:schemeClr val="tx1"/>
@@ -2888,16 +3978,19 @@
           <a:cs typeface="+mn-cs"/>
         </a:defRPr>
       </a:lvl5pPr>
-      <a:lvl6pPr marL="1764792" indent="-182880" algn="l" rtl="0" eaLnBrk="1" latinLnBrk="0" hangingPunct="1">
+      <a:lvl6pPr marL="1508760" indent="-182880" algn="l" rtl="0" eaLnBrk="1" latinLnBrk="0" hangingPunct="1">
+        <a:lnSpc>
+          <a:spcPct val="100000"/>
+        </a:lnSpc>
         <a:spcBef>
           <a:spcPct val="20000"/>
         </a:spcBef>
         <a:buClr>
-          <a:schemeClr val="tx1"/>
+          <a:schemeClr val="accent5"/>
         </a:buClr>
-        <a:buFont typeface="Wingdings 3"/>
-        <a:buChar char=""/>
-        <a:defRPr kumimoji="0" sz="1800" kern="1200">
+        <a:buFont typeface="Wingdings 2"/>
+        <a:buChar char=""/>
+        <a:defRPr kumimoji="0" sz="2000" kern="1200">
           <a:solidFill>
             <a:schemeClr val="tx1"/>
           </a:solidFill>
@@ -2906,16 +3999,19 @@
           <a:cs typeface="+mn-cs"/>
         </a:defRPr>
       </a:lvl6pPr>
-      <a:lvl7pPr marL="1965960" indent="-182880" algn="l" rtl="0" eaLnBrk="1" latinLnBrk="0" hangingPunct="1">
+      <a:lvl7pPr marL="1719072" indent="-182880" algn="l" rtl="0" eaLnBrk="1" latinLnBrk="0" hangingPunct="1">
+        <a:lnSpc>
+          <a:spcPct val="100000"/>
+        </a:lnSpc>
         <a:spcBef>
           <a:spcPct val="20000"/>
         </a:spcBef>
         <a:buClr>
-          <a:schemeClr val="tx1"/>
+          <a:schemeClr val="accent6"/>
         </a:buClr>
         <a:buFont typeface="Wingdings 2"/>
         <a:buChar char=""/>
-        <a:defRPr kumimoji="0" sz="1600" kern="1200">
+        <a:defRPr kumimoji="0" sz="2000" kern="1200">
           <a:solidFill>
             <a:schemeClr val="tx1"/>
           </a:solidFill>
@@ -2924,16 +4020,19 @@
           <a:cs typeface="+mn-cs"/>
         </a:defRPr>
       </a:lvl7pPr>
-      <a:lvl8pPr marL="2167128" indent="-182880" algn="l" rtl="0" eaLnBrk="1" latinLnBrk="0" hangingPunct="1">
+      <a:lvl8pPr marL="1920240" indent="-182880" algn="l" rtl="0" eaLnBrk="1" latinLnBrk="0" hangingPunct="1">
+        <a:lnSpc>
+          <a:spcPct val="100000"/>
+        </a:lnSpc>
         <a:spcBef>
           <a:spcPct val="20000"/>
         </a:spcBef>
         <a:buClr>
-          <a:schemeClr val="tx1"/>
+          <a:schemeClr val="accent6"/>
         </a:buClr>
         <a:buFont typeface="Wingdings 2"/>
         <a:buChar char=""/>
-        <a:defRPr kumimoji="0" sz="1400" kern="1200">
+        <a:defRPr kumimoji="0" sz="2000" kern="1200">
           <a:solidFill>
             <a:schemeClr val="tx1"/>
           </a:solidFill>
@@ -2942,16 +4041,19 @@
           <a:cs typeface="+mn-cs"/>
         </a:defRPr>
       </a:lvl8pPr>
-      <a:lvl9pPr marL="2368296" indent="-182880" algn="l" rtl="0" eaLnBrk="1" latinLnBrk="0" hangingPunct="1">
+      <a:lvl9pPr marL="2130552" indent="-182880" algn="l" rtl="0" eaLnBrk="1" latinLnBrk="0" hangingPunct="1">
+        <a:lnSpc>
+          <a:spcPct val="100000"/>
+        </a:lnSpc>
         <a:spcBef>
           <a:spcPct val="20000"/>
         </a:spcBef>
         <a:buClr>
-          <a:schemeClr val="tx1"/>
+          <a:schemeClr val="accent6"/>
         </a:buClr>
         <a:buFont typeface="Wingdings 2"/>
         <a:buChar char=""/>
-        <a:defRPr kumimoji="0" sz="1400" kern="1200" baseline="0">
+        <a:defRPr kumimoji="0" sz="2000" kern="1200">
           <a:solidFill>
             <a:schemeClr val="tx1"/>
           </a:solidFill>
@@ -2960,6 +4062,7 @@
           <a:cs typeface="+mn-cs"/>
         </a:defRPr>
       </a:lvl9pPr>
+      <a:extLst/>
     </p:bodyStyle>
     <p:otherStyle>
       <a:lvl1pPr marL="0" algn="l" rtl="0" eaLnBrk="1" latinLnBrk="0" hangingPunct="1">
@@ -3052,6 +4155,7 @@
           <a:cs typeface="+mn-cs"/>
         </a:defRPr>
       </a:lvl9pPr>
+      <a:extLst/>
     </p:otherStyle>
   </p:txStyles>
 </p:sldMaster>
@@ -3086,7 +4190,7 @@
         </p:nvSpPr>
         <p:spPr>
           <a:xfrm>
-            <a:off x="1295400" y="228600"/>
+            <a:off x="1524000" y="152400"/>
             <a:ext cx="6324600" cy="1752600"/>
           </a:xfrm>
         </p:spPr>
@@ -3096,15 +4200,28 @@
           </a:bodyPr>
           <a:lstStyle/>
           <a:p>
-            <a:r>
-              <a:rPr lang="ru-RU" sz="2400" dirty="0" smtClean="0"/>
+            <a:pPr algn="ctr"/>
+            <a:r>
+              <a:rPr lang="ru-RU" sz="2400" dirty="0" smtClean="0">
+                <a:solidFill>
+                  <a:schemeClr val="tx1"/>
+                </a:solidFill>
+              </a:rPr>
               <a:t>ГОСУДАРСТВЕННОЕ ОБРАЗОВАТЕЛЬНОЕ УЧРЕЖДЕНИЕ ВЫСШЕГО ПРОФЕССИОНАЛЬНОГО ОБРАЗОВАНИЯ </a:t>
             </a:r>
             <a:r>
-              <a:rPr lang="ru-RU" sz="2400" i="1" dirty="0" smtClean="0"/>
+              <a:rPr lang="ru-RU" sz="2400" i="1" dirty="0" smtClean="0">
+                <a:solidFill>
+                  <a:schemeClr val="tx1"/>
+                </a:solidFill>
+              </a:rPr>
               <a:t>«ВОРОНЕЖСКИЙ ГОСУДАРСТВЕННЫЙ УНИВЕРСИТЕТ»</a:t>
             </a:r>
-            <a:endParaRPr lang="ru-RU" sz="2400" i="1" dirty="0"/>
+            <a:endParaRPr lang="ru-RU" sz="2400" i="1" dirty="0">
+              <a:solidFill>
+                <a:schemeClr val="tx1"/>
+              </a:solidFill>
+            </a:endParaRPr>
           </a:p>
         </p:txBody>
       </p:sp>
@@ -3120,53 +4237,61 @@
         </p:nvSpPr>
         <p:spPr>
           <a:xfrm>
-            <a:off x="1371600" y="2667000"/>
+            <a:off x="1524000" y="2286000"/>
             <a:ext cx="6400800" cy="3429000"/>
           </a:xfrm>
         </p:spPr>
         <p:txBody>
           <a:bodyPr>
-            <a:normAutofit fontScale="92500" lnSpcReduction="20000"/>
+            <a:noAutofit/>
           </a:bodyPr>
           <a:lstStyle/>
           <a:p>
-            <a:r>
-              <a:rPr lang="ru-RU" dirty="0" smtClean="0"/>
+            <a:pPr algn="ctr"/>
+            <a:r>
+              <a:rPr lang="ru-RU" sz="3600" dirty="0" smtClean="0"/>
               <a:t>Курсовая работа</a:t>
             </a:r>
           </a:p>
           <a:p>
-            <a:r>
-              <a:rPr lang="ru-RU" b="1" dirty="0" smtClean="0"/>
+            <a:pPr algn="ctr"/>
+            <a:r>
+              <a:rPr lang="ru-RU" sz="3600" b="1" dirty="0" smtClean="0"/>
               <a:t>«Машинный перевод»</a:t>
             </a:r>
           </a:p>
           <a:p>
-            <a:endParaRPr lang="ru-RU" dirty="0" smtClean="0"/>
-          </a:p>
-          <a:p>
-            <a:endParaRPr lang="ru-RU" dirty="0" smtClean="0"/>
-          </a:p>
-          <a:p>
-            <a:r>
-              <a:rPr lang="ru-RU" dirty="0" smtClean="0"/>
+            <a:pPr algn="ctr"/>
+            <a:endParaRPr lang="ru-RU" sz="2800" dirty="0" smtClean="0"/>
+          </a:p>
+          <a:p>
+            <a:pPr algn="ctr"/>
+            <a:endParaRPr lang="ru-RU" sz="2800" dirty="0" smtClean="0"/>
+          </a:p>
+          <a:p>
+            <a:pPr algn="ctr"/>
+            <a:r>
+              <a:rPr lang="ru-RU" sz="2800" dirty="0" smtClean="0"/>
               <a:t>Выполнила студентка Онучина А.В.</a:t>
             </a:r>
           </a:p>
           <a:p>
-            <a:r>
-              <a:rPr lang="ru-RU" dirty="0" err="1" smtClean="0"/>
+            <a:pPr algn="ctr"/>
+            <a:r>
+              <a:rPr lang="ru-RU" sz="2800" dirty="0" err="1" smtClean="0"/>
               <a:t>Руководитель-Донина</a:t>
             </a:r>
             <a:r>
-              <a:rPr lang="ru-RU" dirty="0" smtClean="0"/>
+              <a:rPr lang="ru-RU" sz="2800" dirty="0" smtClean="0"/>
               <a:t> О.В.</a:t>
             </a:r>
           </a:p>
           <a:p>
-            <a:endParaRPr lang="ru-RU" dirty="0" smtClean="0"/>
-          </a:p>
-          <a:p>
+            <a:pPr algn="ctr"/>
+            <a:endParaRPr lang="ru-RU" sz="2800" dirty="0" smtClean="0"/>
+          </a:p>
+          <a:p>
+            <a:pPr algn="ctr"/>
             <a:r>
               <a:rPr lang="ru-RU" sz="2400" dirty="0" smtClean="0"/>
               <a:t>Воронеж-2018</a:t>
@@ -3209,62 +4334,362 @@
             <p:ph type="title"/>
           </p:nvPr>
         </p:nvSpPr>
-        <p:spPr/>
-        <p:txBody>
-          <a:bodyPr>
-            <a:normAutofit fontScale="90000"/>
-          </a:bodyPr>
-          <a:lstStyle/>
-          <a:p>
-            <a:r>
-              <a:rPr lang="ru-RU" dirty="0" smtClean="0"/>
-              <a:t>Компьютер на месте переводчика</a:t>
-            </a:r>
-            <a:endParaRPr lang="ru-RU" dirty="0"/>
-          </a:p>
-        </p:txBody>
-      </p:sp>
-      <p:sp>
-        <p:nvSpPr>
-          <p:cNvPr id="3" name="Содержимое 2"/>
-          <p:cNvSpPr>
-            <a:spLocks noGrp="1"/>
-          </p:cNvSpPr>
-          <p:nvPr>
-            <p:ph idx="1"/>
-          </p:nvPr>
-        </p:nvSpPr>
-        <p:spPr/>
+        <p:spPr>
+          <a:xfrm>
+            <a:off x="1371600" y="-228600"/>
+            <a:ext cx="7498080" cy="1143000"/>
+          </a:xfrm>
+        </p:spPr>
         <p:txBody>
           <a:bodyPr/>
           <a:lstStyle/>
           <a:p>
-            <a:pPr>
-              <a:buNone/>
-            </a:pPr>
-            <a:r>
-              <a:rPr lang="ru-RU" dirty="0" smtClean="0"/>
-              <a:t>    </a:t>
-            </a:r>
+            <a:pPr algn="ctr"/>
             <a:r>
               <a:rPr lang="ru-RU" b="1" dirty="0" smtClean="0"/>
-              <a:t>Как производится машинный перевод ?</a:t>
-            </a:r>
-          </a:p>
-          <a:p>
-            <a:pPr>
-              <a:buNone/>
-            </a:pPr>
-            <a:r>
-              <a:rPr lang="ru-RU" dirty="0" smtClean="0"/>
-              <a:t>     Предложение расчленяется на части речи, в нем выделяются стандартные конструкции, слова и словосочетания переводятся по находящимся в памяти машины словарям. Затем переведенные части речи собираются по правилам другого языка.</a:t>
-            </a:r>
-          </a:p>
-          <a:p>
-            <a:endParaRPr lang="ru-RU" dirty="0"/>
-          </a:p>
-        </p:txBody>
-      </p:sp>
+              <a:t>Электронные словари</a:t>
+            </a:r>
+            <a:endParaRPr lang="ru-RU" b="1" dirty="0"/>
+          </a:p>
+        </p:txBody>
+      </p:sp>
+      <p:graphicFrame>
+        <p:nvGraphicFramePr>
+          <p:cNvPr id="6" name="Содержимое 5"/>
+          <p:cNvGraphicFramePr>
+            <a:graphicFrameLocks noGrp="1"/>
+          </p:cNvGraphicFramePr>
+          <p:nvPr>
+            <p:ph idx="1"/>
+          </p:nvPr>
+        </p:nvGraphicFramePr>
+        <p:xfrm>
+          <a:off x="1143000" y="914400"/>
+          <a:ext cx="7791450" cy="5562600"/>
+        </p:xfrm>
+        <a:graphic>
+          <a:graphicData uri="http://schemas.openxmlformats.org/drawingml/2006/table">
+            <a:tbl>
+              <a:tblPr firstRow="1" bandRow="1">
+                <a:tableStyleId>{5C22544A-7EE6-4342-B048-85BDC9FD1C3A}</a:tableStyleId>
+              </a:tblPr>
+              <a:tblGrid>
+                <a:gridCol w="3895725"/>
+                <a:gridCol w="3895725"/>
+              </a:tblGrid>
+              <a:tr h="860809">
+                <a:tc>
+                  <a:txBody>
+                    <a:bodyPr/>
+                    <a:lstStyle/>
+                    <a:p>
+                      <a:r>
+                        <a:rPr lang="ru-RU" dirty="0" smtClean="0"/>
+                        <a:t>Критерии</a:t>
+                      </a:r>
+                      <a:endParaRPr lang="ru-RU" dirty="0"/>
+                    </a:p>
+                  </a:txBody>
+                  <a:tcPr/>
+                </a:tc>
+                <a:tc>
+                  <a:txBody>
+                    <a:bodyPr/>
+                    <a:lstStyle/>
+                    <a:p>
+                      <a:r>
+                        <a:rPr lang="ru-RU" dirty="0" smtClean="0"/>
+                        <a:t>ЭС</a:t>
+                      </a:r>
+                      <a:endParaRPr lang="ru-RU" dirty="0"/>
+                    </a:p>
+                  </a:txBody>
+                  <a:tcPr/>
+                </a:tc>
+              </a:tr>
+              <a:tr h="2992049">
+                <a:tc>
+                  <a:txBody>
+                    <a:bodyPr/>
+                    <a:lstStyle/>
+                    <a:p>
+                      <a:pPr marL="0" marR="0" indent="0" algn="l" defTabSz="914400" rtl="0" eaLnBrk="1" fontAlgn="auto" latinLnBrk="0" hangingPunct="1">
+                        <a:lnSpc>
+                          <a:spcPct val="100000"/>
+                        </a:lnSpc>
+                        <a:spcBef>
+                          <a:spcPts val="0"/>
+                        </a:spcBef>
+                        <a:spcAft>
+                          <a:spcPts val="0"/>
+                        </a:spcAft>
+                        <a:buClrTx/>
+                        <a:buSzTx/>
+                        <a:buFontTx/>
+                        <a:buNone/>
+                        <a:tabLst/>
+                        <a:defRPr/>
+                      </a:pPr>
+                      <a:r>
+                        <a:rPr kumimoji="0" lang="ru-RU" sz="2000" b="1" kern="1200" dirty="0" smtClean="0">
+                          <a:solidFill>
+                            <a:schemeClr val="dk1"/>
+                          </a:solidFill>
+                          <a:latin typeface="+mn-lt"/>
+                          <a:ea typeface="+mn-ea"/>
+                          <a:cs typeface="+mn-cs"/>
+                        </a:rPr>
+                        <a:t>4.По возможностям расширения словарной базы. </a:t>
+                      </a:r>
+                      <a:endParaRPr lang="ru-RU" sz="2000" b="1" dirty="0" smtClean="0"/>
+                    </a:p>
+                    <a:p>
+                      <a:endParaRPr lang="ru-RU" sz="2000" dirty="0"/>
+                    </a:p>
+                  </a:txBody>
+                  <a:tcPr/>
+                </a:tc>
+                <a:tc>
+                  <a:txBody>
+                    <a:bodyPr/>
+                    <a:lstStyle/>
+                    <a:p>
+                      <a:pPr marL="342900" indent="-342900">
+                        <a:buAutoNum type="arabicPeriod"/>
+                      </a:pPr>
+                      <a:r>
+                        <a:rPr kumimoji="0" lang="ru-RU" sz="2000" kern="1200" dirty="0" smtClean="0">
+                          <a:solidFill>
+                            <a:schemeClr val="dk1"/>
+                          </a:solidFill>
+                          <a:latin typeface="+mn-lt"/>
+                          <a:ea typeface="+mn-ea"/>
+                          <a:cs typeface="+mn-cs"/>
+                        </a:rPr>
+                        <a:t>Устаревшие ЭС не имели возможности расширения словарных баз пользователем</a:t>
+                      </a:r>
+                    </a:p>
+                    <a:p>
+                      <a:pPr marL="342900" marR="0" indent="-342900" algn="l" defTabSz="914400" rtl="0" eaLnBrk="1" fontAlgn="auto" latinLnBrk="0" hangingPunct="1">
+                        <a:lnSpc>
+                          <a:spcPct val="100000"/>
+                        </a:lnSpc>
+                        <a:spcBef>
+                          <a:spcPts val="0"/>
+                        </a:spcBef>
+                        <a:spcAft>
+                          <a:spcPts val="0"/>
+                        </a:spcAft>
+                        <a:buClrTx/>
+                        <a:buSzTx/>
+                        <a:buFontTx/>
+                        <a:buAutoNum type="arabicPeriod"/>
+                        <a:tabLst/>
+                        <a:defRPr/>
+                      </a:pPr>
+                      <a:r>
+                        <a:rPr kumimoji="0" lang="ru-RU" sz="2000" kern="1200" dirty="0" smtClean="0">
+                          <a:solidFill>
+                            <a:schemeClr val="dk1"/>
+                          </a:solidFill>
+                          <a:latin typeface="+mn-lt"/>
+                          <a:ea typeface="+mn-ea"/>
+                          <a:cs typeface="+mn-cs"/>
+                        </a:rPr>
+                        <a:t>Современные версии</a:t>
+                      </a:r>
+                      <a:r>
+                        <a:rPr kumimoji="0" lang="ru-RU" sz="2000" kern="1200" baseline="0" dirty="0" smtClean="0">
+                          <a:solidFill>
+                            <a:schemeClr val="dk1"/>
+                          </a:solidFill>
+                          <a:latin typeface="+mn-lt"/>
+                          <a:ea typeface="+mn-ea"/>
+                          <a:cs typeface="+mn-cs"/>
+                        </a:rPr>
+                        <a:t> </a:t>
+                      </a:r>
+                      <a:r>
+                        <a:rPr kumimoji="0" lang="ru-RU" sz="2000" kern="1200" dirty="0" smtClean="0">
+                          <a:solidFill>
+                            <a:schemeClr val="dk1"/>
+                          </a:solidFill>
+                          <a:latin typeface="+mn-lt"/>
+                          <a:ea typeface="+mn-ea"/>
+                          <a:cs typeface="+mn-cs"/>
+                        </a:rPr>
+                        <a:t>имеют возможность</a:t>
+                      </a:r>
+                      <a:r>
+                        <a:rPr kumimoji="0" lang="ru-RU" sz="2000" kern="1200" baseline="0" dirty="0" smtClean="0">
+                          <a:solidFill>
+                            <a:schemeClr val="dk1"/>
+                          </a:solidFill>
+                          <a:latin typeface="+mn-lt"/>
+                          <a:ea typeface="+mn-ea"/>
+                          <a:cs typeface="+mn-cs"/>
+                        </a:rPr>
+                        <a:t> </a:t>
+                      </a:r>
+                      <a:r>
+                        <a:rPr kumimoji="0" lang="ru-RU" sz="2000" kern="1200" dirty="0" smtClean="0">
+                          <a:solidFill>
+                            <a:schemeClr val="dk1"/>
+                          </a:solidFill>
+                          <a:latin typeface="+mn-lt"/>
+                          <a:ea typeface="+mn-ea"/>
+                          <a:cs typeface="+mn-cs"/>
+                        </a:rPr>
+                        <a:t>создания пользователем собственных и расширения существующих словарей.</a:t>
+                      </a:r>
+                    </a:p>
+                    <a:p>
+                      <a:endParaRPr lang="ru-RU" sz="2000" dirty="0"/>
+                    </a:p>
+                  </a:txBody>
+                  <a:tcPr/>
+                </a:tc>
+              </a:tr>
+              <a:tr h="1709742">
+                <a:tc>
+                  <a:txBody>
+                    <a:bodyPr/>
+                    <a:lstStyle/>
+                    <a:p>
+                      <a:pPr marL="0" marR="0" indent="0" algn="l" defTabSz="914400" rtl="0" eaLnBrk="1" fontAlgn="auto" latinLnBrk="0" hangingPunct="1">
+                        <a:lnSpc>
+                          <a:spcPct val="100000"/>
+                        </a:lnSpc>
+                        <a:spcBef>
+                          <a:spcPts val="0"/>
+                        </a:spcBef>
+                        <a:spcAft>
+                          <a:spcPts val="0"/>
+                        </a:spcAft>
+                        <a:buClrTx/>
+                        <a:buSzTx/>
+                        <a:buFontTx/>
+                        <a:buNone/>
+                        <a:tabLst/>
+                        <a:defRPr/>
+                      </a:pPr>
+                      <a:r>
+                        <a:rPr lang="ru-RU" sz="2000" b="1" dirty="0" smtClean="0"/>
+                        <a:t>5.</a:t>
+                      </a:r>
+                      <a:r>
+                        <a:rPr kumimoji="0" lang="ru-RU" sz="2000" b="1" kern="1200" dirty="0" smtClean="0">
+                          <a:solidFill>
+                            <a:schemeClr val="dk1"/>
+                          </a:solidFill>
+                          <a:latin typeface="+mn-lt"/>
+                          <a:ea typeface="+mn-ea"/>
+                          <a:cs typeface="+mn-cs"/>
+                        </a:rPr>
+                        <a:t> По режиму перевода. </a:t>
+                      </a:r>
+                      <a:endParaRPr lang="ru-RU" sz="2000" b="1" dirty="0" smtClean="0"/>
+                    </a:p>
+                    <a:p>
+                      <a:endParaRPr lang="ru-RU" sz="2000" dirty="0"/>
+                    </a:p>
+                  </a:txBody>
+                  <a:tcPr/>
+                </a:tc>
+                <a:tc>
+                  <a:txBody>
+                    <a:bodyPr/>
+                    <a:lstStyle/>
+                    <a:p>
+                      <a:pPr marL="342900" indent="-342900">
+                        <a:buAutoNum type="arabicPeriod"/>
+                      </a:pPr>
+                      <a:r>
+                        <a:rPr kumimoji="0" lang="ru-RU" sz="2000" kern="1200" baseline="0" dirty="0" smtClean="0">
+                          <a:solidFill>
+                            <a:schemeClr val="dk1"/>
+                          </a:solidFill>
+                          <a:latin typeface="+mn-lt"/>
+                          <a:ea typeface="+mn-ea"/>
+                          <a:cs typeface="+mn-cs"/>
+                        </a:rPr>
+                        <a:t>А</a:t>
+                      </a:r>
+                      <a:r>
+                        <a:rPr kumimoji="0" lang="ru-RU" sz="2000" kern="1200" dirty="0" smtClean="0">
+                          <a:solidFill>
+                            <a:schemeClr val="dk1"/>
+                          </a:solidFill>
+                          <a:latin typeface="+mn-lt"/>
+                          <a:ea typeface="+mn-ea"/>
+                          <a:cs typeface="+mn-cs"/>
+                        </a:rPr>
+                        <a:t>втоматический пакетный (</a:t>
+                      </a:r>
+                      <a:r>
+                        <a:rPr kumimoji="0" lang="ru-RU" sz="2000" kern="1200" dirty="0" err="1" smtClean="0">
+                          <a:solidFill>
+                            <a:schemeClr val="dk1"/>
+                          </a:solidFill>
+                          <a:latin typeface="+mn-lt"/>
+                          <a:ea typeface="+mn-ea"/>
+                          <a:cs typeface="+mn-cs"/>
+                        </a:rPr>
+                        <a:t>подстрочечный</a:t>
+                      </a:r>
+                      <a:r>
+                        <a:rPr kumimoji="0" lang="ru-RU" sz="2000" kern="1200" dirty="0" smtClean="0">
+                          <a:solidFill>
+                            <a:schemeClr val="dk1"/>
+                          </a:solidFill>
+                          <a:latin typeface="+mn-lt"/>
+                          <a:ea typeface="+mn-ea"/>
+                          <a:cs typeface="+mn-cs"/>
+                        </a:rPr>
+                        <a:t>) </a:t>
+                      </a:r>
+                    </a:p>
+                    <a:p>
+                      <a:pPr marL="342900" marR="0" indent="-342900" algn="l" defTabSz="914400" rtl="0" eaLnBrk="1" fontAlgn="auto" latinLnBrk="0" hangingPunct="1">
+                        <a:lnSpc>
+                          <a:spcPct val="100000"/>
+                        </a:lnSpc>
+                        <a:spcBef>
+                          <a:spcPts val="0"/>
+                        </a:spcBef>
+                        <a:spcAft>
+                          <a:spcPts val="0"/>
+                        </a:spcAft>
+                        <a:buClrTx/>
+                        <a:buSzTx/>
+                        <a:buFontTx/>
+                        <a:buAutoNum type="arabicPeriod"/>
+                        <a:tabLst/>
+                        <a:defRPr/>
+                      </a:pPr>
+                      <a:r>
+                        <a:rPr kumimoji="0" lang="ru-RU" sz="2000" kern="1200" dirty="0" smtClean="0">
+                          <a:solidFill>
+                            <a:schemeClr val="dk1"/>
+                          </a:solidFill>
+                          <a:latin typeface="+mn-lt"/>
+                          <a:ea typeface="+mn-ea"/>
+                          <a:cs typeface="+mn-cs"/>
+                        </a:rPr>
+                        <a:t>Интерактивный (режим "запрос - ответ").</a:t>
+                      </a:r>
+                    </a:p>
+                    <a:p>
+                      <a:endParaRPr lang="ru-RU" sz="2000" dirty="0"/>
+                    </a:p>
+                  </a:txBody>
+                  <a:tcPr/>
+                </a:tc>
+              </a:tr>
+            </a:tbl>
+          </a:graphicData>
+        </a:graphic>
+      </p:graphicFrame>
     </p:spTree>
   </p:cSld>
   <p:clrMapOvr>
@@ -3300,18 +4725,24 @@
             <p:ph type="title"/>
           </p:nvPr>
         </p:nvSpPr>
-        <p:spPr/>
+        <p:spPr>
+          <a:xfrm>
+            <a:off x="990600" y="152400"/>
+            <a:ext cx="8229600" cy="1143000"/>
+          </a:xfrm>
+        </p:spPr>
         <p:txBody>
           <a:bodyPr>
-            <a:normAutofit fontScale="90000"/>
+            <a:noAutofit/>
           </a:bodyPr>
           <a:lstStyle/>
           <a:p>
-            <a:r>
-              <a:rPr lang="ru-RU" dirty="0" smtClean="0"/>
-              <a:t>Проблемы и недостатки машинного перевода</a:t>
-            </a:r>
-            <a:endParaRPr lang="ru-RU" dirty="0"/>
+            <a:pPr algn="ctr"/>
+            <a:r>
+              <a:rPr lang="ru-RU" sz="4400" b="1" dirty="0" smtClean="0"/>
+              <a:t>Проблемы машинного перевода</a:t>
+            </a:r>
+            <a:endParaRPr lang="ru-RU" sz="4400" b="1" dirty="0"/>
           </a:p>
         </p:txBody>
       </p:sp>
@@ -3325,28 +4756,71 @@
             <p:ph idx="1"/>
           </p:nvPr>
         </p:nvSpPr>
-        <p:spPr/>
-        <p:txBody>
-          <a:bodyPr/>
+        <p:spPr>
+          <a:xfrm>
+            <a:off x="1066800" y="685800"/>
+            <a:ext cx="7498080" cy="4800600"/>
+          </a:xfrm>
+        </p:spPr>
+        <p:txBody>
+          <a:bodyPr>
+            <a:noAutofit/>
+          </a:bodyPr>
           <a:lstStyle/>
           <a:p>
-            <a:r>
-              <a:rPr lang="ru-RU" dirty="0" smtClean="0"/>
-              <a:t>В каждом языке существуют и свои неписаные законы, которые иногда называются красотами языка.</a:t>
-            </a:r>
-          </a:p>
-          <a:p>
-            <a:r>
-              <a:rPr lang="ru-RU" dirty="0" smtClean="0"/>
-              <a:t>Текст также может содержать слова, которые нужно понимать в контексте образа жизни людей в конкретной стране.</a:t>
-            </a:r>
-          </a:p>
-          <a:p>
-            <a:r>
-              <a:rPr lang="ru-RU" dirty="0" smtClean="0"/>
-              <a:t>Аббревиатуры, принятые в каждом отдельно взятом языке</a:t>
-            </a:r>
-            <a:endParaRPr lang="ru-RU" dirty="0"/>
+            <a:pPr>
+              <a:buNone/>
+            </a:pPr>
+            <a:endParaRPr lang="ru-RU" sz="4000" b="1" dirty="0" smtClean="0"/>
+          </a:p>
+          <a:p>
+            <a:pPr>
+              <a:buNone/>
+            </a:pPr>
+            <a:r>
+              <a:rPr lang="ru-RU" sz="4000" b="1" dirty="0" smtClean="0"/>
+              <a:t>Не воспринимает:</a:t>
+            </a:r>
+          </a:p>
+          <a:p>
+            <a:r>
+              <a:rPr lang="ru-RU" sz="4000" dirty="0" smtClean="0"/>
+              <a:t> «красоты» языка (</a:t>
+            </a:r>
+            <a:r>
+              <a:rPr lang="ru-RU" sz="4000" dirty="0" smtClean="0"/>
+              <a:t> </a:t>
+            </a:r>
+            <a:r>
+              <a:rPr lang="ru-RU" sz="4000" dirty="0" smtClean="0"/>
+              <a:t>неписаные </a:t>
+            </a:r>
+            <a:r>
+              <a:rPr lang="ru-RU" sz="4000" dirty="0" smtClean="0"/>
+              <a:t>законы)</a:t>
+            </a:r>
+            <a:endParaRPr lang="ru-RU" sz="4000" dirty="0" smtClean="0"/>
+          </a:p>
+          <a:p>
+            <a:r>
+              <a:rPr lang="ru-RU" sz="4000" dirty="0" smtClean="0"/>
+              <a:t> с</a:t>
+            </a:r>
+            <a:r>
+              <a:rPr lang="ru-RU" sz="4000" dirty="0" smtClean="0"/>
+              <a:t>лова</a:t>
+            </a:r>
+            <a:r>
+              <a:rPr lang="ru-RU" sz="4000" dirty="0" smtClean="0"/>
+              <a:t>, которые нужно понимать в контексте образа жизни людей в конкретной стране.</a:t>
+            </a:r>
+          </a:p>
+          <a:p>
+            <a:r>
+              <a:rPr lang="ru-RU" sz="4000" dirty="0" smtClean="0"/>
+              <a:t>аббревиатуры</a:t>
+            </a:r>
+            <a:endParaRPr lang="ru-RU" sz="4000" dirty="0"/>
           </a:p>
         </p:txBody>
       </p:sp>
@@ -3387,7 +4861,7 @@
         </p:nvSpPr>
         <p:spPr>
           <a:xfrm>
-            <a:off x="533400" y="533400"/>
+            <a:off x="914400" y="685800"/>
             <a:ext cx="8229600" cy="1143000"/>
           </a:xfrm>
         </p:spPr>
@@ -3397,9 +4871,14 @@
           </a:bodyPr>
           <a:lstStyle/>
           <a:p>
+            <a:pPr algn="ctr"/>
+            <a:r>
+              <a:rPr lang="ru-RU" sz="6000" b="1" dirty="0" smtClean="0"/>
+              <a:t>Достоинства машинного перевода </a:t>
+            </a:r>
             <a:r>
               <a:rPr lang="ru-RU" dirty="0" smtClean="0"/>
-              <a:t>Достоинства машинного перевода или почему программы-переводчики так популярны</a:t>
+              <a:t/>
             </a:r>
             <a:br>
               <a:rPr lang="ru-RU" dirty="0" smtClean="0"/>
@@ -3418,7 +4897,12 @@
             <p:ph idx="1"/>
           </p:nvPr>
         </p:nvSpPr>
-        <p:spPr/>
+        <p:spPr>
+          <a:xfrm>
+            <a:off x="1219200" y="1371600"/>
+            <a:ext cx="7498080" cy="4800600"/>
+          </a:xfrm>
+        </p:spPr>
         <p:txBody>
           <a:bodyPr/>
           <a:lstStyle/>
@@ -3427,31 +4911,31 @@
           </a:p>
           <a:p>
             <a:r>
-              <a:rPr lang="ru-RU" sz="3200" dirty="0" smtClean="0"/>
+              <a:rPr lang="ru-RU" sz="4400" dirty="0" smtClean="0"/>
               <a:t>Высокая скорость</a:t>
             </a:r>
           </a:p>
           <a:p>
             <a:r>
-              <a:rPr lang="ru-RU" sz="3200" dirty="0" smtClean="0"/>
+              <a:rPr lang="ru-RU" sz="4400" dirty="0" smtClean="0"/>
               <a:t>Низкая стоимость</a:t>
             </a:r>
           </a:p>
           <a:p>
             <a:r>
-              <a:rPr lang="ru-RU" sz="3200" dirty="0" smtClean="0"/>
+              <a:rPr lang="ru-RU" sz="4400" dirty="0" smtClean="0"/>
               <a:t>Доступ к услуге</a:t>
             </a:r>
           </a:p>
           <a:p>
             <a:r>
-              <a:rPr lang="ru-RU" sz="3200" dirty="0" smtClean="0"/>
+              <a:rPr lang="ru-RU" sz="4400" dirty="0" smtClean="0"/>
               <a:t>Конфиденциальность</a:t>
             </a:r>
           </a:p>
           <a:p>
             <a:r>
-              <a:rPr lang="ru-RU" sz="3200" dirty="0" smtClean="0"/>
+              <a:rPr lang="ru-RU" sz="4400" dirty="0" smtClean="0"/>
               <a:t>Универсальность</a:t>
             </a:r>
           </a:p>
@@ -3495,18 +4979,24 @@
             <p:ph type="title"/>
           </p:nvPr>
         </p:nvSpPr>
-        <p:spPr/>
+        <p:spPr>
+          <a:xfrm>
+            <a:off x="1371600" y="0"/>
+            <a:ext cx="7498080" cy="1143000"/>
+          </a:xfrm>
+        </p:spPr>
         <p:txBody>
           <a:bodyPr>
             <a:normAutofit/>
           </a:bodyPr>
           <a:lstStyle/>
           <a:p>
-            <a:r>
-              <a:rPr lang="ru-RU" dirty="0" smtClean="0"/>
+            <a:pPr algn="ctr"/>
+            <a:r>
+              <a:rPr lang="ru-RU" sz="4400" b="1" dirty="0" smtClean="0"/>
               <a:t>Заключение</a:t>
             </a:r>
-            <a:endParaRPr lang="ru-RU" dirty="0"/>
+            <a:endParaRPr lang="ru-RU" sz="4400" b="1" dirty="0"/>
           </a:p>
         </p:txBody>
       </p:sp>
@@ -3522,7 +5012,7 @@
         </p:nvSpPr>
         <p:spPr>
           <a:xfrm>
-            <a:off x="457200" y="1295400"/>
+            <a:off x="914400" y="990600"/>
             <a:ext cx="8229600" cy="4709160"/>
           </a:xfrm>
         </p:spPr>
@@ -3534,7 +5024,15 @@
           <a:p>
             <a:r>
               <a:rPr lang="ru-RU" dirty="0" smtClean="0"/>
-              <a:t>Рассмотрев проблемы машинного перевода, можно сказать, что на данном этапе развития машинного перевода пока еще остались не разрешенными его основные проблемы. Средства машинного перевода пока не могут улавливать все смысловые нюансы оригинального текста. Однако прогресс не стоит на месте, и с увеличением быстродействия процессоров и ростом объема оперативной памяти постепенно повышается и качество машинного перевода. </a:t>
+              <a:t>Н</a:t>
+            </a:r>
+            <a:r>
+              <a:rPr lang="ru-RU" dirty="0" smtClean="0"/>
+              <a:t>а </a:t>
+            </a:r>
+            <a:r>
+              <a:rPr lang="ru-RU" dirty="0" smtClean="0"/>
+              <a:t>данном этапе развития машинного перевода пока еще остались не разрешенными его основные проблемы. Средства машинного перевода пока не могут улавливать все смысловые нюансы оригинального текста. Однако прогресс не стоит на месте, и с увеличением быстродействия процессоров и ростом объема оперативной памяти постепенно повышается и качество машинного перевода. </a:t>
             </a:r>
             <a:endParaRPr lang="ru-RU" dirty="0"/>
           </a:p>
@@ -3575,18 +5073,34 @@
             <p:ph type="title"/>
           </p:nvPr>
         </p:nvSpPr>
-        <p:spPr/>
+        <p:spPr>
+          <a:xfrm>
+            <a:off x="1447800" y="152400"/>
+            <a:ext cx="7498080" cy="1143000"/>
+          </a:xfrm>
+        </p:spPr>
         <p:txBody>
           <a:bodyPr>
-            <a:normAutofit/>
+            <a:noAutofit/>
           </a:bodyPr>
           <a:lstStyle/>
           <a:p>
             <a:r>
-              <a:rPr lang="ru-RU" dirty="0" smtClean="0"/>
-              <a:t>Цель и Задачи работы</a:t>
-            </a:r>
-            <a:endParaRPr lang="ru-RU" dirty="0"/>
+              <a:rPr lang="ru-RU" sz="4400" b="1" dirty="0" smtClean="0"/>
+              <a:t>Цель и Задачи </a:t>
+            </a:r>
+            <a:r>
+              <a:rPr lang="ru-RU" sz="4400" b="1" dirty="0" smtClean="0"/>
+              <a:t>работы</a:t>
+            </a:r>
+            <a:r>
+              <a:rPr lang="ru-RU" sz="4400" dirty="0" smtClean="0"/>
+              <a:t/>
+            </a:r>
+            <a:br>
+              <a:rPr lang="ru-RU" sz="4400" dirty="0" smtClean="0"/>
+            </a:br>
+            <a:endParaRPr lang="ru-RU" sz="4400" dirty="0"/>
           </a:p>
         </p:txBody>
       </p:sp>
@@ -3600,43 +5114,109 @@
             <p:ph idx="1"/>
           </p:nvPr>
         </p:nvSpPr>
-        <p:spPr/>
+        <p:spPr>
+          <a:xfrm>
+            <a:off x="1066800" y="838200"/>
+            <a:ext cx="7498080" cy="5334000"/>
+          </a:xfrm>
+        </p:spPr>
         <p:txBody>
           <a:bodyPr>
-            <a:normAutofit/>
+            <a:noAutofit/>
           </a:bodyPr>
           <a:lstStyle/>
           <a:p>
             <a:r>
-              <a:rPr lang="ru-RU" dirty="0" smtClean="0"/>
-              <a:t> Целью работы является ознакомление с понятием машинного перевода, а так же с его особенностями.</a:t>
-            </a:r>
+              <a:rPr lang="ru-RU" sz="3600" dirty="0" smtClean="0"/>
+              <a:t> </a:t>
+            </a:r>
+            <a:r>
+              <a:rPr lang="ru-RU" sz="3600" b="1" dirty="0" smtClean="0"/>
+              <a:t>Цель:</a:t>
+            </a:r>
+            <a:r>
+              <a:rPr lang="ru-RU" sz="3600" dirty="0" smtClean="0"/>
+              <a:t> ознакомление </a:t>
+            </a:r>
+            <a:r>
+              <a:rPr lang="ru-RU" sz="3600" dirty="0" smtClean="0"/>
+              <a:t>с понятием машинного </a:t>
+            </a:r>
+            <a:r>
+              <a:rPr lang="ru-RU" sz="3600" dirty="0" smtClean="0"/>
+              <a:t>перевода и его </a:t>
+            </a:r>
+            <a:r>
+              <a:rPr lang="ru-RU" sz="3600" dirty="0" smtClean="0"/>
+              <a:t>особенностями</a:t>
+            </a:r>
+            <a:r>
+              <a:rPr lang="ru-RU" sz="3600" dirty="0" smtClean="0"/>
+              <a:t>.</a:t>
+            </a:r>
+            <a:endParaRPr lang="ru-RU" sz="3600" dirty="0" smtClean="0"/>
+          </a:p>
+          <a:p>
+            <a:r>
+              <a:rPr lang="ru-RU" sz="3400" b="1" dirty="0" smtClean="0"/>
+              <a:t>Задачи: </a:t>
+            </a:r>
+            <a:endParaRPr lang="ru-RU" sz="3400" b="1" dirty="0" smtClean="0"/>
           </a:p>
           <a:p>
             <a:pPr>
               <a:buNone/>
             </a:pPr>
-            <a:endParaRPr lang="ru-RU" dirty="0" smtClean="0"/>
-          </a:p>
-          <a:p>
-            <a:r>
-              <a:rPr lang="ru-RU" dirty="0" smtClean="0"/>
-              <a:t>Задачи: 1) изучить историю возникновения и развития машинного перевода; 2) изучить классификацию различных систем машинного перевода; 3) выявить достоинства и </a:t>
-            </a:r>
-            <a:r>
-              <a:rPr lang="ru-RU" dirty="0" err="1" smtClean="0"/>
-              <a:t>недостаки</a:t>
-            </a:r>
-            <a:r>
-              <a:rPr lang="ru-RU" dirty="0" smtClean="0"/>
-              <a:t> машинного перевода.</a:t>
-            </a:r>
+            <a:r>
+              <a:rPr lang="ru-RU" sz="3400" dirty="0" smtClean="0"/>
+              <a:t>1</a:t>
+            </a:r>
+            <a:r>
+              <a:rPr lang="ru-RU" sz="3400" dirty="0" smtClean="0"/>
+              <a:t>) изучить историю возникновения и развития машинного перевода; </a:t>
+            </a:r>
+            <a:endParaRPr lang="ru-RU" sz="3400" dirty="0" smtClean="0"/>
           </a:p>
           <a:p>
             <a:pPr>
               <a:buNone/>
             </a:pPr>
-            <a:endParaRPr lang="ru-RU" dirty="0"/>
+            <a:r>
+              <a:rPr lang="ru-RU" sz="3400" dirty="0" smtClean="0"/>
+              <a:t>2</a:t>
+            </a:r>
+            <a:r>
+              <a:rPr lang="ru-RU" sz="3400" dirty="0" smtClean="0"/>
+              <a:t>) изучить классификацию различных систем машинного перевода; </a:t>
+            </a:r>
+            <a:endParaRPr lang="ru-RU" sz="3400" dirty="0" smtClean="0"/>
+          </a:p>
+          <a:p>
+            <a:pPr>
+              <a:buNone/>
+            </a:pPr>
+            <a:r>
+              <a:rPr lang="ru-RU" sz="3400" dirty="0" smtClean="0"/>
+              <a:t>3</a:t>
+            </a:r>
+            <a:r>
+              <a:rPr lang="ru-RU" sz="3400" dirty="0" smtClean="0"/>
+              <a:t>) выявить достоинства и </a:t>
+            </a:r>
+            <a:r>
+              <a:rPr lang="ru-RU" sz="3400" dirty="0" err="1" smtClean="0"/>
+              <a:t>недостаки</a:t>
+            </a:r>
+            <a:r>
+              <a:rPr lang="ru-RU" sz="3400" dirty="0" smtClean="0"/>
+              <a:t> машинного перевода.</a:t>
+            </a:r>
+          </a:p>
+          <a:p>
+            <a:pPr>
+              <a:buNone/>
+            </a:pPr>
+            <a:endParaRPr lang="ru-RU" sz="3400" dirty="0"/>
           </a:p>
         </p:txBody>
       </p:sp>
@@ -3675,20 +5255,25 @@
             <p:ph type="title"/>
           </p:nvPr>
         </p:nvSpPr>
-        <p:spPr/>
+        <p:spPr>
+          <a:xfrm>
+            <a:off x="1828800" y="0"/>
+            <a:ext cx="7498080" cy="1143000"/>
+          </a:xfrm>
+        </p:spPr>
         <p:txBody>
           <a:bodyPr/>
           <a:lstStyle/>
           <a:p>
             <a:r>
-              <a:rPr lang="ru-RU" dirty="0" err="1" smtClean="0"/>
-              <a:t>Основые</a:t>
-            </a:r>
-            <a:r>
-              <a:rPr lang="ru-RU" dirty="0" smtClean="0"/>
-              <a:t> понятия</a:t>
-            </a:r>
-            <a:endParaRPr lang="ru-RU" dirty="0"/>
+              <a:rPr lang="ru-RU" b="1" dirty="0" smtClean="0"/>
+              <a:t>Основные </a:t>
+            </a:r>
+            <a:r>
+              <a:rPr lang="ru-RU" b="1" dirty="0" smtClean="0"/>
+              <a:t>понятия</a:t>
+            </a:r>
+            <a:endParaRPr lang="ru-RU" b="1" dirty="0"/>
           </a:p>
         </p:txBody>
       </p:sp>
@@ -3704,17 +5289,23 @@
         </p:nvSpPr>
         <p:spPr>
           <a:xfrm>
-            <a:off x="533400" y="1295400"/>
+            <a:off x="914400" y="1143000"/>
             <a:ext cx="8229600" cy="5242560"/>
           </a:xfrm>
         </p:spPr>
         <p:txBody>
-          <a:bodyPr/>
+          <a:bodyPr>
+            <a:normAutofit lnSpcReduction="10000"/>
+          </a:bodyPr>
           <a:lstStyle/>
           <a:p>
             <a:r>
               <a:rPr lang="ru-RU" dirty="0" smtClean="0"/>
-              <a:t>Переводом называется процесс и результат создания на основе исходного текста на одном языке равноценного ему в коммуникативном отношении текста на другом языке. </a:t>
+              <a:t>Перевод - процесс </a:t>
+            </a:r>
+            <a:r>
+              <a:rPr lang="ru-RU" dirty="0" smtClean="0"/>
+              <a:t>и результат создания на основе исходного текста на одном языке равноценного ему в коммуникативном отношении текста на другом языке. </a:t>
             </a:r>
           </a:p>
           <a:p>
@@ -3766,18 +5357,24 @@
             <p:ph type="title"/>
           </p:nvPr>
         </p:nvSpPr>
-        <p:spPr/>
+        <p:spPr>
+          <a:xfrm>
+            <a:off x="1371600" y="152400"/>
+            <a:ext cx="7498080" cy="1143000"/>
+          </a:xfrm>
+        </p:spPr>
         <p:txBody>
           <a:bodyPr>
             <a:normAutofit fontScale="90000"/>
           </a:bodyPr>
           <a:lstStyle/>
           <a:p>
-            <a:r>
-              <a:rPr lang="ru-RU" dirty="0" smtClean="0"/>
+            <a:pPr algn="ctr"/>
+            <a:r>
+              <a:rPr lang="ru-RU" b="1" dirty="0" smtClean="0"/>
               <a:t>История развития машинного перевода</a:t>
             </a:r>
-            <a:endParaRPr lang="ru-RU" dirty="0"/>
+            <a:endParaRPr lang="ru-RU" b="1" dirty="0"/>
           </a:p>
         </p:txBody>
       </p:sp>
@@ -3793,27 +5390,29 @@
         </p:nvSpPr>
         <p:spPr>
           <a:xfrm>
-            <a:off x="0" y="1524000"/>
+            <a:off x="838200" y="1371600"/>
             <a:ext cx="8686800" cy="4709160"/>
           </a:xfrm>
         </p:spPr>
         <p:txBody>
-          <a:bodyPr/>
+          <a:bodyPr>
+            <a:normAutofit/>
+          </a:bodyPr>
           <a:lstStyle/>
           <a:p>
             <a:r>
-              <a:rPr lang="ru-RU" dirty="0" smtClean="0"/>
+              <a:rPr lang="ru-RU" sz="3000" dirty="0" smtClean="0"/>
               <a:t>Чарльз </a:t>
             </a:r>
             <a:r>
-              <a:rPr lang="ru-RU" dirty="0" err="1" smtClean="0"/>
-              <a:t>Бэббидж-выдающийся</a:t>
-            </a:r>
-            <a:r>
-              <a:rPr lang="ru-RU" dirty="0" smtClean="0"/>
-              <a:t> математик XIX века </a:t>
-            </a:r>
-            <a:endParaRPr lang="ru-RU" dirty="0"/>
+              <a:rPr lang="ru-RU" sz="3000" dirty="0" smtClean="0"/>
+              <a:t>Бэббидж - выдающийся </a:t>
+            </a:r>
+            <a:r>
+              <a:rPr lang="ru-RU" sz="3000" dirty="0" smtClean="0"/>
+              <a:t>математик XIX века </a:t>
+            </a:r>
+            <a:endParaRPr lang="ru-RU" sz="3000" dirty="0"/>
           </a:p>
         </p:txBody>
       </p:sp>
@@ -3826,15 +5425,15 @@
           <p:nvPr/>
         </p:nvPicPr>
         <p:blipFill>
-          <a:blip r:embed="rId2"/>
+          <a:blip r:embed="rId2" cstate="print"/>
           <a:stretch>
             <a:fillRect/>
           </a:stretch>
         </p:blipFill>
         <p:spPr>
           <a:xfrm>
-            <a:off x="1295400" y="2362200"/>
-            <a:ext cx="6537960" cy="4086225"/>
+            <a:off x="1981200" y="2286000"/>
+            <a:ext cx="6705600" cy="4191000"/>
           </a:xfrm>
           <a:prstGeom prst="rect">
             <a:avLst/>
@@ -3878,7 +5477,7 @@
         </p:nvSpPr>
         <p:spPr>
           <a:xfrm>
-            <a:off x="381000" y="533400"/>
+            <a:off x="1143000" y="533400"/>
             <a:ext cx="8229600" cy="304800"/>
           </a:xfrm>
         </p:spPr>
@@ -3889,11 +5488,11 @@
           <a:lstStyle/>
           <a:p>
             <a:r>
-              <a:rPr lang="ru-RU" sz="3200" dirty="0" smtClean="0"/>
+              <a:rPr lang="ru-RU" sz="3600" b="1" dirty="0" smtClean="0"/>
               <a:t>Уоррен </a:t>
             </a:r>
             <a:r>
-              <a:rPr lang="ru-RU" sz="3200" dirty="0" err="1" smtClean="0"/>
+              <a:rPr lang="ru-RU" sz="3600" b="1" dirty="0" err="1" smtClean="0"/>
               <a:t>Уивер</a:t>
             </a:r>
             <a:r>
@@ -3919,7 +5518,7 @@
         </p:nvSpPr>
         <p:spPr>
           <a:xfrm>
-            <a:off x="457200" y="838200"/>
+            <a:off x="1143000" y="762000"/>
             <a:ext cx="8686800" cy="4709160"/>
           </a:xfrm>
         </p:spPr>
@@ -3932,36 +5531,28 @@
             </a:pPr>
             <a:r>
               <a:rPr lang="ru-RU" dirty="0" smtClean="0"/>
-              <a:t>Датой рождения машинного перевода как исследовательской области обычно считают март 1947 г.</a:t>
+              <a:t>март </a:t>
+            </a:r>
+            <a:r>
+              <a:rPr lang="ru-RU" dirty="0" smtClean="0"/>
+              <a:t>1947 г</a:t>
+            </a:r>
+            <a:r>
+              <a:rPr lang="ru-RU" dirty="0" smtClean="0"/>
+              <a:t>. - </a:t>
+            </a:r>
+            <a:r>
+              <a:rPr lang="ru-RU" dirty="0" smtClean="0"/>
+              <a:t>Дата </a:t>
+            </a:r>
+            <a:r>
+              <a:rPr lang="ru-RU" dirty="0" smtClean="0"/>
+              <a:t>рождения машинного перевода как исследовательской области </a:t>
             </a:r>
             <a:endParaRPr lang="ru-RU" dirty="0"/>
           </a:p>
         </p:txBody>
       </p:sp>
-      <p:pic>
-        <p:nvPicPr>
-          <p:cNvPr id="4" name="Рисунок 3" descr="dr-warren-weaver-taken-january-9-1940-principal-investigatorproject-analog-6dde0d-1600.jpg"/>
-          <p:cNvPicPr>
-            <a:picLocks noChangeAspect="1"/>
-          </p:cNvPicPr>
-          <p:nvPr/>
-        </p:nvPicPr>
-        <p:blipFill>
-          <a:blip r:embed="rId2"/>
-          <a:stretch>
-            <a:fillRect/>
-          </a:stretch>
-        </p:blipFill>
-        <p:spPr>
-          <a:xfrm>
-            <a:off x="2286000" y="1828800"/>
-            <a:ext cx="5943600" cy="4754880"/>
-          </a:xfrm>
-          <a:prstGeom prst="rect">
-            <a:avLst/>
-          </a:prstGeom>
-        </p:spPr>
-      </p:pic>
       <p:pic>
         <p:nvPicPr>
           <p:cNvPr id="5" name="Рисунок 4" descr="dr-warren-weaver-taken-january-9-1940-principal-investigatorproject-analog-6dde0d-1600.jpg"/>
@@ -3971,15 +5562,15 @@
           <p:nvPr/>
         </p:nvPicPr>
         <p:blipFill>
-          <a:blip r:embed="rId2"/>
+          <a:blip r:embed="rId2" cstate="print"/>
           <a:stretch>
             <a:fillRect/>
           </a:stretch>
         </p:blipFill>
         <p:spPr>
           <a:xfrm>
-            <a:off x="2209800" y="1828800"/>
-            <a:ext cx="5943600" cy="4754880"/>
+            <a:off x="1752600" y="1981200"/>
+            <a:ext cx="6324600" cy="4450080"/>
           </a:xfrm>
           <a:prstGeom prst="rect">
             <a:avLst/>
@@ -4023,7 +5614,7 @@
         </p:nvSpPr>
         <p:spPr>
           <a:xfrm>
-            <a:off x="304800" y="0"/>
+            <a:off x="914400" y="152400"/>
             <a:ext cx="8229600" cy="2286000"/>
           </a:xfrm>
         </p:spPr>
@@ -4035,7 +5626,45 @@
           <a:p>
             <a:r>
               <a:rPr lang="ru-RU" dirty="0" smtClean="0"/>
-              <a:t>В 1952 г. состоялась первая конференция по МП в Массачусетском технологическом университете, а в 1954 г. была представлена первая полноценная система машинного перевода - IBM </a:t>
+              <a:t> </a:t>
+            </a:r>
+            <a:r>
+              <a:rPr lang="ru-RU" dirty="0" smtClean="0"/>
+              <a:t>1952 г. </a:t>
+            </a:r>
+            <a:r>
+              <a:rPr lang="ru-RU" dirty="0" smtClean="0"/>
+              <a:t>- </a:t>
+            </a:r>
+            <a:r>
+              <a:rPr lang="ru-RU" dirty="0" smtClean="0"/>
+              <a:t>первая </a:t>
+            </a:r>
+            <a:r>
+              <a:rPr lang="ru-RU" dirty="0" smtClean="0"/>
+              <a:t>конференция по МП в Массачусетском технологическом </a:t>
+            </a:r>
+            <a:r>
+              <a:rPr lang="ru-RU" dirty="0" smtClean="0"/>
+              <a:t>университете</a:t>
+            </a:r>
+          </a:p>
+          <a:p>
+            <a:r>
+              <a:rPr lang="ru-RU" dirty="0" smtClean="0"/>
+              <a:t> </a:t>
+            </a:r>
+            <a:r>
+              <a:rPr lang="ru-RU" dirty="0" smtClean="0"/>
+              <a:t>1954 г. </a:t>
+            </a:r>
+            <a:r>
+              <a:rPr lang="ru-RU" dirty="0" smtClean="0"/>
+              <a:t>- первая </a:t>
+            </a:r>
+            <a:r>
+              <a:rPr lang="ru-RU" dirty="0" smtClean="0"/>
+              <a:t>полноценная система машинного перевода - IBM </a:t>
             </a:r>
             <a:r>
               <a:rPr lang="ru-RU" dirty="0" err="1" smtClean="0"/>
@@ -4043,15 +5672,7 @@
             </a:r>
             <a:r>
               <a:rPr lang="ru-RU" dirty="0" smtClean="0"/>
-              <a:t> II, разработанная компанией IBM совместно с </a:t>
-            </a:r>
-            <a:r>
-              <a:rPr lang="ru-RU" dirty="0" err="1" smtClean="0"/>
-              <a:t>Джорджтаунским</a:t>
-            </a:r>
-            <a:r>
-              <a:rPr lang="ru-RU" dirty="0" smtClean="0"/>
-              <a:t> университетом</a:t>
+              <a:t> II, </a:t>
             </a:r>
             <a:endParaRPr lang="ru-RU" dirty="0"/>
           </a:p>
@@ -4066,14 +5687,14 @@
           <p:nvPr/>
         </p:nvPicPr>
         <p:blipFill>
-          <a:blip r:embed="rId2"/>
+          <a:blip r:embed="rId2" cstate="print"/>
           <a:stretch>
             <a:fillRect/>
           </a:stretch>
         </p:blipFill>
         <p:spPr>
           <a:xfrm>
-            <a:off x="1371600" y="2438400"/>
+            <a:off x="1524000" y="2438400"/>
             <a:ext cx="6477000" cy="4064000"/>
           </a:xfrm>
           <a:prstGeom prst="rect">
@@ -4118,13 +5739,13 @@
         </p:nvSpPr>
         <p:spPr>
           <a:xfrm>
-            <a:off x="457200" y="533400"/>
-            <a:ext cx="8229600" cy="5715000"/>
+            <a:off x="914400" y="228600"/>
+            <a:ext cx="8229600" cy="6172200"/>
           </a:xfrm>
         </p:spPr>
         <p:txBody>
           <a:bodyPr>
-            <a:normAutofit fontScale="92500" lnSpcReduction="10000"/>
+            <a:normAutofit lnSpcReduction="10000"/>
           </a:bodyPr>
           <a:lstStyle/>
           <a:p>
@@ -4133,62 +5754,121 @@
             </a:pPr>
             <a:r>
               <a:rPr lang="ru-RU" sz="4700" dirty="0" smtClean="0"/>
-              <a:t>           Российские разработки</a:t>
-            </a:r>
-          </a:p>
-          <a:p>
+              <a:t>           </a:t>
+            </a:r>
+            <a:r>
+              <a:rPr lang="ru-RU" sz="4700" b="1" dirty="0" smtClean="0">
+                <a:solidFill>
+                  <a:schemeClr val="accent3">
+                    <a:lumMod val="50000"/>
+                  </a:schemeClr>
+                </a:solidFill>
+              </a:rPr>
+              <a:t>Российские разработки</a:t>
+            </a:r>
+          </a:p>
+          <a:p>
+            <a:pPr>
+              <a:buNone/>
+            </a:pPr>
             <a:endParaRPr lang="ru-RU" sz="3200" dirty="0" smtClean="0"/>
           </a:p>
           <a:p>
             <a:r>
-              <a:rPr lang="ru-RU" sz="3300" dirty="0" smtClean="0"/>
-              <a:t>В июле 1990 г. на выставке PC </a:t>
-            </a:r>
-            <a:r>
-              <a:rPr lang="ru-RU" sz="3300" dirty="0" err="1" smtClean="0"/>
-              <a:t>Forum</a:t>
-            </a:r>
-            <a:r>
-              <a:rPr lang="ru-RU" sz="3300" dirty="0" smtClean="0"/>
-              <a:t> в Москве была представлена первая в России коммерческая система машинного перевода под названием PROMT (</a:t>
-            </a:r>
-            <a:r>
-              <a:rPr lang="ru-RU" sz="3300" dirty="0" err="1" smtClean="0"/>
+              <a:rPr lang="ru-RU" sz="4000" dirty="0" smtClean="0"/>
+              <a:t>июль </a:t>
+            </a:r>
+            <a:r>
+              <a:rPr lang="ru-RU" sz="4000" dirty="0" smtClean="0"/>
+              <a:t>1990 г. </a:t>
+            </a:r>
+            <a:r>
+              <a:rPr lang="ru-RU" sz="4000" dirty="0" smtClean="0"/>
+              <a:t>- первая </a:t>
+            </a:r>
+            <a:r>
+              <a:rPr lang="ru-RU" sz="4000" dirty="0" smtClean="0"/>
+              <a:t>в России коммерческая система машинного перевода </a:t>
+            </a:r>
+            <a:r>
+              <a:rPr lang="ru-RU" sz="4000" dirty="0" smtClean="0"/>
+              <a:t>PROMT </a:t>
+            </a:r>
+            <a:r>
+              <a:rPr lang="ru-RU" sz="4000" dirty="0" smtClean="0"/>
+              <a:t>(</a:t>
+            </a:r>
+            <a:r>
+              <a:rPr lang="ru-RU" sz="4000" dirty="0" err="1" smtClean="0"/>
               <a:t>PROgrammers</a:t>
             </a:r>
             <a:r>
-              <a:rPr lang="ru-RU" sz="3300" dirty="0" smtClean="0"/>
+              <a:rPr lang="ru-RU" sz="4000" dirty="0" smtClean="0"/>
               <a:t> </a:t>
             </a:r>
             <a:r>
-              <a:rPr lang="ru-RU" sz="3300" dirty="0" err="1" smtClean="0"/>
+              <a:rPr lang="ru-RU" sz="4000" dirty="0" err="1" smtClean="0"/>
               <a:t>Machine</a:t>
             </a:r>
             <a:r>
-              <a:rPr lang="ru-RU" sz="3300" dirty="0" smtClean="0"/>
+              <a:rPr lang="ru-RU" sz="4000" dirty="0" smtClean="0"/>
               <a:t> </a:t>
             </a:r>
             <a:r>
-              <a:rPr lang="ru-RU" sz="3300" dirty="0" err="1" smtClean="0"/>
+              <a:rPr lang="ru-RU" sz="4000" dirty="0" err="1" smtClean="0"/>
               <a:t>Translation</a:t>
             </a:r>
             <a:r>
-              <a:rPr lang="ru-RU" sz="3300" dirty="0" smtClean="0"/>
+              <a:rPr lang="ru-RU" sz="4000" dirty="0" smtClean="0"/>
               <a:t>). </a:t>
             </a:r>
           </a:p>
           <a:p>
             <a:r>
-              <a:rPr lang="ru-RU" sz="3600" dirty="0" smtClean="0"/>
-              <a:t>В 1991 г. было создано ЗАО «</a:t>
-            </a:r>
-            <a:r>
-              <a:rPr lang="ru-RU" sz="3600" dirty="0" err="1" smtClean="0"/>
+              <a:rPr lang="ru-RU" sz="4000" dirty="0" smtClean="0"/>
+              <a:t> </a:t>
+            </a:r>
+            <a:r>
+              <a:rPr lang="ru-RU" sz="4000" dirty="0" smtClean="0"/>
+              <a:t>1991 г. </a:t>
+            </a:r>
+            <a:r>
+              <a:rPr lang="ru-RU" sz="4000" dirty="0" smtClean="0"/>
+              <a:t>- ЗАО </a:t>
+            </a:r>
+            <a:r>
+              <a:rPr lang="ru-RU" sz="4000" dirty="0" smtClean="0"/>
+              <a:t>«</a:t>
+            </a:r>
+            <a:r>
+              <a:rPr lang="ru-RU" sz="4000" dirty="0" err="1" smtClean="0"/>
               <a:t>ПРОект</a:t>
             </a:r>
             <a:r>
-              <a:rPr lang="ru-RU" sz="3600" dirty="0" smtClean="0"/>
-              <a:t> МТ», и уже в 1992 г. компания ПРОМТ выиграла конкурс NASA на поставку систем МП. </a:t>
+              <a:rPr lang="ru-RU" sz="4000" dirty="0" smtClean="0"/>
+              <a:t> </a:t>
+            </a:r>
+            <a:r>
+              <a:rPr lang="ru-RU" sz="4000" dirty="0" smtClean="0"/>
+              <a:t>МТ»</a:t>
+            </a:r>
+          </a:p>
+          <a:p>
+            <a:r>
+              <a:rPr lang="ru-RU" sz="4000" dirty="0" smtClean="0"/>
+              <a:t>1992 </a:t>
+            </a:r>
+            <a:r>
+              <a:rPr lang="ru-RU" sz="4000" dirty="0" smtClean="0"/>
+              <a:t>г</a:t>
+            </a:r>
+            <a:r>
+              <a:rPr lang="ru-RU" sz="4000" dirty="0" smtClean="0"/>
+              <a:t>. -  </a:t>
+            </a:r>
+            <a:r>
+              <a:rPr lang="ru-RU" sz="4000" dirty="0" smtClean="0"/>
+              <a:t>компания ПРОМТ выиграла конкурс NASA на поставку систем МП. </a:t>
             </a:r>
           </a:p>
           <a:p>
@@ -4245,7 +5925,7 @@
         </p:nvSpPr>
         <p:spPr>
           <a:xfrm>
-            <a:off x="381000" y="0"/>
+            <a:off x="1066800" y="152400"/>
             <a:ext cx="8229600" cy="1143000"/>
           </a:xfrm>
         </p:spPr>
@@ -4255,11 +5935,12 @@
           </a:bodyPr>
           <a:lstStyle/>
           <a:p>
-            <a:r>
-              <a:rPr lang="ru-RU" dirty="0" smtClean="0"/>
+            <a:pPr algn="ctr"/>
+            <a:r>
+              <a:rPr lang="ru-RU" b="1" dirty="0" smtClean="0"/>
               <a:t>Стадии развития систем машинного перевода:</a:t>
             </a:r>
-            <a:endParaRPr lang="ru-RU" dirty="0"/>
+            <a:endParaRPr lang="ru-RU" b="1" dirty="0"/>
           </a:p>
         </p:txBody>
       </p:sp>
@@ -4274,8 +5955,8 @@
           </p:nvPr>
         </p:nvGraphicFramePr>
         <p:xfrm>
-          <a:off x="990600" y="1219200"/>
-          <a:ext cx="7086600" cy="5394960"/>
+          <a:off x="1219200" y="1524000"/>
+          <a:ext cx="7467600" cy="4855331"/>
         </p:xfrm>
         <a:graphic>
           <a:graphicData uri="http://schemas.openxmlformats.org/drawingml/2006/table">
@@ -4284,10 +5965,10 @@
                 <a:tableStyleId>{5C22544A-7EE6-4342-B048-85BDC9FD1C3A}</a:tableStyleId>
               </a:tblPr>
               <a:tblGrid>
-                <a:gridCol w="3543300"/>
-                <a:gridCol w="3543300"/>
+                <a:gridCol w="3733800"/>
+                <a:gridCol w="3733800"/>
               </a:tblGrid>
-              <a:tr h="195279">
+              <a:tr h="520722">
                 <a:tc>
                   <a:txBody>
                     <a:bodyPr/>
@@ -4317,14 +5998,14 @@
                   <a:tcPr/>
                 </a:tc>
               </a:tr>
-              <a:tr h="732295">
+              <a:tr h="1042549">
                 <a:tc>
                   <a:txBody>
                     <a:bodyPr/>
                     <a:lstStyle/>
                     <a:p>
                       <a:r>
-                        <a:rPr kumimoji="0" lang="ru-RU" sz="1400" b="1" kern="1200" dirty="0" smtClean="0">
+                        <a:rPr kumimoji="0" lang="ru-RU" sz="2400" b="1" kern="1200" dirty="0" smtClean="0">
                           <a:solidFill>
                             <a:schemeClr val="dk1"/>
                           </a:solidFill>
@@ -4354,7 +6035,7 @@
                         <a:defRPr/>
                       </a:pPr>
                       <a:r>
-                        <a:rPr kumimoji="0" lang="ru-RU" sz="1400" b="1" kern="1200" dirty="0" smtClean="0">
+                        <a:rPr kumimoji="0" lang="ru-RU" sz="2400" b="1" kern="1200" dirty="0" smtClean="0">
                           <a:solidFill>
                             <a:schemeClr val="dk1"/>
                           </a:solidFill>
@@ -4365,7 +6046,7 @@
                         <a:t>(IBM </a:t>
                       </a:r>
                       <a:r>
-                        <a:rPr kumimoji="0" lang="ru-RU" sz="1400" b="1" kern="1200" dirty="0" err="1" smtClean="0">
+                        <a:rPr kumimoji="0" lang="ru-RU" sz="2400" b="1" kern="1200" dirty="0" err="1" smtClean="0">
                           <a:solidFill>
                             <a:schemeClr val="dk1"/>
                           </a:solidFill>
@@ -4376,7 +6057,7 @@
                         <a:t>Mark</a:t>
                       </a:r>
                       <a:r>
-                        <a:rPr kumimoji="0" lang="ru-RU" sz="1400" b="1" kern="1200" dirty="0" smtClean="0">
+                        <a:rPr kumimoji="0" lang="ru-RU" sz="2400" b="1" kern="1200" dirty="0" smtClean="0">
                           <a:solidFill>
                             <a:schemeClr val="dk1"/>
                           </a:solidFill>
@@ -4386,10 +6067,10 @@
                         </a:rPr>
                         <a:t> II)</a:t>
                       </a:r>
-                      <a:endParaRPr lang="ru-RU" sz="1400" b="1" dirty="0" smtClean="0"/>
+                      <a:endParaRPr lang="ru-RU" sz="2400" b="1" dirty="0" smtClean="0"/>
                     </a:p>
                     <a:p>
-                      <a:endParaRPr lang="ru-RU" sz="1400" dirty="0"/>
+                      <a:endParaRPr lang="ru-RU" sz="2400" dirty="0"/>
                     </a:p>
                   </a:txBody>
                   <a:tcPr/>
@@ -4400,7 +6081,7 @@
                     <a:lstStyle/>
                     <a:p>
                       <a:r>
-                        <a:rPr kumimoji="0" lang="ru-RU" sz="1400" kern="1200" dirty="0" smtClean="0">
+                        <a:rPr kumimoji="0" lang="ru-RU" sz="2400" kern="1200" dirty="0" smtClean="0">
                           <a:solidFill>
                             <a:schemeClr val="dk1"/>
                           </a:solidFill>
@@ -4408,22 +6089,44 @@
                           <a:ea typeface="+mn-ea"/>
                           <a:cs typeface="+mn-cs"/>
                         </a:rPr>
-                        <a:t>Они представляли собой программно-аппаратные комплексы и анализировали текст «слово за словом» ). Возможности СПП определялись доступными размерами словарей, прямо зависящими от объема памяти компьютера. </a:t>
+                        <a:t>Анализ</a:t>
                       </a:r>
-                      <a:endParaRPr lang="ru-RU" sz="1400" dirty="0"/>
+                      <a:r>
+                        <a:rPr kumimoji="0" lang="ru-RU" sz="2400" kern="1200" baseline="0" dirty="0" smtClean="0">
+                          <a:solidFill>
+                            <a:schemeClr val="dk1"/>
+                          </a:solidFill>
+                          <a:latin typeface="+mn-lt"/>
+                          <a:ea typeface="+mn-ea"/>
+                          <a:cs typeface="+mn-cs"/>
+                        </a:rPr>
+                        <a:t> </a:t>
+                      </a:r>
+                      <a:r>
+                        <a:rPr kumimoji="0" lang="ru-RU" sz="2400" kern="1200" dirty="0" smtClean="0">
+                          <a:solidFill>
+                            <a:schemeClr val="dk1"/>
+                          </a:solidFill>
+                          <a:latin typeface="+mn-lt"/>
+                          <a:ea typeface="+mn-ea"/>
+                          <a:cs typeface="+mn-cs"/>
+                        </a:rPr>
+                        <a:t>текста</a:t>
+                      </a:r>
+                      <a:endParaRPr lang="ru-RU" sz="2400" dirty="0"/>
                     </a:p>
                   </a:txBody>
                   <a:tcPr/>
                 </a:tc>
               </a:tr>
-              <a:tr h="618382">
+              <a:tr h="880374">
                 <a:tc>
                   <a:txBody>
                     <a:bodyPr/>
                     <a:lstStyle/>
                     <a:p>
                       <a:r>
-                        <a:rPr kumimoji="0" lang="ru-RU" sz="1400" b="1" kern="1200" dirty="0" smtClean="0">
+                        <a:rPr kumimoji="0" lang="ru-RU" sz="2400" b="1" kern="1200" dirty="0" smtClean="0">
                           <a:solidFill>
                             <a:schemeClr val="dk1"/>
                           </a:solidFill>
@@ -4433,7 +6136,7 @@
                         </a:rPr>
                         <a:t>Т-системы </a:t>
                       </a:r>
-                      <a:endParaRPr lang="ru-RU" sz="1400" b="1" dirty="0"/>
+                      <a:endParaRPr lang="ru-RU" sz="2400" b="1" dirty="0"/>
                     </a:p>
                   </a:txBody>
                   <a:tcPr/>
@@ -4444,23 +6147,20 @@
                     <a:lstStyle/>
                     <a:p>
                       <a:r>
-                        <a:rPr kumimoji="0" lang="ru-RU" sz="1400" kern="1200" dirty="0" smtClean="0">
-                          <a:solidFill>
-                            <a:schemeClr val="dk1"/>
-                          </a:solidFill>
-                          <a:latin typeface="+mn-lt"/>
-                          <a:ea typeface="+mn-ea"/>
-                          <a:cs typeface="+mn-cs"/>
-                        </a:rPr>
-                        <a:t>Они выполняли набор операций, позволяющих путем анализа переводимой фразы преобразовывать ее в синтаксическую структуру выходного предложения и синтезировать новую фразу.</a:t>
+                        <a:rPr lang="ru-RU" sz="2400" dirty="0" smtClean="0"/>
+                        <a:t>Анализ,</a:t>
                       </a:r>
-                      <a:endParaRPr lang="ru-RU" sz="1400" dirty="0"/>
+                      <a:r>
+                        <a:rPr lang="ru-RU" sz="2400" baseline="0" dirty="0" smtClean="0"/>
+                        <a:t> преобразование и синтез текста</a:t>
+                      </a:r>
+                      <a:endParaRPr lang="ru-RU" sz="2400" dirty="0"/>
                     </a:p>
                   </a:txBody>
                   <a:tcPr/>
                 </a:tc>
               </a:tr>
-              <a:tr h="1334404">
+              <a:tr h="1899755">
                 <a:tc>
                   <a:txBody>
                     <a:bodyPr/>
@@ -4484,7 +6184,7 @@
                         <a:defRPr/>
                       </a:pPr>
                       <a:r>
-                        <a:rPr kumimoji="0" lang="ru-RU" sz="1400" b="1" kern="1200" dirty="0" err="1" smtClean="0">
+                        <a:rPr kumimoji="0" lang="ru-RU" sz="2400" b="1" kern="1200" dirty="0" err="1" smtClean="0">
                           <a:solidFill>
                             <a:schemeClr val="dk1"/>
                           </a:solidFill>
@@ -4495,7 +6195,7 @@
                         <a:t>ТМ-комплексы</a:t>
                       </a:r>
                       <a:r>
-                        <a:rPr kumimoji="0" lang="ru-RU" sz="1400" b="1" kern="1200" dirty="0" smtClean="0">
+                        <a:rPr kumimoji="0" lang="ru-RU" sz="2400" b="1" kern="1200" dirty="0" smtClean="0">
                           <a:solidFill>
                             <a:schemeClr val="dk1"/>
                           </a:solidFill>
@@ -4503,21 +6203,10 @@
                           <a:ea typeface="+mn-ea"/>
                           <a:cs typeface="+mn-cs"/>
                         </a:rPr>
-                        <a:t> (</a:t>
+                        <a:t> (METEO; </a:t>
                       </a:r>
                       <a:r>
-                        <a:rPr kumimoji="0" lang="ru-RU" sz="1100" b="1" kern="1200" dirty="0" smtClean="0">
-                          <a:solidFill>
-                            <a:schemeClr val="dk1"/>
-                          </a:solidFill>
-                          <a:latin typeface="+mn-lt"/>
-                          <a:ea typeface="+mn-ea"/>
-                          <a:cs typeface="+mn-cs"/>
-                        </a:rPr>
-                        <a:t>METEO; </a:t>
-                      </a:r>
-                      <a:r>
-                        <a:rPr kumimoji="0" lang="ru-RU" sz="1400" b="1" kern="1200" dirty="0" err="1" smtClean="0">
+                        <a:rPr kumimoji="0" lang="ru-RU" sz="2400" b="1" kern="1200" dirty="0" err="1" smtClean="0">
                           <a:solidFill>
                             <a:schemeClr val="dk1"/>
                           </a:solidFill>
@@ -4528,7 +6217,7 @@
                         <a:t>Translations</a:t>
                       </a:r>
                       <a:r>
-                        <a:rPr kumimoji="0" lang="ru-RU" sz="1400" b="1" kern="1200" dirty="0" smtClean="0">
+                        <a:rPr kumimoji="0" lang="ru-RU" sz="2400" b="1" kern="1200" dirty="0" smtClean="0">
                           <a:solidFill>
                             <a:schemeClr val="dk1"/>
                           </a:solidFill>
@@ -4539,7 +6228,7 @@
                         <a:t> </a:t>
                       </a:r>
                       <a:r>
-                        <a:rPr kumimoji="0" lang="ru-RU" sz="1400" b="1" kern="1200" dirty="0" err="1" smtClean="0">
+                        <a:rPr kumimoji="0" lang="ru-RU" sz="2400" b="1" kern="1200" dirty="0" err="1" smtClean="0">
                           <a:solidFill>
                             <a:schemeClr val="dk1"/>
                           </a:solidFill>
@@ -4550,7 +6239,7 @@
                         <a:t>Workbench</a:t>
                       </a:r>
                       <a:r>
-                        <a:rPr kumimoji="0" lang="ru-RU" sz="1400" b="1" kern="1200" dirty="0" smtClean="0">
+                        <a:rPr kumimoji="0" lang="ru-RU" sz="2400" b="1" kern="1200" dirty="0" smtClean="0">
                           <a:solidFill>
                             <a:schemeClr val="dk1"/>
                           </a:solidFill>
@@ -4560,7 +6249,7 @@
                         </a:rPr>
                         <a:t> )</a:t>
                       </a:r>
-                      <a:endParaRPr lang="ru-RU" sz="1100" b="1" dirty="0" smtClean="0"/>
+                      <a:endParaRPr lang="ru-RU" sz="2400" b="1" dirty="0" smtClean="0"/>
                     </a:p>
                   </a:txBody>
                   <a:tcPr/>
@@ -4570,37 +6259,11 @@
                     <a:bodyPr/>
                     <a:lstStyle/>
                     <a:p>
-                      <a:pPr marL="0" marR="0" indent="0" algn="l" defTabSz="914400" rtl="0" eaLnBrk="1" fontAlgn="auto" latinLnBrk="0" hangingPunct="1">
-                        <a:lnSpc>
-                          <a:spcPct val="100000"/>
-                        </a:lnSpc>
-                        <a:spcBef>
-                          <a:spcPts val="0"/>
-                        </a:spcBef>
-                        <a:spcAft>
-                          <a:spcPts val="0"/>
-                        </a:spcAft>
-                        <a:buClrTx/>
-                        <a:buSzTx/>
-                        <a:buFontTx/>
-                        <a:buNone/>
-                        <a:tabLst/>
-                        <a:defRPr/>
-                      </a:pPr>
                       <a:r>
-                        <a:rPr kumimoji="0" lang="ru-RU" sz="1800" kern="1200" dirty="0" smtClean="0">
-                          <a:solidFill>
-                            <a:schemeClr val="dk1"/>
-                          </a:solidFill>
-                          <a:latin typeface="+mn-lt"/>
-                          <a:ea typeface="+mn-ea"/>
-                          <a:cs typeface="+mn-cs"/>
-                        </a:rPr>
-                        <a:t>Эта технология базируется на сравнении документа, который нужно перевести, с данными, хранящимися в предварительно созданной «входной» базе. Получаемый в итоге текст подлежит интенсивному постредактированию </a:t>
+                        <a:rPr lang="ru-RU" sz="2400" baseline="0" dirty="0" smtClean="0"/>
+                        <a:t>Сравнение, сопоставление и синтез текста.</a:t>
                       </a:r>
-                    </a:p>
-                    <a:p>
-                      <a:endParaRPr lang="ru-RU" sz="1400" dirty="0"/>
+                      <a:endParaRPr lang="ru-RU" sz="2400" dirty="0"/>
                     </a:p>
                   </a:txBody>
                   <a:tcPr/>
@@ -4647,7 +6310,7 @@
         </p:nvSpPr>
         <p:spPr>
           <a:xfrm>
-            <a:off x="457200" y="0"/>
+            <a:off x="1143000" y="0"/>
             <a:ext cx="8229600" cy="1143000"/>
           </a:xfrm>
         </p:spPr>
@@ -4657,9 +6320,14 @@
           </a:bodyPr>
           <a:lstStyle/>
           <a:p>
+            <a:pPr algn="ctr"/>
+            <a:r>
+              <a:rPr lang="ru-RU" sz="4400" b="1" dirty="0" smtClean="0"/>
+              <a:t>Электронные словари</a:t>
+            </a:r>
             <a:r>
               <a:rPr lang="ru-RU" dirty="0" smtClean="0"/>
-              <a:t>Электронные словари</a:t>
+              <a:t/>
             </a:r>
             <a:br>
               <a:rPr lang="ru-RU" dirty="0" smtClean="0"/>
@@ -4679,8 +6347,8 @@
           </p:nvPr>
         </p:nvGraphicFramePr>
         <p:xfrm>
-          <a:off x="533400" y="685800"/>
-          <a:ext cx="8229600" cy="5943600"/>
+          <a:off x="1295400" y="609601"/>
+          <a:ext cx="7391400" cy="6188042"/>
         </p:xfrm>
         <a:graphic>
           <a:graphicData uri="http://schemas.openxmlformats.org/drawingml/2006/table">
@@ -4689,10 +6357,10 @@
                 <a:tableStyleId>{5C22544A-7EE6-4342-B048-85BDC9FD1C3A}</a:tableStyleId>
               </a:tblPr>
               <a:tblGrid>
-                <a:gridCol w="4114800"/>
-                <a:gridCol w="4114800"/>
+                <a:gridCol w="3695700"/>
+                <a:gridCol w="3695700"/>
               </a:tblGrid>
-              <a:tr h="342626">
+              <a:tr h="470694">
                 <a:tc>
                   <a:txBody>
                     <a:bodyPr/>
@@ -4722,18 +6390,18 @@
                   <a:tcPr/>
                 </a:tc>
               </a:tr>
-              <a:tr h="1284849">
+              <a:tr h="2425508">
                 <a:tc>
                   <a:txBody>
                     <a:bodyPr/>
                     <a:lstStyle/>
                     <a:p>
                       <a:r>
-                        <a:rPr lang="ru-RU" sz="1400" dirty="0" smtClean="0"/>
+                        <a:rPr lang="ru-RU" sz="1700" b="1" dirty="0" smtClean="0"/>
                         <a:t>1.</a:t>
                       </a:r>
                       <a:r>
-                        <a:rPr kumimoji="0" lang="ru-RU" sz="1400" kern="1200" dirty="0" smtClean="0">
+                        <a:rPr kumimoji="0" lang="ru-RU" sz="1700" b="1" kern="1200" dirty="0" smtClean="0">
                           <a:solidFill>
                             <a:schemeClr val="dk1"/>
                           </a:solidFill>
@@ -4743,7 +6411,7 @@
                         </a:rPr>
                         <a:t> По используемой операционной системе.</a:t>
                       </a:r>
-                      <a:endParaRPr lang="ru-RU" sz="1400" dirty="0"/>
+                      <a:endParaRPr lang="ru-RU" sz="1700" b="1" dirty="0"/>
                     </a:p>
                   </a:txBody>
                   <a:tcPr/>
@@ -4757,7 +6425,7 @@
                         <a:buAutoNum type="arabicPeriod"/>
                       </a:pPr>
                       <a:r>
-                        <a:rPr kumimoji="0" lang="ru-RU" sz="1400" kern="1200" dirty="0" smtClean="0">
+                        <a:rPr kumimoji="0" lang="ru-RU" sz="1700" kern="1200" dirty="0" smtClean="0">
                           <a:solidFill>
                             <a:schemeClr val="dk1"/>
                           </a:solidFill>
@@ -4773,7 +6441,7 @@
                         <a:buAutoNum type="arabicPeriod"/>
                       </a:pPr>
                       <a:r>
-                        <a:rPr kumimoji="0" lang="ru-RU" sz="1400" kern="1200" dirty="0" smtClean="0">
+                        <a:rPr kumimoji="0" lang="ru-RU" sz="1700" kern="1200" dirty="0" smtClean="0">
                           <a:solidFill>
                             <a:schemeClr val="dk1"/>
                           </a:solidFill>
@@ -4781,26 +6449,37 @@
                           <a:ea typeface="+mn-ea"/>
                           <a:cs typeface="+mn-cs"/>
                         </a:rPr>
-                        <a:t>Наиболее сложные многооконные и многофункциональные ЭС работают под управлением ОС WINDOWS 3.11, WINDOWS NT, WINDOWS 95 </a:t>
+                        <a:t>Наиболее сложные многооконные и многофункциональные ЭС работают под управлением ОС WINDOWS </a:t>
                       </a:r>
-                      <a:endParaRPr lang="ru-RU" sz="1400" dirty="0"/>
+                      <a:r>
+                        <a:rPr kumimoji="0" lang="ru-RU" sz="1700" kern="1200" dirty="0" smtClean="0">
+                          <a:solidFill>
+                            <a:schemeClr val="dk1"/>
+                          </a:solidFill>
+                          <a:latin typeface="+mn-lt"/>
+                          <a:ea typeface="+mn-ea"/>
+                          <a:cs typeface="+mn-cs"/>
+                        </a:rPr>
+                        <a:t>3.11</a:t>
+                      </a:r>
+                      <a:endParaRPr lang="ru-RU" sz="1700" dirty="0"/>
                     </a:p>
                   </a:txBody>
                   <a:tcPr/>
                 </a:tc>
               </a:tr>
-              <a:tr h="485387">
+              <a:tr h="856616">
                 <a:tc>
                   <a:txBody>
                     <a:bodyPr/>
                     <a:lstStyle/>
                     <a:p>
                       <a:r>
-                        <a:rPr lang="ru-RU" sz="1400" dirty="0" smtClean="0"/>
+                        <a:rPr lang="ru-RU" sz="1700" b="1" dirty="0" smtClean="0"/>
                         <a:t>2.</a:t>
                       </a:r>
                       <a:r>
-                        <a:rPr kumimoji="0" lang="ru-RU" sz="1400" kern="1200" dirty="0" smtClean="0">
+                        <a:rPr kumimoji="0" lang="ru-RU" sz="1700" b="1" kern="1200" dirty="0" smtClean="0">
                           <a:solidFill>
                             <a:schemeClr val="dk1"/>
                           </a:solidFill>
@@ -4810,7 +6489,7 @@
                         </a:rPr>
                         <a:t> По способу загрузки. </a:t>
                       </a:r>
-                      <a:endParaRPr lang="ru-RU" sz="1400" dirty="0"/>
+                      <a:endParaRPr lang="ru-RU" sz="1700" b="1" dirty="0"/>
                     </a:p>
                   </a:txBody>
                   <a:tcPr/>
@@ -4824,11 +6503,11 @@
                         <a:buAutoNum type="arabicPeriod"/>
                       </a:pPr>
                       <a:r>
-                        <a:rPr lang="ru-RU" sz="1400" dirty="0" smtClean="0"/>
+                        <a:rPr lang="ru-RU" sz="1700" dirty="0" smtClean="0"/>
                         <a:t>Н</a:t>
                       </a:r>
                       <a:r>
-                        <a:rPr kumimoji="0" lang="ru-RU" sz="1400" kern="1200" dirty="0" smtClean="0">
+                        <a:rPr kumimoji="0" lang="ru-RU" sz="1700" kern="1200" dirty="0" smtClean="0">
                           <a:solidFill>
                             <a:schemeClr val="dk1"/>
                           </a:solidFill>
@@ -4844,7 +6523,7 @@
                         <a:buAutoNum type="arabicPeriod"/>
                       </a:pPr>
                       <a:r>
-                        <a:rPr kumimoji="0" lang="ru-RU" sz="1400" kern="1200" dirty="0" smtClean="0">
+                        <a:rPr kumimoji="0" lang="ru-RU" sz="1700" kern="1200" dirty="0" smtClean="0">
                           <a:solidFill>
                             <a:schemeClr val="dk1"/>
                           </a:solidFill>
@@ -4855,7 +6534,7 @@
                         <a:t>Резидентные (словарь</a:t>
                       </a:r>
                       <a:r>
-                        <a:rPr kumimoji="0" lang="ru-RU" sz="1400" kern="1200" baseline="0" dirty="0" smtClean="0">
+                        <a:rPr kumimoji="0" lang="ru-RU" sz="1700" kern="1200" baseline="0" dirty="0" smtClean="0">
                           <a:solidFill>
                             <a:schemeClr val="dk1"/>
                           </a:solidFill>
@@ -4866,7 +6545,7 @@
                         <a:t> </a:t>
                       </a:r>
                       <a:r>
-                        <a:rPr kumimoji="0" lang="ru-RU" sz="1400" kern="1200" dirty="0" smtClean="0">
+                        <a:rPr kumimoji="0" lang="ru-RU" sz="1700" kern="1200" dirty="0" smtClean="0">
                           <a:solidFill>
                             <a:schemeClr val="dk1"/>
                           </a:solidFill>
@@ -4877,7 +6556,7 @@
                         <a:t>LINGVO </a:t>
                       </a:r>
                       <a:r>
-                        <a:rPr kumimoji="0" lang="ru-RU" sz="1400" kern="1200" dirty="0" err="1" smtClean="0">
+                        <a:rPr kumimoji="0" lang="ru-RU" sz="1700" kern="1200" dirty="0" err="1" smtClean="0">
                           <a:solidFill>
                             <a:schemeClr val="dk1"/>
                           </a:solidFill>
@@ -4888,7 +6567,7 @@
                         <a:t>for</a:t>
                       </a:r>
                       <a:r>
-                        <a:rPr kumimoji="0" lang="ru-RU" sz="1400" kern="1200" dirty="0" smtClean="0">
+                        <a:rPr kumimoji="0" lang="ru-RU" sz="1700" kern="1200" dirty="0" smtClean="0">
                           <a:solidFill>
                             <a:schemeClr val="dk1"/>
                           </a:solidFill>
@@ -4898,20 +6577,20 @@
                         </a:rPr>
                         <a:t> DOS)</a:t>
                       </a:r>
-                      <a:endParaRPr lang="ru-RU" sz="1400" dirty="0"/>
+                      <a:endParaRPr lang="ru-RU" sz="1700" dirty="0"/>
                     </a:p>
                   </a:txBody>
                   <a:tcPr/>
                 </a:tc>
               </a:tr>
-              <a:tr h="1284849">
+              <a:tr h="2190781">
                 <a:tc>
                   <a:txBody>
                     <a:bodyPr/>
                     <a:lstStyle/>
                     <a:p>
                       <a:r>
-                        <a:rPr kumimoji="0" lang="ru-RU" sz="1400" kern="1200" dirty="0" smtClean="0">
+                        <a:rPr kumimoji="0" lang="ru-RU" sz="1700" b="1" kern="1200" dirty="0" smtClean="0">
                           <a:solidFill>
                             <a:schemeClr val="dk1"/>
                           </a:solidFill>
@@ -4921,7 +6600,7 @@
                         </a:rPr>
                         <a:t>3. По количеству подключаемых словарных баз (словарей). </a:t>
                       </a:r>
-                      <a:endParaRPr lang="ru-RU" sz="1400" dirty="0"/>
+                      <a:endParaRPr lang="ru-RU" sz="1700" b="1" dirty="0"/>
                     </a:p>
                   </a:txBody>
                   <a:tcPr/>
@@ -4935,7 +6614,7 @@
                         <a:buAutoNum type="arabicPeriod"/>
                       </a:pPr>
                       <a:r>
-                        <a:rPr kumimoji="0" lang="ru-RU" sz="1400" kern="1200" dirty="0" smtClean="0">
+                        <a:rPr kumimoji="0" lang="ru-RU" sz="1700" kern="1200" dirty="0" smtClean="0">
                           <a:solidFill>
                             <a:schemeClr val="dk1"/>
                           </a:solidFill>
@@ -4965,7 +6644,7 @@
                         <a:defRPr/>
                       </a:pPr>
                       <a:r>
-                        <a:rPr kumimoji="0" lang="ru-RU" sz="1400" kern="1200" dirty="0" smtClean="0">
+                        <a:rPr kumimoji="0" lang="ru-RU" sz="1700" kern="1200" dirty="0" smtClean="0">
                           <a:solidFill>
                             <a:schemeClr val="dk1"/>
                           </a:solidFill>
@@ -4976,7 +6655,7 @@
                         <a:t>Современные программы</a:t>
                       </a:r>
                       <a:r>
-                        <a:rPr kumimoji="0" lang="ru-RU" sz="1400" kern="1200" baseline="0" dirty="0" smtClean="0">
+                        <a:rPr kumimoji="0" lang="ru-RU" sz="1700" kern="1200" baseline="0" dirty="0" smtClean="0">
                           <a:solidFill>
                             <a:schemeClr val="dk1"/>
                           </a:solidFill>
@@ -4987,7 +6666,7 @@
                         <a:t> </a:t>
                       </a:r>
                       <a:r>
-                        <a:rPr kumimoji="0" lang="ru-RU" sz="1400" kern="1200" dirty="0" smtClean="0">
+                        <a:rPr kumimoji="0" lang="ru-RU" sz="1700" kern="1200" dirty="0" smtClean="0">
                           <a:solidFill>
                             <a:schemeClr val="dk1"/>
                           </a:solidFill>
@@ -5002,230 +6681,7 @@
                       <a:pPr marL="342900" indent="-342900">
                         <a:buAutoNum type="arabicPeriod"/>
                       </a:pPr>
-                      <a:endParaRPr lang="ru-RU" sz="1400" dirty="0"/>
-                    </a:p>
-                  </a:txBody>
-                  <a:tcPr/>
-                </a:tc>
-              </a:tr>
-              <a:tr h="1484715">
-                <a:tc>
-                  <a:txBody>
-                    <a:bodyPr/>
-                    <a:lstStyle/>
-                    <a:p>
-                      <a:r>
-                        <a:rPr kumimoji="0" lang="ru-RU" sz="1400" kern="1200" dirty="0" smtClean="0">
-                          <a:solidFill>
-                            <a:schemeClr val="dk1"/>
-                          </a:solidFill>
-                          <a:latin typeface="+mn-lt"/>
-                          <a:ea typeface="+mn-ea"/>
-                          <a:cs typeface="+mn-cs"/>
-                        </a:rPr>
-                        <a:t>4.По возможностям расширения словарной базы. </a:t>
-                      </a:r>
-                      <a:endParaRPr lang="ru-RU" sz="1400" dirty="0"/>
-                    </a:p>
-                  </a:txBody>
-                  <a:tcPr/>
-                </a:tc>
-                <a:tc>
-                  <a:txBody>
-                    <a:bodyPr/>
-                    <a:lstStyle/>
-                    <a:p>
-                      <a:pPr marL="342900" indent="-342900">
-                        <a:buAutoNum type="arabicPeriod"/>
-                      </a:pPr>
-                      <a:r>
-                        <a:rPr kumimoji="0" lang="ru-RU" sz="1400" kern="1200" dirty="0" smtClean="0">
-                          <a:solidFill>
-                            <a:schemeClr val="dk1"/>
-                          </a:solidFill>
-                          <a:latin typeface="+mn-lt"/>
-                          <a:ea typeface="+mn-ea"/>
-                          <a:cs typeface="+mn-cs"/>
-                        </a:rPr>
-                        <a:t>Устаревшие ЭС не имели возможности расширения словарных баз пользователем</a:t>
-                      </a:r>
-                    </a:p>
-                    <a:p>
-                      <a:pPr marL="342900" marR="0" indent="-342900" algn="l" defTabSz="914400" rtl="0" eaLnBrk="1" fontAlgn="auto" latinLnBrk="0" hangingPunct="1">
-                        <a:lnSpc>
-                          <a:spcPct val="100000"/>
-                        </a:lnSpc>
-                        <a:spcBef>
-                          <a:spcPts val="0"/>
-                        </a:spcBef>
-                        <a:spcAft>
-                          <a:spcPts val="0"/>
-                        </a:spcAft>
-                        <a:buClrTx/>
-                        <a:buSzTx/>
-                        <a:buFontTx/>
-                        <a:buAutoNum type="arabicPeriod"/>
-                        <a:tabLst/>
-                        <a:defRPr/>
-                      </a:pPr>
-                      <a:r>
-                        <a:rPr kumimoji="0" lang="ru-RU" sz="1400" kern="1200" dirty="0" smtClean="0">
-                          <a:solidFill>
-                            <a:schemeClr val="dk1"/>
-                          </a:solidFill>
-                          <a:latin typeface="+mn-lt"/>
-                          <a:ea typeface="+mn-ea"/>
-                          <a:cs typeface="+mn-cs"/>
-                        </a:rPr>
-                        <a:t>Современные версии</a:t>
-                      </a:r>
-                      <a:r>
-                        <a:rPr kumimoji="0" lang="ru-RU" sz="1400" kern="1200" baseline="0" dirty="0" smtClean="0">
-                          <a:solidFill>
-                            <a:schemeClr val="dk1"/>
-                          </a:solidFill>
-                          <a:latin typeface="+mn-lt"/>
-                          <a:ea typeface="+mn-ea"/>
-                          <a:cs typeface="+mn-cs"/>
-                        </a:rPr>
-                        <a:t> </a:t>
-                      </a:r>
-                      <a:r>
-                        <a:rPr kumimoji="0" lang="ru-RU" sz="1400" kern="1200" dirty="0" smtClean="0">
-                          <a:solidFill>
-                            <a:schemeClr val="dk1"/>
-                          </a:solidFill>
-                          <a:latin typeface="+mn-lt"/>
-                          <a:ea typeface="+mn-ea"/>
-                          <a:cs typeface="+mn-cs"/>
-                        </a:rPr>
-                        <a:t>имеют специальные утилиты для создания пользователем собственных и расширения существующих словарей.</a:t>
-                      </a:r>
-                    </a:p>
-                    <a:p>
-                      <a:pPr marL="342900" indent="-342900">
-                        <a:buAutoNum type="arabicPeriod"/>
-                      </a:pPr>
-                      <a:endParaRPr lang="ru-RU" sz="1400" dirty="0"/>
-                    </a:p>
-                  </a:txBody>
-                  <a:tcPr/>
-                </a:tc>
-              </a:tr>
-              <a:tr h="685253">
-                <a:tc>
-                  <a:txBody>
-                    <a:bodyPr/>
-                    <a:lstStyle/>
-                    <a:p>
-                      <a:r>
-                        <a:rPr lang="ru-RU" sz="1400" dirty="0" smtClean="0"/>
-                        <a:t>5.</a:t>
-                      </a:r>
-                      <a:r>
-                        <a:rPr kumimoji="0" lang="ru-RU" sz="1400" kern="1200" dirty="0" smtClean="0">
-                          <a:solidFill>
-                            <a:schemeClr val="dk1"/>
-                          </a:solidFill>
-                          <a:latin typeface="+mn-lt"/>
-                          <a:ea typeface="+mn-ea"/>
-                          <a:cs typeface="+mn-cs"/>
-                        </a:rPr>
-                        <a:t> По режиму перевода. </a:t>
-                      </a:r>
-                      <a:endParaRPr lang="ru-RU" sz="1400" dirty="0"/>
-                    </a:p>
-                  </a:txBody>
-                  <a:tcPr/>
-                </a:tc>
-                <a:tc>
-                  <a:txBody>
-                    <a:bodyPr/>
-                    <a:lstStyle/>
-                    <a:p>
-                      <a:pPr marL="342900" indent="-342900">
-                        <a:buAutoNum type="arabicPeriod"/>
-                      </a:pPr>
-                      <a:r>
-                        <a:rPr kumimoji="0" lang="ru-RU" sz="1400" kern="1200" baseline="0" dirty="0" smtClean="0">
-                          <a:solidFill>
-                            <a:schemeClr val="dk1"/>
-                          </a:solidFill>
-                          <a:latin typeface="+mn-lt"/>
-                          <a:ea typeface="+mn-ea"/>
-                          <a:cs typeface="+mn-cs"/>
-                        </a:rPr>
-                        <a:t>А</a:t>
-                      </a:r>
-                      <a:r>
-                        <a:rPr kumimoji="0" lang="ru-RU" sz="1400" kern="1200" dirty="0" smtClean="0">
-                          <a:solidFill>
-                            <a:schemeClr val="dk1"/>
-                          </a:solidFill>
-                          <a:latin typeface="+mn-lt"/>
-                          <a:ea typeface="+mn-ea"/>
-                          <a:cs typeface="+mn-cs"/>
-                        </a:rPr>
-                        <a:t>втоматический пакетный (</a:t>
-                      </a:r>
-                      <a:r>
-                        <a:rPr kumimoji="0" lang="ru-RU" sz="1400" kern="1200" dirty="0" err="1" smtClean="0">
-                          <a:solidFill>
-                            <a:schemeClr val="dk1"/>
-                          </a:solidFill>
-                          <a:latin typeface="+mn-lt"/>
-                          <a:ea typeface="+mn-ea"/>
-                          <a:cs typeface="+mn-cs"/>
-                        </a:rPr>
-                        <a:t>подстрочечный</a:t>
-                      </a:r>
-                      <a:r>
-                        <a:rPr kumimoji="0" lang="ru-RU" sz="1400" kern="1200" dirty="0" smtClean="0">
-                          <a:solidFill>
-                            <a:schemeClr val="dk1"/>
-                          </a:solidFill>
-                          <a:latin typeface="+mn-lt"/>
-                          <a:ea typeface="+mn-ea"/>
-                          <a:cs typeface="+mn-cs"/>
-                        </a:rPr>
-                        <a:t>) </a:t>
-                      </a:r>
-                    </a:p>
-                    <a:p>
-                      <a:pPr marL="342900" marR="0" indent="-342900" algn="l" defTabSz="914400" rtl="0" eaLnBrk="1" fontAlgn="auto" latinLnBrk="0" hangingPunct="1">
-                        <a:lnSpc>
-                          <a:spcPct val="100000"/>
-                        </a:lnSpc>
-                        <a:spcBef>
-                          <a:spcPts val="0"/>
-                        </a:spcBef>
-                        <a:spcAft>
-                          <a:spcPts val="0"/>
-                        </a:spcAft>
-                        <a:buClrTx/>
-                        <a:buSzTx/>
-                        <a:buFontTx/>
-                        <a:buAutoNum type="arabicPeriod"/>
-                        <a:tabLst/>
-                        <a:defRPr/>
-                      </a:pPr>
-                      <a:r>
-                        <a:rPr kumimoji="0" lang="ru-RU" sz="1400" kern="1200" dirty="0" smtClean="0">
-                          <a:solidFill>
-                            <a:schemeClr val="dk1"/>
-                          </a:solidFill>
-                          <a:latin typeface="+mn-lt"/>
-                          <a:ea typeface="+mn-ea"/>
-                          <a:cs typeface="+mn-cs"/>
-                        </a:rPr>
-                        <a:t>Интерактивный (режим "запрос - ответ").</a:t>
-                      </a:r>
-                    </a:p>
-                    <a:p>
-                      <a:pPr marL="342900" indent="-342900">
-                        <a:buNone/>
-                      </a:pPr>
-                      <a:endParaRPr lang="ru-RU" sz="1400" dirty="0"/>
+                      <a:endParaRPr lang="ru-RU" sz="1700" dirty="0"/>
                     </a:p>
                   </a:txBody>
                   <a:tcPr/>
@@ -5244,9 +6700,9 @@
 </file>
 
 <file path=ppt/theme/theme1.xml><?xml version="1.0" encoding="utf-8"?>
-<a:theme xmlns:a="http://schemas.openxmlformats.org/drawingml/2006/main" name="Апекс">
+<a:theme xmlns:a="http://schemas.openxmlformats.org/drawingml/2006/main" name="Солнцестояние">
   <a:themeElements>
-    <a:clrScheme name="Апекс">
+    <a:clrScheme name="Солнцестояние">
       <a:dk1>
         <a:sysClr val="windowText" lastClr="000000"/>
       </a:dk1>
@@ -5254,50 +6710,50 @@
         <a:sysClr val="window" lastClr="FFFFFF"/>
       </a:lt1>
       <a:dk2>
-        <a:srgbClr val="69676D"/>
+        <a:srgbClr val="4F271C"/>
       </a:dk2>
       <a:lt2>
-        <a:srgbClr val="C9C2D1"/>
+        <a:srgbClr val="E7DEC9"/>
       </a:lt2>
       <a:accent1>
-        <a:srgbClr val="CEB966"/>
+        <a:srgbClr val="3891A7"/>
       </a:accent1>
       <a:accent2>
-        <a:srgbClr val="9CB084"/>
+        <a:srgbClr val="FEB80A"/>
       </a:accent2>
       <a:accent3>
-        <a:srgbClr val="6BB1C9"/>
+        <a:srgbClr val="C32D2E"/>
       </a:accent3>
       <a:accent4>
-        <a:srgbClr val="6585CF"/>
+        <a:srgbClr val="84AA33"/>
       </a:accent4>
       <a:accent5>
-        <a:srgbClr val="7E6BC9"/>
+        <a:srgbClr val="964305"/>
       </a:accent5>
       <a:accent6>
-        <a:srgbClr val="A379BB"/>
+        <a:srgbClr val="475A8D"/>
       </a:accent6>
       <a:hlink>
-        <a:srgbClr val="410082"/>
+        <a:srgbClr val="8DC765"/>
       </a:hlink>
       <a:folHlink>
-        <a:srgbClr val="932968"/>
+        <a:srgbClr val="AA8A14"/>
       </a:folHlink>
     </a:clrScheme>
-    <a:fontScheme name="Апекс">
+    <a:fontScheme name="Солнцестояние">
       <a:majorFont>
-        <a:latin typeface="Lucida Sans"/>
+        <a:latin typeface="Gill Sans MT"/>
         <a:ea typeface=""/>
         <a:cs typeface=""/>
-        <a:font script="Grek" typeface="Arial"/>
-        <a:font script="Cyrl" typeface="Arial"/>
-        <a:font script="Jpan" typeface="HG丸ｺﾞｼｯｸM-PRO"/>
-        <a:font script="Hang" typeface="휴먼옛체"/>
-        <a:font script="Hans" typeface="黑体"/>
+        <a:font script="Grek" typeface="Corbel"/>
+        <a:font script="Cyrl" typeface="Corbel"/>
+        <a:font script="Jpan" typeface="HGｺﾞｼｯｸE"/>
+        <a:font script="Hang" typeface="휴먼매직체"/>
+        <a:font script="Hans" typeface="华文中宋"/>
         <a:font script="Hant" typeface="微軟正黑體"/>
-        <a:font script="Arab" typeface="Tahoma"/>
-        <a:font script="Hebr" typeface="Levenim MT"/>
-        <a:font script="Thai" typeface="FreesiaUPC"/>
+        <a:font script="Arab" typeface="Majalla UI"/>
+        <a:font script="Hebr" typeface="Arial"/>
+        <a:font script="Thai" typeface="Cordia New"/>
         <a:font script="Ethi" typeface="Nyala"/>
         <a:font script="Beng" typeface="Vrinda"/>
         <a:font script="Gujr" typeface="Shruti"/>
@@ -5322,22 +6778,22 @@
         <a:font script="Uigh" typeface="Microsoft Uighur"/>
       </a:majorFont>
       <a:minorFont>
-        <a:latin typeface="Book Antiqua"/>
+        <a:latin typeface="Gill Sans MT"/>
         <a:ea typeface=""/>
         <a:cs typeface=""/>
-        <a:font script="Grek" typeface="Times New Roman"/>
-        <a:font script="Cyrl" typeface="Times New Roman"/>
-        <a:font script="Jpan" typeface="HG明朝B"/>
-        <a:font script="Hang" typeface="돋움"/>
-        <a:font script="Hans" typeface="宋体"/>
-        <a:font script="Hant" typeface="新細明體"/>
-        <a:font script="Arab" typeface="Times New Roman"/>
-        <a:font script="Hebr" typeface="David"/>
-        <a:font script="Thai" typeface="EucrosiaUPC"/>
+        <a:font script="Grek" typeface="Corbel"/>
+        <a:font script="Cyrl" typeface="Corbel"/>
+        <a:font script="Jpan" typeface="HGｺﾞｼｯｸE"/>
+        <a:font script="Hang" typeface="HY엽서L"/>
+        <a:font script="Hans" typeface="华文中宋"/>
+        <a:font script="Hant" typeface="微軟正黑體"/>
+        <a:font script="Arab" typeface="Majalla UI"/>
+        <a:font script="Hebr" typeface="Arial"/>
+        <a:font script="Thai" typeface="Cordia New"/>
         <a:font script="Ethi" typeface="Nyala"/>
         <a:font script="Beng" typeface="Vrinda"/>
         <a:font script="Gujr" typeface="Shruti"/>
-        <a:font script="Khmr" typeface="MoolBoran"/>
+        <a:font script="Khmr" typeface="DaunPenh"/>
         <a:font script="Knda" typeface="Tunga"/>
         <a:font script="Guru" typeface="Raavi"/>
         <a:font script="Cans" typeface="Euphemia"/>
@@ -5354,78 +6810,91 @@
         <a:font script="Laoo" typeface="DokChampa"/>
         <a:font script="Sinh" typeface="Iskoola Pota"/>
         <a:font script="Mong" typeface="Mongolian Baiti"/>
-        <a:font script="Viet" typeface="Times New Roman"/>
+        <a:font script="Viet" typeface="Tahoma"/>
         <a:font script="Uigh" typeface="Microsoft Uighur"/>
       </a:minorFont>
     </a:fontScheme>
-    <a:fmtScheme name="Апекс">
+    <a:fmtScheme name="Солнцестояние">
       <a:fillStyleLst>
         <a:solidFill>
           <a:schemeClr val="phClr"/>
         </a:solidFill>
         <a:gradFill rotWithShape="1">
           <a:gsLst>
-            <a:gs pos="20000">
+            <a:gs pos="0">
               <a:schemeClr val="phClr">
-                <a:tint val="9000"/>
+                <a:tint val="35000"/>
+                <a:satMod val="253000"/>
+              </a:schemeClr>
+            </a:gs>
+            <a:gs pos="50000">
+              <a:schemeClr val="phClr">
+                <a:tint val="42000"/>
+                <a:satMod val="255000"/>
+              </a:schemeClr>
+            </a:gs>
+            <a:gs pos="97000">
+              <a:schemeClr val="phClr">
+                <a:tint val="53000"/>
+                <a:satMod val="260000"/>
               </a:schemeClr>
             </a:gs>
             <a:gs pos="100000">
               <a:schemeClr val="phClr">
-                <a:tint val="70000"/>
-                <a:satMod val="100000"/>
+                <a:tint val="56000"/>
+                <a:satMod val="275000"/>
               </a:schemeClr>
             </a:gs>
           </a:gsLst>
           <a:path path="circle">
-            <a:fillToRect l="-15000" t="-15000" r="115000" b="115000"/>
+            <a:fillToRect l="50000" t="50000" r="50000" b="50000"/>
           </a:path>
         </a:gradFill>
         <a:gradFill rotWithShape="1">
           <a:gsLst>
             <a:gs pos="0">
               <a:schemeClr val="phClr">
-                <a:shade val="60000"/>
+                <a:tint val="92000"/>
+                <a:satMod val="170000"/>
               </a:schemeClr>
             </a:gs>
-            <a:gs pos="33000">
+            <a:gs pos="15000">
               <a:schemeClr val="phClr">
-                <a:tint val="86500"/>
+                <a:tint val="92000"/>
+                <a:shade val="99000"/>
+                <a:satMod val="170000"/>
               </a:schemeClr>
             </a:gs>
-            <a:gs pos="46750">
+            <a:gs pos="62000">
               <a:schemeClr val="phClr">
-                <a:tint val="71000"/>
-                <a:satMod val="112000"/>
+                <a:tint val="96000"/>
+                <a:shade val="80000"/>
+                <a:satMod val="170000"/>
               </a:schemeClr>
             </a:gs>
-            <a:gs pos="53000">
+            <a:gs pos="97000">
               <a:schemeClr val="phClr">
-                <a:tint val="71000"/>
-                <a:satMod val="112000"/>
-              </a:schemeClr>
-            </a:gs>
-            <a:gs pos="68000">
-              <a:schemeClr val="phClr">
-                <a:tint val="86000"/>
+                <a:tint val="98000"/>
+                <a:shade val="63000"/>
+                <a:satMod val="170000"/>
               </a:schemeClr>
             </a:gs>
             <a:gs pos="100000">
               <a:schemeClr val="phClr">
-                <a:shade val="60000"/>
+                <a:shade val="62000"/>
+                <a:satMod val="170000"/>
               </a:schemeClr>
             </a:gs>
           </a:gsLst>
-          <a:lin ang="8350000" scaled="1"/>
+          <a:path path="circle">
+            <a:fillToRect l="50000" t="50000" r="50000" b="50000"/>
+          </a:path>
         </a:gradFill>
       </a:fillStyleLst>
       <a:lnStyleLst>
         <a:ln w="9525" cap="flat" cmpd="sng" algn="ctr">
           <a:solidFill>
-            <a:schemeClr val="phClr">
-              <a:shade val="48000"/>
-              <a:satMod val="110000"/>
-            </a:schemeClr>
+            <a:schemeClr val="phClr"/>
           </a:solidFill>
           <a:prstDash val="solid"/>
         </a:ln>
@@ -5435,7 +6904,7 @@
           </a:solidFill>
           <a:prstDash val="solid"/>
         </a:ln>
-        <a:ln w="38100" cap="flat" cmpd="sng" algn="ctr">
+        <a:ln w="25400" cap="flat" cmpd="sng" algn="ctr">
           <a:solidFill>
             <a:schemeClr val="phClr"/>
           </a:solidFill>
@@ -5445,27 +6914,18 @@
       <a:effectStyleLst>
         <a:effectStyle>
           <a:effectLst>
-            <a:outerShdw blurRad="130000" dist="101600" dir="2700000" algn="tl" rotWithShape="0">
+            <a:outerShdw blurRad="63500" dist="25400" dir="5400000" rotWithShape="0">
               <a:srgbClr val="000000">
-                <a:alpha val="35000"/>
+                <a:alpha val="43137"/>
               </a:srgbClr>
             </a:outerShdw>
           </a:effectLst>
         </a:effectStyle>
         <a:effectStyle>
           <a:effectLst>
-            <a:outerShdw blurRad="190500" dist="228600" dir="2700000" sy="90000" rotWithShape="0">
+            <a:outerShdw blurRad="63500" dist="25400" dir="5400000" rotWithShape="0">
               <a:srgbClr val="000000">
-                <a:alpha val="25500"/>
-              </a:srgbClr>
-            </a:outerShdw>
-          </a:effectLst>
-        </a:effectStyle>
-        <a:effectStyle>
-          <a:effectLst>
-            <a:outerShdw blurRad="190500" dist="228600" dir="2700000" sy="90000" rotWithShape="0">
-              <a:srgbClr val="000000">
-                <a:alpha val="25500"/>
+                <a:alpha val="43137"/>
               </a:srgbClr>
             </a:outerShdw>
           </a:effectLst>
@@ -5473,12 +6933,40 @@
             <a:camera prst="orthographicFront" fov="0">
               <a:rot lat="0" lon="0" rev="0"/>
             </a:camera>
-            <a:lightRig rig="soft" dir="tl">
-              <a:rot lat="0" lon="0" rev="20100000"/>
+            <a:lightRig rig="brightRoom" dir="tl">
+              <a:rot lat="0" lon="0" rev="8700000"/>
             </a:lightRig>
           </a:scene3d>
-          <a:sp3d>
-            <a:bevelT w="50800" h="50800"/>
+          <a:sp3d contourW="12700">
+            <a:bevelT w="0" h="0"/>
+            <a:contourClr>
+              <a:schemeClr val="phClr">
+                <a:shade val="80000"/>
+              </a:schemeClr>
+            </a:contourClr>
+          </a:sp3d>
+        </a:effectStyle>
+        <a:effectStyle>
+          <a:effectLst>
+            <a:outerShdw blurRad="63500" dist="25400" dir="5400000" rotWithShape="0">
+              <a:srgbClr val="000000">
+                <a:alpha val="43137"/>
+              </a:srgbClr>
+            </a:outerShdw>
+          </a:effectLst>
+          <a:scene3d>
+            <a:camera prst="orthographicFront" fov="0">
+              <a:rot lat="0" lon="0" rev="0"/>
+            </a:camera>
+            <a:lightRig rig="brightRoom" dir="tl">
+              <a:rot lat="0" lon="0" rev="5400000"/>
+            </a:lightRig>
+          </a:scene3d>
+          <a:sp3d contourW="12700">
+            <a:bevelT w="25400" h="50800" prst="angle"/>
+            <a:contourClr>
+              <a:schemeClr val="phClr"/>
+            </a:contourClr>
           </a:sp3d>
         </a:effectStyle>
       </a:effectStyleLst>
@@ -5490,37 +6978,41 @@
           <a:gsLst>
             <a:gs pos="0">
               <a:schemeClr val="phClr">
-                <a:tint val="50000"/>
-                <a:satMod val="180000"/>
+                <a:tint val="60000"/>
+                <a:satMod val="355000"/>
+              </a:schemeClr>
+            </a:gs>
+            <a:gs pos="40000">
+              <a:schemeClr val="phClr">
+                <a:tint val="85000"/>
+                <a:satMod val="320000"/>
               </a:schemeClr>
             </a:gs>
             <a:gs pos="100000">
               <a:schemeClr val="phClr">
-                <a:shade val="45000"/>
-                <a:satMod val="120000"/>
+                <a:shade val="55000"/>
+                <a:satMod val="300000"/>
               </a:schemeClr>
             </a:gs>
           </a:gsLst>
           <a:path path="circle">
-            <a:fillToRect r="100000" b="100000"/>
+            <a:fillToRect l="-24500" t="-20000" r="124500" b="120000"/>
           </a:path>
         </a:gradFill>
         <a:blipFill>
           <a:blip xmlns:r="http://schemas.openxmlformats.org/officeDocument/2006/relationships" r:embed="rId1">
             <a:duotone>
               <a:schemeClr val="phClr">
-                <a:shade val="3000"/>
-                <a:satMod val="110000"/>
+                <a:shade val="9000"/>
+                <a:satMod val="300000"/>
               </a:schemeClr>
               <a:schemeClr val="phClr">
-                <a:tint val="60000"/>
-                <a:satMod val="425000"/>
+                <a:tint val="90000"/>
+                <a:satMod val="225000"/>
               </a:schemeClr>
             </a:duotone>
           </a:blip>
-          <a:stretch>
-            <a:fillRect/>
-          </a:stretch>
+          <a:tile tx="0" ty="0" sx="90000" sy="90000" flip="xy" algn="tl"/>
         </a:blipFill>
       </a:bgFillStyleLst>
     </a:fmtScheme>

--- a/Курсовая Машинный перевод.pptx
+++ b/Курсовая Машинный перевод.pptx
@@ -2,7 +2,7 @@
 <file path=ppt/presentation.xml><?xml version="1.0" encoding="utf-8"?>
 <p:presentation xmlns:a="http://schemas.openxmlformats.org/drawingml/2006/main" xmlns:r="http://schemas.openxmlformats.org/officeDocument/2006/relationships" xmlns:p="http://schemas.openxmlformats.org/presentationml/2006/main" saveSubsetFonts="1">
   <p:sldMasterIdLst>
-    <p:sldMasterId id="2147483864" r:id="rId1"/>
+    <p:sldMasterId id="2147483924" r:id="rId1"/>
   </p:sldMasterIdLst>
   <p:sldIdLst>
     <p:sldId id="256" r:id="rId2"/>
@@ -120,8 +120,13 @@
 </file>
 
 <file path=ppt/slideLayouts/slideLayout1.xml><?xml version="1.0" encoding="utf-8"?>
-<p:sldLayout xmlns:a="http://schemas.openxmlformats.org/drawingml/2006/main" xmlns:r="http://schemas.openxmlformats.org/officeDocument/2006/relationships" xmlns:p="http://schemas.openxmlformats.org/presentationml/2006/main" type="title" preserve="1">
+<p:sldLayout xmlns:a="http://schemas.openxmlformats.org/drawingml/2006/main" xmlns:r="http://schemas.openxmlformats.org/officeDocument/2006/relationships" xmlns:p="http://schemas.openxmlformats.org/presentationml/2006/main" showMasterSp="0" type="title" preserve="1">
   <p:cSld name="Титульный слайд">
+    <p:bg>
+      <p:bgRef idx="1003">
+        <a:schemeClr val="bg1"/>
+      </p:bgRef>
+    </p:bg>
     <p:spTree>
       <p:nvGrpSpPr>
         <p:cNvPr id="1" name=""/>
@@ -138,64 +143,122 @@
       </p:grpSpPr>
       <p:sp>
         <p:nvSpPr>
-          <p:cNvPr id="14" name="Заголовок 13"/>
-          <p:cNvSpPr>
-            <a:spLocks noGrp="1"/>
-          </p:cNvSpPr>
-          <p:nvPr>
-            <p:ph type="ctrTitle"/>
-          </p:nvPr>
+          <p:cNvPr id="12" name="Прямоугольник 11"/>
+          <p:cNvSpPr/>
+          <p:nvPr/>
         </p:nvSpPr>
         <p:spPr>
           <a:xfrm>
-            <a:off x="1432560" y="359898"/>
-            <a:ext cx="7406640" cy="1472184"/>
-          </a:xfrm>
-        </p:spPr>
-        <p:txBody>
-          <a:bodyPr anchor="b"/>
+            <a:off x="0" y="0"/>
+            <a:ext cx="9144000" cy="6858000"/>
+          </a:xfrm>
+          <a:prstGeom prst="rect">
+            <a:avLst/>
+          </a:prstGeom>
+          <a:solidFill>
+            <a:srgbClr val="FFFFFF"/>
+          </a:solidFill>
+          <a:ln w="12700" cap="flat" cmpd="sng" algn="ctr">
+            <a:noFill/>
+            <a:prstDash val="solid"/>
+          </a:ln>
+        </p:spPr>
+        <p:style>
+          <a:lnRef idx="2">
+            <a:schemeClr val="accent1"/>
+          </a:lnRef>
+          <a:fillRef idx="1">
+            <a:schemeClr val="accent1"/>
+          </a:fillRef>
+          <a:effectRef idx="0">
+            <a:schemeClr val="accent1"/>
+          </a:effectRef>
+          <a:fontRef idx="minor">
+            <a:schemeClr val="lt1"/>
+          </a:fontRef>
+        </p:style>
+        <p:txBody>
+          <a:bodyPr rtlCol="0" anchor="ctr"/>
+          <a:lstStyle/>
+          <a:p>
+            <a:pPr algn="ctr" eaLnBrk="1" latinLnBrk="0" hangingPunct="1"/>
+            <a:endParaRPr kumimoji="0" lang="en-US"/>
+          </a:p>
+        </p:txBody>
+      </p:sp>
+      <p:sp useBgFill="1">
+        <p:nvSpPr>
+          <p:cNvPr id="13" name="Скругленный прямоугольник 12"/>
+          <p:cNvSpPr/>
+          <p:nvPr/>
+        </p:nvSpPr>
+        <p:spPr>
+          <a:xfrm>
+            <a:off x="65313" y="69755"/>
+            <a:ext cx="9013372" cy="6692201"/>
+          </a:xfrm>
+          <a:prstGeom prst="roundRect">
+            <a:avLst>
+              <a:gd name="adj" fmla="val 4929"/>
+            </a:avLst>
+          </a:prstGeom>
+          <a:ln w="6350" cap="sq" cmpd="sng" algn="ctr">
+            <a:solidFill>
+              <a:schemeClr val="tx1">
+                <a:alpha val="100000"/>
+              </a:schemeClr>
+            </a:solidFill>
+            <a:prstDash val="solid"/>
+          </a:ln>
+          <a:effectLst/>
+        </p:spPr>
+        <p:style>
+          <a:lnRef idx="3">
+            <a:schemeClr val="lt1"/>
+          </a:lnRef>
+          <a:fillRef idx="1001">
+            <a:schemeClr val="lt1"/>
+          </a:fillRef>
+          <a:effectRef idx="1">
+            <a:schemeClr val="accent1"/>
+          </a:effectRef>
+          <a:fontRef idx="minor">
+            <a:schemeClr val="lt1"/>
+          </a:fontRef>
+        </p:style>
+        <p:txBody>
+          <a:bodyPr anchor="ctr"/>
+          <a:lstStyle/>
+          <a:p>
+            <a:pPr algn="ctr" eaLnBrk="1" latinLnBrk="0" hangingPunct="1"/>
+            <a:endParaRPr kumimoji="0" lang="en-US"/>
+          </a:p>
+        </p:txBody>
+      </p:sp>
+      <p:sp>
+        <p:nvSpPr>
+          <p:cNvPr id="9" name="Подзаголовок 8"/>
+          <p:cNvSpPr>
+            <a:spLocks noGrp="1"/>
+          </p:cNvSpPr>
+          <p:nvPr>
+            <p:ph type="subTitle" idx="1"/>
+          </p:nvPr>
+        </p:nvSpPr>
+        <p:spPr>
+          <a:xfrm>
+            <a:off x="1295400" y="3200400"/>
+            <a:ext cx="6400800" cy="1600200"/>
+          </a:xfrm>
+        </p:spPr>
+        <p:txBody>
+          <a:bodyPr/>
           <a:lstStyle>
-            <a:lvl1pPr algn="l">
-              <a:defRPr/>
-            </a:lvl1pPr>
-            <a:extLst/>
-          </a:lstStyle>
-          <a:p>
-            <a:r>
-              <a:rPr kumimoji="0" lang="ru-RU" smtClean="0"/>
-              <a:t>Образец заголовка</a:t>
-            </a:r>
-            <a:endParaRPr kumimoji="0" lang="en-US"/>
-          </a:p>
-        </p:txBody>
-      </p:sp>
-      <p:sp>
-        <p:nvSpPr>
-          <p:cNvPr id="22" name="Подзаголовок 21"/>
-          <p:cNvSpPr>
-            <a:spLocks noGrp="1"/>
-          </p:cNvSpPr>
-          <p:nvPr>
-            <p:ph type="subTitle" idx="1"/>
-          </p:nvPr>
-        </p:nvSpPr>
-        <p:spPr>
-          <a:xfrm>
-            <a:off x="1432560" y="1850064"/>
-            <a:ext cx="7406640" cy="1752600"/>
-          </a:xfrm>
-        </p:spPr>
-        <p:txBody>
-          <a:bodyPr tIns="0"/>
-          <a:lstStyle>
-            <a:lvl1pPr marL="27432" indent="0" algn="l">
+            <a:lvl1pPr marL="0" indent="0" algn="ctr">
               <a:buNone/>
               <a:defRPr sz="2600">
                 <a:solidFill>
-                  <a:schemeClr val="tx2">
-                    <a:shade val="30000"/>
-                    <a:satMod val="150000"/>
-                  </a:schemeClr>
+                  <a:schemeClr val="tx2"/>
                 </a:solidFill>
               </a:defRPr>
             </a:lvl1pPr>
@@ -223,7 +286,6 @@
             <a:lvl9pPr marL="3657600" indent="0" algn="ctr">
               <a:buNone/>
             </a:lvl9pPr>
-            <a:extLst/>
           </a:lstStyle>
           <a:p>
             <a:r>
@@ -236,7 +298,7 @@
       </p:sp>
       <p:sp>
         <p:nvSpPr>
-          <p:cNvPr id="7" name="Дата 6"/>
+          <p:cNvPr id="28" name="Дата 27"/>
           <p:cNvSpPr>
             <a:spLocks noGrp="1"/>
           </p:cNvSpPr>
@@ -247,14 +309,12 @@
         <p:spPr/>
         <p:txBody>
           <a:bodyPr/>
-          <a:lstStyle>
-            <a:extLst/>
-          </a:lstStyle>
+          <a:lstStyle/>
           <a:p>
             <a:fld id="{7EAF463A-BC7C-46EE-9F1E-7F377CCA4891}" type="datetimeFigureOut">
               <a:rPr lang="en-US" smtClean="0"/>
               <a:pPr/>
-              <a:t>1/30/2019</a:t>
+              <a:t>1/31/2019</a:t>
             </a:fld>
             <a:endParaRPr lang="en-US"/>
           </a:p>
@@ -262,7 +322,7 @@
       </p:sp>
       <p:sp>
         <p:nvSpPr>
-          <p:cNvPr id="20" name="Нижний колонтитул 19"/>
+          <p:cNvPr id="17" name="Нижний колонтитул 16"/>
           <p:cNvSpPr>
             <a:spLocks noGrp="1"/>
           </p:cNvSpPr>
@@ -273,29 +333,35 @@
         <p:spPr/>
         <p:txBody>
           <a:bodyPr/>
+          <a:lstStyle/>
+          <a:p>
+            <a:endParaRPr lang="en-US"/>
+          </a:p>
+        </p:txBody>
+      </p:sp>
+      <p:sp>
+        <p:nvSpPr>
+          <p:cNvPr id="29" name="Номер слайда 28"/>
+          <p:cNvSpPr>
+            <a:spLocks noGrp="1"/>
+          </p:cNvSpPr>
+          <p:nvPr>
+            <p:ph type="sldNum" sz="quarter" idx="12"/>
+          </p:nvPr>
+        </p:nvSpPr>
+        <p:spPr/>
+        <p:txBody>
+          <a:bodyPr lIns="0" tIns="0" rIns="0" bIns="0">
+            <a:noAutofit/>
+          </a:bodyPr>
           <a:lstStyle>
-            <a:extLst/>
-          </a:lstStyle>
-          <a:p>
-            <a:endParaRPr lang="en-US"/>
-          </a:p>
-        </p:txBody>
-      </p:sp>
-      <p:sp>
-        <p:nvSpPr>
-          <p:cNvPr id="10" name="Номер слайда 9"/>
-          <p:cNvSpPr>
-            <a:spLocks noGrp="1"/>
-          </p:cNvSpPr>
-          <p:nvPr>
-            <p:ph type="sldNum" sz="quarter" idx="12"/>
-          </p:nvPr>
-        </p:nvSpPr>
-        <p:spPr/>
-        <p:txBody>
-          <a:bodyPr/>
-          <a:lstStyle>
-            <a:extLst/>
+            <a:lvl1pPr>
+              <a:defRPr sz="1400">
+                <a:solidFill>
+                  <a:srgbClr val="FFFFFF"/>
+                </a:solidFill>
+              </a:defRPr>
+            </a:lvl1pPr>
           </a:lstStyle>
           <a:p>
             <a:fld id="{A483448D-3A78-4528-A469-B745A65DA480}" type="slidenum">
@@ -309,85 +375,46 @@
       </p:sp>
       <p:sp>
         <p:nvSpPr>
-          <p:cNvPr id="8" name="Овал 7"/>
+          <p:cNvPr id="7" name="Прямоугольник 6"/>
           <p:cNvSpPr/>
           <p:nvPr/>
         </p:nvSpPr>
         <p:spPr>
           <a:xfrm>
-            <a:off x="921433" y="1413802"/>
-            <a:ext cx="210312" cy="210312"/>
-          </a:xfrm>
-          <a:prstGeom prst="ellipse">
+            <a:off x="62931" y="1449303"/>
+            <a:ext cx="9021537" cy="1527349"/>
+          </a:xfrm>
+          <a:prstGeom prst="rect">
             <a:avLst/>
           </a:prstGeom>
-          <a:gradFill rotWithShape="1">
-            <a:gsLst>
-              <a:gs pos="0">
-                <a:schemeClr val="accent1">
-                  <a:tint val="20000"/>
-                  <a:satMod val="450000"/>
-                  <a:alpha val="95000"/>
-                </a:schemeClr>
-              </a:gs>
-              <a:gs pos="50000">
-                <a:schemeClr val="accent1">
-                  <a:tint val="38000"/>
-                  <a:satMod val="250000"/>
-                  <a:alpha val="90000"/>
-                </a:schemeClr>
-              </a:gs>
-              <a:gs pos="95000">
-                <a:schemeClr val="accent1">
-                  <a:tint val="75000"/>
-                  <a:satMod val="255000"/>
-                  <a:alpha val="88000"/>
-                </a:schemeClr>
-              </a:gs>
-              <a:gs pos="100000">
-                <a:schemeClr val="accent1">
-                  <a:tint val="100000"/>
-                  <a:shade val="90000"/>
-                  <a:satMod val="255000"/>
-                  <a:alpha val="85000"/>
-                </a:schemeClr>
-              </a:gs>
-            </a:gsLst>
-            <a:path path="circle">
-              <a:fillToRect l="25000" t="12500" r="75000" b="87500"/>
-            </a:path>
-          </a:gradFill>
-          <a:ln w="2000" cap="rnd" cmpd="sng" algn="ctr">
-            <a:solidFill>
-              <a:schemeClr val="accent1">
-                <a:shade val="90000"/>
-                <a:satMod val="110000"/>
-                <a:alpha val="60000"/>
-              </a:schemeClr>
-            </a:solidFill>
+          <a:solidFill>
+            <a:schemeClr val="accent1">
+              <a:alpha val="100000"/>
+            </a:schemeClr>
+          </a:solidFill>
+          <a:ln w="19050" cap="sq" cmpd="sng" algn="ctr">
+            <a:noFill/>
             <a:prstDash val="solid"/>
           </a:ln>
           <a:effectLst/>
         </p:spPr>
         <p:style>
-          <a:lnRef idx="1">
-            <a:schemeClr val="accent1"/>
+          <a:lnRef idx="3">
+            <a:schemeClr val="lt1"/>
           </a:lnRef>
-          <a:fillRef idx="2">
+          <a:fillRef idx="1">
             <a:schemeClr val="accent1"/>
           </a:fillRef>
           <a:effectRef idx="1">
             <a:schemeClr val="accent1"/>
           </a:effectRef>
           <a:fontRef idx="minor">
-            <a:schemeClr val="dk1"/>
+            <a:schemeClr val="lt1"/>
           </a:fontRef>
         </p:style>
         <p:txBody>
           <a:bodyPr anchor="ctr"/>
-          <a:lstStyle>
-            <a:extLst/>
-          </a:lstStyle>
+          <a:lstStyle/>
           <a:p>
             <a:pPr algn="ctr" eaLnBrk="1" latinLnBrk="0" hangingPunct="1"/>
             <a:endParaRPr kumimoji="0" lang="en-US"/>
@@ -396,51 +423,130 @@
       </p:sp>
       <p:sp>
         <p:nvSpPr>
-          <p:cNvPr id="9" name="Овал 8"/>
+          <p:cNvPr id="10" name="Прямоугольник 9"/>
           <p:cNvSpPr/>
           <p:nvPr/>
         </p:nvSpPr>
         <p:spPr>
           <a:xfrm>
-            <a:off x="1157176" y="1345016"/>
-            <a:ext cx="64008" cy="64008"/>
-          </a:xfrm>
-          <a:prstGeom prst="ellipse">
+            <a:off x="62931" y="1396720"/>
+            <a:ext cx="9021537" cy="120580"/>
+          </a:xfrm>
+          <a:prstGeom prst="rect">
             <a:avLst/>
           </a:prstGeom>
-          <a:noFill/>
-          <a:ln w="12700" cap="rnd" cmpd="sng" algn="ctr">
-            <a:solidFill>
-              <a:schemeClr val="accent1">
-                <a:shade val="75000"/>
-                <a:alpha val="60000"/>
-              </a:schemeClr>
-            </a:solidFill>
+          <a:solidFill>
+            <a:schemeClr val="accent1">
+              <a:tint val="60000"/>
+            </a:schemeClr>
+          </a:solidFill>
+          <a:ln w="19050" cap="sq" cmpd="sng" algn="ctr">
+            <a:noFill/>
             <a:prstDash val="solid"/>
           </a:ln>
           <a:effectLst/>
         </p:spPr>
         <p:style>
-          <a:lnRef idx="1">
-            <a:schemeClr val="accent1"/>
+          <a:lnRef idx="3">
+            <a:schemeClr val="lt1"/>
           </a:lnRef>
-          <a:fillRef idx="2">
+          <a:fillRef idx="1">
             <a:schemeClr val="accent1"/>
           </a:fillRef>
           <a:effectRef idx="1">
             <a:schemeClr val="accent1"/>
           </a:effectRef>
           <a:fontRef idx="minor">
-            <a:schemeClr val="dk1"/>
+            <a:schemeClr val="lt1"/>
           </a:fontRef>
         </p:style>
         <p:txBody>
           <a:bodyPr anchor="ctr"/>
+          <a:lstStyle/>
+          <a:p>
+            <a:pPr algn="ctr" eaLnBrk="1" latinLnBrk="0" hangingPunct="1"/>
+            <a:endParaRPr kumimoji="0" lang="en-US"/>
+          </a:p>
+        </p:txBody>
+      </p:sp>
+      <p:sp>
+        <p:nvSpPr>
+          <p:cNvPr id="11" name="Прямоугольник 10"/>
+          <p:cNvSpPr/>
+          <p:nvPr/>
+        </p:nvSpPr>
+        <p:spPr>
+          <a:xfrm>
+            <a:off x="62931" y="2976649"/>
+            <a:ext cx="9021537" cy="110532"/>
+          </a:xfrm>
+          <a:prstGeom prst="rect">
+            <a:avLst/>
+          </a:prstGeom>
+          <a:solidFill>
+            <a:schemeClr val="accent5"/>
+          </a:solidFill>
+          <a:ln w="19050" cap="sq" cmpd="sng" algn="ctr">
+            <a:noFill/>
+            <a:prstDash val="solid"/>
+          </a:ln>
+          <a:effectLst/>
+        </p:spPr>
+        <p:style>
+          <a:lnRef idx="3">
+            <a:schemeClr val="lt1"/>
+          </a:lnRef>
+          <a:fillRef idx="1">
+            <a:schemeClr val="accent1"/>
+          </a:fillRef>
+          <a:effectRef idx="1">
+            <a:schemeClr val="accent1"/>
+          </a:effectRef>
+          <a:fontRef idx="minor">
+            <a:schemeClr val="lt1"/>
+          </a:fontRef>
+        </p:style>
+        <p:txBody>
+          <a:bodyPr anchor="ctr"/>
+          <a:lstStyle/>
+          <a:p>
+            <a:pPr algn="ctr" eaLnBrk="1" latinLnBrk="0" hangingPunct="1"/>
+            <a:endParaRPr kumimoji="0" lang="en-US"/>
+          </a:p>
+        </p:txBody>
+      </p:sp>
+      <p:sp>
+        <p:nvSpPr>
+          <p:cNvPr id="8" name="Заголовок 7"/>
+          <p:cNvSpPr>
+            <a:spLocks noGrp="1"/>
+          </p:cNvSpPr>
+          <p:nvPr>
+            <p:ph type="ctrTitle"/>
+          </p:nvPr>
+        </p:nvSpPr>
+        <p:spPr>
+          <a:xfrm>
+            <a:off x="457200" y="1505930"/>
+            <a:ext cx="8229600" cy="1470025"/>
+          </a:xfrm>
+        </p:spPr>
+        <p:txBody>
+          <a:bodyPr anchor="ctr"/>
           <a:lstStyle>
-            <a:extLst/>
+            <a:lvl1pPr algn="ctr">
+              <a:defRPr lang="en-US" dirty="0">
+                <a:solidFill>
+                  <a:srgbClr val="FFFFFF"/>
+                </a:solidFill>
+              </a:defRPr>
+            </a:lvl1pPr>
           </a:lstStyle>
           <a:p>
-            <a:pPr algn="ctr" eaLnBrk="1" latinLnBrk="0" hangingPunct="1"/>
+            <a:r>
+              <a:rPr kumimoji="0" lang="ru-RU" smtClean="0"/>
+              <a:t>Образец заголовка</a:t>
+            </a:r>
             <a:endParaRPr kumimoji="0" lang="en-US"/>
           </a:p>
         </p:txBody>
@@ -448,7 +554,7 @@
     </p:spTree>
   </p:cSld>
   <p:clrMapOvr>
-    <a:masterClrMapping/>
+    <a:overrideClrMapping bg1="lt1" tx1="dk1" bg2="lt2" tx2="dk2" accent1="accent1" accent2="accent2" accent3="accent3" accent4="accent4" accent5="accent5" accent6="accent6" hlink="hlink" folHlink="folHlink"/>
   </p:clrMapOvr>
 </p:sldLayout>
 </file>
@@ -483,9 +589,7 @@
         <p:spPr/>
         <p:txBody>
           <a:bodyPr/>
-          <a:lstStyle>
-            <a:extLst/>
-          </a:lstStyle>
+          <a:lstStyle/>
           <a:p>
             <a:r>
               <a:rPr kumimoji="0" lang="ru-RU" smtClean="0"/>
@@ -508,9 +612,7 @@
         <p:spPr/>
         <p:txBody>
           <a:bodyPr vert="eaVert"/>
-          <a:lstStyle>
-            <a:extLst/>
-          </a:lstStyle>
+          <a:lstStyle/>
           <a:p>
             <a:pPr lvl="0" eaLnBrk="1" latinLnBrk="0" hangingPunct="1"/>
             <a:r>
@@ -562,14 +664,12 @@
         <p:spPr/>
         <p:txBody>
           <a:bodyPr/>
-          <a:lstStyle>
-            <a:extLst/>
-          </a:lstStyle>
+          <a:lstStyle/>
           <a:p>
             <a:fld id="{7EAF463A-BC7C-46EE-9F1E-7F377CCA4891}" type="datetimeFigureOut">
               <a:rPr lang="en-US" smtClean="0"/>
               <a:pPr/>
-              <a:t>1/30/2019</a:t>
+              <a:t>1/31/2019</a:t>
             </a:fld>
             <a:endParaRPr lang="en-US"/>
           </a:p>
@@ -588,9 +688,7 @@
         <p:spPr/>
         <p:txBody>
           <a:bodyPr/>
-          <a:lstStyle>
-            <a:extLst/>
-          </a:lstStyle>
+          <a:lstStyle/>
           <a:p>
             <a:endParaRPr lang="en-US"/>
           </a:p>
@@ -609,9 +707,7 @@
         <p:spPr/>
         <p:txBody>
           <a:bodyPr/>
-          <a:lstStyle>
-            <a:extLst/>
-          </a:lstStyle>
+          <a:lstStyle/>
           <a:p>
             <a:fld id="{A483448D-3A78-4528-A469-B745A65DA480}" type="slidenum">
               <a:rPr lang="en-US" smtClean="0"/>
@@ -659,15 +755,13 @@
         </p:nvSpPr>
         <p:spPr>
           <a:xfrm>
-            <a:off x="6858000" y="274639"/>
-            <a:ext cx="1828800" cy="5851525"/>
+            <a:off x="6629400" y="274641"/>
+            <a:ext cx="2011680" cy="5851525"/>
           </a:xfrm>
         </p:spPr>
         <p:txBody>
           <a:bodyPr vert="eaVert"/>
-          <a:lstStyle>
-            <a:extLst/>
-          </a:lstStyle>
+          <a:lstStyle/>
           <a:p>
             <a:r>
               <a:rPr kumimoji="0" lang="ru-RU" smtClean="0"/>
@@ -689,15 +783,13 @@
         </p:nvSpPr>
         <p:spPr>
           <a:xfrm>
-            <a:off x="1143000" y="274640"/>
+            <a:off x="914400" y="274640"/>
             <a:ext cx="5562600" cy="5851525"/>
           </a:xfrm>
         </p:spPr>
         <p:txBody>
           <a:bodyPr vert="eaVert"/>
-          <a:lstStyle>
-            <a:extLst/>
-          </a:lstStyle>
+          <a:lstStyle/>
           <a:p>
             <a:pPr lvl="0" eaLnBrk="1" latinLnBrk="0" hangingPunct="1"/>
             <a:r>
@@ -749,14 +841,12 @@
         <p:spPr/>
         <p:txBody>
           <a:bodyPr/>
-          <a:lstStyle>
-            <a:extLst/>
-          </a:lstStyle>
+          <a:lstStyle/>
           <a:p>
             <a:fld id="{7EAF463A-BC7C-46EE-9F1E-7F377CCA4891}" type="datetimeFigureOut">
               <a:rPr lang="en-US" smtClean="0"/>
               <a:pPr/>
-              <a:t>1/30/2019</a:t>
+              <a:t>1/31/2019</a:t>
             </a:fld>
             <a:endParaRPr lang="en-US"/>
           </a:p>
@@ -775,9 +865,7 @@
         <p:spPr/>
         <p:txBody>
           <a:bodyPr/>
-          <a:lstStyle>
-            <a:extLst/>
-          </a:lstStyle>
+          <a:lstStyle/>
           <a:p>
             <a:endParaRPr lang="en-US"/>
           </a:p>
@@ -796,9 +884,7 @@
         <p:spPr/>
         <p:txBody>
           <a:bodyPr/>
-          <a:lstStyle>
-            <a:extLst/>
-          </a:lstStyle>
+          <a:lstStyle/>
           <a:p>
             <a:fld id="{A483448D-3A78-4528-A469-B745A65DA480}" type="slidenum">
               <a:rPr lang="en-US" smtClean="0"/>
@@ -847,9 +933,7 @@
         <p:spPr/>
         <p:txBody>
           <a:bodyPr/>
-          <a:lstStyle>
-            <a:extLst/>
-          </a:lstStyle>
+          <a:lstStyle/>
           <a:p>
             <a:r>
               <a:rPr kumimoji="0" lang="ru-RU" smtClean="0"/>
@@ -861,79 +945,23 @@
       </p:sp>
       <p:sp>
         <p:nvSpPr>
-          <p:cNvPr id="3" name="Содержимое 2"/>
-          <p:cNvSpPr>
-            <a:spLocks noGrp="1"/>
-          </p:cNvSpPr>
-          <p:nvPr>
-            <p:ph idx="1"/>
+          <p:cNvPr id="4" name="Дата 3"/>
+          <p:cNvSpPr>
+            <a:spLocks noGrp="1"/>
+          </p:cNvSpPr>
+          <p:nvPr>
+            <p:ph type="dt" sz="half" idx="10"/>
           </p:nvPr>
         </p:nvSpPr>
         <p:spPr/>
         <p:txBody>
           <a:bodyPr/>
-          <a:lstStyle>
-            <a:extLst/>
-          </a:lstStyle>
-          <a:p>
-            <a:pPr lvl="0" eaLnBrk="1" latinLnBrk="0" hangingPunct="1"/>
-            <a:r>
-              <a:rPr lang="ru-RU" smtClean="0"/>
-              <a:t>Образец текста</a:t>
-            </a:r>
-          </a:p>
-          <a:p>
-            <a:pPr lvl="1" eaLnBrk="1" latinLnBrk="0" hangingPunct="1"/>
-            <a:r>
-              <a:rPr lang="ru-RU" smtClean="0"/>
-              <a:t>Второй уровень</a:t>
-            </a:r>
-          </a:p>
-          <a:p>
-            <a:pPr lvl="2" eaLnBrk="1" latinLnBrk="0" hangingPunct="1"/>
-            <a:r>
-              <a:rPr lang="ru-RU" smtClean="0"/>
-              <a:t>Третий уровень</a:t>
-            </a:r>
-          </a:p>
-          <a:p>
-            <a:pPr lvl="3" eaLnBrk="1" latinLnBrk="0" hangingPunct="1"/>
-            <a:r>
-              <a:rPr lang="ru-RU" smtClean="0"/>
-              <a:t>Четвертый уровень</a:t>
-            </a:r>
-          </a:p>
-          <a:p>
-            <a:pPr lvl="4" eaLnBrk="1" latinLnBrk="0" hangingPunct="1"/>
-            <a:r>
-              <a:rPr lang="ru-RU" smtClean="0"/>
-              <a:t>Пятый уровень</a:t>
-            </a:r>
-            <a:endParaRPr kumimoji="0" lang="en-US"/>
-          </a:p>
-        </p:txBody>
-      </p:sp>
-      <p:sp>
-        <p:nvSpPr>
-          <p:cNvPr id="4" name="Дата 3"/>
-          <p:cNvSpPr>
-            <a:spLocks noGrp="1"/>
-          </p:cNvSpPr>
-          <p:nvPr>
-            <p:ph type="dt" sz="half" idx="10"/>
-          </p:nvPr>
-        </p:nvSpPr>
-        <p:spPr/>
-        <p:txBody>
-          <a:bodyPr/>
-          <a:lstStyle>
-            <a:extLst/>
-          </a:lstStyle>
+          <a:lstStyle/>
           <a:p>
             <a:fld id="{7EAF463A-BC7C-46EE-9F1E-7F377CCA4891}" type="datetimeFigureOut">
               <a:rPr lang="en-US" smtClean="0"/>
               <a:pPr/>
-              <a:t>1/30/2019</a:t>
+              <a:t>1/31/2019</a:t>
             </a:fld>
             <a:endParaRPr lang="en-US"/>
           </a:p>
@@ -952,9 +980,7 @@
         <p:spPr/>
         <p:txBody>
           <a:bodyPr/>
-          <a:lstStyle>
-            <a:extLst/>
-          </a:lstStyle>
+          <a:lstStyle/>
           <a:p>
             <a:endParaRPr lang="en-US"/>
           </a:p>
@@ -973,9 +999,7 @@
         <p:spPr/>
         <p:txBody>
           <a:bodyPr/>
-          <a:lstStyle>
-            <a:extLst/>
-          </a:lstStyle>
+          <a:lstStyle/>
           <a:p>
             <a:fld id="{A483448D-3A78-4528-A469-B745A65DA480}" type="slidenum">
               <a:rPr lang="en-US" smtClean="0"/>
@@ -983,6 +1007,63 @@
               <a:t>‹#›</a:t>
             </a:fld>
             <a:endParaRPr lang="en-US"/>
+          </a:p>
+        </p:txBody>
+      </p:sp>
+      <p:sp>
+        <p:nvSpPr>
+          <p:cNvPr id="8" name="Содержимое 7"/>
+          <p:cNvSpPr>
+            <a:spLocks noGrp="1"/>
+          </p:cNvSpPr>
+          <p:nvPr>
+            <p:ph sz="quarter" idx="1"/>
+          </p:nvPr>
+        </p:nvSpPr>
+        <p:spPr>
+          <a:xfrm>
+            <a:off x="914400" y="1447800"/>
+            <a:ext cx="7772400" cy="4572000"/>
+          </a:xfrm>
+        </p:spPr>
+        <p:txBody>
+          <a:bodyPr vert="horz"/>
+          <a:lstStyle/>
+          <a:p>
+            <a:pPr lvl="0" eaLnBrk="1" latinLnBrk="0" hangingPunct="1"/>
+            <a:r>
+              <a:rPr lang="ru-RU" smtClean="0"/>
+              <a:t>Образец текста</a:t>
+            </a:r>
+          </a:p>
+          <a:p>
+            <a:pPr lvl="1" eaLnBrk="1" latinLnBrk="0" hangingPunct="1"/>
+            <a:r>
+              <a:rPr lang="ru-RU" smtClean="0"/>
+              <a:t>Второй уровень</a:t>
+            </a:r>
+          </a:p>
+          <a:p>
+            <a:pPr lvl="2" eaLnBrk="1" latinLnBrk="0" hangingPunct="1"/>
+            <a:r>
+              <a:rPr lang="ru-RU" smtClean="0"/>
+              <a:t>Третий уровень</a:t>
+            </a:r>
+          </a:p>
+          <a:p>
+            <a:pPr lvl="3" eaLnBrk="1" latinLnBrk="0" hangingPunct="1"/>
+            <a:r>
+              <a:rPr lang="ru-RU" smtClean="0"/>
+              <a:t>Четвертый уровень</a:t>
+            </a:r>
+          </a:p>
+          <a:p>
+            <a:pPr lvl="4" eaLnBrk="1" latinLnBrk="0" hangingPunct="1"/>
+            <a:r>
+              <a:rPr lang="ru-RU" smtClean="0"/>
+              <a:t>Пятый уровень</a:t>
+            </a:r>
+            <a:endParaRPr kumimoji="0" lang="en-US"/>
           </a:p>
         </p:txBody>
       </p:sp>
@@ -997,6 +1078,11 @@
 <file path=ppt/slideLayouts/slideLayout3.xml><?xml version="1.0" encoding="utf-8"?>
 <p:sldLayout xmlns:a="http://schemas.openxmlformats.org/drawingml/2006/main" xmlns:r="http://schemas.openxmlformats.org/officeDocument/2006/relationships" xmlns:p="http://schemas.openxmlformats.org/presentationml/2006/main" showMasterSp="0" type="secHead" preserve="1">
   <p:cSld name="Заголовок раздела">
+    <p:bg>
+      <p:bgRef idx="1003">
+        <a:schemeClr val="bg1"/>
+      </p:bgRef>
+    </p:bg>
     <p:spTree>
       <p:nvGrpSpPr>
         <p:cNvPr id="1" name=""/>
@@ -1013,23 +1099,71 @@
       </p:grpSpPr>
       <p:sp>
         <p:nvSpPr>
-          <p:cNvPr id="7" name="Прямоугольник 6"/>
+          <p:cNvPr id="11" name="Прямоугольник 10"/>
           <p:cNvSpPr/>
           <p:nvPr/>
         </p:nvSpPr>
         <p:spPr>
           <a:xfrm>
-            <a:off x="2282890" y="-54"/>
-            <a:ext cx="6858000" cy="6858054"/>
+            <a:off x="0" y="0"/>
+            <a:ext cx="9144000" cy="6858000"/>
           </a:xfrm>
           <a:prstGeom prst="rect">
             <a:avLst/>
           </a:prstGeom>
           <a:solidFill>
-            <a:schemeClr val="bg1"/>
+            <a:srgbClr val="FFFFFF"/>
           </a:solidFill>
-          <a:ln w="25400" cap="rnd" cmpd="sng" algn="ctr">
+          <a:ln w="12700" cap="flat" cmpd="sng" algn="ctr">
             <a:noFill/>
+            <a:prstDash val="solid"/>
+          </a:ln>
+        </p:spPr>
+        <p:style>
+          <a:lnRef idx="2">
+            <a:schemeClr val="accent1"/>
+          </a:lnRef>
+          <a:fillRef idx="1">
+            <a:schemeClr val="accent1"/>
+          </a:fillRef>
+          <a:effectRef idx="0">
+            <a:schemeClr val="accent1"/>
+          </a:effectRef>
+          <a:fontRef idx="minor">
+            <a:schemeClr val="lt1"/>
+          </a:fontRef>
+        </p:style>
+        <p:txBody>
+          <a:bodyPr rtlCol="0" anchor="ctr"/>
+          <a:lstStyle/>
+          <a:p>
+            <a:pPr algn="ctr" eaLnBrk="1" latinLnBrk="0" hangingPunct="1"/>
+            <a:endParaRPr kumimoji="0" lang="en-US"/>
+          </a:p>
+        </p:txBody>
+      </p:sp>
+      <p:sp useBgFill="1">
+        <p:nvSpPr>
+          <p:cNvPr id="10" name="Скругленный прямоугольник 9"/>
+          <p:cNvSpPr/>
+          <p:nvPr/>
+        </p:nvSpPr>
+        <p:spPr>
+          <a:xfrm>
+            <a:off x="65313" y="69755"/>
+            <a:ext cx="9013372" cy="6692201"/>
+          </a:xfrm>
+          <a:prstGeom prst="roundRect">
+            <a:avLst>
+              <a:gd name="adj" fmla="val 4929"/>
+            </a:avLst>
+          </a:prstGeom>
+          <a:ln w="6350" cap="sq" cmpd="sng" algn="ctr">
+            <a:solidFill>
+              <a:schemeClr val="tx1">
+                <a:alpha val="100000"/>
+              </a:schemeClr>
+            </a:solidFill>
             <a:prstDash val="solid"/>
           </a:ln>
           <a:effectLst/>
@@ -1038,8 +1172,8 @@
           <a:lnRef idx="3">
             <a:schemeClr val="lt1"/>
           </a:lnRef>
-          <a:fillRef idx="1">
-            <a:schemeClr val="accent1"/>
+          <a:fillRef idx="1003">
+            <a:schemeClr val="lt1"/>
           </a:fillRef>
           <a:effectRef idx="1">
             <a:schemeClr val="accent1"/>
@@ -1050,9 +1184,7 @@
         </p:style>
         <p:txBody>
           <a:bodyPr anchor="ctr"/>
-          <a:lstStyle>
-            <a:extLst/>
-          </a:lstStyle>
+          <a:lstStyle/>
           <a:p>
             <a:pPr algn="ctr" eaLnBrk="1" latinLnBrk="0" hangingPunct="1"/>
             <a:endParaRPr kumimoji="0" lang="en-US"/>
@@ -1071,21 +1203,17 @@
         </p:nvSpPr>
         <p:spPr>
           <a:xfrm>
-            <a:off x="2578392" y="2600325"/>
-            <a:ext cx="6400800" cy="2286000"/>
-          </a:xfrm>
-        </p:spPr>
-        <p:txBody>
-          <a:bodyPr anchor="t"/>
+            <a:off x="722313" y="952500"/>
+            <a:ext cx="7772400" cy="1362075"/>
+          </a:xfrm>
+        </p:spPr>
+        <p:txBody>
+          <a:bodyPr anchor="b" anchorCtr="0"/>
           <a:lstStyle>
             <a:lvl1pPr algn="l">
-              <a:lnSpc>
-                <a:spcPts val="4500"/>
-              </a:lnSpc>
               <a:buNone/>
-              <a:defRPr sz="4000" b="1" cap="all"/>
+              <a:defRPr sz="4000" b="0" cap="none"/>
             </a:lvl1pPr>
-            <a:extLst/>
           </a:lstStyle>
           <a:p>
             <a:r>
@@ -1108,26 +1236,19 @@
         </p:nvSpPr>
         <p:spPr>
           <a:xfrm>
-            <a:off x="2578392" y="1066800"/>
-            <a:ext cx="6400800" cy="1509712"/>
-          </a:xfrm>
-        </p:spPr>
-        <p:txBody>
-          <a:bodyPr anchor="b"/>
+            <a:off x="722313" y="2547938"/>
+            <a:ext cx="7772400" cy="1338262"/>
+          </a:xfrm>
+        </p:spPr>
+        <p:txBody>
+          <a:bodyPr anchor="t" anchorCtr="0"/>
           <a:lstStyle>
-            <a:lvl1pPr marL="18288" indent="0">
-              <a:lnSpc>
-                <a:spcPts val="2300"/>
-              </a:lnSpc>
-              <a:spcBef>
-                <a:spcPts val="0"/>
-              </a:spcBef>
+            <a:lvl1pPr marL="0" indent="0">
               <a:buNone/>
-              <a:defRPr sz="2000">
+              <a:defRPr sz="2400">
                 <a:solidFill>
-                  <a:schemeClr val="tx2">
-                    <a:shade val="30000"/>
-                    <a:satMod val="150000"/>
+                  <a:schemeClr val="tx1">
+                    <a:tint val="75000"/>
                   </a:schemeClr>
                 </a:solidFill>
               </a:defRPr>
@@ -1172,7 +1293,6 @@
                 </a:solidFill>
               </a:defRPr>
             </a:lvl5pPr>
-            <a:extLst/>
           </a:lstStyle>
           <a:p>
             <a:pPr lvl="0" eaLnBrk="1" latinLnBrk="0" hangingPunct="1"/>
@@ -1196,14 +1316,12 @@
         <p:spPr/>
         <p:txBody>
           <a:bodyPr/>
-          <a:lstStyle>
-            <a:extLst/>
-          </a:lstStyle>
+          <a:lstStyle/>
           <a:p>
             <a:fld id="{7EAF463A-BC7C-46EE-9F1E-7F377CCA4891}" type="datetimeFigureOut">
               <a:rPr lang="en-US" smtClean="0"/>
               <a:pPr/>
-              <a:t>1/30/2019</a:t>
+              <a:t>1/31/2019</a:t>
             </a:fld>
             <a:endParaRPr lang="en-US"/>
           </a:p>
@@ -1219,12 +1337,15 @@
             <p:ph type="ftr" sz="quarter" idx="11"/>
           </p:nvPr>
         </p:nvSpPr>
-        <p:spPr/>
+        <p:spPr>
+          <a:xfrm>
+            <a:off x="800100" y="6172200"/>
+            <a:ext cx="4000500" cy="457200"/>
+          </a:xfrm>
+        </p:spPr>
         <p:txBody>
           <a:bodyPr/>
-          <a:lstStyle>
-            <a:extLst/>
-          </a:lstStyle>
+          <a:lstStyle/>
           <a:p>
             <a:endParaRPr lang="en-US"/>
           </a:p>
@@ -1232,60 +1353,28 @@
       </p:sp>
       <p:sp>
         <p:nvSpPr>
-          <p:cNvPr id="6" name="Номер слайда 5"/>
-          <p:cNvSpPr>
-            <a:spLocks noGrp="1"/>
-          </p:cNvSpPr>
-          <p:nvPr>
-            <p:ph type="sldNum" sz="quarter" idx="12"/>
-          </p:nvPr>
-        </p:nvSpPr>
-        <p:spPr/>
-        <p:txBody>
-          <a:bodyPr/>
-          <a:lstStyle>
-            <a:extLst/>
-          </a:lstStyle>
-          <a:p>
-            <a:fld id="{A483448D-3A78-4528-A469-B745A65DA480}" type="slidenum">
-              <a:rPr lang="en-US" smtClean="0"/>
-              <a:pPr/>
-              <a:t>‹#›</a:t>
-            </a:fld>
-            <a:endParaRPr lang="en-US"/>
-          </a:p>
-        </p:txBody>
-      </p:sp>
-      <p:sp>
-        <p:nvSpPr>
-          <p:cNvPr id="10" name="Прямоугольник 9"/>
+          <p:cNvPr id="7" name="Прямоугольник 6"/>
           <p:cNvSpPr/>
           <p:nvPr/>
         </p:nvSpPr>
-        <p:spPr bwMode="invGray">
-          <a:xfrm>
-            <a:off x="2286000" y="0"/>
-            <a:ext cx="76200" cy="6858054"/>
+        <p:spPr>
+          <a:xfrm flipV="1">
+            <a:off x="69412" y="2376830"/>
+            <a:ext cx="9013515" cy="91440"/>
           </a:xfrm>
           <a:prstGeom prst="rect">
             <a:avLst/>
           </a:prstGeom>
           <a:solidFill>
-            <a:schemeClr val="bg1"/>
+            <a:schemeClr val="accent1">
+              <a:alpha val="100000"/>
+            </a:schemeClr>
           </a:solidFill>
-          <a:ln w="25400" cap="rnd" cmpd="sng" algn="ctr">
+          <a:ln w="19050" cap="sq" cmpd="sng" algn="ctr">
             <a:noFill/>
             <a:prstDash val="solid"/>
           </a:ln>
-          <a:effectLst>
-            <a:outerShdw blurRad="38550" dist="38000" dir="10800000" algn="tl" rotWithShape="0">
-              <a:schemeClr val="bg2">
-                <a:shade val="20000"/>
-                <a:satMod val="110000"/>
-                <a:alpha val="25000"/>
-              </a:schemeClr>
-            </a:outerShdw>
-          </a:effectLst>
+          <a:effectLst/>
         </p:spPr>
         <p:style>
           <a:lnRef idx="3">
@@ -1303,9 +1392,7 @@
         </p:style>
         <p:txBody>
           <a:bodyPr anchor="ctr"/>
-          <a:lstStyle>
-            <a:extLst/>
-          </a:lstStyle>
+          <a:lstStyle/>
           <a:p>
             <a:pPr algn="ctr" eaLnBrk="1" latinLnBrk="0" hangingPunct="1"/>
             <a:endParaRPr kumimoji="0" lang="en-US"/>
@@ -1314,85 +1401,46 @@
       </p:sp>
       <p:sp>
         <p:nvSpPr>
-          <p:cNvPr id="8" name="Овал 7"/>
+          <p:cNvPr id="8" name="Прямоугольник 7"/>
           <p:cNvSpPr/>
           <p:nvPr/>
         </p:nvSpPr>
         <p:spPr>
           <a:xfrm>
-            <a:off x="2172321" y="2814656"/>
-            <a:ext cx="210312" cy="210312"/>
-          </a:xfrm>
-          <a:prstGeom prst="ellipse">
+            <a:off x="69146" y="2341475"/>
+            <a:ext cx="9013781" cy="45719"/>
+          </a:xfrm>
+          <a:prstGeom prst="rect">
             <a:avLst/>
           </a:prstGeom>
-          <a:gradFill rotWithShape="1">
-            <a:gsLst>
-              <a:gs pos="0">
-                <a:schemeClr val="accent1">
-                  <a:tint val="20000"/>
-                  <a:satMod val="450000"/>
-                  <a:alpha val="95000"/>
-                </a:schemeClr>
-              </a:gs>
-              <a:gs pos="50000">
-                <a:schemeClr val="accent1">
-                  <a:tint val="38000"/>
-                  <a:satMod val="250000"/>
-                  <a:alpha val="90000"/>
-                </a:schemeClr>
-              </a:gs>
-              <a:gs pos="95000">
-                <a:schemeClr val="accent1">
-                  <a:tint val="75000"/>
-                  <a:satMod val="255000"/>
-                  <a:alpha val="88000"/>
-                </a:schemeClr>
-              </a:gs>
-              <a:gs pos="100000">
-                <a:schemeClr val="accent1">
-                  <a:tint val="100000"/>
-                  <a:shade val="90000"/>
-                  <a:satMod val="255000"/>
-                  <a:alpha val="85000"/>
-                </a:schemeClr>
-              </a:gs>
-            </a:gsLst>
-            <a:path path="circle">
-              <a:fillToRect l="25000" t="12500" r="75000" b="87500"/>
-            </a:path>
-          </a:gradFill>
-          <a:ln w="2000" cap="rnd" cmpd="sng" algn="ctr">
-            <a:solidFill>
-              <a:schemeClr val="accent1">
-                <a:shade val="90000"/>
-                <a:satMod val="110000"/>
-                <a:alpha val="60000"/>
-              </a:schemeClr>
-            </a:solidFill>
+          <a:solidFill>
+            <a:schemeClr val="accent1">
+              <a:tint val="60000"/>
+            </a:schemeClr>
+          </a:solidFill>
+          <a:ln w="19050" cap="sq" cmpd="sng" algn="ctr">
+            <a:noFill/>
             <a:prstDash val="solid"/>
           </a:ln>
           <a:effectLst/>
         </p:spPr>
         <p:style>
-          <a:lnRef idx="1">
-            <a:schemeClr val="accent1"/>
+          <a:lnRef idx="3">
+            <a:schemeClr val="lt1"/>
           </a:lnRef>
-          <a:fillRef idx="2">
+          <a:fillRef idx="1">
             <a:schemeClr val="accent1"/>
           </a:fillRef>
           <a:effectRef idx="1">
             <a:schemeClr val="accent1"/>
           </a:effectRef>
           <a:fontRef idx="minor">
-            <a:schemeClr val="dk1"/>
+            <a:schemeClr val="lt1"/>
           </a:fontRef>
         </p:style>
         <p:txBody>
           <a:bodyPr anchor="ctr"/>
-          <a:lstStyle>
-            <a:extLst/>
-          </a:lstStyle>
+          <a:lstStyle/>
           <a:p>
             <a:pPr algn="ctr" eaLnBrk="1" latinLnBrk="0" hangingPunct="1"/>
             <a:endParaRPr kumimoji="0" lang="en-US"/>
@@ -1401,59 +1449,83 @@
       </p:sp>
       <p:sp>
         <p:nvSpPr>
-          <p:cNvPr id="9" name="Овал 8"/>
+          <p:cNvPr id="9" name="Прямоугольник 8"/>
           <p:cNvSpPr/>
           <p:nvPr/>
         </p:nvSpPr>
         <p:spPr>
           <a:xfrm>
-            <a:off x="2408064" y="2745870"/>
-            <a:ext cx="64008" cy="64008"/>
-          </a:xfrm>
-          <a:prstGeom prst="ellipse">
+            <a:off x="68306" y="2468880"/>
+            <a:ext cx="9014621" cy="45720"/>
+          </a:xfrm>
+          <a:prstGeom prst="rect">
             <a:avLst/>
           </a:prstGeom>
-          <a:noFill/>
-          <a:ln w="12700" cap="rnd" cmpd="sng" algn="ctr">
-            <a:solidFill>
-              <a:schemeClr val="accent1">
-                <a:shade val="75000"/>
-                <a:alpha val="60000"/>
-              </a:schemeClr>
-            </a:solidFill>
+          <a:solidFill>
+            <a:schemeClr val="accent5"/>
+          </a:solidFill>
+          <a:ln w="19050" cap="sq" cmpd="sng" algn="ctr">
+            <a:noFill/>
             <a:prstDash val="solid"/>
           </a:ln>
           <a:effectLst/>
         </p:spPr>
         <p:style>
-          <a:lnRef idx="1">
-            <a:schemeClr val="accent1"/>
+          <a:lnRef idx="3">
+            <a:schemeClr val="lt1"/>
           </a:lnRef>
-          <a:fillRef idx="2">
+          <a:fillRef idx="1">
             <a:schemeClr val="accent1"/>
           </a:fillRef>
           <a:effectRef idx="1">
             <a:schemeClr val="accent1"/>
           </a:effectRef>
           <a:fontRef idx="minor">
-            <a:schemeClr val="dk1"/>
+            <a:schemeClr val="lt1"/>
           </a:fontRef>
         </p:style>
         <p:txBody>
           <a:bodyPr anchor="ctr"/>
-          <a:lstStyle>
-            <a:extLst/>
-          </a:lstStyle>
+          <a:lstStyle/>
           <a:p>
             <a:pPr algn="ctr" eaLnBrk="1" latinLnBrk="0" hangingPunct="1"/>
             <a:endParaRPr kumimoji="0" lang="en-US"/>
+          </a:p>
+        </p:txBody>
+      </p:sp>
+      <p:sp>
+        <p:nvSpPr>
+          <p:cNvPr id="6" name="Номер слайда 5"/>
+          <p:cNvSpPr>
+            <a:spLocks noGrp="1"/>
+          </p:cNvSpPr>
+          <p:nvPr>
+            <p:ph type="sldNum" sz="quarter" idx="12"/>
+          </p:nvPr>
+        </p:nvSpPr>
+        <p:spPr>
+          <a:xfrm>
+            <a:off x="146304" y="6208776"/>
+            <a:ext cx="457200" cy="457200"/>
+          </a:xfrm>
+        </p:spPr>
+        <p:txBody>
+          <a:bodyPr/>
+          <a:lstStyle/>
+          <a:p>
+            <a:fld id="{A483448D-3A78-4528-A469-B745A65DA480}" type="slidenum">
+              <a:rPr lang="en-US" smtClean="0"/>
+              <a:pPr/>
+              <a:t>‹#›</a:t>
+            </a:fld>
+            <a:endParaRPr lang="en-US"/>
           </a:p>
         </p:txBody>
       </p:sp>
     </p:spTree>
   </p:cSld>
   <p:clrMapOvr>
-    <a:masterClrMapping/>
+    <a:overrideClrMapping bg1="lt1" tx1="dk1" bg2="lt2" tx2="dk2" accent1="accent1" accent2="accent2" accent3="accent3" accent4="accent4" accent5="accent5" accent6="accent6" hlink="hlink" folHlink="folHlink"/>
   </p:clrMapOvr>
 </p:sldLayout>
 </file>
@@ -1485,17 +1557,10 @@
             <p:ph type="title"/>
           </p:nvPr>
         </p:nvSpPr>
-        <p:spPr>
-          <a:xfrm>
-            <a:off x="1435608" y="274320"/>
-            <a:ext cx="7498080" cy="1143000"/>
-          </a:xfrm>
-        </p:spPr>
+        <p:spPr/>
         <p:txBody>
           <a:bodyPr/>
-          <a:lstStyle>
-            <a:extLst/>
-          </a:lstStyle>
+          <a:lstStyle/>
           <a:p>
             <a:r>
               <a:rPr kumimoji="0" lang="ru-RU" smtClean="0"/>
@@ -1507,173 +1572,23 @@
       </p:sp>
       <p:sp>
         <p:nvSpPr>
-          <p:cNvPr id="3" name="Содержимое 2"/>
-          <p:cNvSpPr>
-            <a:spLocks noGrp="1"/>
-          </p:cNvSpPr>
-          <p:nvPr>
-            <p:ph sz="half" idx="1"/>
-          </p:nvPr>
-        </p:nvSpPr>
-        <p:spPr>
-          <a:xfrm>
-            <a:off x="1435608" y="1524000"/>
-            <a:ext cx="3657600" cy="4663440"/>
-          </a:xfrm>
-        </p:spPr>
+          <p:cNvPr id="5" name="Дата 4"/>
+          <p:cNvSpPr>
+            <a:spLocks noGrp="1"/>
+          </p:cNvSpPr>
+          <p:nvPr>
+            <p:ph type="dt" sz="half" idx="10"/>
+          </p:nvPr>
+        </p:nvSpPr>
+        <p:spPr/>
         <p:txBody>
           <a:bodyPr/>
-          <a:lstStyle>
-            <a:lvl1pPr>
-              <a:defRPr sz="2800"/>
-            </a:lvl1pPr>
-            <a:lvl2pPr>
-              <a:defRPr sz="2400"/>
-            </a:lvl2pPr>
-            <a:lvl3pPr>
-              <a:defRPr sz="2000"/>
-            </a:lvl3pPr>
-            <a:lvl4pPr>
-              <a:defRPr sz="1800"/>
-            </a:lvl4pPr>
-            <a:lvl5pPr>
-              <a:defRPr sz="1800"/>
-            </a:lvl5pPr>
-            <a:extLst/>
-          </a:lstStyle>
-          <a:p>
-            <a:pPr lvl="0" eaLnBrk="1" latinLnBrk="0" hangingPunct="1"/>
-            <a:r>
-              <a:rPr lang="ru-RU" smtClean="0"/>
-              <a:t>Образец текста</a:t>
-            </a:r>
-          </a:p>
-          <a:p>
-            <a:pPr lvl="1" eaLnBrk="1" latinLnBrk="0" hangingPunct="1"/>
-            <a:r>
-              <a:rPr lang="ru-RU" smtClean="0"/>
-              <a:t>Второй уровень</a:t>
-            </a:r>
-          </a:p>
-          <a:p>
-            <a:pPr lvl="2" eaLnBrk="1" latinLnBrk="0" hangingPunct="1"/>
-            <a:r>
-              <a:rPr lang="ru-RU" smtClean="0"/>
-              <a:t>Третий уровень</a:t>
-            </a:r>
-          </a:p>
-          <a:p>
-            <a:pPr lvl="3" eaLnBrk="1" latinLnBrk="0" hangingPunct="1"/>
-            <a:r>
-              <a:rPr lang="ru-RU" smtClean="0"/>
-              <a:t>Четвертый уровень</a:t>
-            </a:r>
-          </a:p>
-          <a:p>
-            <a:pPr lvl="4" eaLnBrk="1" latinLnBrk="0" hangingPunct="1"/>
-            <a:r>
-              <a:rPr lang="ru-RU" smtClean="0"/>
-              <a:t>Пятый уровень</a:t>
-            </a:r>
-            <a:endParaRPr kumimoji="0" lang="en-US"/>
-          </a:p>
-        </p:txBody>
-      </p:sp>
-      <p:sp>
-        <p:nvSpPr>
-          <p:cNvPr id="4" name="Содержимое 3"/>
-          <p:cNvSpPr>
-            <a:spLocks noGrp="1"/>
-          </p:cNvSpPr>
-          <p:nvPr>
-            <p:ph sz="half" idx="2"/>
-          </p:nvPr>
-        </p:nvSpPr>
-        <p:spPr>
-          <a:xfrm>
-            <a:off x="5276088" y="1524000"/>
-            <a:ext cx="3657600" cy="4663440"/>
-          </a:xfrm>
-        </p:spPr>
-        <p:txBody>
-          <a:bodyPr/>
-          <a:lstStyle>
-            <a:lvl1pPr>
-              <a:defRPr sz="2800"/>
-            </a:lvl1pPr>
-            <a:lvl2pPr>
-              <a:defRPr sz="2400"/>
-            </a:lvl2pPr>
-            <a:lvl3pPr>
-              <a:defRPr sz="2000"/>
-            </a:lvl3pPr>
-            <a:lvl4pPr>
-              <a:defRPr sz="1800"/>
-            </a:lvl4pPr>
-            <a:lvl5pPr>
-              <a:defRPr sz="1800"/>
-            </a:lvl5pPr>
-            <a:extLst/>
-          </a:lstStyle>
-          <a:p>
-            <a:pPr lvl="0" eaLnBrk="1" latinLnBrk="0" hangingPunct="1"/>
-            <a:r>
-              <a:rPr lang="ru-RU" smtClean="0"/>
-              <a:t>Образец текста</a:t>
-            </a:r>
-          </a:p>
-          <a:p>
-            <a:pPr lvl="1" eaLnBrk="1" latinLnBrk="0" hangingPunct="1"/>
-            <a:r>
-              <a:rPr lang="ru-RU" smtClean="0"/>
-              <a:t>Второй уровень</a:t>
-            </a:r>
-          </a:p>
-          <a:p>
-            <a:pPr lvl="2" eaLnBrk="1" latinLnBrk="0" hangingPunct="1"/>
-            <a:r>
-              <a:rPr lang="ru-RU" smtClean="0"/>
-              <a:t>Третий уровень</a:t>
-            </a:r>
-          </a:p>
-          <a:p>
-            <a:pPr lvl="3" eaLnBrk="1" latinLnBrk="0" hangingPunct="1"/>
-            <a:r>
-              <a:rPr lang="ru-RU" smtClean="0"/>
-              <a:t>Четвертый уровень</a:t>
-            </a:r>
-          </a:p>
-          <a:p>
-            <a:pPr lvl="4" eaLnBrk="1" latinLnBrk="0" hangingPunct="1"/>
-            <a:r>
-              <a:rPr lang="ru-RU" smtClean="0"/>
-              <a:t>Пятый уровень</a:t>
-            </a:r>
-            <a:endParaRPr kumimoji="0" lang="en-US"/>
-          </a:p>
-        </p:txBody>
-      </p:sp>
-      <p:sp>
-        <p:nvSpPr>
-          <p:cNvPr id="5" name="Дата 4"/>
-          <p:cNvSpPr>
-            <a:spLocks noGrp="1"/>
-          </p:cNvSpPr>
-          <p:nvPr>
-            <p:ph type="dt" sz="half" idx="10"/>
-          </p:nvPr>
-        </p:nvSpPr>
-        <p:spPr/>
-        <p:txBody>
-          <a:bodyPr/>
-          <a:lstStyle>
-            <a:extLst/>
-          </a:lstStyle>
+          <a:lstStyle/>
           <a:p>
             <a:fld id="{7EAF463A-BC7C-46EE-9F1E-7F377CCA4891}" type="datetimeFigureOut">
               <a:rPr lang="en-US" smtClean="0"/>
               <a:pPr/>
-              <a:t>1/30/2019</a:t>
+              <a:t>1/31/2019</a:t>
             </a:fld>
             <a:endParaRPr lang="en-US"/>
           </a:p>
@@ -1692,9 +1607,7 @@
         <p:spPr/>
         <p:txBody>
           <a:bodyPr/>
-          <a:lstStyle>
-            <a:extLst/>
-          </a:lstStyle>
+          <a:lstStyle/>
           <a:p>
             <a:endParaRPr lang="en-US"/>
           </a:p>
@@ -1713,9 +1626,7 @@
         <p:spPr/>
         <p:txBody>
           <a:bodyPr/>
-          <a:lstStyle>
-            <a:extLst/>
-          </a:lstStyle>
+          <a:lstStyle/>
           <a:p>
             <a:fld id="{A483448D-3A78-4528-A469-B745A65DA480}" type="slidenum">
               <a:rPr lang="en-US" smtClean="0"/>
@@ -1723,6 +1634,120 @@
               <a:t>‹#›</a:t>
             </a:fld>
             <a:endParaRPr lang="en-US"/>
+          </a:p>
+        </p:txBody>
+      </p:sp>
+      <p:sp>
+        <p:nvSpPr>
+          <p:cNvPr id="9" name="Содержимое 8"/>
+          <p:cNvSpPr>
+            <a:spLocks noGrp="1"/>
+          </p:cNvSpPr>
+          <p:nvPr>
+            <p:ph sz="quarter" idx="1"/>
+          </p:nvPr>
+        </p:nvSpPr>
+        <p:spPr>
+          <a:xfrm>
+            <a:off x="914400" y="1447800"/>
+            <a:ext cx="3749040" cy="4572000"/>
+          </a:xfrm>
+        </p:spPr>
+        <p:txBody>
+          <a:bodyPr vert="horz"/>
+          <a:lstStyle/>
+          <a:p>
+            <a:pPr lvl="0" eaLnBrk="1" latinLnBrk="0" hangingPunct="1"/>
+            <a:r>
+              <a:rPr lang="ru-RU" smtClean="0"/>
+              <a:t>Образец текста</a:t>
+            </a:r>
+          </a:p>
+          <a:p>
+            <a:pPr lvl="1" eaLnBrk="1" latinLnBrk="0" hangingPunct="1"/>
+            <a:r>
+              <a:rPr lang="ru-RU" smtClean="0"/>
+              <a:t>Второй уровень</a:t>
+            </a:r>
+          </a:p>
+          <a:p>
+            <a:pPr lvl="2" eaLnBrk="1" latinLnBrk="0" hangingPunct="1"/>
+            <a:r>
+              <a:rPr lang="ru-RU" smtClean="0"/>
+              <a:t>Третий уровень</a:t>
+            </a:r>
+          </a:p>
+          <a:p>
+            <a:pPr lvl="3" eaLnBrk="1" latinLnBrk="0" hangingPunct="1"/>
+            <a:r>
+              <a:rPr lang="ru-RU" smtClean="0"/>
+              <a:t>Четвертый уровень</a:t>
+            </a:r>
+          </a:p>
+          <a:p>
+            <a:pPr lvl="4" eaLnBrk="1" latinLnBrk="0" hangingPunct="1"/>
+            <a:r>
+              <a:rPr lang="ru-RU" smtClean="0"/>
+              <a:t>Пятый уровень</a:t>
+            </a:r>
+            <a:endParaRPr kumimoji="0" lang="en-US"/>
+          </a:p>
+        </p:txBody>
+      </p:sp>
+      <p:sp>
+        <p:nvSpPr>
+          <p:cNvPr id="11" name="Содержимое 10"/>
+          <p:cNvSpPr>
+            <a:spLocks noGrp="1"/>
+          </p:cNvSpPr>
+          <p:nvPr>
+            <p:ph sz="quarter" idx="2"/>
+          </p:nvPr>
+        </p:nvSpPr>
+        <p:spPr>
+          <a:xfrm>
+            <a:off x="4933950" y="1447800"/>
+            <a:ext cx="3749040" cy="4572000"/>
+          </a:xfrm>
+        </p:spPr>
+        <p:txBody>
+          <a:bodyPr vert="horz"/>
+          <a:lstStyle/>
+          <a:p>
+            <a:pPr lvl="0" eaLnBrk="1" latinLnBrk="0" hangingPunct="1"/>
+            <a:r>
+              <a:rPr lang="ru-RU" smtClean="0"/>
+              <a:t>Образец текста</a:t>
+            </a:r>
+          </a:p>
+          <a:p>
+            <a:pPr lvl="1" eaLnBrk="1" latinLnBrk="0" hangingPunct="1"/>
+            <a:r>
+              <a:rPr lang="ru-RU" smtClean="0"/>
+              <a:t>Второй уровень</a:t>
+            </a:r>
+          </a:p>
+          <a:p>
+            <a:pPr lvl="2" eaLnBrk="1" latinLnBrk="0" hangingPunct="1"/>
+            <a:r>
+              <a:rPr lang="ru-RU" smtClean="0"/>
+              <a:t>Третий уровень</a:t>
+            </a:r>
+          </a:p>
+          <a:p>
+            <a:pPr lvl="3" eaLnBrk="1" latinLnBrk="0" hangingPunct="1"/>
+            <a:r>
+              <a:rPr lang="ru-RU" smtClean="0"/>
+              <a:t>Четвертый уровень</a:t>
+            </a:r>
+          </a:p>
+          <a:p>
+            <a:pPr lvl="4" eaLnBrk="1" latinLnBrk="0" hangingPunct="1"/>
+            <a:r>
+              <a:rPr lang="ru-RU" smtClean="0"/>
+              <a:t>Пятый уровень</a:t>
+            </a:r>
+            <a:endParaRPr kumimoji="0" lang="en-US"/>
           </a:p>
         </p:txBody>
       </p:sp>
@@ -1735,7 +1760,7 @@
 </file>
 
 <file path=ppt/slideLayouts/slideLayout5.xml><?xml version="1.0" encoding="utf-8"?>
-<p:sldLayout xmlns:a="http://schemas.openxmlformats.org/drawingml/2006/main" xmlns:r="http://schemas.openxmlformats.org/officeDocument/2006/relationships" xmlns:p="http://schemas.openxmlformats.org/presentationml/2006/main" showMasterSp="0" type="twoTxTwoObj" preserve="1">
+<p:sldLayout xmlns:a="http://schemas.openxmlformats.org/drawingml/2006/main" xmlns:r="http://schemas.openxmlformats.org/officeDocument/2006/relationships" xmlns:p="http://schemas.openxmlformats.org/presentationml/2006/main" type="twoTxTwoObj" preserve="1">
   <p:cSld name="Сравнение">
     <p:spTree>
       <p:nvGrpSpPr>
@@ -1763,17 +1788,16 @@
         </p:nvSpPr>
         <p:spPr>
           <a:xfrm>
-            <a:off x="457200" y="5160336"/>
-            <a:ext cx="8229600" cy="1143000"/>
-          </a:xfrm>
-        </p:spPr>
-        <p:txBody>
-          <a:bodyPr anchor="ctr"/>
+            <a:off x="914400" y="273050"/>
+            <a:ext cx="7772400" cy="1143000"/>
+          </a:xfrm>
+        </p:spPr>
+        <p:txBody>
+          <a:bodyPr anchor="b" anchorCtr="0"/>
           <a:lstStyle>
-            <a:lvl1pPr algn="ctr">
-              <a:defRPr sz="4500" b="1" cap="none" baseline="0"/>
+            <a:lvl1pPr>
+              <a:defRPr/>
             </a:lvl1pPr>
-            <a:extLst/>
           </a:lstStyle>
           <a:p>
             <a:r>
@@ -1796,34 +1820,29 @@
         </p:nvSpPr>
         <p:spPr>
           <a:xfrm>
-            <a:off x="457200" y="328278"/>
-            <a:ext cx="4023360" cy="640080"/>
-          </a:xfrm>
-          <a:solidFill>
-            <a:schemeClr val="bg1"/>
-          </a:solidFill>
-          <a:ln w="10795">
-            <a:solidFill>
-              <a:schemeClr val="bg1"/>
-            </a:solidFill>
-            <a:miter lim="800000"/>
+            <a:off x="914400" y="1447800"/>
+            <a:ext cx="3733800" cy="762000"/>
+          </a:xfrm>
+          <a:noFill/>
+          <a:ln w="12700" cap="sq" cmpd="sng" algn="ctr">
+            <a:noFill/>
+            <a:prstDash val="solid"/>
           </a:ln>
         </p:spPr>
         <p:txBody>
-          <a:bodyPr anchor="ctr"/>
+          <a:bodyPr lIns="91440" anchor="b" anchorCtr="0">
+            <a:noAutofit/>
+          </a:bodyPr>
           <a:lstStyle>
-            <a:lvl1pPr marL="64008" indent="0" algn="l">
-              <a:lnSpc>
-                <a:spcPct val="100000"/>
-              </a:lnSpc>
-              <a:spcBef>
-                <a:spcPts val="100"/>
-              </a:spcBef>
+            <a:lvl1pPr marL="0" indent="0">
               <a:buNone/>
-              <a:defRPr sz="1900" b="0">
+              <a:defRPr sz="2400" b="1">
                 <a:solidFill>
-                  <a:schemeClr val="tx1"/>
+                  <a:schemeClr val="accent1"/>
                 </a:solidFill>
+                <a:latin typeface="+mj-lt"/>
+                <a:ea typeface="+mj-ea"/>
+                <a:cs typeface="+mj-cs"/>
               </a:defRPr>
             </a:lvl1pPr>
             <a:lvl2pPr>
@@ -1842,7 +1861,6 @@
               <a:buNone/>
               <a:defRPr sz="1600" b="1"/>
             </a:lvl5pPr>
-            <a:extLst/>
           </a:lstStyle>
           <a:p>
             <a:pPr lvl="0" eaLnBrk="1" latinLnBrk="0" hangingPunct="1"/>
@@ -1865,34 +1883,29 @@
         </p:nvSpPr>
         <p:spPr>
           <a:xfrm>
-            <a:off x="4663440" y="328278"/>
-            <a:ext cx="4023360" cy="640080"/>
-          </a:xfrm>
-          <a:solidFill>
-            <a:schemeClr val="bg1"/>
-          </a:solidFill>
-          <a:ln w="10795">
-            <a:solidFill>
-              <a:schemeClr val="bg1"/>
-            </a:solidFill>
-            <a:miter lim="800000"/>
+            <a:off x="4953000" y="1447800"/>
+            <a:ext cx="3733800" cy="762000"/>
+          </a:xfrm>
+          <a:noFill/>
+          <a:ln w="12700" cap="sq" cmpd="sng" algn="ctr">
+            <a:noFill/>
+            <a:prstDash val="solid"/>
           </a:ln>
         </p:spPr>
         <p:txBody>
-          <a:bodyPr anchor="ctr"/>
+          <a:bodyPr lIns="91440" anchor="b" anchorCtr="0">
+            <a:noAutofit/>
+          </a:bodyPr>
           <a:lstStyle>
-            <a:lvl1pPr marL="64008" indent="0" algn="l">
-              <a:lnSpc>
-                <a:spcPct val="100000"/>
-              </a:lnSpc>
-              <a:spcBef>
-                <a:spcPts val="100"/>
-              </a:spcBef>
+            <a:lvl1pPr marL="0" indent="0">
               <a:buNone/>
-              <a:defRPr sz="1900" b="0">
+              <a:defRPr sz="2400" b="1">
                 <a:solidFill>
-                  <a:schemeClr val="tx1"/>
+                  <a:schemeClr val="accent1"/>
                 </a:solidFill>
+                <a:latin typeface="+mj-lt"/>
+                <a:ea typeface="+mj-ea"/>
+                <a:cs typeface="+mj-cs"/>
               </a:defRPr>
             </a:lvl1pPr>
             <a:lvl2pPr>
@@ -1911,7 +1924,6 @@
               <a:buNone/>
               <a:defRPr sz="1600" b="1"/>
             </a:lvl5pPr>
-            <a:extLst/>
           </a:lstStyle>
           <a:p>
             <a:pPr lvl="0" eaLnBrk="1" latinLnBrk="0" hangingPunct="1"/>
@@ -1924,247 +1936,23 @@
       </p:sp>
       <p:sp>
         <p:nvSpPr>
-          <p:cNvPr id="5" name="Содержимое 4"/>
-          <p:cNvSpPr>
-            <a:spLocks noGrp="1"/>
-          </p:cNvSpPr>
-          <p:nvPr>
-            <p:ph sz="quarter" idx="2"/>
-          </p:nvPr>
-        </p:nvSpPr>
-        <p:spPr>
-          <a:xfrm>
-            <a:off x="457200" y="969336"/>
-            <a:ext cx="4023360" cy="4114800"/>
-          </a:xfrm>
-          <a:ln w="10795">
-            <a:solidFill>
-              <a:schemeClr val="bg1"/>
-            </a:solidFill>
-            <a:prstDash val="dash"/>
-            <a:miter lim="800000"/>
-          </a:ln>
-        </p:spPr>
+          <p:cNvPr id="7" name="Дата 6"/>
+          <p:cNvSpPr>
+            <a:spLocks noGrp="1"/>
+          </p:cNvSpPr>
+          <p:nvPr>
+            <p:ph type="dt" sz="half" idx="10"/>
+          </p:nvPr>
+        </p:nvSpPr>
+        <p:spPr/>
         <p:txBody>
           <a:bodyPr/>
-          <a:lstStyle>
-            <a:lvl1pPr marL="393192" indent="-274320">
-              <a:lnSpc>
-                <a:spcPct val="100000"/>
-              </a:lnSpc>
-              <a:spcBef>
-                <a:spcPts val="700"/>
-              </a:spcBef>
-              <a:defRPr sz="2400"/>
-            </a:lvl1pPr>
-            <a:lvl2pPr>
-              <a:lnSpc>
-                <a:spcPct val="100000"/>
-              </a:lnSpc>
-              <a:spcBef>
-                <a:spcPts val="700"/>
-              </a:spcBef>
-              <a:defRPr sz="2000"/>
-            </a:lvl2pPr>
-            <a:lvl3pPr>
-              <a:lnSpc>
-                <a:spcPct val="100000"/>
-              </a:lnSpc>
-              <a:spcBef>
-                <a:spcPts val="700"/>
-              </a:spcBef>
-              <a:defRPr sz="1800"/>
-            </a:lvl3pPr>
-            <a:lvl4pPr>
-              <a:lnSpc>
-                <a:spcPct val="100000"/>
-              </a:lnSpc>
-              <a:spcBef>
-                <a:spcPts val="700"/>
-              </a:spcBef>
-              <a:defRPr sz="1600"/>
-            </a:lvl4pPr>
-            <a:lvl5pPr>
-              <a:lnSpc>
-                <a:spcPct val="100000"/>
-              </a:lnSpc>
-              <a:spcBef>
-                <a:spcPts val="700"/>
-              </a:spcBef>
-              <a:defRPr sz="1600"/>
-            </a:lvl5pPr>
-            <a:extLst/>
-          </a:lstStyle>
-          <a:p>
-            <a:pPr lvl="0" eaLnBrk="1" latinLnBrk="0" hangingPunct="1"/>
-            <a:r>
-              <a:rPr lang="ru-RU" smtClean="0"/>
-              <a:t>Образец текста</a:t>
-            </a:r>
-          </a:p>
-          <a:p>
-            <a:pPr lvl="1" eaLnBrk="1" latinLnBrk="0" hangingPunct="1"/>
-            <a:r>
-              <a:rPr lang="ru-RU" smtClean="0"/>
-              <a:t>Второй уровень</a:t>
-            </a:r>
-          </a:p>
-          <a:p>
-            <a:pPr lvl="2" eaLnBrk="1" latinLnBrk="0" hangingPunct="1"/>
-            <a:r>
-              <a:rPr lang="ru-RU" smtClean="0"/>
-              <a:t>Третий уровень</a:t>
-            </a:r>
-          </a:p>
-          <a:p>
-            <a:pPr lvl="3" eaLnBrk="1" latinLnBrk="0" hangingPunct="1"/>
-            <a:r>
-              <a:rPr lang="ru-RU" smtClean="0"/>
-              <a:t>Четвертый уровень</a:t>
-            </a:r>
-          </a:p>
-          <a:p>
-            <a:pPr lvl="4" eaLnBrk="1" latinLnBrk="0" hangingPunct="1"/>
-            <a:r>
-              <a:rPr lang="ru-RU" smtClean="0"/>
-              <a:t>Пятый уровень</a:t>
-            </a:r>
-            <a:endParaRPr kumimoji="0" lang="en-US"/>
-          </a:p>
-        </p:txBody>
-      </p:sp>
-      <p:sp>
-        <p:nvSpPr>
-          <p:cNvPr id="6" name="Содержимое 5"/>
-          <p:cNvSpPr>
-            <a:spLocks noGrp="1"/>
-          </p:cNvSpPr>
-          <p:nvPr>
-            <p:ph sz="quarter" idx="4"/>
-          </p:nvPr>
-        </p:nvSpPr>
-        <p:spPr>
-          <a:xfrm>
-            <a:off x="4663440" y="969336"/>
-            <a:ext cx="4023360" cy="4114800"/>
-          </a:xfrm>
-          <a:ln w="10795">
-            <a:solidFill>
-              <a:schemeClr val="bg1"/>
-            </a:solidFill>
-            <a:prstDash val="dash"/>
-            <a:miter lim="800000"/>
-          </a:ln>
-        </p:spPr>
-        <p:txBody>
-          <a:bodyPr/>
-          <a:lstStyle>
-            <a:lvl1pPr marL="393192" indent="-274320">
-              <a:lnSpc>
-                <a:spcPct val="100000"/>
-              </a:lnSpc>
-              <a:spcBef>
-                <a:spcPts val="700"/>
-              </a:spcBef>
-              <a:defRPr sz="2400"/>
-            </a:lvl1pPr>
-            <a:lvl2pPr>
-              <a:lnSpc>
-                <a:spcPct val="100000"/>
-              </a:lnSpc>
-              <a:spcBef>
-                <a:spcPts val="700"/>
-              </a:spcBef>
-              <a:defRPr sz="2000"/>
-            </a:lvl2pPr>
-            <a:lvl3pPr>
-              <a:lnSpc>
-                <a:spcPct val="100000"/>
-              </a:lnSpc>
-              <a:spcBef>
-                <a:spcPts val="700"/>
-              </a:spcBef>
-              <a:defRPr sz="1800"/>
-            </a:lvl3pPr>
-            <a:lvl4pPr>
-              <a:lnSpc>
-                <a:spcPct val="100000"/>
-              </a:lnSpc>
-              <a:spcBef>
-                <a:spcPts val="700"/>
-              </a:spcBef>
-              <a:defRPr sz="1600"/>
-            </a:lvl4pPr>
-            <a:lvl5pPr>
-              <a:lnSpc>
-                <a:spcPct val="100000"/>
-              </a:lnSpc>
-              <a:spcBef>
-                <a:spcPts val="700"/>
-              </a:spcBef>
-              <a:defRPr sz="1600"/>
-            </a:lvl5pPr>
-            <a:extLst/>
-          </a:lstStyle>
-          <a:p>
-            <a:pPr lvl="0" eaLnBrk="1" latinLnBrk="0" hangingPunct="1"/>
-            <a:r>
-              <a:rPr lang="ru-RU" smtClean="0"/>
-              <a:t>Образец текста</a:t>
-            </a:r>
-          </a:p>
-          <a:p>
-            <a:pPr lvl="1" eaLnBrk="1" latinLnBrk="0" hangingPunct="1"/>
-            <a:r>
-              <a:rPr lang="ru-RU" smtClean="0"/>
-              <a:t>Второй уровень</a:t>
-            </a:r>
-          </a:p>
-          <a:p>
-            <a:pPr lvl="2" eaLnBrk="1" latinLnBrk="0" hangingPunct="1"/>
-            <a:r>
-              <a:rPr lang="ru-RU" smtClean="0"/>
-              <a:t>Третий уровень</a:t>
-            </a:r>
-          </a:p>
-          <a:p>
-            <a:pPr lvl="3" eaLnBrk="1" latinLnBrk="0" hangingPunct="1"/>
-            <a:r>
-              <a:rPr lang="ru-RU" smtClean="0"/>
-              <a:t>Четвертый уровень</a:t>
-            </a:r>
-          </a:p>
-          <a:p>
-            <a:pPr lvl="4" eaLnBrk="1" latinLnBrk="0" hangingPunct="1"/>
-            <a:r>
-              <a:rPr lang="ru-RU" smtClean="0"/>
-              <a:t>Пятый уровень</a:t>
-            </a:r>
-            <a:endParaRPr kumimoji="0" lang="en-US"/>
-          </a:p>
-        </p:txBody>
-      </p:sp>
-      <p:sp>
-        <p:nvSpPr>
-          <p:cNvPr id="7" name="Дата 6"/>
-          <p:cNvSpPr>
-            <a:spLocks noGrp="1"/>
-          </p:cNvSpPr>
-          <p:nvPr>
-            <p:ph type="dt" sz="half" idx="10"/>
-          </p:nvPr>
-        </p:nvSpPr>
-        <p:spPr/>
-        <p:txBody>
-          <a:bodyPr/>
-          <a:lstStyle>
-            <a:extLst/>
-          </a:lstStyle>
+          <a:lstStyle/>
           <a:p>
             <a:fld id="{7EAF463A-BC7C-46EE-9F1E-7F377CCA4891}" type="datetimeFigureOut">
               <a:rPr lang="en-US" smtClean="0"/>
               <a:pPr/>
-              <a:t>1/30/2019</a:t>
+              <a:t>1/31/2019</a:t>
             </a:fld>
             <a:endParaRPr lang="en-US"/>
           </a:p>
@@ -2183,9 +1971,7 @@
         <p:spPr/>
         <p:txBody>
           <a:bodyPr/>
-          <a:lstStyle>
-            <a:extLst/>
-          </a:lstStyle>
+          <a:lstStyle/>
           <a:p>
             <a:endParaRPr lang="en-US"/>
           </a:p>
@@ -2204,9 +1990,7 @@
         <p:spPr/>
         <p:txBody>
           <a:bodyPr/>
-          <a:lstStyle>
-            <a:extLst/>
-          </a:lstStyle>
+          <a:lstStyle/>
           <a:p>
             <a:fld id="{A483448D-3A78-4528-A469-B745A65DA480}" type="slidenum">
               <a:rPr lang="en-US" smtClean="0"/>
@@ -2214,6 +1998,120 @@
               <a:t>‹#›</a:t>
             </a:fld>
             <a:endParaRPr lang="en-US"/>
+          </a:p>
+        </p:txBody>
+      </p:sp>
+      <p:sp>
+        <p:nvSpPr>
+          <p:cNvPr id="11" name="Содержимое 10"/>
+          <p:cNvSpPr>
+            <a:spLocks noGrp="1"/>
+          </p:cNvSpPr>
+          <p:nvPr>
+            <p:ph sz="half" idx="2"/>
+          </p:nvPr>
+        </p:nvSpPr>
+        <p:spPr>
+          <a:xfrm>
+            <a:off x="914400" y="2247900"/>
+            <a:ext cx="3733800" cy="3886200"/>
+          </a:xfrm>
+        </p:spPr>
+        <p:txBody>
+          <a:bodyPr vert="horz"/>
+          <a:lstStyle/>
+          <a:p>
+            <a:pPr lvl="0" eaLnBrk="1" latinLnBrk="0" hangingPunct="1"/>
+            <a:r>
+              <a:rPr lang="ru-RU" smtClean="0"/>
+              <a:t>Образец текста</a:t>
+            </a:r>
+          </a:p>
+          <a:p>
+            <a:pPr lvl="1" eaLnBrk="1" latinLnBrk="0" hangingPunct="1"/>
+            <a:r>
+              <a:rPr lang="ru-RU" smtClean="0"/>
+              <a:t>Второй уровень</a:t>
+            </a:r>
+          </a:p>
+          <a:p>
+            <a:pPr lvl="2" eaLnBrk="1" latinLnBrk="0" hangingPunct="1"/>
+            <a:r>
+              <a:rPr lang="ru-RU" smtClean="0"/>
+              <a:t>Третий уровень</a:t>
+            </a:r>
+          </a:p>
+          <a:p>
+            <a:pPr lvl="3" eaLnBrk="1" latinLnBrk="0" hangingPunct="1"/>
+            <a:r>
+              <a:rPr lang="ru-RU" smtClean="0"/>
+              <a:t>Четвертый уровень</a:t>
+            </a:r>
+          </a:p>
+          <a:p>
+            <a:pPr lvl="4" eaLnBrk="1" latinLnBrk="0" hangingPunct="1"/>
+            <a:r>
+              <a:rPr lang="ru-RU" smtClean="0"/>
+              <a:t>Пятый уровень</a:t>
+            </a:r>
+            <a:endParaRPr kumimoji="0" lang="en-US"/>
+          </a:p>
+        </p:txBody>
+      </p:sp>
+      <p:sp>
+        <p:nvSpPr>
+          <p:cNvPr id="13" name="Содержимое 12"/>
+          <p:cNvSpPr>
+            <a:spLocks noGrp="1"/>
+          </p:cNvSpPr>
+          <p:nvPr>
+            <p:ph sz="half" idx="4"/>
+          </p:nvPr>
+        </p:nvSpPr>
+        <p:spPr>
+          <a:xfrm>
+            <a:off x="4953000" y="2247900"/>
+            <a:ext cx="3733800" cy="3886200"/>
+          </a:xfrm>
+        </p:spPr>
+        <p:txBody>
+          <a:bodyPr vert="horz"/>
+          <a:lstStyle/>
+          <a:p>
+            <a:pPr lvl="0" eaLnBrk="1" latinLnBrk="0" hangingPunct="1"/>
+            <a:r>
+              <a:rPr lang="ru-RU" smtClean="0"/>
+              <a:t>Образец текста</a:t>
+            </a:r>
+          </a:p>
+          <a:p>
+            <a:pPr lvl="1" eaLnBrk="1" latinLnBrk="0" hangingPunct="1"/>
+            <a:r>
+              <a:rPr lang="ru-RU" smtClean="0"/>
+              <a:t>Второй уровень</a:t>
+            </a:r>
+          </a:p>
+          <a:p>
+            <a:pPr lvl="2" eaLnBrk="1" latinLnBrk="0" hangingPunct="1"/>
+            <a:r>
+              <a:rPr lang="ru-RU" smtClean="0"/>
+              <a:t>Третий уровень</a:t>
+            </a:r>
+          </a:p>
+          <a:p>
+            <a:pPr lvl="3" eaLnBrk="1" latinLnBrk="0" hangingPunct="1"/>
+            <a:r>
+              <a:rPr lang="ru-RU" smtClean="0"/>
+              <a:t>Четвертый уровень</a:t>
+            </a:r>
+          </a:p>
+          <a:p>
+            <a:pPr lvl="4" eaLnBrk="1" latinLnBrk="0" hangingPunct="1"/>
+            <a:r>
+              <a:rPr lang="ru-RU" smtClean="0"/>
+              <a:t>Пятый уровень</a:t>
+            </a:r>
+            <a:endParaRPr kumimoji="0" lang="en-US"/>
           </a:p>
         </p:txBody>
       </p:sp>
@@ -2252,17 +2150,10 @@
             <p:ph type="title"/>
           </p:nvPr>
         </p:nvSpPr>
-        <p:spPr>
-          <a:xfrm>
-            <a:off x="1435608" y="274320"/>
-            <a:ext cx="7498080" cy="1143000"/>
-          </a:xfrm>
-        </p:spPr>
-        <p:txBody>
-          <a:bodyPr anchor="ctr"/>
-          <a:lstStyle>
-            <a:extLst/>
-          </a:lstStyle>
+        <p:spPr/>
+        <p:txBody>
+          <a:bodyPr/>
+          <a:lstStyle/>
           <a:p>
             <a:r>
               <a:rPr kumimoji="0" lang="ru-RU" smtClean="0"/>
@@ -2285,14 +2176,12 @@
         <p:spPr/>
         <p:txBody>
           <a:bodyPr/>
-          <a:lstStyle>
-            <a:extLst/>
-          </a:lstStyle>
+          <a:lstStyle/>
           <a:p>
             <a:fld id="{7EAF463A-BC7C-46EE-9F1E-7F377CCA4891}" type="datetimeFigureOut">
               <a:rPr lang="en-US" smtClean="0"/>
               <a:pPr/>
-              <a:t>1/30/2019</a:t>
+              <a:t>1/31/2019</a:t>
             </a:fld>
             <a:endParaRPr lang="en-US"/>
           </a:p>
@@ -2311,9 +2200,7 @@
         <p:spPr/>
         <p:txBody>
           <a:bodyPr/>
-          <a:lstStyle>
-            <a:extLst/>
-          </a:lstStyle>
+          <a:lstStyle/>
           <a:p>
             <a:endParaRPr lang="en-US"/>
           </a:p>
@@ -2332,9 +2219,7 @@
         <p:spPr/>
         <p:txBody>
           <a:bodyPr/>
-          <a:lstStyle>
-            <a:extLst/>
-          </a:lstStyle>
+          <a:lstStyle/>
           <a:p>
             <a:fld id="{A483448D-3A78-4528-A469-B745A65DA480}" type="slidenum">
               <a:rPr lang="en-US" smtClean="0"/>
@@ -2354,7 +2239,7 @@
 </file>
 
 <file path=ppt/slideLayouts/slideLayout7.xml><?xml version="1.0" encoding="utf-8"?>
-<p:sldLayout xmlns:a="http://schemas.openxmlformats.org/drawingml/2006/main" xmlns:r="http://schemas.openxmlformats.org/officeDocument/2006/relationships" xmlns:p="http://schemas.openxmlformats.org/presentationml/2006/main" showMasterSp="0" type="blank" preserve="1">
+<p:sldLayout xmlns:a="http://schemas.openxmlformats.org/drawingml/2006/main" xmlns:r="http://schemas.openxmlformats.org/officeDocument/2006/relationships" xmlns:p="http://schemas.openxmlformats.org/presentationml/2006/main" type="blank" preserve="1">
   <p:cSld name="Пустой слайд">
     <p:spTree>
       <p:nvGrpSpPr>
@@ -2372,54 +2257,6 @@
       </p:grpSpPr>
       <p:sp>
         <p:nvSpPr>
-          <p:cNvPr id="5" name="Прямоугольник 4"/>
-          <p:cNvSpPr/>
-          <p:nvPr/>
-        </p:nvSpPr>
-        <p:spPr>
-          <a:xfrm>
-            <a:off x="1014984" y="0"/>
-            <a:ext cx="8129016" cy="6858000"/>
-          </a:xfrm>
-          <a:prstGeom prst="rect">
-            <a:avLst/>
-          </a:prstGeom>
-          <a:solidFill>
-            <a:schemeClr val="bg1"/>
-          </a:solidFill>
-          <a:ln w="25400" cap="rnd" cmpd="sng" algn="ctr">
-            <a:noFill/>
-            <a:prstDash val="solid"/>
-          </a:ln>
-          <a:effectLst/>
-        </p:spPr>
-        <p:style>
-          <a:lnRef idx="3">
-            <a:schemeClr val="lt1"/>
-          </a:lnRef>
-          <a:fillRef idx="1">
-            <a:schemeClr val="accent1"/>
-          </a:fillRef>
-          <a:effectRef idx="1">
-            <a:schemeClr val="accent1"/>
-          </a:effectRef>
-          <a:fontRef idx="minor">
-            <a:schemeClr val="lt1"/>
-          </a:fontRef>
-        </p:style>
-        <p:txBody>
-          <a:bodyPr anchor="ctr"/>
-          <a:lstStyle>
-            <a:extLst/>
-          </a:lstStyle>
-          <a:p>
-            <a:pPr algn="ctr" eaLnBrk="1" latinLnBrk="0" hangingPunct="1"/>
-            <a:endParaRPr kumimoji="0" lang="en-US"/>
-          </a:p>
-        </p:txBody>
-      </p:sp>
-      <p:sp>
-        <p:nvSpPr>
           <p:cNvPr id="2" name="Дата 1"/>
           <p:cNvSpPr>
             <a:spLocks noGrp="1"/>
@@ -2431,14 +2268,12 @@
         <p:spPr/>
         <p:txBody>
           <a:bodyPr/>
-          <a:lstStyle>
-            <a:extLst/>
-          </a:lstStyle>
+          <a:lstStyle/>
           <a:p>
             <a:fld id="{7EAF463A-BC7C-46EE-9F1E-7F377CCA4891}" type="datetimeFigureOut">
               <a:rPr lang="en-US" smtClean="0"/>
               <a:pPr/>
-              <a:t>1/30/2019</a:t>
+              <a:t>1/31/2019</a:t>
             </a:fld>
             <a:endParaRPr lang="en-US"/>
           </a:p>
@@ -2457,9 +2292,7 @@
         <p:spPr/>
         <p:txBody>
           <a:bodyPr/>
-          <a:lstStyle>
-            <a:extLst/>
-          </a:lstStyle>
+          <a:lstStyle/>
           <a:p>
             <a:endParaRPr lang="en-US"/>
           </a:p>
@@ -2478,9 +2311,7 @@
         <p:spPr/>
         <p:txBody>
           <a:bodyPr/>
-          <a:lstStyle>
-            <a:extLst/>
-          </a:lstStyle>
+          <a:lstStyle/>
           <a:p>
             <a:fld id="{A483448D-3A78-4528-A469-B745A65DA480}" type="slidenum">
               <a:rPr lang="en-US" smtClean="0"/>
@@ -2488,62 +2319,6 @@
               <a:t>‹#›</a:t>
             </a:fld>
             <a:endParaRPr lang="en-US"/>
-          </a:p>
-        </p:txBody>
-      </p:sp>
-      <p:sp>
-        <p:nvSpPr>
-          <p:cNvPr id="6" name="Прямоугольник 5"/>
-          <p:cNvSpPr/>
-          <p:nvPr/>
-        </p:nvSpPr>
-        <p:spPr bwMode="invGray">
-          <a:xfrm>
-            <a:off x="1014984" y="-54"/>
-            <a:ext cx="73152" cy="6858054"/>
-          </a:xfrm>
-          <a:prstGeom prst="rect">
-            <a:avLst/>
-          </a:prstGeom>
-          <a:solidFill>
-            <a:schemeClr val="bg1"/>
-          </a:solidFill>
-          <a:ln w="25400" cap="rnd" cmpd="sng" algn="ctr">
-            <a:noFill/>
-            <a:prstDash val="solid"/>
-          </a:ln>
-          <a:effectLst>
-            <a:outerShdw blurRad="38550" dist="38000" dir="10800000" algn="tl" rotWithShape="0">
-              <a:schemeClr val="bg2">
-                <a:shade val="20000"/>
-                <a:satMod val="110000"/>
-                <a:alpha val="25000"/>
-              </a:schemeClr>
-            </a:outerShdw>
-          </a:effectLst>
-        </p:spPr>
-        <p:style>
-          <a:lnRef idx="3">
-            <a:schemeClr val="lt1"/>
-          </a:lnRef>
-          <a:fillRef idx="1">
-            <a:schemeClr val="accent1"/>
-          </a:fillRef>
-          <a:effectRef idx="1">
-            <a:schemeClr val="accent1"/>
-          </a:effectRef>
-          <a:fontRef idx="minor">
-            <a:schemeClr val="lt1"/>
-          </a:fontRef>
-        </p:style>
-        <p:txBody>
-          <a:bodyPr anchor="ctr"/>
-          <a:lstStyle>
-            <a:extLst/>
-          </a:lstStyle>
-          <a:p>
-            <a:pPr algn="ctr" eaLnBrk="1" latinLnBrk="0" hangingPunct="1"/>
-            <a:endParaRPr kumimoji="0" lang="en-US"/>
           </a:p>
         </p:txBody>
       </p:sp>
@@ -2556,7 +2331,7 @@
 </file>
 
 <file path=ppt/slideLayouts/slideLayout8.xml><?xml version="1.0" encoding="utf-8"?>
-<p:sldLayout xmlns:a="http://schemas.openxmlformats.org/drawingml/2006/main" xmlns:r="http://schemas.openxmlformats.org/officeDocument/2006/relationships" xmlns:p="http://schemas.openxmlformats.org/presentationml/2006/main" showMasterSp="0" type="objTx" preserve="1">
+<p:sldLayout xmlns:a="http://schemas.openxmlformats.org/drawingml/2006/main" xmlns:r="http://schemas.openxmlformats.org/officeDocument/2006/relationships" xmlns:p="http://schemas.openxmlformats.org/presentationml/2006/main" type="objTx" preserve="1">
   <p:cSld name="Объект с подписью">
     <p:spTree>
       <p:nvGrpSpPr>
@@ -2574,6 +2349,101 @@
       </p:grpSpPr>
       <p:sp>
         <p:nvSpPr>
+          <p:cNvPr id="8" name="Прямоугольник 7"/>
+          <p:cNvSpPr/>
+          <p:nvPr/>
+        </p:nvSpPr>
+        <p:spPr>
+          <a:xfrm>
+            <a:off x="0" y="0"/>
+            <a:ext cx="9144000" cy="6858000"/>
+          </a:xfrm>
+          <a:prstGeom prst="rect">
+            <a:avLst/>
+          </a:prstGeom>
+          <a:solidFill>
+            <a:srgbClr val="FFFFFF"/>
+          </a:solidFill>
+          <a:ln w="19050" cap="sq" cmpd="sng" algn="ctr">
+            <a:noFill/>
+            <a:prstDash val="solid"/>
+          </a:ln>
+          <a:effectLst/>
+        </p:spPr>
+        <p:style>
+          <a:lnRef idx="3">
+            <a:schemeClr val="lt1"/>
+          </a:lnRef>
+          <a:fillRef idx="1">
+            <a:schemeClr val="accent1"/>
+          </a:fillRef>
+          <a:effectRef idx="1">
+            <a:schemeClr val="accent1"/>
+          </a:effectRef>
+          <a:fontRef idx="minor">
+            <a:schemeClr val="lt1"/>
+          </a:fontRef>
+        </p:style>
+        <p:txBody>
+          <a:bodyPr anchor="ctr"/>
+          <a:lstStyle/>
+          <a:p>
+            <a:pPr algn="ctr" eaLnBrk="1" latinLnBrk="0" hangingPunct="1"/>
+            <a:endParaRPr kumimoji="0" lang="en-US"/>
+          </a:p>
+        </p:txBody>
+      </p:sp>
+      <p:sp useBgFill="1">
+        <p:nvSpPr>
+          <p:cNvPr id="9" name="Скругленный прямоугольник 8"/>
+          <p:cNvSpPr/>
+          <p:nvPr/>
+        </p:nvSpPr>
+        <p:spPr>
+          <a:xfrm>
+            <a:off x="64008" y="69755"/>
+            <a:ext cx="9013372" cy="6693408"/>
+          </a:xfrm>
+          <a:prstGeom prst="roundRect">
+            <a:avLst>
+              <a:gd name="adj" fmla="val 4929"/>
+            </a:avLst>
+          </a:prstGeom>
+          <a:ln w="6350" cap="sq" cmpd="sng" algn="ctr">
+            <a:solidFill>
+              <a:schemeClr val="tx1">
+                <a:alpha val="100000"/>
+              </a:schemeClr>
+            </a:solidFill>
+            <a:prstDash val="solid"/>
+          </a:ln>
+          <a:effectLst/>
+        </p:spPr>
+        <p:style>
+          <a:lnRef idx="3">
+            <a:schemeClr val="lt1"/>
+          </a:lnRef>
+          <a:fillRef idx="1001">
+            <a:schemeClr val="lt1"/>
+          </a:fillRef>
+          <a:effectRef idx="1">
+            <a:schemeClr val="accent1"/>
+          </a:effectRef>
+          <a:fontRef idx="minor">
+            <a:schemeClr val="lt1"/>
+          </a:fontRef>
+        </p:style>
+        <p:txBody>
+          <a:bodyPr anchor="ctr"/>
+          <a:lstStyle/>
+          <a:p>
+            <a:pPr algn="ctr" eaLnBrk="1" latinLnBrk="0" hangingPunct="1"/>
+            <a:endParaRPr kumimoji="0" lang="en-US"/>
+          </a:p>
+        </p:txBody>
+      </p:sp>
+      <p:sp>
+        <p:nvSpPr>
           <p:cNvPr id="2" name="Заголовок 1"/>
           <p:cNvSpPr>
             <a:spLocks noGrp="1"/>
@@ -2584,24 +2454,17 @@
         </p:nvSpPr>
         <p:spPr>
           <a:xfrm>
-            <a:off x="457200" y="216778"/>
-            <a:ext cx="3810000" cy="1162050"/>
-          </a:xfrm>
-          <a:ln>
-            <a:noFill/>
-          </a:ln>
-        </p:spPr>
-        <p:txBody>
-          <a:bodyPr anchor="b"/>
+            <a:off x="914400" y="273050"/>
+            <a:ext cx="7772400" cy="1143000"/>
+          </a:xfrm>
+        </p:spPr>
+        <p:txBody>
+          <a:bodyPr anchor="b" anchorCtr="0"/>
           <a:lstStyle>
             <a:lvl1pPr algn="l">
-              <a:lnSpc>
-                <a:spcPts val="2000"/>
-              </a:lnSpc>
               <a:buNone/>
-              <a:defRPr sz="2200" b="1" cap="all" baseline="0"/>
+              <a:defRPr sz="4000" b="0"/>
             </a:lvl1pPr>
-            <a:extLst/>
           </a:lstStyle>
           <a:p>
             <a:r>
@@ -2624,22 +2487,16 @@
         </p:nvSpPr>
         <p:spPr>
           <a:xfrm>
-            <a:off x="457200" y="1406964"/>
-            <a:ext cx="3810000" cy="698500"/>
+            <a:off x="914400" y="1600200"/>
+            <a:ext cx="1905000" cy="4495800"/>
           </a:xfrm>
         </p:spPr>
         <p:txBody>
           <a:bodyPr/>
           <a:lstStyle>
-            <a:lvl1pPr marL="45720" indent="0">
-              <a:lnSpc>
-                <a:spcPct val="100000"/>
-              </a:lnSpc>
-              <a:spcBef>
-                <a:spcPts val="0"/>
-              </a:spcBef>
+            <a:lvl1pPr marL="0" indent="0">
               <a:buNone/>
-              <a:defRPr sz="1400"/>
+              <a:defRPr sz="1800"/>
             </a:lvl1pPr>
             <a:lvl2pPr>
               <a:buNone/>
@@ -2657,7 +2514,6 @@
               <a:buNone/>
               <a:defRPr sz="900"/>
             </a:lvl5pPr>
-            <a:extLst/>
           </a:lstStyle>
           <a:p>
             <a:pPr lvl="0" eaLnBrk="1" latinLnBrk="0" hangingPunct="1"/>
@@ -2670,99 +2526,23 @@
       </p:sp>
       <p:sp>
         <p:nvSpPr>
-          <p:cNvPr id="4" name="Содержимое 3"/>
-          <p:cNvSpPr>
-            <a:spLocks noGrp="1"/>
-          </p:cNvSpPr>
-          <p:nvPr>
-            <p:ph sz="half" idx="1"/>
-          </p:nvPr>
-        </p:nvSpPr>
-        <p:spPr>
-          <a:xfrm>
-            <a:off x="457200" y="2133600"/>
-            <a:ext cx="8153400" cy="3992563"/>
-          </a:xfrm>
-        </p:spPr>
+          <p:cNvPr id="5" name="Дата 4"/>
+          <p:cNvSpPr>
+            <a:spLocks noGrp="1"/>
+          </p:cNvSpPr>
+          <p:nvPr>
+            <p:ph type="dt" sz="half" idx="10"/>
+          </p:nvPr>
+        </p:nvSpPr>
+        <p:spPr/>
         <p:txBody>
           <a:bodyPr/>
-          <a:lstStyle>
-            <a:lvl1pPr>
-              <a:defRPr sz="3200"/>
-            </a:lvl1pPr>
-            <a:lvl2pPr>
-              <a:defRPr sz="2800"/>
-            </a:lvl2pPr>
-            <a:lvl3pPr>
-              <a:defRPr sz="2400"/>
-            </a:lvl3pPr>
-            <a:lvl4pPr>
-              <a:defRPr sz="2000"/>
-            </a:lvl4pPr>
-            <a:lvl5pPr>
-              <a:defRPr sz="2000"/>
-            </a:lvl5pPr>
-            <a:extLst/>
-          </a:lstStyle>
-          <a:p>
-            <a:pPr lvl="0" eaLnBrk="1" latinLnBrk="0" hangingPunct="1"/>
-            <a:r>
-              <a:rPr lang="ru-RU" smtClean="0"/>
-              <a:t>Образец текста</a:t>
-            </a:r>
-          </a:p>
-          <a:p>
-            <a:pPr lvl="1" eaLnBrk="1" latinLnBrk="0" hangingPunct="1"/>
-            <a:r>
-              <a:rPr lang="ru-RU" smtClean="0"/>
-              <a:t>Второй уровень</a:t>
-            </a:r>
-          </a:p>
-          <a:p>
-            <a:pPr lvl="2" eaLnBrk="1" latinLnBrk="0" hangingPunct="1"/>
-            <a:r>
-              <a:rPr lang="ru-RU" smtClean="0"/>
-              <a:t>Третий уровень</a:t>
-            </a:r>
-          </a:p>
-          <a:p>
-            <a:pPr lvl="3" eaLnBrk="1" latinLnBrk="0" hangingPunct="1"/>
-            <a:r>
-              <a:rPr lang="ru-RU" smtClean="0"/>
-              <a:t>Четвертый уровень</a:t>
-            </a:r>
-          </a:p>
-          <a:p>
-            <a:pPr lvl="4" eaLnBrk="1" latinLnBrk="0" hangingPunct="1"/>
-            <a:r>
-              <a:rPr lang="ru-RU" smtClean="0"/>
-              <a:t>Пятый уровень</a:t>
-            </a:r>
-            <a:endParaRPr kumimoji="0" lang="en-US"/>
-          </a:p>
-        </p:txBody>
-      </p:sp>
-      <p:sp>
-        <p:nvSpPr>
-          <p:cNvPr id="5" name="Дата 4"/>
-          <p:cNvSpPr>
-            <a:spLocks noGrp="1"/>
-          </p:cNvSpPr>
-          <p:nvPr>
-            <p:ph type="dt" sz="half" idx="10"/>
-          </p:nvPr>
-        </p:nvSpPr>
-        <p:spPr/>
-        <p:txBody>
-          <a:bodyPr/>
-          <a:lstStyle>
-            <a:extLst/>
-          </a:lstStyle>
+          <a:lstStyle/>
           <a:p>
             <a:fld id="{7EAF463A-BC7C-46EE-9F1E-7F377CCA4891}" type="datetimeFigureOut">
               <a:rPr lang="en-US" smtClean="0"/>
               <a:pPr/>
-              <a:t>1/30/2019</a:t>
+              <a:t>1/31/2019</a:t>
             </a:fld>
             <a:endParaRPr lang="en-US"/>
           </a:p>
@@ -2781,9 +2561,7 @@
         <p:spPr/>
         <p:txBody>
           <a:bodyPr/>
-          <a:lstStyle>
-            <a:extLst/>
-          </a:lstStyle>
+          <a:lstStyle/>
           <a:p>
             <a:endParaRPr lang="en-US"/>
           </a:p>
@@ -2802,9 +2580,7 @@
         <p:spPr/>
         <p:txBody>
           <a:bodyPr/>
-          <a:lstStyle>
-            <a:extLst/>
-          </a:lstStyle>
+          <a:lstStyle/>
           <a:p>
             <a:fld id="{A483448D-3A78-4528-A469-B745A65DA480}" type="slidenum">
               <a:rPr lang="en-US" smtClean="0"/>
@@ -2812,6 +2588,63 @@
               <a:t>‹#›</a:t>
             </a:fld>
             <a:endParaRPr lang="en-US"/>
+          </a:p>
+        </p:txBody>
+      </p:sp>
+      <p:sp>
+        <p:nvSpPr>
+          <p:cNvPr id="11" name="Содержимое 10"/>
+          <p:cNvSpPr>
+            <a:spLocks noGrp="1"/>
+          </p:cNvSpPr>
+          <p:nvPr>
+            <p:ph sz="quarter" idx="1"/>
+          </p:nvPr>
+        </p:nvSpPr>
+        <p:spPr>
+          <a:xfrm>
+            <a:off x="2971800" y="1600200"/>
+            <a:ext cx="5715000" cy="4495800"/>
+          </a:xfrm>
+        </p:spPr>
+        <p:txBody>
+          <a:bodyPr vert="horz"/>
+          <a:lstStyle/>
+          <a:p>
+            <a:pPr lvl="0" eaLnBrk="1" latinLnBrk="0" hangingPunct="1"/>
+            <a:r>
+              <a:rPr lang="ru-RU" smtClean="0"/>
+              <a:t>Образец текста</a:t>
+            </a:r>
+          </a:p>
+          <a:p>
+            <a:pPr lvl="1" eaLnBrk="1" latinLnBrk="0" hangingPunct="1"/>
+            <a:r>
+              <a:rPr lang="ru-RU" smtClean="0"/>
+              <a:t>Второй уровень</a:t>
+            </a:r>
+          </a:p>
+          <a:p>
+            <a:pPr lvl="2" eaLnBrk="1" latinLnBrk="0" hangingPunct="1"/>
+            <a:r>
+              <a:rPr lang="ru-RU" smtClean="0"/>
+              <a:t>Третий уровень</a:t>
+            </a:r>
+          </a:p>
+          <a:p>
+            <a:pPr lvl="3" eaLnBrk="1" latinLnBrk="0" hangingPunct="1"/>
+            <a:r>
+              <a:rPr lang="ru-RU" smtClean="0"/>
+              <a:t>Четвертый уровень</a:t>
+            </a:r>
+          </a:p>
+          <a:p>
+            <a:pPr lvl="4" eaLnBrk="1" latinLnBrk="0" hangingPunct="1"/>
+            <a:r>
+              <a:rPr lang="ru-RU" smtClean="0"/>
+              <a:t>Пятый уровень</a:t>
+            </a:r>
+            <a:endParaRPr kumimoji="0" lang="en-US"/>
           </a:p>
         </p:txBody>
       </p:sp>
@@ -2824,7 +2657,7 @@
 </file>
 
 <file path=ppt/slideLayouts/slideLayout9.xml><?xml version="1.0" encoding="utf-8"?>
-<p:sldLayout xmlns:a="http://schemas.openxmlformats.org/drawingml/2006/main" xmlns:r="http://schemas.openxmlformats.org/officeDocument/2006/relationships" xmlns:p="http://schemas.openxmlformats.org/presentationml/2006/main" showMasterSp="0" type="picTx" preserve="1">
+<p:sldLayout xmlns:a="http://schemas.openxmlformats.org/drawingml/2006/main" xmlns:r="http://schemas.openxmlformats.org/officeDocument/2006/relationships" xmlns:p="http://schemas.openxmlformats.org/presentationml/2006/main" type="picTx" preserve="1">
   <p:cSld name="Рисунок с подписью">
     <p:spTree>
       <p:nvGrpSpPr>
@@ -2852,22 +2685,19 @@
         </p:nvSpPr>
         <p:spPr>
           <a:xfrm>
-            <a:off x="5886896" y="1066800"/>
-            <a:ext cx="2743200" cy="1981200"/>
-          </a:xfrm>
-        </p:spPr>
-        <p:txBody>
-          <a:bodyPr anchor="b">
+            <a:off x="914400" y="4900550"/>
+            <a:ext cx="7315200" cy="522288"/>
+          </a:xfrm>
+        </p:spPr>
+        <p:txBody>
+          <a:bodyPr anchor="ctr">
             <a:noAutofit/>
           </a:bodyPr>
           <a:lstStyle>
             <a:lvl1pPr algn="l">
               <a:buNone/>
-              <a:defRPr sz="2100" b="1">
-                <a:effectLst/>
-              </a:defRPr>
+              <a:defRPr sz="2800" b="0"/>
             </a:lvl1pPr>
-            <a:extLst/>
           </a:lstStyle>
           <a:p>
             <a:r>
@@ -2880,25 +2710,69 @@
       </p:sp>
       <p:sp>
         <p:nvSpPr>
-          <p:cNvPr id="5" name="Дата 4"/>
-          <p:cNvSpPr>
-            <a:spLocks noGrp="1"/>
-          </p:cNvSpPr>
-          <p:nvPr>
-            <p:ph type="dt" sz="half" idx="10"/>
-          </p:nvPr>
-        </p:nvSpPr>
-        <p:spPr/>
+          <p:cNvPr id="4" name="Текст 3"/>
+          <p:cNvSpPr>
+            <a:spLocks noGrp="1"/>
+          </p:cNvSpPr>
+          <p:nvPr>
+            <p:ph type="body" sz="half" idx="2"/>
+          </p:nvPr>
+        </p:nvSpPr>
+        <p:spPr>
+          <a:xfrm>
+            <a:off x="914400" y="5445825"/>
+            <a:ext cx="7315200" cy="685800"/>
+          </a:xfrm>
+        </p:spPr>
         <p:txBody>
           <a:bodyPr/>
           <a:lstStyle>
-            <a:extLst/>
+            <a:lvl1pPr marL="0" indent="0">
+              <a:buFontTx/>
+              <a:buNone/>
+              <a:defRPr sz="1600"/>
+            </a:lvl1pPr>
+            <a:lvl2pPr>
+              <a:defRPr sz="1200"/>
+            </a:lvl2pPr>
+            <a:lvl3pPr>
+              <a:defRPr sz="1000"/>
+            </a:lvl3pPr>
+            <a:lvl4pPr>
+              <a:defRPr sz="900"/>
+            </a:lvl4pPr>
+            <a:lvl5pPr>
+              <a:defRPr sz="900"/>
+            </a:lvl5pPr>
           </a:lstStyle>
+          <a:p>
+            <a:pPr lvl="0" eaLnBrk="1" latinLnBrk="0" hangingPunct="1"/>
+            <a:r>
+              <a:rPr kumimoji="0" lang="ru-RU" smtClean="0"/>
+              <a:t>Образец текста</a:t>
+            </a:r>
+          </a:p>
+        </p:txBody>
+      </p:sp>
+      <p:sp>
+        <p:nvSpPr>
+          <p:cNvPr id="5" name="Дата 4"/>
+          <p:cNvSpPr>
+            <a:spLocks noGrp="1"/>
+          </p:cNvSpPr>
+          <p:nvPr>
+            <p:ph type="dt" sz="half" idx="10"/>
+          </p:nvPr>
+        </p:nvSpPr>
+        <p:spPr/>
+        <p:txBody>
+          <a:bodyPr/>
+          <a:lstStyle/>
           <a:p>
             <a:fld id="{7EAF463A-BC7C-46EE-9F1E-7F377CCA4891}" type="datetimeFigureOut">
               <a:rPr lang="en-US" smtClean="0"/>
               <a:pPr/>
-              <a:t>1/30/2019</a:t>
+              <a:t>1/31/2019</a:t>
             </a:fld>
             <a:endParaRPr lang="en-US"/>
           </a:p>
@@ -2914,12 +2788,15 @@
             <p:ph type="ftr" sz="quarter" idx="11"/>
           </p:nvPr>
         </p:nvSpPr>
-        <p:spPr/>
+        <p:spPr>
+          <a:xfrm>
+            <a:off x="914400" y="6172200"/>
+            <a:ext cx="3886200" cy="457200"/>
+          </a:xfrm>
+        </p:spPr>
         <p:txBody>
           <a:bodyPr/>
-          <a:lstStyle>
-            <a:extLst/>
-          </a:lstStyle>
+          <a:lstStyle/>
           <a:p>
             <a:endParaRPr lang="en-US"/>
           </a:p>
@@ -2935,12 +2812,15 @@
             <p:ph type="sldNum" sz="quarter" idx="12"/>
           </p:nvPr>
         </p:nvSpPr>
-        <p:spPr/>
+        <p:spPr>
+          <a:xfrm>
+            <a:off x="146304" y="6208776"/>
+            <a:ext cx="457200" cy="457200"/>
+          </a:xfrm>
+        </p:spPr>
         <p:txBody>
           <a:bodyPr/>
-          <a:lstStyle>
-            <a:extLst/>
-          </a:lstStyle>
+          <a:lstStyle/>
           <a:p>
             <a:fld id="{A483448D-3A78-4528-A469-B745A65DA480}" type="slidenum">
               <a:rPr lang="en-US" smtClean="0"/>
@@ -2953,164 +2833,28 @@
       </p:sp>
       <p:sp>
         <p:nvSpPr>
-          <p:cNvPr id="8" name="Прямоугольник 7"/>
+          <p:cNvPr id="11" name="Прямоугольник 10"/>
           <p:cNvSpPr/>
           <p:nvPr/>
         </p:nvSpPr>
         <p:spPr>
-          <a:xfrm>
-            <a:off x="762000" y="1066800"/>
-            <a:ext cx="4572000" cy="4572000"/>
+          <a:xfrm flipV="1">
+            <a:off x="68307" y="4683555"/>
+            <a:ext cx="9006840" cy="91440"/>
           </a:xfrm>
           <a:prstGeom prst="rect">
             <a:avLst/>
           </a:prstGeom>
           <a:solidFill>
-            <a:srgbClr val="FFFFFF"/>
+            <a:schemeClr val="accent1">
+              <a:alpha val="100000"/>
+            </a:schemeClr>
           </a:solidFill>
-          <a:ln w="88900" cap="sq">
-            <a:solidFill>
-              <a:srgbClr val="FFFFFF"/>
-            </a:solidFill>
-            <a:miter lim="800000"/>
-          </a:ln>
-          <a:effectLst>
-            <a:outerShdw blurRad="55500" dist="18500" dir="5400000" algn="tl" rotWithShape="0">
-              <a:srgbClr val="000000">
-                <a:alpha val="35000"/>
-              </a:srgbClr>
-            </a:outerShdw>
-          </a:effectLst>
-          <a:scene3d>
-            <a:camera prst="orthographicFront"/>
-            <a:lightRig rig="twoPt" dir="t">
-              <a:rot lat="0" lon="0" rev="7200000"/>
-            </a:lightRig>
-          </a:scene3d>
-          <a:sp3d contourW="635">
-            <a:bevelT w="25400" h="19050"/>
-            <a:contourClr>
-              <a:srgbClr val="969696"/>
-            </a:contourClr>
-          </a:sp3d>
-        </p:spPr>
-        <p:txBody>
-          <a:bodyPr lIns="91440" tIns="274320" rtlCol="0" anchor="t">
-            <a:normAutofit/>
-          </a:bodyPr>
-          <a:lstStyle>
-            <a:extLst/>
-          </a:lstStyle>
-          <a:p>
-            <a:pPr marL="0" indent="-283464" algn="l" rtl="0" eaLnBrk="1" latinLnBrk="0" hangingPunct="1">
-              <a:lnSpc>
-                <a:spcPts val="3000"/>
-              </a:lnSpc>
-              <a:spcBef>
-                <a:spcPts val="600"/>
-              </a:spcBef>
-              <a:buClr>
-                <a:schemeClr val="accent1"/>
-              </a:buClr>
-              <a:buSzPct val="80000"/>
-              <a:buFont typeface="Wingdings 2"/>
-              <a:buNone/>
-            </a:pPr>
-            <a:endParaRPr kumimoji="0" lang="en-US" sz="3200" kern="1200">
-              <a:solidFill>
-                <a:schemeClr val="tx1"/>
-              </a:solidFill>
-              <a:latin typeface="+mn-lt"/>
-              <a:ea typeface="+mn-ea"/>
-              <a:cs typeface="+mn-cs"/>
-            </a:endParaRPr>
-          </a:p>
-        </p:txBody>
-      </p:sp>
-      <p:sp>
-        <p:nvSpPr>
-          <p:cNvPr id="3" name="Рисунок 2"/>
-          <p:cNvSpPr>
-            <a:spLocks noGrp="1"/>
-          </p:cNvSpPr>
-          <p:nvPr>
-            <p:ph type="pic" idx="1"/>
-          </p:nvPr>
-        </p:nvSpPr>
-        <p:spPr>
-          <a:xfrm>
-            <a:off x="838200" y="1143003"/>
-            <a:ext cx="4419600" cy="3514531"/>
-          </a:xfrm>
-          <a:prstGeom prst="roundRect">
-            <a:avLst>
-              <a:gd name="adj" fmla="val 783"/>
-            </a:avLst>
-          </a:prstGeom>
-          <a:solidFill>
-            <a:schemeClr val="bg2"/>
-          </a:solidFill>
-          <a:ln w="127000">
+          <a:ln w="19050" cap="sq" cmpd="sng" algn="ctr">
             <a:noFill/>
-            <a:miter lim="800000"/>
+            <a:prstDash val="solid"/>
           </a:ln>
           <a:effectLst/>
-        </p:spPr>
-        <p:txBody>
-          <a:bodyPr lIns="91440" tIns="274320" anchor="t"/>
-          <a:lstStyle>
-            <a:lvl1pPr indent="0">
-              <a:buNone/>
-              <a:defRPr sz="3200"/>
-            </a:lvl1pPr>
-            <a:extLst/>
-          </a:lstStyle>
-          <a:p>
-            <a:pPr marL="0" algn="l" eaLnBrk="1" latinLnBrk="0" hangingPunct="1"/>
-            <a:r>
-              <a:rPr kumimoji="0" lang="ru-RU" smtClean="0"/>
-              <a:t>Вставка рисунка</a:t>
-            </a:r>
-            <a:endParaRPr kumimoji="0" lang="en-US" dirty="0"/>
-          </a:p>
-        </p:txBody>
-      </p:sp>
-      <p:sp>
-        <p:nvSpPr>
-          <p:cNvPr id="9" name="Блок-схема: процесс 8"/>
-          <p:cNvSpPr/>
-          <p:nvPr/>
-        </p:nvSpPr>
-        <p:spPr>
-          <a:xfrm rot="19468671">
-            <a:off x="396725" y="954341"/>
-            <a:ext cx="685800" cy="204310"/>
-          </a:xfrm>
-          <a:prstGeom prst="flowChartProcess">
-            <a:avLst/>
-          </a:prstGeom>
-          <a:solidFill>
-            <a:srgbClr val="FBFBFB">
-              <a:alpha val="45098"/>
-            </a:srgbClr>
-          </a:solidFill>
-          <a:ln w="6350" cap="rnd" cmpd="sng" algn="ctr">
-            <a:solidFill>
-              <a:srgbClr val="FFFFFF">
-                <a:alpha val="100000"/>
-              </a:srgbClr>
-            </a:solidFill>
-            <a:prstDash val="solid"/>
-          </a:ln>
-          <a:effectLst>
-            <a:outerShdw blurRad="25400" dist="25400" dir="3300000" sx="96000" sy="96000" algn="tl" rotWithShape="0">
-              <a:schemeClr val="bg2">
-                <a:shade val="90000"/>
-                <a:satMod val="200000"/>
-                <a:alpha val="40000"/>
-              </a:schemeClr>
-            </a:outerShdw>
-          </a:effectLst>
         </p:spPr>
         <p:style>
           <a:lnRef idx="3">
@@ -3128,9 +2872,7 @@
         </p:style>
         <p:txBody>
           <a:bodyPr anchor="ctr"/>
-          <a:lstStyle>
-            <a:extLst/>
-          </a:lstStyle>
+          <a:lstStyle/>
           <a:p>
             <a:pPr algn="ctr" eaLnBrk="1" latinLnBrk="0" hangingPunct="1"/>
             <a:endParaRPr kumimoji="0" lang="en-US"/>
@@ -3139,38 +2881,28 @@
       </p:sp>
       <p:sp>
         <p:nvSpPr>
-          <p:cNvPr id="10" name="Блок-схема: процесс 9"/>
+          <p:cNvPr id="12" name="Прямоугольник 11"/>
           <p:cNvSpPr/>
           <p:nvPr/>
         </p:nvSpPr>
         <p:spPr>
-          <a:xfrm rot="2103354" flipH="1">
-            <a:off x="5003667" y="936786"/>
-            <a:ext cx="649224" cy="204310"/>
-          </a:xfrm>
-          <a:prstGeom prst="flowChartProcess">
+          <a:xfrm>
+            <a:off x="68508" y="4650474"/>
+            <a:ext cx="9006639" cy="45719"/>
+          </a:xfrm>
+          <a:prstGeom prst="rect">
             <a:avLst/>
           </a:prstGeom>
           <a:solidFill>
-            <a:srgbClr val="FBFBFB">
-              <a:alpha val="45098"/>
-            </a:srgbClr>
+            <a:schemeClr val="accent1">
+              <a:tint val="60000"/>
+            </a:schemeClr>
           </a:solidFill>
-          <a:ln w="6350" cap="rnd" cmpd="sng" algn="ctr">
-            <a:solidFill>
-              <a:srgbClr val="FFFFFF">
-                <a:alpha val="100000"/>
-              </a:srgbClr>
-            </a:solidFill>
+          <a:ln w="19050" cap="sq" cmpd="sng" algn="ctr">
+            <a:noFill/>
             <a:prstDash val="solid"/>
           </a:ln>
-          <a:effectLst>
-            <a:outerShdw blurRad="25400" dist="25400" dir="3300000" sx="96000" sy="96000" algn="tl" rotWithShape="0">
-              <a:schemeClr val="bg2">
-                <a:alpha val="20000"/>
-              </a:schemeClr>
-            </a:outerShdw>
-          </a:effectLst>
+          <a:effectLst/>
         </p:spPr>
         <p:style>
           <a:lnRef idx="3">
@@ -3188,68 +2920,103 @@
         </p:style>
         <p:txBody>
           <a:bodyPr anchor="ctr"/>
+          <a:lstStyle/>
+          <a:p>
+            <a:pPr algn="ctr" eaLnBrk="1" latinLnBrk="0" hangingPunct="1"/>
+            <a:endParaRPr kumimoji="0" lang="en-US"/>
+          </a:p>
+        </p:txBody>
+      </p:sp>
+      <p:sp>
+        <p:nvSpPr>
+          <p:cNvPr id="13" name="Прямоугольник 12"/>
+          <p:cNvSpPr/>
+          <p:nvPr/>
+        </p:nvSpPr>
+        <p:spPr>
+          <a:xfrm>
+            <a:off x="68510" y="4773224"/>
+            <a:ext cx="9006637" cy="48807"/>
+          </a:xfrm>
+          <a:prstGeom prst="rect">
+            <a:avLst/>
+          </a:prstGeom>
+          <a:solidFill>
+            <a:schemeClr val="accent5"/>
+          </a:solidFill>
+          <a:ln w="19050" cap="sq" cmpd="sng" algn="ctr">
+            <a:noFill/>
+            <a:prstDash val="solid"/>
+          </a:ln>
+          <a:effectLst/>
+        </p:spPr>
+        <p:style>
+          <a:lnRef idx="3">
+            <a:schemeClr val="lt1"/>
+          </a:lnRef>
+          <a:fillRef idx="1">
+            <a:schemeClr val="accent1"/>
+          </a:fillRef>
+          <a:effectRef idx="1">
+            <a:schemeClr val="accent1"/>
+          </a:effectRef>
+          <a:fontRef idx="minor">
+            <a:schemeClr val="lt1"/>
+          </a:fontRef>
+        </p:style>
+        <p:txBody>
+          <a:bodyPr anchor="ctr"/>
+          <a:lstStyle/>
+          <a:p>
+            <a:pPr algn="ctr" eaLnBrk="1" latinLnBrk="0" hangingPunct="1"/>
+            <a:endParaRPr kumimoji="0" lang="en-US"/>
+          </a:p>
+        </p:txBody>
+      </p:sp>
+      <p:sp>
+        <p:nvSpPr>
+          <p:cNvPr id="3" name="Рисунок 2"/>
+          <p:cNvSpPr>
+            <a:spLocks noGrp="1"/>
+          </p:cNvSpPr>
+          <p:nvPr>
+            <p:ph type="pic" idx="1"/>
+          </p:nvPr>
+        </p:nvSpPr>
+        <p:spPr>
+          <a:xfrm>
+            <a:off x="68308" y="66675"/>
+            <a:ext cx="9001873" cy="4581525"/>
+          </a:xfrm>
+          <a:prstGeom prst="round2SameRect">
+            <a:avLst>
+              <a:gd name="adj1" fmla="val 7101"/>
+              <a:gd name="adj2" fmla="val 0"/>
+            </a:avLst>
+          </a:prstGeom>
+          <a:solidFill>
+            <a:schemeClr val="bg2"/>
+          </a:solidFill>
+          <a:ln w="6350">
+            <a:solidFill>
+              <a:schemeClr val="tx1"/>
+            </a:solidFill>
+          </a:ln>
+        </p:spPr>
+        <p:txBody>
+          <a:bodyPr/>
           <a:lstStyle>
-            <a:extLst/>
+            <a:lvl1pPr marL="0" indent="0">
+              <a:buNone/>
+              <a:defRPr sz="3200"/>
+            </a:lvl1pPr>
           </a:lstStyle>
           <a:p>
-            <a:pPr algn="ctr" eaLnBrk="1" latinLnBrk="0" hangingPunct="1"/>
+            <a:r>
+              <a:rPr kumimoji="0" lang="ru-RU" smtClean="0"/>
+              <a:t>Вставка рисунка</a:t>
+            </a:r>
             <a:endParaRPr kumimoji="0" lang="en-US" dirty="0"/>
-          </a:p>
-        </p:txBody>
-      </p:sp>
-      <p:sp>
-        <p:nvSpPr>
-          <p:cNvPr id="4" name="Текст 3"/>
-          <p:cNvSpPr>
-            <a:spLocks noGrp="1"/>
-          </p:cNvSpPr>
-          <p:nvPr>
-            <p:ph type="body" sz="half" idx="2"/>
-          </p:nvPr>
-        </p:nvSpPr>
-        <p:spPr>
-          <a:xfrm>
-            <a:off x="838200" y="4800600"/>
-            <a:ext cx="4419600" cy="762000"/>
-          </a:xfrm>
-        </p:spPr>
-        <p:txBody>
-          <a:bodyPr anchor="ctr"/>
-          <a:lstStyle>
-            <a:lvl1pPr marL="0" indent="0" algn="l">
-              <a:lnSpc>
-                <a:spcPts val="1600"/>
-              </a:lnSpc>
-              <a:spcBef>
-                <a:spcPts val="0"/>
-              </a:spcBef>
-              <a:buNone/>
-              <a:defRPr sz="1400">
-                <a:solidFill>
-                  <a:srgbClr val="777777"/>
-                </a:solidFill>
-              </a:defRPr>
-            </a:lvl1pPr>
-            <a:lvl2pPr>
-              <a:defRPr sz="1200"/>
-            </a:lvl2pPr>
-            <a:lvl3pPr>
-              <a:defRPr sz="1000"/>
-            </a:lvl3pPr>
-            <a:lvl4pPr>
-              <a:defRPr sz="900"/>
-            </a:lvl4pPr>
-            <a:lvl5pPr>
-              <a:defRPr sz="900"/>
-            </a:lvl5pPr>
-            <a:extLst/>
-          </a:lstStyle>
-          <a:p>
-            <a:pPr lvl="0" eaLnBrk="1" latinLnBrk="0" hangingPunct="1"/>
-            <a:r>
-              <a:rPr kumimoji="0" lang="ru-RU" smtClean="0"/>
-              <a:t>Образец текста</a:t>
-            </a:r>
           </a:p>
         </p:txBody>
       </p:sp>
@@ -3265,8 +3032,8 @@
 <p:sldMaster xmlns:a="http://schemas.openxmlformats.org/drawingml/2006/main" xmlns:r="http://schemas.openxmlformats.org/officeDocument/2006/relationships" xmlns:p="http://schemas.openxmlformats.org/presentationml/2006/main">
   <p:cSld>
     <p:bg>
-      <p:bgRef idx="1003">
-        <a:schemeClr val="bg2"/>
+      <p:bgRef idx="1001">
+        <a:schemeClr val="bg1"/>
       </p:bgRef>
     </p:bg>
     <p:spTree>
@@ -3285,33 +3052,68 @@
       </p:grpSpPr>
       <p:sp>
         <p:nvSpPr>
-          <p:cNvPr id="7" name="Пирог 6"/>
+          <p:cNvPr id="9" name="Прямоугольник 8"/>
           <p:cNvSpPr/>
           <p:nvPr/>
         </p:nvSpPr>
         <p:spPr>
           <a:xfrm>
-            <a:off x="-815927" y="-815922"/>
-            <a:ext cx="1638887" cy="1638887"/>
-          </a:xfrm>
-          <a:prstGeom prst="pie">
+            <a:off x="0" y="0"/>
+            <a:ext cx="9144000" cy="6858000"/>
+          </a:xfrm>
+          <a:prstGeom prst="rect">
+            <a:avLst/>
+          </a:prstGeom>
+          <a:solidFill>
+            <a:srgbClr val="FFFFFF"/>
+          </a:solidFill>
+          <a:ln w="12700" cap="flat" cmpd="sng" algn="ctr">
+            <a:noFill/>
+            <a:prstDash val="solid"/>
+          </a:ln>
+        </p:spPr>
+        <p:style>
+          <a:lnRef idx="2">
+            <a:schemeClr val="accent1"/>
+          </a:lnRef>
+          <a:fillRef idx="1">
+            <a:schemeClr val="accent1"/>
+          </a:fillRef>
+          <a:effectRef idx="0">
+            <a:schemeClr val="accent1"/>
+          </a:effectRef>
+          <a:fontRef idx="minor">
+            <a:schemeClr val="lt1"/>
+          </a:fontRef>
+        </p:style>
+        <p:txBody>
+          <a:bodyPr rtlCol="0" anchor="ctr"/>
+          <a:lstStyle/>
+          <a:p>
+            <a:pPr algn="ctr" eaLnBrk="1" latinLnBrk="0" hangingPunct="1"/>
+            <a:endParaRPr kumimoji="0" lang="en-US"/>
+          </a:p>
+        </p:txBody>
+      </p:sp>
+      <p:sp useBgFill="1">
+        <p:nvSpPr>
+          <p:cNvPr id="8" name="Скругленный прямоугольник 7"/>
+          <p:cNvSpPr/>
+          <p:nvPr/>
+        </p:nvSpPr>
+        <p:spPr>
+          <a:xfrm>
+            <a:off x="64008" y="69755"/>
+            <a:ext cx="9013372" cy="6693408"/>
+          </a:xfrm>
+          <a:prstGeom prst="roundRect">
             <a:avLst>
-              <a:gd name="adj1" fmla="val 0"/>
-              <a:gd name="adj2" fmla="val 5402120"/>
+              <a:gd name="adj" fmla="val 4929"/>
             </a:avLst>
           </a:prstGeom>
-          <a:solidFill>
-            <a:schemeClr val="bg2">
-              <a:tint val="18000"/>
-              <a:satMod val="220000"/>
-              <a:alpha val="33000"/>
-            </a:schemeClr>
-          </a:solidFill>
-          <a:ln w="3175" cap="rnd" cmpd="sng" algn="ctr">
+          <a:ln w="6350" cap="sq" cmpd="sng" algn="ctr">
             <a:solidFill>
-              <a:schemeClr val="bg2">
-                <a:shade val="70000"/>
-                <a:satMod val="200000"/>
+              <a:schemeClr val="tx1">
                 <a:alpha val="100000"/>
               </a:schemeClr>
             </a:solidFill>
@@ -3323,8 +3125,8 @@
           <a:lnRef idx="3">
             <a:schemeClr val="lt1"/>
           </a:lnRef>
-          <a:fillRef idx="1">
-            <a:schemeClr val="accent1"/>
+          <a:fillRef idx="1001">
+            <a:schemeClr val="lt1"/>
           </a:fillRef>
           <a:effectRef idx="1">
             <a:schemeClr val="accent1"/>
@@ -3335,9 +3137,7 @@
         </p:style>
         <p:txBody>
           <a:bodyPr anchor="ctr"/>
-          <a:lstStyle>
-            <a:extLst/>
-          </a:lstStyle>
+          <a:lstStyle/>
           <a:p>
             <a:pPr algn="ctr" eaLnBrk="1" latinLnBrk="0" hangingPunct="1"/>
             <a:endParaRPr kumimoji="0" lang="en-US"/>
@@ -3346,421 +3146,211 @@
       </p:sp>
       <p:sp>
         <p:nvSpPr>
-          <p:cNvPr id="8" name="Овал 7"/>
-          <p:cNvSpPr/>
-          <p:nvPr/>
+          <p:cNvPr id="22" name="Заголовок 21"/>
+          <p:cNvSpPr>
+            <a:spLocks noGrp="1"/>
+          </p:cNvSpPr>
+          <p:nvPr>
+            <p:ph type="title"/>
+          </p:nvPr>
         </p:nvSpPr>
         <p:spPr>
           <a:xfrm>
-            <a:off x="168816" y="21102"/>
-            <a:ext cx="1702191" cy="1702191"/>
+            <a:off x="914400" y="274638"/>
+            <a:ext cx="7772400" cy="1143000"/>
+          </a:xfrm>
+          <a:prstGeom prst="rect">
+            <a:avLst/>
+          </a:prstGeom>
+        </p:spPr>
+        <p:txBody>
+          <a:bodyPr bIns="91440" anchor="b" anchorCtr="0">
+            <a:normAutofit/>
+          </a:bodyPr>
+          <a:lstStyle/>
+          <a:p>
+            <a:r>
+              <a:rPr kumimoji="0" lang="ru-RU" smtClean="0"/>
+              <a:t>Образец заголовка</a:t>
+            </a:r>
+            <a:endParaRPr kumimoji="0" lang="en-US"/>
+          </a:p>
+        </p:txBody>
+      </p:sp>
+      <p:sp>
+        <p:nvSpPr>
+          <p:cNvPr id="13" name="Текст 12"/>
+          <p:cNvSpPr>
+            <a:spLocks noGrp="1"/>
+          </p:cNvSpPr>
+          <p:nvPr>
+            <p:ph type="body" idx="1"/>
+          </p:nvPr>
+        </p:nvSpPr>
+        <p:spPr>
+          <a:xfrm>
+            <a:off x="914400" y="1447800"/>
+            <a:ext cx="7772400" cy="4572000"/>
+          </a:xfrm>
+          <a:prstGeom prst="rect">
+            <a:avLst/>
+          </a:prstGeom>
+        </p:spPr>
+        <p:txBody>
+          <a:bodyPr>
+            <a:normAutofit/>
+          </a:bodyPr>
+          <a:lstStyle/>
+          <a:p>
+            <a:pPr lvl="0" eaLnBrk="1" latinLnBrk="0" hangingPunct="1"/>
+            <a:r>
+              <a:rPr kumimoji="0" lang="ru-RU" smtClean="0"/>
+              <a:t>Образец текста</a:t>
+            </a:r>
+          </a:p>
+          <a:p>
+            <a:pPr lvl="1" eaLnBrk="1" latinLnBrk="0" hangingPunct="1"/>
+            <a:r>
+              <a:rPr kumimoji="0" lang="ru-RU" smtClean="0"/>
+              <a:t>Второй уровень</a:t>
+            </a:r>
+          </a:p>
+          <a:p>
+            <a:pPr lvl="2" eaLnBrk="1" latinLnBrk="0" hangingPunct="1"/>
+            <a:r>
+              <a:rPr kumimoji="0" lang="ru-RU" smtClean="0"/>
+              <a:t>Третий уровень</a:t>
+            </a:r>
+          </a:p>
+          <a:p>
+            <a:pPr lvl="3" eaLnBrk="1" latinLnBrk="0" hangingPunct="1"/>
+            <a:r>
+              <a:rPr kumimoji="0" lang="ru-RU" smtClean="0"/>
+              <a:t>Четвертый уровень</a:t>
+            </a:r>
+          </a:p>
+          <a:p>
+            <a:pPr lvl="4" eaLnBrk="1" latinLnBrk="0" hangingPunct="1"/>
+            <a:r>
+              <a:rPr kumimoji="0" lang="ru-RU" smtClean="0"/>
+              <a:t>Пятый уровень</a:t>
+            </a:r>
+            <a:endParaRPr kumimoji="0" lang="en-US"/>
+          </a:p>
+        </p:txBody>
+      </p:sp>
+      <p:sp>
+        <p:nvSpPr>
+          <p:cNvPr id="14" name="Дата 13"/>
+          <p:cNvSpPr>
+            <a:spLocks noGrp="1"/>
+          </p:cNvSpPr>
+          <p:nvPr>
+            <p:ph type="dt" sz="half" idx="2"/>
+          </p:nvPr>
+        </p:nvSpPr>
+        <p:spPr>
+          <a:xfrm>
+            <a:off x="6172200" y="6191250"/>
+            <a:ext cx="2476500" cy="476250"/>
+          </a:xfrm>
+          <a:prstGeom prst="rect">
+            <a:avLst/>
+          </a:prstGeom>
+        </p:spPr>
+        <p:txBody>
+          <a:bodyPr anchor="ctr" anchorCtr="0"/>
+          <a:lstStyle>
+            <a:lvl1pPr algn="r" eaLnBrk="1" latinLnBrk="0" hangingPunct="1">
+              <a:defRPr kumimoji="0" sz="1400">
+                <a:solidFill>
+                  <a:schemeClr val="tx2"/>
+                </a:solidFill>
+              </a:defRPr>
+            </a:lvl1pPr>
+          </a:lstStyle>
+          <a:p>
+            <a:fld id="{7EAF463A-BC7C-46EE-9F1E-7F377CCA4891}" type="datetimeFigureOut">
+              <a:rPr lang="en-US" smtClean="0"/>
+              <a:pPr/>
+              <a:t>1/31/2019</a:t>
+            </a:fld>
+            <a:endParaRPr lang="en-US"/>
+          </a:p>
+        </p:txBody>
+      </p:sp>
+      <p:sp>
+        <p:nvSpPr>
+          <p:cNvPr id="3" name="Нижний колонтитул 2"/>
+          <p:cNvSpPr>
+            <a:spLocks noGrp="1"/>
+          </p:cNvSpPr>
+          <p:nvPr>
+            <p:ph type="ftr" sz="quarter" idx="3"/>
+          </p:nvPr>
+        </p:nvSpPr>
+        <p:spPr>
+          <a:xfrm>
+            <a:off x="914400" y="6172200"/>
+            <a:ext cx="3962400" cy="457200"/>
+          </a:xfrm>
+          <a:prstGeom prst="rect">
+            <a:avLst/>
+          </a:prstGeom>
+        </p:spPr>
+        <p:txBody>
+          <a:bodyPr anchor="ctr" anchorCtr="0"/>
+          <a:lstStyle>
+            <a:lvl1pPr eaLnBrk="1" latinLnBrk="0" hangingPunct="1">
+              <a:defRPr kumimoji="0" sz="1400">
+                <a:solidFill>
+                  <a:schemeClr val="tx2"/>
+                </a:solidFill>
+              </a:defRPr>
+            </a:lvl1pPr>
+          </a:lstStyle>
+          <a:p>
+            <a:endParaRPr lang="en-US"/>
+          </a:p>
+        </p:txBody>
+      </p:sp>
+      <p:sp>
+        <p:nvSpPr>
+          <p:cNvPr id="23" name="Номер слайда 22"/>
+          <p:cNvSpPr>
+            <a:spLocks noGrp="1"/>
+          </p:cNvSpPr>
+          <p:nvPr>
+            <p:ph type="sldNum" sz="quarter" idx="4"/>
+          </p:nvPr>
+        </p:nvSpPr>
+        <p:spPr>
+          <a:xfrm>
+            <a:off x="146304" y="6210300"/>
+            <a:ext cx="457200" cy="457200"/>
           </a:xfrm>
           <a:prstGeom prst="ellipse">
             <a:avLst/>
           </a:prstGeom>
-          <a:noFill/>
-          <a:ln w="27305" cap="rnd" cmpd="sng" algn="ctr">
-            <a:solidFill>
-              <a:schemeClr val="bg2">
-                <a:tint val="45000"/>
-                <a:satMod val="325000"/>
-                <a:alpha val="100000"/>
-              </a:schemeClr>
-            </a:solidFill>
-            <a:prstDash val="solid"/>
-          </a:ln>
-          <a:effectLst>
-            <a:outerShdw blurRad="25400" dist="25400" dir="5400000" algn="tl" rotWithShape="0">
-              <a:schemeClr val="bg2">
-                <a:shade val="50000"/>
-                <a:satMod val="150000"/>
-                <a:alpha val="85000"/>
-              </a:schemeClr>
-            </a:outerShdw>
-          </a:effectLst>
-        </p:spPr>
-        <p:style>
-          <a:lnRef idx="3">
-            <a:schemeClr val="lt1"/>
-          </a:lnRef>
-          <a:fillRef idx="1">
+          <a:solidFill>
             <a:schemeClr val="accent1"/>
-          </a:fillRef>
-          <a:effectRef idx="1">
-            <a:schemeClr val="accent1"/>
-          </a:effectRef>
-          <a:fontRef idx="minor">
-            <a:schemeClr val="lt1"/>
-          </a:fontRef>
-        </p:style>
-        <p:txBody>
-          <a:bodyPr anchor="ctr"/>
-          <a:lstStyle>
-            <a:extLst/>
-          </a:lstStyle>
-          <a:p>
-            <a:pPr algn="ctr" eaLnBrk="1" latinLnBrk="0" hangingPunct="1"/>
-            <a:endParaRPr kumimoji="0" lang="en-US"/>
-          </a:p>
-        </p:txBody>
-      </p:sp>
-      <p:sp>
-        <p:nvSpPr>
-          <p:cNvPr id="11" name="Кольцо 10"/>
-          <p:cNvSpPr/>
-          <p:nvPr/>
-        </p:nvSpPr>
-        <p:spPr>
-          <a:xfrm rot="2315675">
-            <a:off x="182881" y="1055077"/>
-            <a:ext cx="1125717" cy="1102624"/>
-          </a:xfrm>
-          <a:prstGeom prst="donut">
-            <a:avLst>
-              <a:gd name="adj" fmla="val 11833"/>
-            </a:avLst>
-          </a:prstGeom>
-          <a:gradFill rotWithShape="1">
-            <a:gsLst>
-              <a:gs pos="0">
-                <a:schemeClr val="bg2">
-                  <a:tint val="10000"/>
-                  <a:shade val="99000"/>
-                  <a:satMod val="355000"/>
-                  <a:alpha val="70000"/>
-                </a:schemeClr>
-              </a:gs>
-              <a:gs pos="70000">
-                <a:schemeClr val="bg2">
-                  <a:tint val="6000"/>
-                  <a:shade val="100000"/>
-                  <a:satMod val="400000"/>
-                  <a:alpha val="55000"/>
-                </a:schemeClr>
-              </a:gs>
-              <a:gs pos="100000">
-                <a:schemeClr val="bg2">
-                  <a:tint val="100000"/>
-                  <a:shade val="75000"/>
-                  <a:satMod val="370000"/>
-                  <a:alpha val="60000"/>
-                </a:schemeClr>
-              </a:gs>
-            </a:gsLst>
-            <a:path path="circle">
-              <a:fillToRect l="-407500" t="-50000" r="507500" b="150000"/>
-            </a:path>
-          </a:gradFill>
-          <a:ln w="7350" cap="rnd" cmpd="sng" algn="ctr">
-            <a:solidFill>
-              <a:schemeClr val="bg2">
-                <a:shade val="60000"/>
-                <a:satMod val="220000"/>
-                <a:alpha val="100000"/>
-              </a:schemeClr>
-            </a:solidFill>
-            <a:prstDash val="solid"/>
-          </a:ln>
-          <a:effectLst>
-            <a:outerShdw blurRad="12700" dist="15000" dir="4500000" algn="tl" rotWithShape="0">
-              <a:schemeClr val="bg2">
-                <a:shade val="10000"/>
-                <a:satMod val="200000"/>
-                <a:alpha val="35000"/>
-              </a:schemeClr>
-            </a:outerShdw>
-          </a:effectLst>
-        </p:spPr>
-        <p:style>
-          <a:lnRef idx="3">
-            <a:schemeClr val="lt1"/>
-          </a:lnRef>
-          <a:fillRef idx="1">
-            <a:schemeClr val="accent1"/>
-          </a:fillRef>
-          <a:effectRef idx="1">
-            <a:schemeClr val="accent1"/>
-          </a:effectRef>
-          <a:fontRef idx="minor">
-            <a:schemeClr val="lt1"/>
-          </a:fontRef>
-        </p:style>
-        <p:txBody>
-          <a:bodyPr anchor="ctr"/>
-          <a:lstStyle>
-            <a:extLst/>
-          </a:lstStyle>
-          <a:p>
-            <a:pPr algn="ctr" eaLnBrk="1" latinLnBrk="0" hangingPunct="1"/>
-            <a:endParaRPr kumimoji="0" lang="en-US"/>
-          </a:p>
-        </p:txBody>
-      </p:sp>
-      <p:sp>
-        <p:nvSpPr>
-          <p:cNvPr id="12" name="Прямоугольник 11"/>
-          <p:cNvSpPr/>
-          <p:nvPr/>
-        </p:nvSpPr>
-        <p:spPr>
-          <a:xfrm>
-            <a:off x="1012873" y="-54"/>
-            <a:ext cx="8131127" cy="6858054"/>
-          </a:xfrm>
-          <a:prstGeom prst="rect">
-            <a:avLst/>
-          </a:prstGeom>
-          <a:solidFill>
-            <a:schemeClr val="bg1"/>
           </a:solidFill>
-          <a:ln w="25400" cap="rnd" cmpd="sng" algn="ctr">
-            <a:noFill/>
-            <a:prstDash val="solid"/>
-          </a:ln>
-          <a:effectLst/>
-        </p:spPr>
-        <p:style>
-          <a:lnRef idx="3">
-            <a:schemeClr val="lt1"/>
-          </a:lnRef>
-          <a:fillRef idx="1">
-            <a:schemeClr val="accent1"/>
-          </a:fillRef>
-          <a:effectRef idx="1">
-            <a:schemeClr val="accent1"/>
-          </a:effectRef>
-          <a:fontRef idx="minor">
-            <a:schemeClr val="lt1"/>
-          </a:fontRef>
-        </p:style>
-        <p:txBody>
-          <a:bodyPr anchor="ctr"/>
-          <a:lstStyle>
-            <a:extLst/>
-          </a:lstStyle>
-          <a:p>
-            <a:pPr algn="ctr" eaLnBrk="1" latinLnBrk="0" hangingPunct="1"/>
-            <a:endParaRPr kumimoji="0" lang="en-US"/>
-          </a:p>
-        </p:txBody>
-      </p:sp>
-      <p:sp>
-        <p:nvSpPr>
-          <p:cNvPr id="5" name="Заголовок 4"/>
-          <p:cNvSpPr>
-            <a:spLocks noGrp="1"/>
-          </p:cNvSpPr>
-          <p:nvPr>
-            <p:ph type="title"/>
-          </p:nvPr>
-        </p:nvSpPr>
-        <p:spPr>
-          <a:xfrm>
-            <a:off x="1435608" y="274638"/>
-            <a:ext cx="7498080" cy="1143000"/>
-          </a:xfrm>
-          <a:prstGeom prst="rect">
-            <a:avLst/>
-          </a:prstGeom>
-        </p:spPr>
-        <p:txBody>
-          <a:bodyPr anchor="ctr">
-            <a:normAutofit/>
+        </p:spPr>
+        <p:txBody>
+          <a:bodyPr wrap="none" lIns="0" tIns="0" rIns="0" bIns="0" anchor="ctr" anchorCtr="1">
+            <a:noAutofit/>
           </a:bodyPr>
           <a:lstStyle>
-            <a:extLst/>
-          </a:lstStyle>
-          <a:p>
-            <a:r>
-              <a:rPr kumimoji="0" lang="ru-RU" smtClean="0"/>
-              <a:t>Образец заголовка</a:t>
-            </a:r>
-            <a:endParaRPr kumimoji="0" lang="en-US"/>
-          </a:p>
-        </p:txBody>
-      </p:sp>
-      <p:sp>
-        <p:nvSpPr>
-          <p:cNvPr id="9" name="Текст 8"/>
-          <p:cNvSpPr>
-            <a:spLocks noGrp="1"/>
-          </p:cNvSpPr>
-          <p:nvPr>
-            <p:ph type="body" idx="1"/>
-          </p:nvPr>
-        </p:nvSpPr>
-        <p:spPr>
-          <a:xfrm>
-            <a:off x="1435608" y="1447800"/>
-            <a:ext cx="7498080" cy="4800600"/>
-          </a:xfrm>
-          <a:prstGeom prst="rect">
-            <a:avLst/>
-          </a:prstGeom>
-        </p:spPr>
-        <p:txBody>
-          <a:bodyPr>
-            <a:normAutofit/>
-          </a:bodyPr>
-          <a:lstStyle>
-            <a:extLst/>
-          </a:lstStyle>
-          <a:p>
-            <a:pPr lvl="0" eaLnBrk="1" latinLnBrk="0" hangingPunct="1"/>
-            <a:r>
-              <a:rPr kumimoji="0" lang="ru-RU" smtClean="0"/>
-              <a:t>Образец текста</a:t>
-            </a:r>
-          </a:p>
-          <a:p>
-            <a:pPr lvl="1" eaLnBrk="1" latinLnBrk="0" hangingPunct="1"/>
-            <a:r>
-              <a:rPr kumimoji="0" lang="ru-RU" smtClean="0"/>
-              <a:t>Второй уровень</a:t>
-            </a:r>
-          </a:p>
-          <a:p>
-            <a:pPr lvl="2" eaLnBrk="1" latinLnBrk="0" hangingPunct="1"/>
-            <a:r>
-              <a:rPr kumimoji="0" lang="ru-RU" smtClean="0"/>
-              <a:t>Третий уровень</a:t>
-            </a:r>
-          </a:p>
-          <a:p>
-            <a:pPr lvl="3" eaLnBrk="1" latinLnBrk="0" hangingPunct="1"/>
-            <a:r>
-              <a:rPr kumimoji="0" lang="ru-RU" smtClean="0"/>
-              <a:t>Четвертый уровень</a:t>
-            </a:r>
-          </a:p>
-          <a:p>
-            <a:pPr lvl="4" eaLnBrk="1" latinLnBrk="0" hangingPunct="1"/>
-            <a:r>
-              <a:rPr kumimoji="0" lang="ru-RU" smtClean="0"/>
-              <a:t>Пятый уровень</a:t>
-            </a:r>
-            <a:endParaRPr kumimoji="0" lang="en-US"/>
-          </a:p>
-        </p:txBody>
-      </p:sp>
-      <p:sp>
-        <p:nvSpPr>
-          <p:cNvPr id="24" name="Дата 23"/>
-          <p:cNvSpPr>
-            <a:spLocks noGrp="1"/>
-          </p:cNvSpPr>
-          <p:nvPr>
-            <p:ph type="dt" sz="half" idx="2"/>
-          </p:nvPr>
-        </p:nvSpPr>
-        <p:spPr>
-          <a:xfrm>
-            <a:off x="3581400" y="6305550"/>
-            <a:ext cx="2133600" cy="476250"/>
-          </a:xfrm>
-          <a:prstGeom prst="rect">
-            <a:avLst/>
-          </a:prstGeom>
-        </p:spPr>
-        <p:txBody>
-          <a:bodyPr anchor="b"/>
-          <a:lstStyle>
-            <a:lvl1pPr algn="r" eaLnBrk="1" latinLnBrk="0" hangingPunct="1">
-              <a:defRPr kumimoji="0" sz="1200">
+            <a:lvl1pPr algn="ctr" eaLnBrk="1" latinLnBrk="0" hangingPunct="1">
+              <a:defRPr kumimoji="0" sz="1400">
                 <a:solidFill>
-                  <a:schemeClr val="bg2">
-                    <a:shade val="50000"/>
-                    <a:satMod val="200000"/>
-                  </a:schemeClr>
+                  <a:srgbClr val="FFFFFF"/>
                 </a:solidFill>
+                <a:latin typeface="+mj-lt"/>
+                <a:ea typeface="+mj-ea"/>
+                <a:cs typeface="+mj-cs"/>
               </a:defRPr>
             </a:lvl1pPr>
-            <a:extLst/>
-          </a:lstStyle>
-          <a:p>
-            <a:fld id="{7EAF463A-BC7C-46EE-9F1E-7F377CCA4891}" type="datetimeFigureOut">
-              <a:rPr lang="en-US" smtClean="0"/>
-              <a:pPr/>
-              <a:t>1/30/2019</a:t>
-            </a:fld>
-            <a:endParaRPr lang="en-US"/>
-          </a:p>
-        </p:txBody>
-      </p:sp>
-      <p:sp>
-        <p:nvSpPr>
-          <p:cNvPr id="10" name="Нижний колонтитул 9"/>
-          <p:cNvSpPr>
-            <a:spLocks noGrp="1"/>
-          </p:cNvSpPr>
-          <p:nvPr>
-            <p:ph type="ftr" sz="quarter" idx="3"/>
-          </p:nvPr>
-        </p:nvSpPr>
-        <p:spPr>
-          <a:xfrm>
-            <a:off x="5715000" y="6305550"/>
-            <a:ext cx="2895600" cy="476250"/>
-          </a:xfrm>
-          <a:prstGeom prst="rect">
-            <a:avLst/>
-          </a:prstGeom>
-        </p:spPr>
-        <p:txBody>
-          <a:bodyPr anchor="b"/>
-          <a:lstStyle>
-            <a:lvl1pPr eaLnBrk="1" latinLnBrk="0" hangingPunct="1">
-              <a:defRPr kumimoji="0" sz="1200">
-                <a:solidFill>
-                  <a:schemeClr val="bg2">
-                    <a:shade val="50000"/>
-                    <a:satMod val="200000"/>
-                  </a:schemeClr>
-                </a:solidFill>
-                <a:effectLst/>
-              </a:defRPr>
-            </a:lvl1pPr>
-            <a:extLst/>
-          </a:lstStyle>
-          <a:p>
-            <a:endParaRPr lang="en-US"/>
-          </a:p>
-        </p:txBody>
-      </p:sp>
-      <p:sp>
-        <p:nvSpPr>
-          <p:cNvPr id="22" name="Номер слайда 21"/>
-          <p:cNvSpPr>
-            <a:spLocks noGrp="1"/>
-          </p:cNvSpPr>
-          <p:nvPr>
-            <p:ph type="sldNum" sz="quarter" idx="4"/>
-          </p:nvPr>
-        </p:nvSpPr>
-        <p:spPr>
-          <a:xfrm>
-            <a:off x="8613648" y="6305550"/>
-            <a:ext cx="457200" cy="476250"/>
-          </a:xfrm>
-          <a:prstGeom prst="rect">
-            <a:avLst/>
-          </a:prstGeom>
-        </p:spPr>
-        <p:txBody>
-          <a:bodyPr anchor="b"/>
-          <a:lstStyle>
-            <a:lvl1pPr algn="ctr" eaLnBrk="1" latinLnBrk="0" hangingPunct="1">
-              <a:defRPr kumimoji="0" sz="1200">
-                <a:solidFill>
-                  <a:schemeClr val="bg2">
-                    <a:shade val="50000"/>
-                    <a:satMod val="200000"/>
-                  </a:schemeClr>
-                </a:solidFill>
-                <a:effectLst/>
-              </a:defRPr>
-            </a:lvl1pPr>
-            <a:extLst/>
           </a:lstStyle>
           <a:p>
             <a:fld id="{A483448D-3A78-4528-A469-B745A65DA480}" type="slidenum">
@@ -3772,77 +3362,21 @@
           </a:p>
         </p:txBody>
       </p:sp>
-      <p:sp>
-        <p:nvSpPr>
-          <p:cNvPr id="15" name="Прямоугольник 14"/>
-          <p:cNvSpPr/>
-          <p:nvPr/>
-        </p:nvSpPr>
-        <p:spPr bwMode="invGray">
-          <a:xfrm>
-            <a:off x="1014984" y="-54"/>
-            <a:ext cx="73152" cy="6858054"/>
-          </a:xfrm>
-          <a:prstGeom prst="rect">
-            <a:avLst/>
-          </a:prstGeom>
-          <a:solidFill>
-            <a:schemeClr val="bg1"/>
-          </a:solidFill>
-          <a:ln w="25400" cap="rnd" cmpd="sng" algn="ctr">
-            <a:noFill/>
-            <a:prstDash val="solid"/>
-          </a:ln>
-          <a:effectLst>
-            <a:outerShdw blurRad="38550" dist="38000" dir="10800000" algn="tl" rotWithShape="0">
-              <a:schemeClr val="bg2">
-                <a:shade val="20000"/>
-                <a:satMod val="110000"/>
-                <a:alpha val="25000"/>
-              </a:schemeClr>
-            </a:outerShdw>
-          </a:effectLst>
-        </p:spPr>
-        <p:style>
-          <a:lnRef idx="3">
-            <a:schemeClr val="lt1"/>
-          </a:lnRef>
-          <a:fillRef idx="1">
-            <a:schemeClr val="accent1"/>
-          </a:fillRef>
-          <a:effectRef idx="1">
-            <a:schemeClr val="accent1"/>
-          </a:effectRef>
-          <a:fontRef idx="minor">
-            <a:schemeClr val="lt1"/>
-          </a:fontRef>
-        </p:style>
-        <p:txBody>
-          <a:bodyPr anchor="ctr"/>
-          <a:lstStyle>
-            <a:extLst/>
-          </a:lstStyle>
-          <a:p>
-            <a:pPr algn="ctr" eaLnBrk="1" latinLnBrk="0" hangingPunct="1"/>
-            <a:endParaRPr kumimoji="0" lang="en-US"/>
-          </a:p>
-        </p:txBody>
-      </p:sp>
     </p:spTree>
   </p:cSld>
   <p:clrMap bg1="lt1" tx1="dk1" bg2="lt2" tx2="dk2" accent1="accent1" accent2="accent2" accent3="accent3" accent4="accent4" accent5="accent5" accent6="accent6" hlink="hlink" folHlink="folHlink"/>
   <p:sldLayoutIdLst>
-    <p:sldLayoutId id="2147483865" r:id="rId1"/>
-    <p:sldLayoutId id="2147483866" r:id="rId2"/>
-    <p:sldLayoutId id="2147483867" r:id="rId3"/>
-    <p:sldLayoutId id="2147483868" r:id="rId4"/>
-    <p:sldLayoutId id="2147483869" r:id="rId5"/>
-    <p:sldLayoutId id="2147483870" r:id="rId6"/>
-    <p:sldLayoutId id="2147483871" r:id="rId7"/>
-    <p:sldLayoutId id="2147483872" r:id="rId8"/>
-    <p:sldLayoutId id="2147483873" r:id="rId9"/>
-    <p:sldLayoutId id="2147483874" r:id="rId10"/>
-    <p:sldLayoutId id="2147483875" r:id="rId11"/>
+    <p:sldLayoutId id="2147483925" r:id="rId1"/>
+    <p:sldLayoutId id="2147483926" r:id="rId2"/>
+    <p:sldLayoutId id="2147483927" r:id="rId3"/>
+    <p:sldLayoutId id="2147483928" r:id="rId4"/>
+    <p:sldLayoutId id="2147483929" r:id="rId5"/>
+    <p:sldLayoutId id="2147483930" r:id="rId6"/>
+    <p:sldLayoutId id="2147483931" r:id="rId7"/>
+    <p:sldLayoutId id="2147483932" r:id="rId8"/>
+    <p:sldLayoutId id="2147483933" r:id="rId9"/>
+    <p:sldLayoutId id="2147483934" r:id="rId10"/>
+    <p:sldLayoutId id="2147483935" r:id="rId11"/>
   </p:sldLayoutIdLst>
   <p:txStyles>
     <p:titleStyle>
@@ -3851,41 +3385,28 @@
           <a:spcPct val="0"/>
         </a:spcBef>
         <a:buNone/>
-        <a:defRPr kumimoji="0" sz="4300" kern="1200">
+        <a:defRPr kumimoji="0" sz="4000" kern="1200">
           <a:solidFill>
-            <a:schemeClr val="tx2">
-              <a:satMod val="130000"/>
-            </a:schemeClr>
+            <a:schemeClr val="tx2"/>
           </a:solidFill>
-          <a:effectLst>
-            <a:outerShdw blurRad="50000" dist="30000" dir="5400000" algn="tl" rotWithShape="0">
-              <a:srgbClr val="000000">
-                <a:alpha val="30000"/>
-              </a:srgbClr>
-            </a:outerShdw>
-          </a:effectLst>
           <a:latin typeface="+mj-lt"/>
           <a:ea typeface="+mj-ea"/>
           <a:cs typeface="+mj-cs"/>
         </a:defRPr>
       </a:lvl1pPr>
-      <a:extLst/>
     </p:titleStyle>
     <p:bodyStyle>
-      <a:lvl1pPr marL="365760" indent="-283464" algn="l" rtl="0" eaLnBrk="1" latinLnBrk="0" hangingPunct="1">
-        <a:lnSpc>
-          <a:spcPct val="100000"/>
-        </a:lnSpc>
+      <a:lvl1pPr marL="274320" indent="-274320" algn="l" rtl="0" eaLnBrk="1" latinLnBrk="0" hangingPunct="1">
         <a:spcBef>
-          <a:spcPts val="600"/>
+          <a:spcPts val="580"/>
         </a:spcBef>
         <a:buClr>
           <a:schemeClr val="accent1"/>
         </a:buClr>
-        <a:buSzPct val="80000"/>
+        <a:buSzPct val="85000"/>
         <a:buFont typeface="Wingdings 2"/>
         <a:buChar char=""/>
-        <a:defRPr kumimoji="0" sz="3200" kern="1200">
+        <a:defRPr kumimoji="0" sz="2600" kern="1200">
           <a:solidFill>
             <a:schemeClr val="tx1"/>
           </a:solidFill>
@@ -3894,19 +3415,17 @@
           <a:cs typeface="+mn-cs"/>
         </a:defRPr>
       </a:lvl1pPr>
-      <a:lvl2pPr marL="640080" indent="-237744" algn="l" rtl="0" eaLnBrk="1" latinLnBrk="0" hangingPunct="1">
-        <a:lnSpc>
-          <a:spcPct val="100000"/>
-        </a:lnSpc>
+      <a:lvl2pPr marL="548640" indent="-228600" algn="l" rtl="0" eaLnBrk="1" latinLnBrk="0" hangingPunct="1">
         <a:spcBef>
-          <a:spcPts val="550"/>
+          <a:spcPts val="370"/>
         </a:spcBef>
         <a:buClr>
-          <a:schemeClr val="accent1"/>
+          <a:schemeClr val="accent2"/>
         </a:buClr>
-        <a:buFont typeface="Verdana"/>
-        <a:buChar char="◦"/>
-        <a:defRPr kumimoji="0" sz="2800" kern="1200">
+        <a:buSzPct val="85000"/>
+        <a:buFont typeface="Wingdings 2"/>
+        <a:buChar char=""/>
+        <a:defRPr kumimoji="0" sz="2400" kern="1200">
           <a:solidFill>
             <a:schemeClr val="tx1"/>
           </a:solidFill>
@@ -3915,19 +3434,19 @@
           <a:cs typeface="+mn-cs"/>
         </a:defRPr>
       </a:lvl2pPr>
-      <a:lvl3pPr marL="886968" indent="-228600" algn="l" rtl="0" eaLnBrk="1" latinLnBrk="0" hangingPunct="1">
-        <a:lnSpc>
-          <a:spcPct val="100000"/>
-        </a:lnSpc>
+      <a:lvl3pPr marL="822960" indent="-228600" algn="l" rtl="0" eaLnBrk="1" latinLnBrk="0" hangingPunct="1">
         <a:spcBef>
-          <a:spcPct val="20000"/>
+          <a:spcPts val="370"/>
         </a:spcBef>
         <a:buClr>
-          <a:schemeClr val="accent2"/>
+          <a:schemeClr val="accent1">
+            <a:tint val="60000"/>
+          </a:schemeClr>
         </a:buClr>
+        <a:buSzPct val="85000"/>
         <a:buFont typeface="Wingdings 2"/>
-        <a:buChar char=""/>
-        <a:defRPr kumimoji="0" sz="2400" kern="1200">
+        <a:buChar char=""/>
+        <a:defRPr kumimoji="0" sz="2000" kern="1200">
           <a:solidFill>
             <a:schemeClr val="tx1"/>
           </a:solidFill>
@@ -3936,18 +3455,16 @@
           <a:cs typeface="+mn-cs"/>
         </a:defRPr>
       </a:lvl3pPr>
-      <a:lvl4pPr marL="1097280" indent="-173736" algn="l" rtl="0" eaLnBrk="1" latinLnBrk="0" hangingPunct="1">
-        <a:lnSpc>
-          <a:spcPct val="100000"/>
-        </a:lnSpc>
+      <a:lvl4pPr marL="1097280" indent="-228600" algn="l" rtl="0" eaLnBrk="1" latinLnBrk="0" hangingPunct="1">
         <a:spcBef>
-          <a:spcPct val="20000"/>
+          <a:spcPts val="370"/>
         </a:spcBef>
         <a:buClr>
           <a:schemeClr val="accent3"/>
         </a:buClr>
+        <a:buSzPct val="80000"/>
         <a:buFont typeface="Wingdings 2"/>
-        <a:buChar char=""/>
+        <a:buChar char=""/>
         <a:defRPr kumimoji="0" sz="2000" kern="1200">
           <a:solidFill>
             <a:schemeClr val="tx1"/>
@@ -3957,18 +3474,15 @@
           <a:cs typeface="+mn-cs"/>
         </a:defRPr>
       </a:lvl4pPr>
-      <a:lvl5pPr marL="1298448" indent="-182880" algn="l" rtl="0" eaLnBrk="1" latinLnBrk="0" hangingPunct="1">
-        <a:lnSpc>
-          <a:spcPct val="100000"/>
-        </a:lnSpc>
+      <a:lvl5pPr marL="1371600" indent="-228600" algn="l" rtl="0" eaLnBrk="1" latinLnBrk="0" hangingPunct="1">
         <a:spcBef>
-          <a:spcPct val="20000"/>
+          <a:spcPts val="370"/>
         </a:spcBef>
         <a:buClr>
-          <a:schemeClr val="accent4"/>
+          <a:schemeClr val="accent3"/>
         </a:buClr>
-        <a:buFont typeface="Wingdings 2"/>
-        <a:buChar char=""/>
+        <a:buFontTx/>
+        <a:buChar char="o"/>
         <a:defRPr kumimoji="0" sz="2000" kern="1200">
           <a:solidFill>
             <a:schemeClr val="tx1"/>
@@ -3978,19 +3492,15 @@
           <a:cs typeface="+mn-cs"/>
         </a:defRPr>
       </a:lvl5pPr>
-      <a:lvl6pPr marL="1508760" indent="-182880" algn="l" rtl="0" eaLnBrk="1" latinLnBrk="0" hangingPunct="1">
-        <a:lnSpc>
-          <a:spcPct val="100000"/>
-        </a:lnSpc>
+      <a:lvl6pPr marL="1645920" indent="-228600" algn="l" rtl="0" eaLnBrk="1" latinLnBrk="0" hangingPunct="1">
         <a:spcBef>
-          <a:spcPct val="20000"/>
+          <a:spcPts val="370"/>
         </a:spcBef>
         <a:buClr>
-          <a:schemeClr val="accent5"/>
+          <a:schemeClr val="accent3"/>
         </a:buClr>
-        <a:buFont typeface="Wingdings 2"/>
-        <a:buChar char=""/>
-        <a:defRPr kumimoji="0" sz="2000" kern="1200">
+        <a:buChar char="•"/>
+        <a:defRPr kumimoji="0" sz="1800" kern="1200" baseline="0">
           <a:solidFill>
             <a:schemeClr val="tx1"/>
           </a:solidFill>
@@ -3999,19 +3509,15 @@
           <a:cs typeface="+mn-cs"/>
         </a:defRPr>
       </a:lvl6pPr>
-      <a:lvl7pPr marL="1719072" indent="-182880" algn="l" rtl="0" eaLnBrk="1" latinLnBrk="0" hangingPunct="1">
-        <a:lnSpc>
-          <a:spcPct val="100000"/>
-        </a:lnSpc>
+      <a:lvl7pPr marL="1920240" indent="-228600" algn="l" rtl="0" eaLnBrk="1" latinLnBrk="0" hangingPunct="1">
         <a:spcBef>
-          <a:spcPct val="20000"/>
+          <a:spcPts val="370"/>
         </a:spcBef>
         <a:buClr>
-          <a:schemeClr val="accent6"/>
+          <a:schemeClr val="accent2"/>
         </a:buClr>
-        <a:buFont typeface="Wingdings 2"/>
-        <a:buChar char=""/>
-        <a:defRPr kumimoji="0" sz="2000" kern="1200">
+        <a:buChar char="•"/>
+        <a:defRPr kumimoji="0" sz="1800" kern="1200">
           <a:solidFill>
             <a:schemeClr val="tx1"/>
           </a:solidFill>
@@ -4020,19 +3526,17 @@
           <a:cs typeface="+mn-cs"/>
         </a:defRPr>
       </a:lvl7pPr>
-      <a:lvl8pPr marL="1920240" indent="-182880" algn="l" rtl="0" eaLnBrk="1" latinLnBrk="0" hangingPunct="1">
-        <a:lnSpc>
-          <a:spcPct val="100000"/>
-        </a:lnSpc>
+      <a:lvl8pPr marL="2194560" indent="-228600" algn="l" rtl="0" eaLnBrk="1" latinLnBrk="0" hangingPunct="1">
         <a:spcBef>
-          <a:spcPct val="20000"/>
+          <a:spcPts val="370"/>
         </a:spcBef>
         <a:buClr>
-          <a:schemeClr val="accent6"/>
+          <a:schemeClr val="accent1">
+            <a:tint val="60000"/>
+          </a:schemeClr>
         </a:buClr>
-        <a:buFont typeface="Wingdings 2"/>
-        <a:buChar char=""/>
-        <a:defRPr kumimoji="0" sz="2000" kern="1200">
+        <a:buChar char="•"/>
+        <a:defRPr kumimoji="0" sz="1800" kern="1200">
           <a:solidFill>
             <a:schemeClr val="tx1"/>
           </a:solidFill>
@@ -4041,19 +3545,17 @@
           <a:cs typeface="+mn-cs"/>
         </a:defRPr>
       </a:lvl8pPr>
-      <a:lvl9pPr marL="2130552" indent="-182880" algn="l" rtl="0" eaLnBrk="1" latinLnBrk="0" hangingPunct="1">
-        <a:lnSpc>
-          <a:spcPct val="100000"/>
-        </a:lnSpc>
+      <a:lvl9pPr marL="2468880" indent="-228600" algn="l" rtl="0" eaLnBrk="1" latinLnBrk="0" hangingPunct="1">
         <a:spcBef>
-          <a:spcPct val="20000"/>
+          <a:spcPts val="370"/>
         </a:spcBef>
         <a:buClr>
-          <a:schemeClr val="accent6"/>
+          <a:schemeClr val="accent2">
+            <a:tint val="60000"/>
+          </a:schemeClr>
         </a:buClr>
-        <a:buFont typeface="Wingdings 2"/>
-        <a:buChar char=""/>
-        <a:defRPr kumimoji="0" sz="2000" kern="1200">
+        <a:buChar char="•"/>
+        <a:defRPr kumimoji="0" sz="1800" kern="1200">
           <a:solidFill>
             <a:schemeClr val="tx1"/>
           </a:solidFill>
@@ -4062,7 +3564,6 @@
           <a:cs typeface="+mn-cs"/>
         </a:defRPr>
       </a:lvl9pPr>
-      <a:extLst/>
     </p:bodyStyle>
     <p:otherStyle>
       <a:lvl1pPr marL="0" algn="l" rtl="0" eaLnBrk="1" latinLnBrk="0" hangingPunct="1">
@@ -4155,7 +3656,6 @@
           <a:cs typeface="+mn-cs"/>
         </a:defRPr>
       </a:lvl9pPr>
-      <a:extLst/>
     </p:otherStyle>
   </p:txStyles>
 </p:sldMaster>
@@ -4180,25 +3680,93 @@
       </p:grpSpPr>
       <p:sp>
         <p:nvSpPr>
-          <p:cNvPr id="2" name="Заголовок 1"/>
-          <p:cNvSpPr>
-            <a:spLocks noGrp="1"/>
-          </p:cNvSpPr>
-          <p:nvPr>
-            <p:ph type="ctrTitle"/>
+          <p:cNvPr id="3" name="Подзаголовок 2"/>
+          <p:cNvSpPr>
+            <a:spLocks noGrp="1"/>
+          </p:cNvSpPr>
+          <p:nvPr>
+            <p:ph type="subTitle" idx="1"/>
           </p:nvPr>
         </p:nvSpPr>
         <p:spPr>
           <a:xfrm>
-            <a:off x="1524000" y="152400"/>
-            <a:ext cx="6324600" cy="1752600"/>
+            <a:off x="1524000" y="1524000"/>
+            <a:ext cx="6400800" cy="3429000"/>
           </a:xfrm>
         </p:spPr>
         <p:txBody>
           <a:bodyPr>
-            <a:normAutofit fontScale="90000"/>
+            <a:noAutofit/>
           </a:bodyPr>
           <a:lstStyle/>
+          <a:p>
+            <a:pPr algn="ctr"/>
+            <a:r>
+              <a:rPr lang="ru-RU" sz="3600" b="1" dirty="0" smtClean="0">
+                <a:solidFill>
+                  <a:schemeClr val="tx1"/>
+                </a:solidFill>
+              </a:rPr>
+              <a:t>Курсовая работа</a:t>
+            </a:r>
+          </a:p>
+          <a:p>
+            <a:pPr algn="ctr"/>
+            <a:r>
+              <a:rPr lang="ru-RU" sz="3600" b="1" dirty="0" smtClean="0">
+                <a:solidFill>
+                  <a:schemeClr val="tx1"/>
+                </a:solidFill>
+              </a:rPr>
+              <a:t>«Машинный перевод»</a:t>
+            </a:r>
+          </a:p>
+          <a:p>
+            <a:pPr algn="ctr"/>
+            <a:endParaRPr lang="ru-RU" sz="2800" dirty="0" smtClean="0"/>
+          </a:p>
+          <a:p>
+            <a:pPr algn="ctr"/>
+            <a:endParaRPr lang="ru-RU" sz="2800" dirty="0" smtClean="0"/>
+          </a:p>
+          <a:p>
+            <a:pPr algn="ctr"/>
+            <a:r>
+              <a:rPr lang="ru-RU" sz="2800" dirty="0" smtClean="0">
+                <a:solidFill>
+                  <a:schemeClr val="tx1"/>
+                </a:solidFill>
+              </a:rPr>
+              <a:t>Выполнила студентка Онучина А.В.</a:t>
+            </a:r>
+          </a:p>
+          <a:p>
+            <a:pPr algn="ctr"/>
+            <a:r>
+              <a:rPr lang="ru-RU" sz="2800" dirty="0" err="1" smtClean="0">
+                <a:solidFill>
+                  <a:schemeClr val="tx1"/>
+                </a:solidFill>
+              </a:rPr>
+              <a:t>Руководитель-Донина</a:t>
+            </a:r>
+            <a:r>
+              <a:rPr lang="ru-RU" sz="2800" dirty="0" smtClean="0">
+                <a:solidFill>
+                  <a:schemeClr val="tx1"/>
+                </a:solidFill>
+              </a:rPr>
+              <a:t> О.В.</a:t>
+            </a:r>
+          </a:p>
+          <a:p>
+            <a:pPr algn="ctr"/>
+            <a:endParaRPr lang="ru-RU" sz="2800" dirty="0" smtClean="0">
+              <a:solidFill>
+                <a:schemeClr val="tx1"/>
+              </a:solidFill>
+            </a:endParaRPr>
+          </a:p>
           <a:p>
             <a:pPr algn="ctr"/>
             <a:r>
@@ -4207,95 +3775,63 @@
                   <a:schemeClr val="tx1"/>
                 </a:solidFill>
               </a:rPr>
-              <a:t>ГОСУДАРСТВЕННОЕ ОБРАЗОВАТЕЛЬНОЕ УЧРЕЖДЕНИЕ ВЫСШЕГО ПРОФЕССИОНАЛЬНОГО ОБРАЗОВАНИЯ </a:t>
-            </a:r>
-            <a:r>
-              <a:rPr lang="ru-RU" sz="2400" i="1" dirty="0" smtClean="0">
+              <a:t>Воронеж-2018</a:t>
+            </a:r>
+          </a:p>
+        </p:txBody>
+      </p:sp>
+      <p:sp>
+        <p:nvSpPr>
+          <p:cNvPr id="2" name="Заголовок 1"/>
+          <p:cNvSpPr>
+            <a:spLocks noGrp="1"/>
+          </p:cNvSpPr>
+          <p:nvPr>
+            <p:ph type="ctrTitle"/>
+          </p:nvPr>
+        </p:nvSpPr>
+        <p:spPr>
+          <a:xfrm>
+            <a:off x="1524000" y="-152400"/>
+            <a:ext cx="6324600" cy="1752600"/>
+          </a:xfrm>
+        </p:spPr>
+        <p:txBody>
+          <a:bodyPr>
+            <a:normAutofit fontScale="90000"/>
+          </a:bodyPr>
+          <a:lstStyle/>
+          <a:p>
+            <a:pPr algn="ctr"/>
+            <a:r>
+              <a:rPr lang="ru-RU" sz="2400" dirty="0" smtClean="0">
+                <a:solidFill>
+                  <a:schemeClr val="tx1"/>
+                </a:solidFill>
+              </a:rPr>
+              <a:t>ГОСУДАРСТВЕННОЕ ОБРАЗОВАТЕЛЬНОЕ УЧРЕЖДЕНИЕ ВЫСШЕГО </a:t>
+            </a:r>
+            <a:r>
+              <a:rPr lang="ru-RU" sz="2400" dirty="0" smtClean="0">
+                <a:solidFill>
+                  <a:schemeClr val="tx1"/>
+                </a:solidFill>
+              </a:rPr>
+              <a:t>ПРОФЕССИОНАЛЬНОГО ОБРАЗОВАНИЯ </a:t>
+            </a:r>
+            <a:r>
+              <a:rPr lang="ru-RU" sz="2400" dirty="0" smtClean="0">
                 <a:solidFill>
                   <a:schemeClr val="tx1"/>
                 </a:solidFill>
               </a:rPr>
               <a:t>«ВОРОНЕЖСКИЙ ГОСУДАРСТВЕННЫЙ УНИВЕРСИТЕТ»</a:t>
             </a:r>
-            <a:endParaRPr lang="ru-RU" sz="2400" i="1" dirty="0">
+            <a:endParaRPr lang="ru-RU" sz="2400" dirty="0">
               <a:solidFill>
                 <a:schemeClr val="tx1"/>
               </a:solidFill>
             </a:endParaRPr>
-          </a:p>
-        </p:txBody>
-      </p:sp>
-      <p:sp>
-        <p:nvSpPr>
-          <p:cNvPr id="3" name="Подзаголовок 2"/>
-          <p:cNvSpPr>
-            <a:spLocks noGrp="1"/>
-          </p:cNvSpPr>
-          <p:nvPr>
-            <p:ph type="subTitle" idx="1"/>
-          </p:nvPr>
-        </p:nvSpPr>
-        <p:spPr>
-          <a:xfrm>
-            <a:off x="1524000" y="2286000"/>
-            <a:ext cx="6400800" cy="3429000"/>
-          </a:xfrm>
-        </p:spPr>
-        <p:txBody>
-          <a:bodyPr>
-            <a:noAutofit/>
-          </a:bodyPr>
-          <a:lstStyle/>
-          <a:p>
-            <a:pPr algn="ctr"/>
-            <a:r>
-              <a:rPr lang="ru-RU" sz="3600" dirty="0" smtClean="0"/>
-              <a:t>Курсовая работа</a:t>
-            </a:r>
-          </a:p>
-          <a:p>
-            <a:pPr algn="ctr"/>
-            <a:r>
-              <a:rPr lang="ru-RU" sz="3600" b="1" dirty="0" smtClean="0"/>
-              <a:t>«Машинный перевод»</a:t>
-            </a:r>
-          </a:p>
-          <a:p>
-            <a:pPr algn="ctr"/>
-            <a:endParaRPr lang="ru-RU" sz="2800" dirty="0" smtClean="0"/>
-          </a:p>
-          <a:p>
-            <a:pPr algn="ctr"/>
-            <a:endParaRPr lang="ru-RU" sz="2800" dirty="0" smtClean="0"/>
-          </a:p>
-          <a:p>
-            <a:pPr algn="ctr"/>
-            <a:r>
-              <a:rPr lang="ru-RU" sz="2800" dirty="0" smtClean="0"/>
-              <a:t>Выполнила студентка Онучина А.В.</a:t>
-            </a:r>
-          </a:p>
-          <a:p>
-            <a:pPr algn="ctr"/>
-            <a:r>
-              <a:rPr lang="ru-RU" sz="2800" dirty="0" err="1" smtClean="0"/>
-              <a:t>Руководитель-Донина</a:t>
-            </a:r>
-            <a:r>
-              <a:rPr lang="ru-RU" sz="2800" dirty="0" smtClean="0"/>
-              <a:t> О.В.</a:t>
-            </a:r>
-          </a:p>
-          <a:p>
-            <a:pPr algn="ctr"/>
-            <a:endParaRPr lang="ru-RU" sz="2800" dirty="0" smtClean="0"/>
-          </a:p>
-          <a:p>
-            <a:pPr algn="ctr"/>
-            <a:r>
-              <a:rPr lang="ru-RU" sz="2400" dirty="0" smtClean="0"/>
-              <a:t>Воронеж-2018</a:t>
-            </a:r>
           </a:p>
         </p:txBody>
       </p:sp>
@@ -4336,20 +3872,32 @@
         </p:nvSpPr>
         <p:spPr>
           <a:xfrm>
-            <a:off x="1371600" y="-228600"/>
+            <a:off x="762000" y="-152400"/>
             <a:ext cx="7498080" cy="1143000"/>
           </a:xfrm>
         </p:spPr>
         <p:txBody>
-          <a:bodyPr/>
+          <a:bodyPr>
+            <a:normAutofit/>
+          </a:bodyPr>
           <a:lstStyle/>
           <a:p>
             <a:pPr algn="ctr"/>
             <a:r>
-              <a:rPr lang="ru-RU" b="1" dirty="0" smtClean="0"/>
+              <a:rPr lang="ru-RU" sz="4400" b="1" dirty="0" smtClean="0">
+                <a:solidFill>
+                  <a:schemeClr val="tx1"/>
+                </a:solidFill>
+                <a:latin typeface="+mn-lt"/>
+              </a:rPr>
               <a:t>Электронные словари</a:t>
             </a:r>
-            <a:endParaRPr lang="ru-RU" b="1" dirty="0"/>
+            <a:endParaRPr lang="ru-RU" sz="4400" b="1" dirty="0">
+              <a:solidFill>
+                <a:schemeClr val="tx1"/>
+              </a:solidFill>
+              <a:latin typeface="+mn-lt"/>
+            </a:endParaRPr>
           </a:p>
         </p:txBody>
       </p:sp>
@@ -4360,12 +3908,12 @@
             <a:graphicFrameLocks noGrp="1"/>
           </p:cNvGraphicFramePr>
           <p:nvPr>
-            <p:ph idx="1"/>
+            <p:ph sz="quarter" idx="1"/>
           </p:nvPr>
         </p:nvGraphicFramePr>
         <p:xfrm>
-          <a:off x="1143000" y="914400"/>
-          <a:ext cx="7791450" cy="5562600"/>
+          <a:off x="685800" y="1295400"/>
+          <a:ext cx="7791450" cy="4724400"/>
         </p:xfrm>
         <a:graphic>
           <a:graphicData uri="http://schemas.openxmlformats.org/drawingml/2006/table">
@@ -4377,7 +3925,7 @@
                 <a:gridCol w="3895725"/>
                 <a:gridCol w="3895725"/>
               </a:tblGrid>
-              <a:tr h="860809">
+              <a:tr h="532191">
                 <a:tc>
                   <a:txBody>
                     <a:bodyPr/>
@@ -4407,7 +3955,7 @@
                   <a:tcPr/>
                 </a:tc>
               </a:tr>
-              <a:tr h="2992049">
+              <a:tr h="2486342">
                 <a:tc>
                   <a:txBody>
                     <a:bodyPr/>
@@ -4466,8 +4014,27 @@
                           <a:ea typeface="+mn-ea"/>
                           <a:cs typeface="+mn-cs"/>
                         </a:rPr>
-                        <a:t>Устаревшие ЭС не имели возможности расширения словарных баз пользователем</a:t>
-                      </a:r>
+                        <a:t>Устаревшие ЭС не имели возможности </a:t>
+                      </a:r>
+                      <a:r>
+                        <a:rPr kumimoji="0" lang="ru-RU" sz="2000" kern="1200" dirty="0" smtClean="0">
+                          <a:solidFill>
+                            <a:schemeClr val="dk1"/>
+                          </a:solidFill>
+                          <a:latin typeface="+mn-lt"/>
+                          <a:ea typeface="+mn-ea"/>
+                          <a:cs typeface="+mn-cs"/>
+                        </a:rPr>
+                        <a:t>расширения</a:t>
+                      </a:r>
+                      <a:endParaRPr kumimoji="0" lang="ru-RU" sz="2000" kern="1200" dirty="0" smtClean="0">
+                        <a:solidFill>
+                          <a:schemeClr val="dk1"/>
+                        </a:solidFill>
+                        <a:latin typeface="+mn-lt"/>
+                        <a:ea typeface="+mn-ea"/>
+                        <a:cs typeface="+mn-cs"/>
+                      </a:endParaRPr>
                     </a:p>
                     <a:p>
                       <a:pPr marL="342900" marR="0" indent="-342900" algn="l" defTabSz="914400" rtl="0" eaLnBrk="1" fontAlgn="auto" latinLnBrk="0" hangingPunct="1">
@@ -4496,7 +4063,18 @@
                           <a:ea typeface="+mn-ea"/>
                           <a:cs typeface="+mn-cs"/>
                         </a:rPr>
-                        <a:t>Современные версии</a:t>
+                        <a:t>Современные </a:t>
+                      </a:r>
+                      <a:r>
+                        <a:rPr kumimoji="0" lang="ru-RU" sz="2000" kern="1200" dirty="0" smtClean="0">
+                          <a:solidFill>
+                            <a:schemeClr val="dk1"/>
+                          </a:solidFill>
+                          <a:latin typeface="+mn-lt"/>
+                          <a:ea typeface="+mn-ea"/>
+                          <a:cs typeface="+mn-cs"/>
+                        </a:rPr>
+                        <a:t>ЭС</a:t>
                       </a:r>
                       <a:r>
                         <a:rPr kumimoji="0" lang="ru-RU" sz="2000" kern="1200" baseline="0" dirty="0" smtClean="0">
@@ -4540,17 +4118,33 @@
                           <a:ea typeface="+mn-ea"/>
                           <a:cs typeface="+mn-cs"/>
                         </a:rPr>
-                        <a:t>создания пользователем собственных и расширения существующих словарей.</a:t>
-                      </a:r>
-                    </a:p>
-                    <a:p>
-                      <a:endParaRPr lang="ru-RU" sz="2000" dirty="0"/>
+                        <a:t>создания пользователем собственных и расширения существующих </a:t>
+                      </a:r>
+                      <a:r>
+                        <a:rPr kumimoji="0" lang="ru-RU" sz="2000" kern="1200" dirty="0" smtClean="0">
+                          <a:solidFill>
+                            <a:schemeClr val="dk1"/>
+                          </a:solidFill>
+                          <a:latin typeface="+mn-lt"/>
+                          <a:ea typeface="+mn-ea"/>
+                          <a:cs typeface="+mn-cs"/>
+                        </a:rPr>
+                        <a:t>словарей</a:t>
+                      </a:r>
+                      <a:endParaRPr kumimoji="0" lang="ru-RU" sz="2000" kern="1200" dirty="0" smtClean="0">
+                        <a:solidFill>
+                          <a:schemeClr val="dk1"/>
+                        </a:solidFill>
+                        <a:latin typeface="+mn-lt"/>
+                        <a:ea typeface="+mn-ea"/>
+                        <a:cs typeface="+mn-cs"/>
+                      </a:endParaRPr>
                     </a:p>
                   </a:txBody>
                   <a:tcPr/>
                 </a:tc>
               </a:tr>
-              <a:tr h="1709742">
+              <a:tr h="1705867">
                 <a:tc>
                   <a:txBody>
                     <a:bodyPr/>
@@ -4727,7 +4321,7 @@
         </p:nvSpPr>
         <p:spPr>
           <a:xfrm>
-            <a:off x="990600" y="152400"/>
+            <a:off x="533400" y="533400"/>
             <a:ext cx="8229600" cy="1143000"/>
           </a:xfrm>
         </p:spPr>
@@ -4739,10 +4333,20 @@
           <a:p>
             <a:pPr algn="ctr"/>
             <a:r>
-              <a:rPr lang="ru-RU" sz="4400" b="1" dirty="0" smtClean="0"/>
+              <a:rPr lang="ru-RU" sz="4400" b="1" dirty="0" smtClean="0">
+                <a:solidFill>
+                  <a:schemeClr val="tx1"/>
+                </a:solidFill>
+                <a:latin typeface="+mn-lt"/>
+              </a:rPr>
               <a:t>Проблемы машинного перевода</a:t>
             </a:r>
-            <a:endParaRPr lang="ru-RU" sz="4400" b="1" dirty="0"/>
+            <a:endParaRPr lang="ru-RU" sz="4400" b="1" dirty="0">
+              <a:solidFill>
+                <a:schemeClr val="tx1"/>
+              </a:solidFill>
+              <a:latin typeface="+mn-lt"/>
+            </a:endParaRPr>
           </a:p>
         </p:txBody>
       </p:sp>
@@ -4753,12 +4357,12 @@
             <a:spLocks noGrp="1"/>
           </p:cNvSpPr>
           <p:nvPr>
-            <p:ph idx="1"/>
+            <p:ph sz="quarter" idx="1"/>
           </p:nvPr>
         </p:nvSpPr>
         <p:spPr>
           <a:xfrm>
-            <a:off x="1066800" y="685800"/>
+            <a:off x="381000" y="1295400"/>
             <a:ext cx="7498080" cy="4800600"/>
           </a:xfrm>
         </p:spPr>
@@ -4778,49 +4382,51 @@
               <a:buNone/>
             </a:pPr>
             <a:r>
-              <a:rPr lang="ru-RU" sz="4000" b="1" dirty="0" smtClean="0"/>
-              <a:t>Не воспринимает:</a:t>
-            </a:r>
-          </a:p>
-          <a:p>
-            <a:r>
-              <a:rPr lang="ru-RU" sz="4000" dirty="0" smtClean="0"/>
-              <a:t> «красоты» языка (</a:t>
-            </a:r>
-            <a:r>
-              <a:rPr lang="ru-RU" sz="4000" dirty="0" smtClean="0"/>
+              <a:rPr lang="ru-RU" sz="3600" b="1" dirty="0" smtClean="0"/>
+              <a:t>Не воспринимает</a:t>
+            </a:r>
+            <a:r>
+              <a:rPr lang="ru-RU" sz="3600" b="1" dirty="0" smtClean="0"/>
+              <a:t>:</a:t>
+            </a:r>
+          </a:p>
+          <a:p>
+            <a:pPr>
+              <a:buNone/>
+            </a:pPr>
+            <a:endParaRPr lang="ru-RU" sz="1200" b="1" dirty="0" smtClean="0"/>
+          </a:p>
+          <a:p>
+            <a:r>
+              <a:rPr lang="ru-RU" dirty="0" smtClean="0"/>
+              <a:t>«</a:t>
+            </a:r>
+            <a:r>
+              <a:rPr lang="ru-RU" dirty="0" smtClean="0"/>
+              <a:t>красоты» </a:t>
+            </a:r>
+            <a:r>
+              <a:rPr lang="ru-RU" dirty="0" smtClean="0"/>
+              <a:t>языка</a:t>
+            </a:r>
+            <a:endParaRPr lang="ru-RU" dirty="0" smtClean="0"/>
+          </a:p>
+          <a:p>
+            <a:r>
+              <a:rPr lang="ru-RU" dirty="0" smtClean="0"/>
               <a:t> </a:t>
             </a:r>
             <a:r>
-              <a:rPr lang="ru-RU" sz="4000" dirty="0" smtClean="0"/>
-              <a:t>неписаные </a:t>
-            </a:r>
-            <a:r>
-              <a:rPr lang="ru-RU" sz="4000" dirty="0" smtClean="0"/>
-              <a:t>законы)</a:t>
-            </a:r>
-            <a:endParaRPr lang="ru-RU" sz="4000" dirty="0" smtClean="0"/>
-          </a:p>
-          <a:p>
-            <a:r>
-              <a:rPr lang="ru-RU" sz="4000" dirty="0" smtClean="0"/>
-              <a:t> с</a:t>
-            </a:r>
-            <a:r>
-              <a:rPr lang="ru-RU" sz="4000" dirty="0" smtClean="0"/>
-              <a:t>лова</a:t>
-            </a:r>
-            <a:r>
-              <a:rPr lang="ru-RU" sz="4000" dirty="0" smtClean="0"/>
-              <a:t>, которые нужно понимать в контексте образа жизни людей в конкретной стране.</a:t>
-            </a:r>
-          </a:p>
-          <a:p>
-            <a:r>
-              <a:rPr lang="ru-RU" sz="4000" dirty="0" smtClean="0"/>
+              <a:rPr lang="ru-RU" dirty="0" smtClean="0"/>
+              <a:t>слова, которые нужно понимать в контексте образа жизни людей в конкретной стране.</a:t>
+            </a:r>
+          </a:p>
+          <a:p>
+            <a:r>
+              <a:rPr lang="ru-RU" dirty="0" smtClean="0"/>
               <a:t>аббревиатуры</a:t>
             </a:r>
-            <a:endParaRPr lang="ru-RU" sz="4000" dirty="0"/>
+            <a:endParaRPr lang="ru-RU" dirty="0"/>
           </a:p>
         </p:txBody>
       </p:sp>
@@ -4861,7 +4467,7 @@
         </p:nvSpPr>
         <p:spPr>
           <a:xfrm>
-            <a:off x="914400" y="685800"/>
+            <a:off x="381000" y="1143000"/>
             <a:ext cx="8229600" cy="1143000"/>
           </a:xfrm>
         </p:spPr>
@@ -4873,7 +4479,12 @@
           <a:p>
             <a:pPr algn="ctr"/>
             <a:r>
-              <a:rPr lang="ru-RU" sz="6000" b="1" dirty="0" smtClean="0"/>
+              <a:rPr lang="ru-RU" sz="4900" b="1" dirty="0" smtClean="0">
+                <a:solidFill>
+                  <a:schemeClr val="tx1"/>
+                </a:solidFill>
+                <a:latin typeface="+mn-lt"/>
+              </a:rPr>
               <a:t>Достоинства машинного перевода </a:t>
             </a:r>
             <a:r>
@@ -4894,12 +4505,12 @@
             <a:spLocks noGrp="1"/>
           </p:cNvSpPr>
           <p:nvPr>
-            <p:ph idx="1"/>
+            <p:ph sz="quarter" idx="1"/>
           </p:nvPr>
         </p:nvSpPr>
         <p:spPr>
           <a:xfrm>
-            <a:off x="1219200" y="1371600"/>
+            <a:off x="457200" y="1676400"/>
             <a:ext cx="7498080" cy="4800600"/>
           </a:xfrm>
         </p:spPr>
@@ -4911,31 +4522,31 @@
           </a:p>
           <a:p>
             <a:r>
-              <a:rPr lang="ru-RU" sz="4400" dirty="0" smtClean="0"/>
+              <a:rPr lang="ru-RU" dirty="0" smtClean="0"/>
               <a:t>Высокая скорость</a:t>
             </a:r>
           </a:p>
           <a:p>
             <a:r>
-              <a:rPr lang="ru-RU" sz="4400" dirty="0" smtClean="0"/>
+              <a:rPr lang="ru-RU" dirty="0" smtClean="0"/>
               <a:t>Низкая стоимость</a:t>
             </a:r>
           </a:p>
           <a:p>
             <a:r>
-              <a:rPr lang="ru-RU" sz="4400" dirty="0" smtClean="0"/>
+              <a:rPr lang="ru-RU" dirty="0" smtClean="0"/>
               <a:t>Доступ к услуге</a:t>
             </a:r>
           </a:p>
           <a:p>
             <a:r>
-              <a:rPr lang="ru-RU" sz="4400" dirty="0" smtClean="0"/>
+              <a:rPr lang="ru-RU" dirty="0" smtClean="0"/>
               <a:t>Конфиденциальность</a:t>
             </a:r>
           </a:p>
           <a:p>
             <a:r>
-              <a:rPr lang="ru-RU" sz="4400" dirty="0" smtClean="0"/>
+              <a:rPr lang="ru-RU" dirty="0" smtClean="0"/>
               <a:t>Универсальность</a:t>
             </a:r>
           </a:p>
@@ -4981,7 +4592,7 @@
         </p:nvSpPr>
         <p:spPr>
           <a:xfrm>
-            <a:off x="1371600" y="0"/>
+            <a:off x="762000" y="0"/>
             <a:ext cx="7498080" cy="1143000"/>
           </a:xfrm>
         </p:spPr>
@@ -4993,10 +4604,20 @@
           <a:p>
             <a:pPr algn="ctr"/>
             <a:r>
-              <a:rPr lang="ru-RU" sz="4400" b="1" dirty="0" smtClean="0"/>
+              <a:rPr lang="ru-RU" sz="4400" b="1" dirty="0" smtClean="0">
+                <a:solidFill>
+                  <a:schemeClr val="tx1"/>
+                </a:solidFill>
+                <a:latin typeface="+mn-lt"/>
+              </a:rPr>
               <a:t>Заключение</a:t>
             </a:r>
-            <a:endParaRPr lang="ru-RU" sz="4400" b="1" dirty="0"/>
+            <a:endParaRPr lang="ru-RU" sz="4400" b="1" dirty="0">
+              <a:solidFill>
+                <a:schemeClr val="tx1"/>
+              </a:solidFill>
+              <a:latin typeface="+mn-lt"/>
+            </a:endParaRPr>
           </a:p>
         </p:txBody>
       </p:sp>
@@ -5007,12 +4628,12 @@
             <a:spLocks noGrp="1"/>
           </p:cNvSpPr>
           <p:nvPr>
-            <p:ph idx="1"/>
+            <p:ph sz="quarter" idx="1"/>
           </p:nvPr>
         </p:nvSpPr>
         <p:spPr>
           <a:xfrm>
-            <a:off x="914400" y="990600"/>
+            <a:off x="381000" y="1219200"/>
             <a:ext cx="8229600" cy="4709160"/>
           </a:xfrm>
         </p:spPr>
@@ -5024,15 +4645,7 @@
           <a:p>
             <a:r>
               <a:rPr lang="ru-RU" dirty="0" smtClean="0"/>
-              <a:t>Н</a:t>
-            </a:r>
-            <a:r>
-              <a:rPr lang="ru-RU" dirty="0" smtClean="0"/>
-              <a:t>а </a:t>
-            </a:r>
-            <a:r>
-              <a:rPr lang="ru-RU" dirty="0" smtClean="0"/>
-              <a:t>данном этапе развития машинного перевода пока еще остались не разрешенными его основные проблемы. Средства машинного перевода пока не могут улавливать все смысловые нюансы оригинального текста. Однако прогресс не стоит на месте, и с увеличением быстродействия процессоров и ростом объема оперативной памяти постепенно повышается и качество машинного перевода. </a:t>
+              <a:t>На данном этапе развития машинного перевода пока еще остались не разрешенными его основные проблемы. Средства машинного перевода пока не могут улавливать все смысловые нюансы оригинального текста. Однако прогресс не стоит на месте, и с увеличением быстродействия процессоров и ростом объема оперативной памяти постепенно повышается и качество машинного перевода. </a:t>
             </a:r>
             <a:endParaRPr lang="ru-RU" dirty="0"/>
           </a:p>
@@ -5065,18 +4678,18 @@
       </p:grpSpPr>
       <p:sp>
         <p:nvSpPr>
-          <p:cNvPr id="2" name="Заголовок 1"/>
-          <p:cNvSpPr>
-            <a:spLocks noGrp="1"/>
-          </p:cNvSpPr>
-          <p:nvPr>
-            <p:ph type="title"/>
+          <p:cNvPr id="3" name="Содержимое 2"/>
+          <p:cNvSpPr>
+            <a:spLocks noGrp="1"/>
+          </p:cNvSpPr>
+          <p:nvPr>
+            <p:ph sz="quarter" idx="1"/>
           </p:nvPr>
         </p:nvSpPr>
         <p:spPr>
           <a:xfrm>
-            <a:off x="1447800" y="152400"/>
-            <a:ext cx="7498080" cy="1143000"/>
+            <a:off x="762000" y="228600"/>
+            <a:ext cx="7498080" cy="6629400"/>
           </a:xfrm>
         </p:spPr>
         <p:txBody>
@@ -5086,96 +4699,47 @@
           <a:lstStyle/>
           <a:p>
             <a:r>
+              <a:rPr lang="ru-RU" sz="4400" dirty="0" smtClean="0"/>
+              <a:t> </a:t>
+            </a:r>
+            <a:r>
               <a:rPr lang="ru-RU" sz="4400" b="1" dirty="0" smtClean="0"/>
-              <a:t>Цель и Задачи </a:t>
-            </a:r>
-            <a:r>
-              <a:rPr lang="ru-RU" sz="4400" b="1" dirty="0" smtClean="0"/>
-              <a:t>работы</a:t>
-            </a:r>
-            <a:r>
-              <a:rPr lang="ru-RU" sz="4400" dirty="0" smtClean="0"/>
-              <a:t/>
-            </a:r>
-            <a:br>
-              <a:rPr lang="ru-RU" sz="4400" dirty="0" smtClean="0"/>
-            </a:br>
-            <a:endParaRPr lang="ru-RU" sz="4400" dirty="0"/>
-          </a:p>
-        </p:txBody>
-      </p:sp>
-      <p:sp>
-        <p:nvSpPr>
-          <p:cNvPr id="3" name="Содержимое 2"/>
-          <p:cNvSpPr>
-            <a:spLocks noGrp="1"/>
-          </p:cNvSpPr>
-          <p:nvPr>
-            <p:ph idx="1"/>
-          </p:nvPr>
-        </p:nvSpPr>
-        <p:spPr>
-          <a:xfrm>
-            <a:off x="1066800" y="838200"/>
-            <a:ext cx="7498080" cy="5334000"/>
-          </a:xfrm>
-        </p:spPr>
-        <p:txBody>
-          <a:bodyPr>
-            <a:noAutofit/>
-          </a:bodyPr>
-          <a:lstStyle/>
-          <a:p>
-            <a:r>
-              <a:rPr lang="ru-RU" sz="3600" dirty="0" smtClean="0"/>
-              <a:t> </a:t>
-            </a:r>
-            <a:r>
-              <a:rPr lang="ru-RU" sz="3600" b="1" dirty="0" smtClean="0"/>
-              <a:t>Цель:</a:t>
-            </a:r>
-            <a:r>
-              <a:rPr lang="ru-RU" sz="3600" dirty="0" smtClean="0"/>
-              <a:t> ознакомление </a:t>
-            </a:r>
-            <a:r>
-              <a:rPr lang="ru-RU" sz="3600" dirty="0" smtClean="0"/>
-              <a:t>с понятием машинного </a:t>
-            </a:r>
-            <a:r>
-              <a:rPr lang="ru-RU" sz="3600" dirty="0" smtClean="0"/>
-              <a:t>перевода и его </a:t>
-            </a:r>
-            <a:r>
-              <a:rPr lang="ru-RU" sz="3600" dirty="0" smtClean="0"/>
-              <a:t>особенностями</a:t>
-            </a:r>
-            <a:r>
-              <a:rPr lang="ru-RU" sz="3600" dirty="0" smtClean="0"/>
-              <a:t>.</a:t>
-            </a:r>
-            <a:endParaRPr lang="ru-RU" sz="3600" dirty="0" smtClean="0"/>
-          </a:p>
-          <a:p>
-            <a:r>
-              <a:rPr lang="ru-RU" sz="3400" b="1" dirty="0" smtClean="0"/>
-              <a:t>Задачи: </a:t>
-            </a:r>
-            <a:endParaRPr lang="ru-RU" sz="3400" b="1" dirty="0" smtClean="0"/>
+              <a:t>Цель работы:</a:t>
+            </a:r>
           </a:p>
           <a:p>
             <a:pPr>
               <a:buNone/>
             </a:pPr>
             <a:r>
-              <a:rPr lang="ru-RU" sz="3400" dirty="0" smtClean="0"/>
-              <a:t>1</a:t>
-            </a:r>
-            <a:r>
-              <a:rPr lang="ru-RU" sz="3400" dirty="0" smtClean="0"/>
-              <a:t>) изучить историю возникновения и развития машинного перевода; </a:t>
-            </a:r>
-            <a:endParaRPr lang="ru-RU" sz="3400" dirty="0" smtClean="0"/>
+              <a:rPr lang="ru-RU" sz="3200" dirty="0" smtClean="0"/>
+              <a:t>   </a:t>
+            </a:r>
+            <a:r>
+              <a:rPr lang="ru-RU" sz="2800" dirty="0" smtClean="0"/>
+              <a:t>ознакомление с </a:t>
+            </a:r>
+            <a:r>
+              <a:rPr lang="ru-RU" sz="2800" dirty="0" smtClean="0"/>
+              <a:t>понятием машинного </a:t>
+            </a:r>
+            <a:r>
+              <a:rPr lang="ru-RU" sz="2800" dirty="0" smtClean="0"/>
+              <a:t>перевода и его особенностями</a:t>
+            </a:r>
+            <a:r>
+              <a:rPr lang="ru-RU" sz="2800" dirty="0" smtClean="0"/>
+              <a:t>.</a:t>
+            </a:r>
+          </a:p>
+          <a:p>
+            <a:endParaRPr lang="ru-RU" sz="1800" dirty="0" smtClean="0"/>
+          </a:p>
+          <a:p>
+            <a:r>
+              <a:rPr lang="ru-RU" sz="4400" b="1" dirty="0" smtClean="0"/>
+              <a:t>Задачи: </a:t>
+            </a:r>
           </a:p>
           <a:p>
             <a:pPr>
@@ -5183,33 +4747,37 @@
             </a:pPr>
             <a:r>
               <a:rPr lang="ru-RU" sz="3400" dirty="0" smtClean="0"/>
-              <a:t>2</a:t>
-            </a:r>
-            <a:r>
-              <a:rPr lang="ru-RU" sz="3400" dirty="0" smtClean="0"/>
-              <a:t>) изучить классификацию различных систем машинного перевода; </a:t>
-            </a:r>
-            <a:endParaRPr lang="ru-RU" sz="3400" dirty="0" smtClean="0"/>
+              <a:t>1</a:t>
+            </a:r>
+            <a:r>
+              <a:rPr lang="ru-RU" sz="2800" dirty="0" smtClean="0"/>
+              <a:t>) изучить историю возникновения и развития машинного перевода; </a:t>
+            </a:r>
           </a:p>
           <a:p>
             <a:pPr>
               <a:buNone/>
             </a:pPr>
             <a:r>
-              <a:rPr lang="ru-RU" sz="3400" dirty="0" smtClean="0"/>
-              <a:t>3</a:t>
-            </a:r>
-            <a:r>
-              <a:rPr lang="ru-RU" sz="3400" dirty="0" smtClean="0"/>
-              <a:t>) выявить достоинства и </a:t>
-            </a:r>
-            <a:r>
-              <a:rPr lang="ru-RU" sz="3400" dirty="0" err="1" smtClean="0"/>
-              <a:t>недостаки</a:t>
-            </a:r>
-            <a:r>
-              <a:rPr lang="ru-RU" sz="3400" dirty="0" smtClean="0"/>
-              <a:t> машинного перевода.</a:t>
+              <a:rPr lang="ru-RU" sz="2800" dirty="0" smtClean="0"/>
+              <a:t>2) изучить классификацию различных систем машинного перевода; </a:t>
+            </a:r>
+          </a:p>
+          <a:p>
+            <a:pPr>
+              <a:buNone/>
+            </a:pPr>
+            <a:r>
+              <a:rPr lang="ru-RU" sz="2800" dirty="0" smtClean="0"/>
+              <a:t>3) выявить достоинства и </a:t>
+            </a:r>
+            <a:r>
+              <a:rPr lang="ru-RU" sz="2800" dirty="0" smtClean="0"/>
+              <a:t>недостатки </a:t>
+            </a:r>
+            <a:r>
+              <a:rPr lang="ru-RU" sz="2800" dirty="0" smtClean="0"/>
+              <a:t>машинного перевода.</a:t>
             </a:r>
           </a:p>
           <a:p>
@@ -5257,23 +4825,31 @@
         </p:nvSpPr>
         <p:spPr>
           <a:xfrm>
-            <a:off x="1828800" y="0"/>
+            <a:off x="1981200" y="0"/>
             <a:ext cx="7498080" cy="1143000"/>
           </a:xfrm>
         </p:spPr>
         <p:txBody>
-          <a:bodyPr/>
-          <a:lstStyle/>
-          <a:p>
-            <a:r>
-              <a:rPr lang="ru-RU" b="1" dirty="0" smtClean="0"/>
-              <a:t>Основные </a:t>
-            </a:r>
-            <a:r>
-              <a:rPr lang="ru-RU" b="1" dirty="0" smtClean="0"/>
-              <a:t>понятия</a:t>
-            </a:r>
-            <a:endParaRPr lang="ru-RU" b="1" dirty="0"/>
+          <a:bodyPr>
+            <a:normAutofit/>
+          </a:bodyPr>
+          <a:lstStyle/>
+          <a:p>
+            <a:r>
+              <a:rPr lang="ru-RU" sz="4400" b="1" dirty="0" smtClean="0">
+                <a:solidFill>
+                  <a:schemeClr val="tx1"/>
+                </a:solidFill>
+                <a:latin typeface="+mn-lt"/>
+              </a:rPr>
+              <a:t>Основные понятия</a:t>
+            </a:r>
+            <a:endParaRPr lang="ru-RU" sz="4400" b="1" dirty="0">
+              <a:solidFill>
+                <a:schemeClr val="tx1"/>
+              </a:solidFill>
+              <a:latin typeface="+mn-lt"/>
+            </a:endParaRPr>
           </a:p>
         </p:txBody>
       </p:sp>
@@ -5284,37 +4860,41 @@
             <a:spLocks noGrp="1"/>
           </p:cNvSpPr>
           <p:nvPr>
-            <p:ph idx="1"/>
+            <p:ph sz="quarter" idx="1"/>
           </p:nvPr>
         </p:nvSpPr>
         <p:spPr>
           <a:xfrm>
-            <a:off x="914400" y="1143000"/>
+            <a:off x="533400" y="1371600"/>
             <a:ext cx="8229600" cy="5242560"/>
           </a:xfrm>
         </p:spPr>
         <p:txBody>
           <a:bodyPr>
-            <a:normAutofit lnSpcReduction="10000"/>
+            <a:normAutofit/>
           </a:bodyPr>
           <a:lstStyle/>
           <a:p>
             <a:r>
-              <a:rPr lang="ru-RU" dirty="0" smtClean="0"/>
-              <a:t>Перевод - процесс </a:t>
-            </a:r>
-            <a:r>
-              <a:rPr lang="ru-RU" dirty="0" smtClean="0"/>
-              <a:t>и результат создания на основе исходного текста на одном языке равноценного ему в коммуникативном отношении текста на другом языке. </a:t>
-            </a:r>
-          </a:p>
-          <a:p>
-            <a:endParaRPr lang="ru-RU" dirty="0" smtClean="0"/>
-          </a:p>
-          <a:p>
-            <a:r>
-              <a:rPr lang="ru-RU" dirty="0" smtClean="0"/>
-              <a:t>Машинный перевод- перевод, строящийся на использовании машиной определенных и постоянных для данного вида материала соответствий между словами и грамматическими явлениями разных языков. </a:t>
+              <a:rPr lang="ru-RU" sz="2800" b="1" dirty="0" smtClean="0"/>
+              <a:t>Перевод</a:t>
+            </a:r>
+            <a:r>
+              <a:rPr lang="ru-RU" sz="2800" dirty="0" smtClean="0"/>
+              <a:t> - процесс и результат создания на основе исходного текста на одном языке равноценного ему в коммуникативном отношении текста на другом языке. </a:t>
+            </a:r>
+          </a:p>
+          <a:p>
+            <a:endParaRPr lang="ru-RU" sz="2800" dirty="0" smtClean="0"/>
+          </a:p>
+          <a:p>
+            <a:r>
+              <a:rPr lang="ru-RU" sz="2800" b="1" dirty="0" smtClean="0"/>
+              <a:t>Машинный перевод- </a:t>
+            </a:r>
+            <a:r>
+              <a:rPr lang="ru-RU" sz="2800" dirty="0" smtClean="0"/>
+              <a:t>перевод, строящийся на использовании машиной определенных и постоянных для данного вида материала соответствий между словами и грамматическими явлениями разных языков. </a:t>
             </a:r>
           </a:p>
           <a:p>
@@ -5359,22 +4939,32 @@
         </p:nvSpPr>
         <p:spPr>
           <a:xfrm>
-            <a:off x="1371600" y="152400"/>
+            <a:off x="914400" y="304800"/>
             <a:ext cx="7498080" cy="1143000"/>
           </a:xfrm>
         </p:spPr>
         <p:txBody>
           <a:bodyPr>
-            <a:normAutofit fontScale="90000"/>
+            <a:noAutofit/>
           </a:bodyPr>
           <a:lstStyle/>
           <a:p>
             <a:pPr algn="ctr"/>
             <a:r>
-              <a:rPr lang="ru-RU" b="1" dirty="0" smtClean="0"/>
+              <a:rPr lang="ru-RU" sz="4400" b="1" dirty="0" smtClean="0">
+                <a:solidFill>
+                  <a:schemeClr val="tx1"/>
+                </a:solidFill>
+                <a:latin typeface="+mn-lt"/>
+              </a:rPr>
               <a:t>История развития машинного перевода</a:t>
             </a:r>
-            <a:endParaRPr lang="ru-RU" b="1" dirty="0"/>
+            <a:endParaRPr lang="ru-RU" sz="4400" b="1" dirty="0">
+              <a:solidFill>
+                <a:schemeClr val="tx1"/>
+              </a:solidFill>
+              <a:latin typeface="+mn-lt"/>
+            </a:endParaRPr>
           </a:p>
         </p:txBody>
       </p:sp>
@@ -5385,12 +4975,12 @@
             <a:spLocks noGrp="1"/>
           </p:cNvSpPr>
           <p:nvPr>
-            <p:ph idx="1"/>
+            <p:ph sz="quarter" idx="1"/>
           </p:nvPr>
         </p:nvSpPr>
         <p:spPr>
           <a:xfrm>
-            <a:off x="838200" y="1371600"/>
+            <a:off x="228600" y="1447800"/>
             <a:ext cx="8686800" cy="4709160"/>
           </a:xfrm>
         </p:spPr>
@@ -5401,18 +4991,10 @@
           <a:lstStyle/>
           <a:p>
             <a:r>
-              <a:rPr lang="ru-RU" sz="3000" dirty="0" smtClean="0"/>
-              <a:t>Чарльз </a:t>
-            </a:r>
-            <a:r>
-              <a:rPr lang="ru-RU" sz="3000" dirty="0" smtClean="0"/>
-              <a:t>Бэббидж - выдающийся </a:t>
-            </a:r>
-            <a:r>
-              <a:rPr lang="ru-RU" sz="3000" dirty="0" smtClean="0"/>
-              <a:t>математик XIX века </a:t>
-            </a:r>
-            <a:endParaRPr lang="ru-RU" sz="3000" dirty="0"/>
+              <a:rPr lang="ru-RU" dirty="0" smtClean="0"/>
+              <a:t>Чарльз Бэббидж - выдающийся математик XIX века </a:t>
+            </a:r>
+            <a:endParaRPr lang="ru-RU" dirty="0"/>
           </a:p>
         </p:txBody>
       </p:sp>
@@ -5432,8 +5014,8 @@
         </p:blipFill>
         <p:spPr>
           <a:xfrm>
-            <a:off x="1981200" y="2286000"/>
-            <a:ext cx="6705600" cy="4191000"/>
+            <a:off x="1783080" y="2133600"/>
+            <a:ext cx="6827520" cy="4267200"/>
           </a:xfrm>
           <a:prstGeom prst="rect">
             <a:avLst/>
@@ -5477,7 +5059,7 @@
         </p:nvSpPr>
         <p:spPr>
           <a:xfrm>
-            <a:off x="1143000" y="533400"/>
+            <a:off x="533400" y="990600"/>
             <a:ext cx="8229600" cy="304800"/>
           </a:xfrm>
         </p:spPr>
@@ -5487,22 +5069,45 @@
           </a:bodyPr>
           <a:lstStyle/>
           <a:p>
-            <a:r>
-              <a:rPr lang="ru-RU" sz="3600" b="1" dirty="0" smtClean="0"/>
+            <a:pPr algn="ctr"/>
+            <a:r>
+              <a:rPr lang="ru-RU" sz="4400" b="1" dirty="0" smtClean="0">
+                <a:solidFill>
+                  <a:schemeClr val="tx1"/>
+                </a:solidFill>
+                <a:latin typeface="+mn-lt"/>
+              </a:rPr>
               <a:t>Уоррен </a:t>
             </a:r>
             <a:r>
-              <a:rPr lang="ru-RU" sz="3600" b="1" dirty="0" err="1" smtClean="0"/>
+              <a:rPr lang="ru-RU" sz="4400" b="1" dirty="0" err="1" smtClean="0">
+                <a:solidFill>
+                  <a:schemeClr val="tx1"/>
+                </a:solidFill>
+                <a:latin typeface="+mn-lt"/>
+              </a:rPr>
               <a:t>Уивер</a:t>
             </a:r>
             <a:r>
-              <a:rPr lang="ru-RU" sz="3200" dirty="0" smtClean="0"/>
+              <a:rPr lang="ru-RU" sz="3200" dirty="0" smtClean="0">
+                <a:solidFill>
+                  <a:schemeClr val="tx1"/>
+                </a:solidFill>
+              </a:rPr>
               <a:t/>
             </a:r>
             <a:br>
-              <a:rPr lang="ru-RU" sz="3200" dirty="0" smtClean="0"/>
+              <a:rPr lang="ru-RU" sz="3200" dirty="0" smtClean="0">
+                <a:solidFill>
+                  <a:schemeClr val="tx1"/>
+                </a:solidFill>
+              </a:rPr>
             </a:br>
-            <a:endParaRPr lang="ru-RU" sz="3200" dirty="0"/>
+            <a:endParaRPr lang="ru-RU" sz="3200" dirty="0">
+              <a:solidFill>
+                <a:schemeClr val="tx1"/>
+              </a:solidFill>
+            </a:endParaRPr>
           </a:p>
         </p:txBody>
       </p:sp>
@@ -5513,17 +5118,19 @@
             <a:spLocks noGrp="1"/>
           </p:cNvSpPr>
           <p:nvPr>
-            <p:ph idx="1"/>
+            <p:ph sz="quarter" idx="1"/>
           </p:nvPr>
         </p:nvSpPr>
         <p:spPr>
           <a:xfrm>
-            <a:off x="1143000" y="762000"/>
+            <a:off x="457200" y="762000"/>
             <a:ext cx="8686800" cy="4709160"/>
           </a:xfrm>
         </p:spPr>
         <p:txBody>
-          <a:bodyPr/>
+          <a:bodyPr>
+            <a:normAutofit/>
+          </a:bodyPr>
           <a:lstStyle/>
           <a:p>
             <a:pPr>
@@ -5531,23 +5138,7 @@
             </a:pPr>
             <a:r>
               <a:rPr lang="ru-RU" dirty="0" smtClean="0"/>
-              <a:t>март </a:t>
-            </a:r>
-            <a:r>
-              <a:rPr lang="ru-RU" dirty="0" smtClean="0"/>
-              <a:t>1947 г</a:t>
-            </a:r>
-            <a:r>
-              <a:rPr lang="ru-RU" dirty="0" smtClean="0"/>
-              <a:t>. - </a:t>
-            </a:r>
-            <a:r>
-              <a:rPr lang="ru-RU" dirty="0" smtClean="0"/>
-              <a:t>Дата </a:t>
-            </a:r>
-            <a:r>
-              <a:rPr lang="ru-RU" dirty="0" smtClean="0"/>
-              <a:t>рождения машинного перевода как исследовательской области </a:t>
+              <a:t>март 1947 г. - Дата рождения машинного перевода как исследовательской области </a:t>
             </a:r>
             <a:endParaRPr lang="ru-RU" dirty="0"/>
           </a:p>
@@ -5569,8 +5160,8 @@
         </p:blipFill>
         <p:spPr>
           <a:xfrm>
-            <a:off x="1752600" y="1981200"/>
-            <a:ext cx="6324600" cy="4450080"/>
+            <a:off x="1600200" y="1828800"/>
+            <a:ext cx="6541196" cy="4602480"/>
           </a:xfrm>
           <a:prstGeom prst="rect">
             <a:avLst/>
@@ -5609,18 +5200,18 @@
             <a:spLocks noGrp="1"/>
           </p:cNvSpPr>
           <p:nvPr>
-            <p:ph idx="1"/>
+            <p:ph sz="quarter" idx="1"/>
           </p:nvPr>
         </p:nvSpPr>
         <p:spPr>
           <a:xfrm>
-            <a:off x="914400" y="152400"/>
+            <a:off x="609600" y="304800"/>
             <a:ext cx="8229600" cy="2286000"/>
           </a:xfrm>
         </p:spPr>
         <p:txBody>
           <a:bodyPr>
-            <a:normAutofit fontScale="92500" lnSpcReduction="10000"/>
+            <a:normAutofit/>
           </a:bodyPr>
           <a:lstStyle/>
           <a:p>
@@ -5629,24 +5220,12 @@
               <a:t> </a:t>
             </a:r>
             <a:r>
+              <a:rPr lang="ru-RU" b="1" dirty="0" smtClean="0"/>
+              <a:t>1952 г. </a:t>
+            </a:r>
+            <a:r>
               <a:rPr lang="ru-RU" dirty="0" smtClean="0"/>
-              <a:t>1952 г. </a:t>
-            </a:r>
-            <a:r>
-              <a:rPr lang="ru-RU" dirty="0" smtClean="0"/>
-              <a:t>- </a:t>
-            </a:r>
-            <a:r>
-              <a:rPr lang="ru-RU" dirty="0" smtClean="0"/>
-              <a:t>первая </a:t>
-            </a:r>
-            <a:r>
-              <a:rPr lang="ru-RU" dirty="0" smtClean="0"/>
-              <a:t>конференция по МП в Массачусетском технологическом </a:t>
-            </a:r>
-            <a:r>
-              <a:rPr lang="ru-RU" dirty="0" smtClean="0"/>
-              <a:t>университете</a:t>
+              <a:t>- первая конференция по МП в Массачусетском технологическом университете</a:t>
             </a:r>
           </a:p>
           <a:p>
@@ -5655,16 +5234,12 @@
               <a:t> </a:t>
             </a:r>
             <a:r>
+              <a:rPr lang="ru-RU" b="1" dirty="0" smtClean="0"/>
+              <a:t>1954 г. </a:t>
+            </a:r>
+            <a:r>
               <a:rPr lang="ru-RU" dirty="0" smtClean="0"/>
-              <a:t>1954 г. </a:t>
-            </a:r>
-            <a:r>
-              <a:rPr lang="ru-RU" dirty="0" smtClean="0"/>
-              <a:t>- первая </a:t>
-            </a:r>
-            <a:r>
-              <a:rPr lang="ru-RU" dirty="0" smtClean="0"/>
-              <a:t>полноценная система машинного перевода - IBM </a:t>
+              <a:t>- первая полноценная система машинного перевода - IBM </a:t>
             </a:r>
             <a:r>
               <a:rPr lang="ru-RU" dirty="0" err="1" smtClean="0"/>
@@ -5694,8 +5269,8 @@
         </p:blipFill>
         <p:spPr>
           <a:xfrm>
-            <a:off x="1524000" y="2438400"/>
-            <a:ext cx="6477000" cy="4064000"/>
+            <a:off x="1402556" y="2362200"/>
+            <a:ext cx="6598444" cy="4140200"/>
           </a:xfrm>
           <a:prstGeom prst="rect">
             <a:avLst/>
@@ -5734,37 +5309,35 @@
             <a:spLocks noGrp="1"/>
           </p:cNvSpPr>
           <p:nvPr>
-            <p:ph idx="1"/>
+            <p:ph sz="quarter" idx="1"/>
           </p:nvPr>
         </p:nvSpPr>
         <p:spPr>
           <a:xfrm>
-            <a:off x="914400" y="228600"/>
+            <a:off x="304800" y="304800"/>
             <a:ext cx="8229600" cy="6172200"/>
           </a:xfrm>
         </p:spPr>
         <p:txBody>
           <a:bodyPr>
-            <a:normAutofit lnSpcReduction="10000"/>
+            <a:normAutofit/>
           </a:bodyPr>
           <a:lstStyle/>
           <a:p>
-            <a:pPr>
+            <a:pPr algn="ctr">
               <a:buNone/>
             </a:pPr>
             <a:r>
               <a:rPr lang="ru-RU" sz="4700" dirty="0" smtClean="0"/>
-              <a:t>           </a:t>
-            </a:r>
-            <a:r>
-              <a:rPr lang="ru-RU" sz="4700" b="1" dirty="0" smtClean="0">
-                <a:solidFill>
-                  <a:schemeClr val="accent3">
-                    <a:lumMod val="50000"/>
-                  </a:schemeClr>
-                </a:solidFill>
-              </a:rPr>
-              <a:t>Российские разработки</a:t>
+              <a:t>     </a:t>
+            </a:r>
+            <a:r>
+              <a:rPr lang="ru-RU" sz="4400" b="1" dirty="0" smtClean="0"/>
+              <a:t>Российские </a:t>
+            </a:r>
+            <a:r>
+              <a:rPr lang="ru-RU" sz="4400" b="1" dirty="0" smtClean="0"/>
+              <a:t>разработки</a:t>
             </a:r>
           </a:p>
           <a:p>
@@ -5775,100 +5348,79 @@
           </a:p>
           <a:p>
             <a:r>
-              <a:rPr lang="ru-RU" sz="4000" dirty="0" smtClean="0"/>
-              <a:t>июль </a:t>
-            </a:r>
-            <a:r>
-              <a:rPr lang="ru-RU" sz="4000" dirty="0" smtClean="0"/>
-              <a:t>1990 г. </a:t>
-            </a:r>
-            <a:r>
-              <a:rPr lang="ru-RU" sz="4000" dirty="0" smtClean="0"/>
-              <a:t>- первая </a:t>
-            </a:r>
-            <a:r>
-              <a:rPr lang="ru-RU" sz="4000" dirty="0" smtClean="0"/>
-              <a:t>в России коммерческая система машинного перевода </a:t>
-            </a:r>
-            <a:r>
-              <a:rPr lang="ru-RU" sz="4000" dirty="0" smtClean="0"/>
-              <a:t>PROMT </a:t>
-            </a:r>
-            <a:r>
-              <a:rPr lang="ru-RU" sz="4000" dirty="0" smtClean="0"/>
-              <a:t>(</a:t>
-            </a:r>
-            <a:r>
-              <a:rPr lang="ru-RU" sz="4000" dirty="0" err="1" smtClean="0"/>
+              <a:rPr lang="ru-RU" b="1" dirty="0" smtClean="0"/>
+              <a:t>июль 1990 г. </a:t>
+            </a:r>
+            <a:r>
+              <a:rPr lang="ru-RU" dirty="0" smtClean="0"/>
+              <a:t>- первая в России коммерческая система машинного перевода PROMT (</a:t>
+            </a:r>
+            <a:r>
+              <a:rPr lang="ru-RU" dirty="0" err="1" smtClean="0"/>
               <a:t>PROgrammers</a:t>
             </a:r>
             <a:r>
-              <a:rPr lang="ru-RU" sz="4000" dirty="0" smtClean="0"/>
+              <a:rPr lang="ru-RU" dirty="0" smtClean="0"/>
               <a:t> </a:t>
             </a:r>
             <a:r>
-              <a:rPr lang="ru-RU" sz="4000" dirty="0" err="1" smtClean="0"/>
+              <a:rPr lang="ru-RU" dirty="0" err="1" smtClean="0"/>
               <a:t>Machine</a:t>
             </a:r>
             <a:r>
-              <a:rPr lang="ru-RU" sz="4000" dirty="0" smtClean="0"/>
+              <a:rPr lang="ru-RU" dirty="0" smtClean="0"/>
               <a:t> </a:t>
             </a:r>
             <a:r>
-              <a:rPr lang="ru-RU" sz="4000" dirty="0" err="1" smtClean="0"/>
+              <a:rPr lang="ru-RU" dirty="0" err="1" smtClean="0"/>
               <a:t>Translation</a:t>
             </a:r>
             <a:r>
-              <a:rPr lang="ru-RU" sz="4000" dirty="0" smtClean="0"/>
+              <a:rPr lang="ru-RU" dirty="0" smtClean="0"/>
               <a:t>). </a:t>
             </a:r>
-          </a:p>
-          <a:p>
-            <a:r>
-              <a:rPr lang="ru-RU" sz="4000" dirty="0" smtClean="0"/>
+            <a:endParaRPr lang="ru-RU" dirty="0" smtClean="0"/>
+          </a:p>
+          <a:p>
+            <a:endParaRPr lang="ru-RU" dirty="0" smtClean="0"/>
+          </a:p>
+          <a:p>
+            <a:r>
+              <a:rPr lang="ru-RU" dirty="0" smtClean="0"/>
               <a:t> </a:t>
             </a:r>
             <a:r>
-              <a:rPr lang="ru-RU" sz="4000" dirty="0" smtClean="0"/>
+              <a:rPr lang="ru-RU" b="1" dirty="0" smtClean="0"/>
               <a:t>1991 г. </a:t>
             </a:r>
             <a:r>
-              <a:rPr lang="ru-RU" sz="4000" dirty="0" smtClean="0"/>
-              <a:t>- ЗАО </a:t>
-            </a:r>
-            <a:r>
-              <a:rPr lang="ru-RU" sz="4000" dirty="0" smtClean="0"/>
-              <a:t>«</a:t>
-            </a:r>
-            <a:r>
-              <a:rPr lang="ru-RU" sz="4000" dirty="0" err="1" smtClean="0"/>
+              <a:rPr lang="ru-RU" dirty="0" smtClean="0"/>
+              <a:t>- ЗАО «</a:t>
+            </a:r>
+            <a:r>
+              <a:rPr lang="ru-RU" dirty="0" err="1" smtClean="0"/>
               <a:t>ПРОект</a:t>
             </a:r>
             <a:r>
-              <a:rPr lang="ru-RU" sz="4000" dirty="0" smtClean="0"/>
-              <a:t> </a:t>
-            </a:r>
-            <a:r>
-              <a:rPr lang="ru-RU" sz="4000" dirty="0" smtClean="0"/>
-              <a:t>МТ»</a:t>
-            </a:r>
-          </a:p>
-          <a:p>
-            <a:r>
-              <a:rPr lang="ru-RU" sz="4000" dirty="0" smtClean="0"/>
-              <a:t>1992 </a:t>
-            </a:r>
-            <a:r>
-              <a:rPr lang="ru-RU" sz="4000" dirty="0" smtClean="0"/>
-              <a:t>г</a:t>
-            </a:r>
-            <a:r>
-              <a:rPr lang="ru-RU" sz="4000" dirty="0" smtClean="0"/>
-              <a:t>. -  </a:t>
-            </a:r>
-            <a:r>
-              <a:rPr lang="ru-RU" sz="4000" dirty="0" smtClean="0"/>
-              <a:t>компания ПРОМТ выиграла конкурс NASA на поставку систем МП. </a:t>
+              <a:rPr lang="ru-RU" dirty="0" smtClean="0"/>
+              <a:t> МТ</a:t>
+            </a:r>
+            <a:r>
+              <a:rPr lang="ru-RU" dirty="0" smtClean="0"/>
+              <a:t>»</a:t>
+            </a:r>
+          </a:p>
+          <a:p>
+            <a:endParaRPr lang="ru-RU" dirty="0" smtClean="0"/>
+          </a:p>
+          <a:p>
+            <a:r>
+              <a:rPr lang="ru-RU" b="1" dirty="0" smtClean="0"/>
+              <a:t>1992 г. </a:t>
+            </a:r>
+            <a:r>
+              <a:rPr lang="ru-RU" dirty="0" smtClean="0"/>
+              <a:t>-  компания ПРОМТ выиграла конкурс NASA на поставку систем МП. </a:t>
             </a:r>
           </a:p>
           <a:p>
@@ -5925,22 +5477,32 @@
         </p:nvSpPr>
         <p:spPr>
           <a:xfrm>
-            <a:off x="1066800" y="152400"/>
+            <a:off x="533400" y="304800"/>
             <a:ext cx="8229600" cy="1143000"/>
           </a:xfrm>
         </p:spPr>
         <p:txBody>
           <a:bodyPr>
-            <a:normAutofit fontScale="90000"/>
+            <a:noAutofit/>
           </a:bodyPr>
           <a:lstStyle/>
           <a:p>
             <a:pPr algn="ctr"/>
             <a:r>
-              <a:rPr lang="ru-RU" b="1" dirty="0" smtClean="0"/>
+              <a:rPr lang="ru-RU" sz="4400" b="1" dirty="0" smtClean="0">
+                <a:solidFill>
+                  <a:schemeClr val="tx1"/>
+                </a:solidFill>
+                <a:latin typeface="+mn-lt"/>
+              </a:rPr>
               <a:t>Стадии развития систем машинного перевода:</a:t>
             </a:r>
-            <a:endParaRPr lang="ru-RU" b="1" dirty="0"/>
+            <a:endParaRPr lang="ru-RU" sz="4400" b="1" dirty="0">
+              <a:solidFill>
+                <a:schemeClr val="tx1"/>
+              </a:solidFill>
+              <a:latin typeface="+mn-lt"/>
+            </a:endParaRPr>
           </a:p>
         </p:txBody>
       </p:sp>
@@ -5951,12 +5513,12 @@
             <a:graphicFrameLocks noGrp="1"/>
           </p:cNvGraphicFramePr>
           <p:nvPr>
-            <p:ph idx="1"/>
+            <p:ph sz="quarter" idx="1"/>
           </p:nvPr>
         </p:nvGraphicFramePr>
         <p:xfrm>
-          <a:off x="1219200" y="1524000"/>
-          <a:ext cx="7467600" cy="4855331"/>
+          <a:off x="685800" y="1600200"/>
+          <a:ext cx="7772400" cy="4855331"/>
         </p:xfrm>
         <a:graphic>
           <a:graphicData uri="http://schemas.openxmlformats.org/drawingml/2006/table">
@@ -5965,8 +5527,8 @@
                 <a:tableStyleId>{5C22544A-7EE6-4342-B048-85BDC9FD1C3A}</a:tableStyleId>
               </a:tblPr>
               <a:tblGrid>
-                <a:gridCol w="3733800"/>
-                <a:gridCol w="3733800"/>
+                <a:gridCol w="3886200"/>
+                <a:gridCol w="3886200"/>
               </a:tblGrid>
               <a:tr h="520722">
                 <a:tc>
@@ -6310,7 +5872,7 @@
         </p:nvSpPr>
         <p:spPr>
           <a:xfrm>
-            <a:off x="1143000" y="0"/>
+            <a:off x="609600" y="152400"/>
             <a:ext cx="8229600" cy="1143000"/>
           </a:xfrm>
         </p:spPr>
@@ -6322,7 +5884,12 @@
           <a:p>
             <a:pPr algn="ctr"/>
             <a:r>
-              <a:rPr lang="ru-RU" sz="4400" b="1" dirty="0" smtClean="0"/>
+              <a:rPr lang="ru-RU" sz="4900" b="1" dirty="0" smtClean="0">
+                <a:solidFill>
+                  <a:schemeClr val="tx1"/>
+                </a:solidFill>
+                <a:latin typeface="+mn-lt"/>
+              </a:rPr>
               <a:t>Электронные словари</a:t>
             </a:r>
             <a:r>
@@ -6343,12 +5910,12 @@
             <a:graphicFrameLocks noGrp="1"/>
           </p:cNvGraphicFramePr>
           <p:nvPr>
-            <p:ph idx="1"/>
+            <p:ph sz="quarter" idx="1"/>
           </p:nvPr>
         </p:nvGraphicFramePr>
         <p:xfrm>
-          <a:off x="1295400" y="609601"/>
-          <a:ext cx="7391400" cy="6188042"/>
+          <a:off x="762000" y="762000"/>
+          <a:ext cx="7772400" cy="5821680"/>
         </p:xfrm>
         <a:graphic>
           <a:graphicData uri="http://schemas.openxmlformats.org/drawingml/2006/table">
@@ -6357,10 +5924,10 @@
                 <a:tableStyleId>{5C22544A-7EE6-4342-B048-85BDC9FD1C3A}</a:tableStyleId>
               </a:tblPr>
               <a:tblGrid>
-                <a:gridCol w="3695700"/>
-                <a:gridCol w="3695700"/>
+                <a:gridCol w="3886200"/>
+                <a:gridCol w="3886200"/>
               </a:tblGrid>
-              <a:tr h="470694">
+              <a:tr h="359058">
                 <a:tc>
                   <a:txBody>
                     <a:bodyPr/>
@@ -6390,18 +5957,18 @@
                   <a:tcPr/>
                 </a:tc>
               </a:tr>
-              <a:tr h="2425508">
+              <a:tr h="2184267">
                 <a:tc>
                   <a:txBody>
                     <a:bodyPr/>
                     <a:lstStyle/>
                     <a:p>
                       <a:r>
-                        <a:rPr lang="ru-RU" sz="1700" b="1" dirty="0" smtClean="0"/>
+                        <a:rPr lang="ru-RU" sz="2000" b="1" dirty="0" smtClean="0"/>
                         <a:t>1.</a:t>
                       </a:r>
                       <a:r>
-                        <a:rPr kumimoji="0" lang="ru-RU" sz="1700" b="1" kern="1200" dirty="0" smtClean="0">
+                        <a:rPr kumimoji="0" lang="ru-RU" sz="2000" b="1" kern="1200" dirty="0" smtClean="0">
                           <a:solidFill>
                             <a:schemeClr val="dk1"/>
                           </a:solidFill>
@@ -6411,7 +5978,7 @@
                         </a:rPr>
                         <a:t> По используемой операционной системе.</a:t>
                       </a:r>
-                      <a:endParaRPr lang="ru-RU" sz="1700" b="1" dirty="0"/>
+                      <a:endParaRPr lang="ru-RU" sz="2000" b="1" dirty="0"/>
                     </a:p>
                   </a:txBody>
                   <a:tcPr/>
@@ -6425,7 +5992,7 @@
                         <a:buAutoNum type="arabicPeriod"/>
                       </a:pPr>
                       <a:r>
-                        <a:rPr kumimoji="0" lang="ru-RU" sz="1700" kern="1200" dirty="0" smtClean="0">
+                        <a:rPr kumimoji="0" lang="ru-RU" sz="2000" kern="1200" dirty="0" smtClean="0">
                           <a:solidFill>
                             <a:schemeClr val="dk1"/>
                           </a:solidFill>
@@ -6433,15 +6000,10 @@
                           <a:ea typeface="+mn-ea"/>
                           <a:cs typeface="+mn-cs"/>
                         </a:rPr>
-                        <a:t>Наиболее простые электронные словари (DIC) работают под управлением ОС MS-DOS</a:t>
-                      </a:r>
-                    </a:p>
-                    <a:p>
-                      <a:pPr marL="342900" indent="-342900">
-                        <a:buAutoNum type="arabicPeriod"/>
-                      </a:pPr>
-                      <a:r>
-                        <a:rPr kumimoji="0" lang="ru-RU" sz="1700" kern="1200" dirty="0" smtClean="0">
+                        <a:t>Простые </a:t>
+                      </a:r>
+                      <a:r>
+                        <a:rPr kumimoji="0" lang="ru-RU" sz="2000" kern="1200" dirty="0" smtClean="0">
                           <a:solidFill>
                             <a:schemeClr val="dk1"/>
                           </a:solidFill>
@@ -6449,10 +6011,15 @@
                           <a:ea typeface="+mn-ea"/>
                           <a:cs typeface="+mn-cs"/>
                         </a:rPr>
-                        <a:t>Наиболее сложные многооконные и многофункциональные ЭС работают под управлением ОС WINDOWS </a:t>
-                      </a:r>
-                      <a:r>
-                        <a:rPr kumimoji="0" lang="ru-RU" sz="1700" kern="1200" dirty="0" smtClean="0">
+                        <a:t>электронные словари (DIC) работают под управлением ОС MS-DOS</a:t>
+                      </a:r>
+                    </a:p>
+                    <a:p>
+                      <a:pPr marL="342900" indent="-342900">
+                        <a:buAutoNum type="arabicPeriod"/>
+                      </a:pPr>
+                      <a:r>
+                        <a:rPr kumimoji="0" lang="ru-RU" sz="2000" kern="1200" dirty="0" smtClean="0">
                           <a:solidFill>
                             <a:schemeClr val="dk1"/>
                           </a:solidFill>
@@ -6460,26 +6027,37 @@
                           <a:ea typeface="+mn-ea"/>
                           <a:cs typeface="+mn-cs"/>
                         </a:rPr>
-                        <a:t>3.11</a:t>
-                      </a:r>
-                      <a:endParaRPr lang="ru-RU" sz="1700" dirty="0"/>
+                        <a:t>Сложные </a:t>
+                      </a:r>
+                      <a:r>
+                        <a:rPr kumimoji="0" lang="ru-RU" sz="2000" kern="1200" dirty="0" smtClean="0">
+                          <a:solidFill>
+                            <a:schemeClr val="dk1"/>
+                          </a:solidFill>
+                          <a:latin typeface="+mn-lt"/>
+                          <a:ea typeface="+mn-ea"/>
+                          <a:cs typeface="+mn-cs"/>
+                        </a:rPr>
+                        <a:t>многооконные и многофункциональные ЭС работают под управлением ОС WINDOWS 3.11</a:t>
+                      </a:r>
+                      <a:endParaRPr lang="ru-RU" sz="2000" dirty="0"/>
                     </a:p>
                   </a:txBody>
                   <a:tcPr/>
                 </a:tc>
               </a:tr>
-              <a:tr h="856616">
+              <a:tr h="1295400">
                 <a:tc>
                   <a:txBody>
                     <a:bodyPr/>
                     <a:lstStyle/>
                     <a:p>
                       <a:r>
-                        <a:rPr lang="ru-RU" sz="1700" b="1" dirty="0" smtClean="0"/>
+                        <a:rPr lang="ru-RU" sz="2000" b="1" dirty="0" smtClean="0"/>
                         <a:t>2.</a:t>
                       </a:r>
                       <a:r>
-                        <a:rPr kumimoji="0" lang="ru-RU" sz="1700" b="1" kern="1200" dirty="0" smtClean="0">
+                        <a:rPr kumimoji="0" lang="ru-RU" sz="2000" b="1" kern="1200" dirty="0" smtClean="0">
                           <a:solidFill>
                             <a:schemeClr val="dk1"/>
                           </a:solidFill>
@@ -6489,7 +6067,7 @@
                         </a:rPr>
                         <a:t> По способу загрузки. </a:t>
                       </a:r>
-                      <a:endParaRPr lang="ru-RU" sz="1700" b="1" dirty="0"/>
+                      <a:endParaRPr lang="ru-RU" sz="2000" b="1" dirty="0"/>
                     </a:p>
                   </a:txBody>
                   <a:tcPr/>
@@ -6503,11 +6081,11 @@
                         <a:buAutoNum type="arabicPeriod"/>
                       </a:pPr>
                       <a:r>
-                        <a:rPr lang="ru-RU" sz="1700" dirty="0" smtClean="0"/>
+                        <a:rPr lang="ru-RU" sz="2000" dirty="0" smtClean="0"/>
                         <a:t>Н</a:t>
                       </a:r>
                       <a:r>
-                        <a:rPr kumimoji="0" lang="ru-RU" sz="1700" kern="1200" dirty="0" smtClean="0">
+                        <a:rPr kumimoji="0" lang="ru-RU" sz="2000" kern="1200" dirty="0" smtClean="0">
                           <a:solidFill>
                             <a:schemeClr val="dk1"/>
                           </a:solidFill>
@@ -6523,7 +6101,7 @@
                         <a:buAutoNum type="arabicPeriod"/>
                       </a:pPr>
                       <a:r>
-                        <a:rPr kumimoji="0" lang="ru-RU" sz="1700" kern="1200" dirty="0" smtClean="0">
+                        <a:rPr kumimoji="0" lang="ru-RU" sz="2000" kern="1200" dirty="0" smtClean="0">
                           <a:solidFill>
                             <a:schemeClr val="dk1"/>
                           </a:solidFill>
@@ -6534,7 +6112,7 @@
                         <a:t>Резидентные (словарь</a:t>
                       </a:r>
                       <a:r>
-                        <a:rPr kumimoji="0" lang="ru-RU" sz="1700" kern="1200" baseline="0" dirty="0" smtClean="0">
+                        <a:rPr kumimoji="0" lang="ru-RU" sz="2000" kern="1200" baseline="0" dirty="0" smtClean="0">
                           <a:solidFill>
                             <a:schemeClr val="dk1"/>
                           </a:solidFill>
@@ -6545,7 +6123,7 @@
                         <a:t> </a:t>
                       </a:r>
                       <a:r>
-                        <a:rPr kumimoji="0" lang="ru-RU" sz="1700" kern="1200" dirty="0" smtClean="0">
+                        <a:rPr kumimoji="0" lang="ru-RU" sz="2000" kern="1200" dirty="0" smtClean="0">
                           <a:solidFill>
                             <a:schemeClr val="dk1"/>
                           </a:solidFill>
@@ -6556,7 +6134,7 @@
                         <a:t>LINGVO </a:t>
                       </a:r>
                       <a:r>
-                        <a:rPr kumimoji="0" lang="ru-RU" sz="1700" kern="1200" dirty="0" err="1" smtClean="0">
+                        <a:rPr kumimoji="0" lang="ru-RU" sz="2000" kern="1200" dirty="0" err="1" smtClean="0">
                           <a:solidFill>
                             <a:schemeClr val="dk1"/>
                           </a:solidFill>
@@ -6567,7 +6145,7 @@
                         <a:t>for</a:t>
                       </a:r>
                       <a:r>
-                        <a:rPr kumimoji="0" lang="ru-RU" sz="1700" kern="1200" dirty="0" smtClean="0">
+                        <a:rPr kumimoji="0" lang="ru-RU" sz="2000" kern="1200" dirty="0" smtClean="0">
                           <a:solidFill>
                             <a:schemeClr val="dk1"/>
                           </a:solidFill>
@@ -6577,20 +6155,20 @@
                         </a:rPr>
                         <a:t> DOS)</a:t>
                       </a:r>
-                      <a:endParaRPr lang="ru-RU" sz="1700" dirty="0"/>
+                      <a:endParaRPr lang="ru-RU" sz="2000" dirty="0"/>
                     </a:p>
                   </a:txBody>
                   <a:tcPr/>
                 </a:tc>
               </a:tr>
-              <a:tr h="2190781">
+              <a:tr h="1885052">
                 <a:tc>
                   <a:txBody>
                     <a:bodyPr/>
                     <a:lstStyle/>
                     <a:p>
                       <a:r>
-                        <a:rPr kumimoji="0" lang="ru-RU" sz="1700" b="1" kern="1200" dirty="0" smtClean="0">
+                        <a:rPr kumimoji="0" lang="ru-RU" sz="2000" b="1" kern="1200" dirty="0" smtClean="0">
                           <a:solidFill>
                             <a:schemeClr val="dk1"/>
                           </a:solidFill>
@@ -6598,9 +6176,20 @@
                           <a:ea typeface="+mn-ea"/>
                           <a:cs typeface="+mn-cs"/>
                         </a:rPr>
-                        <a:t>3. По количеству подключаемых словарных баз (словарей). </a:t>
-                      </a:r>
-                      <a:endParaRPr lang="ru-RU" sz="1700" b="1" dirty="0"/>
+                        <a:t>3. По количеству подключаемых словарных </a:t>
+                      </a:r>
+                      <a:r>
+                        <a:rPr kumimoji="0" lang="ru-RU" sz="2000" b="1" kern="1200" dirty="0" smtClean="0">
+                          <a:solidFill>
+                            <a:schemeClr val="dk1"/>
+                          </a:solidFill>
+                          <a:latin typeface="+mn-lt"/>
+                          <a:ea typeface="+mn-ea"/>
+                          <a:cs typeface="+mn-cs"/>
+                        </a:rPr>
+                        <a:t>баз. </a:t>
+                      </a:r>
+                      <a:endParaRPr lang="ru-RU" sz="2000" b="1" dirty="0"/>
                     </a:p>
                   </a:txBody>
                   <a:tcPr/>
@@ -6614,7 +6203,7 @@
                         <a:buAutoNum type="arabicPeriod"/>
                       </a:pPr>
                       <a:r>
-                        <a:rPr kumimoji="0" lang="ru-RU" sz="1700" kern="1200" dirty="0" smtClean="0">
+                        <a:rPr kumimoji="0" lang="ru-RU" sz="2000" kern="1200" dirty="0" smtClean="0">
                           <a:solidFill>
                             <a:schemeClr val="dk1"/>
                           </a:solidFill>
@@ -6622,8 +6211,71 @@
                           <a:ea typeface="+mn-ea"/>
                           <a:cs typeface="+mn-cs"/>
                         </a:rPr>
-                        <a:t>Ранние версии ЭС позволяли подключать только один словарь. </a:t>
-                      </a:r>
+                        <a:t>Ранние версии </a:t>
+                      </a:r>
+                      <a:r>
+                        <a:rPr kumimoji="0" lang="ru-RU" sz="2000" kern="1200" dirty="0" smtClean="0">
+                          <a:solidFill>
+                            <a:schemeClr val="dk1"/>
+                          </a:solidFill>
+                          <a:latin typeface="+mn-lt"/>
+                          <a:ea typeface="+mn-ea"/>
+                          <a:cs typeface="+mn-cs"/>
+                        </a:rPr>
+                        <a:t>-</a:t>
+                      </a:r>
+                      <a:r>
+                        <a:rPr kumimoji="0" lang="ru-RU" sz="2000" kern="1200" baseline="0" dirty="0" smtClean="0">
+                          <a:solidFill>
+                            <a:schemeClr val="dk1"/>
+                          </a:solidFill>
+                          <a:latin typeface="+mn-lt"/>
+                          <a:ea typeface="+mn-ea"/>
+                          <a:cs typeface="+mn-cs"/>
+                        </a:rPr>
+                        <a:t> </a:t>
+                      </a:r>
+                      <a:r>
+                        <a:rPr kumimoji="0" lang="ru-RU" sz="2000" kern="1200" dirty="0" smtClean="0">
+                          <a:solidFill>
+                            <a:schemeClr val="dk1"/>
+                          </a:solidFill>
+                          <a:latin typeface="+mn-lt"/>
+                          <a:ea typeface="+mn-ea"/>
+                          <a:cs typeface="+mn-cs"/>
+                        </a:rPr>
+                        <a:t>одна словарная</a:t>
+                      </a:r>
+                      <a:r>
+                        <a:rPr kumimoji="0" lang="ru-RU" sz="2000" kern="1200" baseline="0" dirty="0" smtClean="0">
+                          <a:solidFill>
+                            <a:schemeClr val="dk1"/>
+                          </a:solidFill>
+                          <a:latin typeface="+mn-lt"/>
+                          <a:ea typeface="+mn-ea"/>
+                          <a:cs typeface="+mn-cs"/>
+                        </a:rPr>
+                        <a:t> база</a:t>
+                      </a:r>
+                      <a:r>
+                        <a:rPr kumimoji="0" lang="ru-RU" sz="2000" kern="1200" dirty="0" smtClean="0">
+                          <a:solidFill>
+                            <a:schemeClr val="dk1"/>
+                          </a:solidFill>
+                          <a:latin typeface="+mn-lt"/>
+                          <a:ea typeface="+mn-ea"/>
+                          <a:cs typeface="+mn-cs"/>
+                        </a:rPr>
+                        <a:t>. </a:t>
+                      </a:r>
+                      <a:endParaRPr kumimoji="0" lang="ru-RU" sz="2000" kern="1200" dirty="0" smtClean="0">
+                        <a:solidFill>
+                          <a:schemeClr val="dk1"/>
+                        </a:solidFill>
+                        <a:latin typeface="+mn-lt"/>
+                        <a:ea typeface="+mn-ea"/>
+                        <a:cs typeface="+mn-cs"/>
+                      </a:endParaRPr>
                     </a:p>
                     <a:p>
                       <a:pPr marL="342900" marR="0" indent="-342900" algn="l" defTabSz="914400" rtl="0" eaLnBrk="1" fontAlgn="auto" latinLnBrk="0" hangingPunct="1">
@@ -6644,7 +6296,7 @@
                         <a:defRPr/>
                       </a:pPr>
                       <a:r>
-                        <a:rPr kumimoji="0" lang="ru-RU" sz="1700" kern="1200" dirty="0" smtClean="0">
+                        <a:rPr kumimoji="0" lang="ru-RU" sz="2000" kern="1200" dirty="0" smtClean="0">
                           <a:solidFill>
                             <a:schemeClr val="dk1"/>
                           </a:solidFill>
@@ -6655,7 +6307,7 @@
                         <a:t>Современные программы</a:t>
                       </a:r>
                       <a:r>
-                        <a:rPr kumimoji="0" lang="ru-RU" sz="1700" kern="1200" baseline="0" dirty="0" smtClean="0">
+                        <a:rPr kumimoji="0" lang="ru-RU" sz="2000" kern="1200" baseline="0" dirty="0" smtClean="0">
                           <a:solidFill>
                             <a:schemeClr val="dk1"/>
                           </a:solidFill>
@@ -6666,7 +6318,7 @@
                         <a:t> </a:t>
                       </a:r>
                       <a:r>
-                        <a:rPr kumimoji="0" lang="ru-RU" sz="1700" kern="1200" dirty="0" smtClean="0">
+                        <a:rPr kumimoji="0" lang="ru-RU" sz="2000" kern="1200" baseline="0" dirty="0" smtClean="0">
                           <a:solidFill>
                             <a:schemeClr val="dk1"/>
                           </a:solidFill>
@@ -6674,14 +6326,55 @@
                           <a:ea typeface="+mn-ea"/>
                           <a:cs typeface="+mn-cs"/>
                         </a:rPr>
-                        <a:t>позволяют подключать до нескольких десятков словарных баз и устанавливать приоритет последних.</a:t>
-                      </a:r>
+                        <a:t>-</a:t>
+                      </a:r>
+                      <a:r>
+                        <a:rPr kumimoji="0" lang="ru-RU" sz="2000" kern="1200" dirty="0" smtClean="0">
+                          <a:solidFill>
+                            <a:schemeClr val="dk1"/>
+                          </a:solidFill>
+                          <a:latin typeface="+mn-lt"/>
+                          <a:ea typeface="+mn-ea"/>
+                          <a:cs typeface="+mn-cs"/>
+                        </a:rPr>
+                        <a:t>несколько </a:t>
+                      </a:r>
+                      <a:r>
+                        <a:rPr kumimoji="0" lang="ru-RU" sz="2000" kern="1200" dirty="0" smtClean="0">
+                          <a:solidFill>
+                            <a:schemeClr val="dk1"/>
+                          </a:solidFill>
+                          <a:latin typeface="+mn-lt"/>
+                          <a:ea typeface="+mn-ea"/>
+                          <a:cs typeface="+mn-cs"/>
+                        </a:rPr>
+                        <a:t>десятков словарных </a:t>
+                      </a:r>
+                      <a:r>
+                        <a:rPr kumimoji="0" lang="ru-RU" sz="2000" kern="1200" dirty="0" smtClean="0">
+                          <a:solidFill>
+                            <a:schemeClr val="dk1"/>
+                          </a:solidFill>
+                          <a:latin typeface="+mn-lt"/>
+                          <a:ea typeface="+mn-ea"/>
+                          <a:cs typeface="+mn-cs"/>
+                        </a:rPr>
+                        <a:t>баз.</a:t>
+                      </a:r>
+                      <a:endParaRPr kumimoji="0" lang="ru-RU" sz="2000" kern="1200" dirty="0" smtClean="0">
+                        <a:solidFill>
+                          <a:schemeClr val="dk1"/>
+                        </a:solidFill>
+                        <a:latin typeface="+mn-lt"/>
+                        <a:ea typeface="+mn-ea"/>
+                        <a:cs typeface="+mn-cs"/>
+                      </a:endParaRPr>
                     </a:p>
                     <a:p>
                       <a:pPr marL="342900" indent="-342900">
                         <a:buAutoNum type="arabicPeriod"/>
                       </a:pPr>
-                      <a:endParaRPr lang="ru-RU" sz="1700" dirty="0"/>
+                      <a:endParaRPr lang="ru-RU" sz="2000" dirty="0"/>
                     </a:p>
                   </a:txBody>
                   <a:tcPr/>
@@ -6700,9 +6393,9 @@
 </file>
 
 <file path=ppt/theme/theme1.xml><?xml version="1.0" encoding="utf-8"?>
-<a:theme xmlns:a="http://schemas.openxmlformats.org/drawingml/2006/main" name="Солнцестояние">
+<a:theme xmlns:a="http://schemas.openxmlformats.org/drawingml/2006/main" name="Справедливость">
   <a:themeElements>
-    <a:clrScheme name="Солнцестояние">
+    <a:clrScheme name="Справедливость">
       <a:dk1>
         <a:sysClr val="windowText" lastClr="000000"/>
       </a:dk1>
@@ -6710,50 +6403,50 @@
         <a:sysClr val="window" lastClr="FFFFFF"/>
       </a:lt1>
       <a:dk2>
-        <a:srgbClr val="4F271C"/>
+        <a:srgbClr val="696464"/>
       </a:dk2>
       <a:lt2>
-        <a:srgbClr val="E7DEC9"/>
+        <a:srgbClr val="E9E5DC"/>
       </a:lt2>
       <a:accent1>
-        <a:srgbClr val="3891A7"/>
+        <a:srgbClr val="D34817"/>
       </a:accent1>
       <a:accent2>
-        <a:srgbClr val="FEB80A"/>
+        <a:srgbClr val="9B2D1F"/>
       </a:accent2>
       <a:accent3>
-        <a:srgbClr val="C32D2E"/>
+        <a:srgbClr val="A28E6A"/>
       </a:accent3>
       <a:accent4>
-        <a:srgbClr val="84AA33"/>
+        <a:srgbClr val="956251"/>
       </a:accent4>
       <a:accent5>
-        <a:srgbClr val="964305"/>
+        <a:srgbClr val="918485"/>
       </a:accent5>
       <a:accent6>
-        <a:srgbClr val="475A8D"/>
+        <a:srgbClr val="855D5D"/>
       </a:accent6>
       <a:hlink>
-        <a:srgbClr val="8DC765"/>
+        <a:srgbClr val="CC9900"/>
       </a:hlink>
       <a:folHlink>
-        <a:srgbClr val="AA8A14"/>
+        <a:srgbClr val="96A9A9"/>
       </a:folHlink>
     </a:clrScheme>
-    <a:fontScheme name="Солнцестояние">
+    <a:fontScheme name="Справедливость">
       <a:majorFont>
-        <a:latin typeface="Gill Sans MT"/>
+        <a:latin typeface="Franklin Gothic Book"/>
         <a:ea typeface=""/>
         <a:cs typeface=""/>
-        <a:font script="Grek" typeface="Corbel"/>
-        <a:font script="Cyrl" typeface="Corbel"/>
-        <a:font script="Jpan" typeface="HGｺﾞｼｯｸE"/>
-        <a:font script="Hang" typeface="휴먼매직체"/>
-        <a:font script="Hans" typeface="华文中宋"/>
+        <a:font script="Grek" typeface="Calibri"/>
+        <a:font script="Cyrl" typeface="Calibri"/>
+        <a:font script="Jpan" typeface="HGｺﾞｼｯｸM"/>
+        <a:font script="Hang" typeface="바탕"/>
+        <a:font script="Hans" typeface="幼圆"/>
         <a:font script="Hant" typeface="微軟正黑體"/>
-        <a:font script="Arab" typeface="Majalla UI"/>
-        <a:font script="Hebr" typeface="Arial"/>
-        <a:font script="Thai" typeface="Cordia New"/>
+        <a:font script="Arab" typeface="Tahoma"/>
+        <a:font script="Hebr" typeface="Aharoni"/>
+        <a:font script="Thai" typeface="LilyUPC"/>
         <a:font script="Ethi" typeface="Nyala"/>
         <a:font script="Beng" typeface="Vrinda"/>
         <a:font script="Gujr" typeface="Shruti"/>
@@ -6778,22 +6471,22 @@
         <a:font script="Uigh" typeface="Microsoft Uighur"/>
       </a:majorFont>
       <a:minorFont>
-        <a:latin typeface="Gill Sans MT"/>
+        <a:latin typeface="Perpetua"/>
         <a:ea typeface=""/>
         <a:cs typeface=""/>
-        <a:font script="Grek" typeface="Corbel"/>
-        <a:font script="Cyrl" typeface="Corbel"/>
-        <a:font script="Jpan" typeface="HGｺﾞｼｯｸE"/>
-        <a:font script="Hang" typeface="HY엽서L"/>
-        <a:font script="Hans" typeface="华文中宋"/>
-        <a:font script="Hant" typeface="微軟正黑體"/>
-        <a:font script="Arab" typeface="Majalla UI"/>
-        <a:font script="Hebr" typeface="Arial"/>
-        <a:font script="Thai" typeface="Cordia New"/>
+        <a:font script="Grek" typeface="Cambria"/>
+        <a:font script="Cyrl" typeface="Cambria"/>
+        <a:font script="Jpan" typeface="HG創英ﾌﾟﾚｾﾞﾝｽEB"/>
+        <a:font script="Hang" typeface="맑은 고딕"/>
+        <a:font script="Hans" typeface="宋体"/>
+        <a:font script="Hant" typeface="新細明體"/>
+        <a:font script="Arab" typeface="Times New Roman"/>
+        <a:font script="Hebr" typeface="Aharoni"/>
+        <a:font script="Thai" typeface="EucrosiaUPC"/>
         <a:font script="Ethi" typeface="Nyala"/>
         <a:font script="Beng" typeface="Vrinda"/>
         <a:font script="Gujr" typeface="Shruti"/>
-        <a:font script="Khmr" typeface="DaunPenh"/>
+        <a:font script="Khmr" typeface="MoolBoran"/>
         <a:font script="Knda" typeface="Tunga"/>
         <a:font script="Guru" typeface="Raavi"/>
         <a:font script="Cans" typeface="Euphemia"/>
@@ -6810,101 +6503,63 @@
         <a:font script="Laoo" typeface="DokChampa"/>
         <a:font script="Sinh" typeface="Iskoola Pota"/>
         <a:font script="Mong" typeface="Mongolian Baiti"/>
-        <a:font script="Viet" typeface="Tahoma"/>
+        <a:font script="Viet" typeface="Times New Roman"/>
         <a:font script="Uigh" typeface="Microsoft Uighur"/>
       </a:minorFont>
     </a:fontScheme>
-    <a:fmtScheme name="Солнцестояние">
+    <a:fmtScheme name="Справедливость">
       <a:fillStyleLst>
         <a:solidFill>
           <a:schemeClr val="phClr"/>
         </a:solidFill>
-        <a:gradFill rotWithShape="1">
-          <a:gsLst>
-            <a:gs pos="0">
+        <a:blipFill>
+          <a:blip xmlns:r="http://schemas.openxmlformats.org/officeDocument/2006/relationships" r:embed="rId1">
+            <a:duotone>
               <a:schemeClr val="phClr">
-                <a:tint val="35000"/>
-                <a:satMod val="253000"/>
+                <a:tint val="30000"/>
+                <a:satMod val="300000"/>
               </a:schemeClr>
-            </a:gs>
-            <a:gs pos="50000">
               <a:schemeClr val="phClr">
-                <a:tint val="42000"/>
-                <a:satMod val="255000"/>
+                <a:tint val="40000"/>
+                <a:satMod val="200000"/>
               </a:schemeClr>
-            </a:gs>
-            <a:gs pos="97000">
+            </a:duotone>
+          </a:blip>
+          <a:tile tx="0" ty="0" sx="70000" sy="70000" flip="none" algn="ctr"/>
+        </a:blipFill>
+        <a:blipFill>
+          <a:blip xmlns:r="http://schemas.openxmlformats.org/officeDocument/2006/relationships" r:embed="rId1">
+            <a:duotone>
               <a:schemeClr val="phClr">
-                <a:tint val="53000"/>
-                <a:satMod val="260000"/>
+                <a:shade val="22000"/>
+                <a:satMod val="160000"/>
               </a:schemeClr>
-            </a:gs>
-            <a:gs pos="100000">
               <a:schemeClr val="phClr">
-                <a:tint val="56000"/>
-                <a:satMod val="275000"/>
+                <a:shade val="45000"/>
+                <a:satMod val="100000"/>
               </a:schemeClr>
-            </a:gs>
-          </a:gsLst>
-          <a:path path="circle">
-            <a:fillToRect l="50000" t="50000" r="50000" b="50000"/>
-          </a:path>
-        </a:gradFill>
-        <a:gradFill rotWithShape="1">
-          <a:gsLst>
-            <a:gs pos="0">
-              <a:schemeClr val="phClr">
-                <a:tint val="92000"/>
-                <a:satMod val="170000"/>
-              </a:schemeClr>
-            </a:gs>
-            <a:gs pos="15000">
-              <a:schemeClr val="phClr">
-                <a:tint val="92000"/>
-                <a:shade val="99000"/>
-                <a:satMod val="170000"/>
-              </a:schemeClr>
-            </a:gs>
-            <a:gs pos="62000">
-              <a:schemeClr val="phClr">
-                <a:tint val="96000"/>
-                <a:shade val="80000"/>
-                <a:satMod val="170000"/>
-              </a:schemeClr>
-            </a:gs>
-            <a:gs pos="97000">
-              <a:schemeClr val="phClr">
-                <a:tint val="98000"/>
-                <a:shade val="63000"/>
-                <a:satMod val="170000"/>
-              </a:schemeClr>
-            </a:gs>
-            <a:gs pos="100000">
-              <a:schemeClr val="phClr">
-                <a:shade val="62000"/>
-                <a:satMod val="170000"/>
-              </a:schemeClr>
-            </a:gs>
-          </a:gsLst>
-          <a:path path="circle">
-            <a:fillToRect l="50000" t="50000" r="50000" b="50000"/>
-          </a:path>
-        </a:gradFill>
+            </a:duotone>
+          </a:blip>
+          <a:tile tx="0" ty="0" sx="65000" sy="65000" flip="none" algn="ctr"/>
+        </a:blipFill>
       </a:fillStyleLst>
       <a:lnStyleLst>
         <a:ln w="9525" cap="flat" cmpd="sng" algn="ctr">
+          <a:solidFill>
+            <a:schemeClr val="phClr">
+              <a:shade val="60000"/>
+              <a:satMod val="110000"/>
+            </a:schemeClr>
+          </a:solidFill>
+          <a:prstDash val="solid"/>
+        </a:ln>
+        <a:ln w="12700" cap="flat" cmpd="sng" algn="ctr">
           <a:solidFill>
             <a:schemeClr val="phClr"/>
           </a:solidFill>
           <a:prstDash val="solid"/>
         </a:ln>
-        <a:ln w="25400" cap="flat" cmpd="sng" algn="ctr">
-          <a:solidFill>
-            <a:schemeClr val="phClr"/>
-          </a:solidFill>
-          <a:prstDash val="solid"/>
-        </a:ln>
-        <a:ln w="25400" cap="flat" cmpd="sng" algn="ctr">
+        <a:ln w="38100" cap="flat" cmpd="sng" algn="ctr">
           <a:solidFill>
             <a:schemeClr val="phClr"/>
           </a:solidFill>
@@ -6914,58 +6569,45 @@
       <a:effectStyleLst>
         <a:effectStyle>
           <a:effectLst>
-            <a:outerShdw blurRad="63500" dist="25400" dir="5400000" rotWithShape="0">
+            <a:outerShdw blurRad="38100" dist="25400" dir="5400000" algn="t" rotWithShape="0">
               <a:srgbClr val="000000">
-                <a:alpha val="43137"/>
+                <a:alpha val="50000"/>
               </a:srgbClr>
             </a:outerShdw>
           </a:effectLst>
         </a:effectStyle>
         <a:effectStyle>
           <a:effectLst>
-            <a:outerShdw blurRad="63500" dist="25400" dir="5400000" rotWithShape="0">
+            <a:outerShdw blurRad="38100" dist="25400" dir="5400000" algn="t" rotWithShape="0">
               <a:srgbClr val="000000">
-                <a:alpha val="43137"/>
+                <a:alpha val="50000"/>
+              </a:srgbClr>
+            </a:outerShdw>
+          </a:effectLst>
+        </a:effectStyle>
+        <a:effectStyle>
+          <a:effectLst>
+            <a:outerShdw blurRad="50800" dist="50800" dir="5400000" algn="t" rotWithShape="0">
+              <a:srgbClr val="000000">
+                <a:alpha val="60000"/>
               </a:srgbClr>
             </a:outerShdw>
           </a:effectLst>
           <a:scene3d>
-            <a:camera prst="orthographicFront" fov="0">
+            <a:camera prst="isometricBottomUp" fov="0">
               <a:rot lat="0" lon="0" rev="0"/>
             </a:camera>
-            <a:lightRig rig="brightRoom" dir="tl">
-              <a:rot lat="0" lon="0" rev="8700000"/>
+            <a:lightRig rig="soft" dir="b">
+              <a:rot lat="0" lon="0" rev="9000000"/>
             </a:lightRig>
           </a:scene3d>
-          <a:sp3d contourW="12700">
-            <a:bevelT w="0" h="0"/>
+          <a:sp3d contourW="35000" prstMaterial="matte">
+            <a:bevelT w="45000" h="38100" prst="convex"/>
             <a:contourClr>
               <a:schemeClr val="phClr">
-                <a:shade val="80000"/>
+                <a:tint val="10000"/>
+                <a:satMod val="130000"/>
               </a:schemeClr>
-            </a:contourClr>
-          </a:sp3d>
-        </a:effectStyle>
-        <a:effectStyle>
-          <a:effectLst>
-            <a:outerShdw blurRad="63500" dist="25400" dir="5400000" rotWithShape="0">
-              <a:srgbClr val="000000">
-                <a:alpha val="43137"/>
-              </a:srgbClr>
-            </a:outerShdw>
-          </a:effectLst>
-          <a:scene3d>
-            <a:camera prst="orthographicFront" fov="0">
-              <a:rot lat="0" lon="0" rev="0"/>
-            </a:camera>
-            <a:lightRig rig="brightRoom" dir="tl">
-              <a:rot lat="0" lon="0" rev="5400000"/>
-            </a:lightRig>
-          </a:scene3d>
-          <a:sp3d contourW="12700">
-            <a:bevelT w="25400" h="50800" prst="angle"/>
-            <a:contourClr>
-              <a:schemeClr val="phClr"/>
             </a:contourClr>
           </a:sp3d>
         </a:effectStyle>
@@ -6978,41 +6620,39 @@
           <a:gsLst>
             <a:gs pos="0">
               <a:schemeClr val="phClr">
-                <a:tint val="60000"/>
-                <a:satMod val="355000"/>
+                <a:shade val="40000"/>
+                <a:satMod val="165000"/>
               </a:schemeClr>
             </a:gs>
-            <a:gs pos="40000">
+            <a:gs pos="50000">
               <a:schemeClr val="phClr">
-                <a:tint val="85000"/>
-                <a:satMod val="320000"/>
+                <a:shade val="80000"/>
+                <a:satMod val="155000"/>
               </a:schemeClr>
             </a:gs>
             <a:gs pos="100000">
               <a:schemeClr val="phClr">
-                <a:shade val="55000"/>
-                <a:satMod val="300000"/>
+                <a:tint val="95000"/>
+                <a:satMod val="200000"/>
               </a:schemeClr>
             </a:gs>
           </a:gsLst>
-          <a:path path="circle">
-            <a:fillToRect l="-24500" t="-20000" r="124500" b="120000"/>
-          </a:path>
+          <a:lin ang="16200000" scaled="1"/>
         </a:gradFill>
         <a:blipFill>
           <a:blip xmlns:r="http://schemas.openxmlformats.org/officeDocument/2006/relationships" r:embed="rId1">
             <a:duotone>
               <a:schemeClr val="phClr">
-                <a:shade val="9000"/>
-                <a:satMod val="300000"/>
+                <a:tint val="95000"/>
+                <a:satMod val="200000"/>
               </a:schemeClr>
               <a:schemeClr val="phClr">
-                <a:tint val="90000"/>
-                <a:satMod val="225000"/>
+                <a:shade val="80000"/>
+                <a:satMod val="100000"/>
               </a:schemeClr>
             </a:duotone>
           </a:blip>
-          <a:tile tx="0" ty="0" sx="90000" sy="90000" flip="xy" algn="tl"/>
+          <a:tile tx="0" ty="0" sx="55000" sy="55000" flip="none" algn="tl"/>
         </a:blipFill>
       </a:bgFillStyleLst>
     </a:fmtScheme>
